--- a/06_ohjelmistoarkkitehtuurit_ja_patternit/SoftwareArchitecturesAndPatterns.pptx
+++ b/06_ohjelmistoarkkitehtuurit_ja_patternit/SoftwareArchitecturesAndPatterns.pptx
@@ -8104,12 +8104,8 @@
           </a:p>
           <a:p>
             <a:r>
-              <a:rPr lang="fi-FI" dirty="0" err="1"/>
-              <a:t>Unknow</a:t>
-            </a:r>
-            <a:r>
-              <a:rPr lang="fi-FI" dirty="0"/>
-              <a:t> </a:t>
+              <a:rPr lang="fi-FI" dirty="0"/>
+              <a:t>Unknown </a:t>
             </a:r>
             <a:r>
               <a:rPr lang="fi-FI" dirty="0" err="1"/>
@@ -14105,6 +14101,16 @@
             <a:r>
               <a:rPr lang="fi-FI" dirty="0" err="1"/>
               <a:t>level</a:t>
+            </a:r>
+            <a:r>
+              <a:rPr lang="fi-FI"/>
+              <a:t>    </a:t>
+            </a:r>
+            <a:r>
+              <a:rPr lang="fi-FI" u="sng">
+                <a:hlinkClick r:id="rId2"/>
+              </a:rPr>
+              <a:t>https://en.wikipedia.org/wiki/Software_design_pattern</a:t>
             </a:r>
             <a:endParaRPr lang="fi-FI" dirty="0"/>
           </a:p>
@@ -16210,6 +16216,21 @@
 </file>
 
 <file path=customXml/item1.xml><?xml version="1.0" encoding="utf-8"?>
+<p:properties xmlns:p="http://schemas.microsoft.com/office/2006/metadata/properties" xmlns:xsi="http://www.w3.org/2001/XMLSchema-instance" xmlns:pc="http://schemas.microsoft.com/office/infopath/2007/PartnerControls">
+  <documentManagement/>
+</p:properties>
+</file>
+
+<file path=customXml/item2.xml><?xml version="1.0" encoding="utf-8"?>
+<?mso-contentType ?>
+<FormTemplates xmlns="http://schemas.microsoft.com/sharepoint/v3/contenttype/forms">
+  <Display>DocumentLibraryForm</Display>
+  <Edit>DocumentLibraryForm</Edit>
+  <New>DocumentLibraryForm</New>
+</FormTemplates>
+</file>
+
+<file path=customXml/item3.xml><?xml version="1.0" encoding="utf-8"?>
 <ct:contentTypeSchema xmlns:ct="http://schemas.microsoft.com/office/2006/metadata/contentType" xmlns:ma="http://schemas.microsoft.com/office/2006/metadata/properties/metaAttributes" ct:_="" ma:_="" ma:contentTypeName="Document" ma:contentTypeID="0x0101008A03D813BDC1354CB9CC31017C1D507E" ma:contentTypeVersion="14" ma:contentTypeDescription="Create a new document." ma:contentTypeScope="" ma:versionID="8d610081a03aab79f4f6816a8abae875">
   <xsd:schema xmlns:xsd="http://www.w3.org/2001/XMLSchema" xmlns:xs="http://www.w3.org/2001/XMLSchema" xmlns:p="http://schemas.microsoft.com/office/2006/metadata/properties" xmlns:ns3="23ce7308-0f1e-43e9-aba3-b9c7d7318f5c" xmlns:ns4="a915d5db-83f9-4a1c-939a-8e707aa4dcbb" targetNamespace="http://schemas.microsoft.com/office/2006/metadata/properties" ma:root="true" ma:fieldsID="66de0da61abf087c2e24f3b57cbf177f" ns3:_="" ns4:_="">
     <xsd:import namespace="23ce7308-0f1e-43e9-aba3-b9c7d7318f5c"/>
@@ -16438,22 +16459,32 @@
 </ct:contentTypeSchema>
 </file>
 
-<file path=customXml/item2.xml><?xml version="1.0" encoding="utf-8"?>
-<?mso-contentType ?>
-<FormTemplates xmlns="http://schemas.microsoft.com/sharepoint/v3/contenttype/forms">
-  <Display>DocumentLibraryForm</Display>
-  <Edit>DocumentLibraryForm</Edit>
-  <New>DocumentLibraryForm</New>
-</FormTemplates>
+<file path=customXml/itemProps1.xml><?xml version="1.0" encoding="utf-8"?>
+<ds:datastoreItem xmlns:ds="http://schemas.openxmlformats.org/officeDocument/2006/customXml" ds:itemID="{DED4E12E-7268-4B03-A47B-0755D62B5E31}">
+  <ds:schemaRefs>
+    <ds:schemaRef ds:uri="http://schemas.microsoft.com/office/2006/documentManagement/types"/>
+    <ds:schemaRef ds:uri="http://purl.org/dc/elements/1.1/"/>
+    <ds:schemaRef ds:uri="http://www.w3.org/XML/1998/namespace"/>
+    <ds:schemaRef ds:uri="a915d5db-83f9-4a1c-939a-8e707aa4dcbb"/>
+    <ds:schemaRef ds:uri="http://schemas.openxmlformats.org/package/2006/metadata/core-properties"/>
+    <ds:schemaRef ds:uri="http://purl.org/dc/terms/"/>
+    <ds:schemaRef ds:uri="http://schemas.microsoft.com/office/2006/metadata/properties"/>
+    <ds:schemaRef ds:uri="http://schemas.microsoft.com/office/infopath/2007/PartnerControls"/>
+    <ds:schemaRef ds:uri="23ce7308-0f1e-43e9-aba3-b9c7d7318f5c"/>
+    <ds:schemaRef ds:uri="http://purl.org/dc/dcmitype/"/>
+  </ds:schemaRefs>
+</ds:datastoreItem>
 </file>
 
-<file path=customXml/item3.xml><?xml version="1.0" encoding="utf-8"?>
-<p:properties xmlns:p="http://schemas.microsoft.com/office/2006/metadata/properties" xmlns:xsi="http://www.w3.org/2001/XMLSchema-instance" xmlns:pc="http://schemas.microsoft.com/office/infopath/2007/PartnerControls">
-  <documentManagement/>
-</p:properties>
+<file path=customXml/itemProps2.xml><?xml version="1.0" encoding="utf-8"?>
+<ds:datastoreItem xmlns:ds="http://schemas.openxmlformats.org/officeDocument/2006/customXml" ds:itemID="{D546C03B-CD3A-4EA0-AAA4-0E00E896454E}">
+  <ds:schemaRefs>
+    <ds:schemaRef ds:uri="http://schemas.microsoft.com/sharepoint/v3/contenttype/forms"/>
+  </ds:schemaRefs>
+</ds:datastoreItem>
 </file>
 
-<file path=customXml/itemProps1.xml><?xml version="1.0" encoding="utf-8"?>
+<file path=customXml/itemProps3.xml><?xml version="1.0" encoding="utf-8"?>
 <ds:datastoreItem xmlns:ds="http://schemas.openxmlformats.org/officeDocument/2006/customXml" ds:itemID="{66BA7D05-A425-4449-B909-FD98A040947D}">
   <ds:schemaRefs>
     <ds:schemaRef ds:uri="http://schemas.microsoft.com/office/2006/metadata/contentType"/>
@@ -16470,29 +16501,4 @@
     <ds:schemaRef ds:uri="http://schemas.microsoft.com/internal/obd"/>
   </ds:schemaRefs>
 </ds:datastoreItem>
-</file>
-
-<file path=customXml/itemProps2.xml><?xml version="1.0" encoding="utf-8"?>
-<ds:datastoreItem xmlns:ds="http://schemas.openxmlformats.org/officeDocument/2006/customXml" ds:itemID="{D546C03B-CD3A-4EA0-AAA4-0E00E896454E}">
-  <ds:schemaRefs>
-    <ds:schemaRef ds:uri="http://schemas.microsoft.com/sharepoint/v3/contenttype/forms"/>
-  </ds:schemaRefs>
-</ds:datastoreItem>
-</file>
-
-<file path=customXml/itemProps3.xml><?xml version="1.0" encoding="utf-8"?>
-<ds:datastoreItem xmlns:ds="http://schemas.openxmlformats.org/officeDocument/2006/customXml" ds:itemID="{DED4E12E-7268-4B03-A47B-0755D62B5E31}">
-  <ds:schemaRefs>
-    <ds:schemaRef ds:uri="http://www.w3.org/XML/1998/namespace"/>
-    <ds:schemaRef ds:uri="http://schemas.microsoft.com/office/2006/metadata/properties"/>
-    <ds:schemaRef ds:uri="http://purl.org/dc/terms/"/>
-    <ds:schemaRef ds:uri="a915d5db-83f9-4a1c-939a-8e707aa4dcbb"/>
-    <ds:schemaRef ds:uri="http://purl.org/dc/elements/1.1/"/>
-    <ds:schemaRef ds:uri="http://schemas.microsoft.com/office/infopath/2007/PartnerControls"/>
-    <ds:schemaRef ds:uri="http://schemas.microsoft.com/office/2006/documentManagement/types"/>
-    <ds:schemaRef ds:uri="http://schemas.openxmlformats.org/package/2006/metadata/core-properties"/>
-    <ds:schemaRef ds:uri="23ce7308-0f1e-43e9-aba3-b9c7d7318f5c"/>
-    <ds:schemaRef ds:uri="http://purl.org/dc/dcmitype/"/>
-  </ds:schemaRefs>
-</ds:datastoreItem>
 </file>
--- a/06_ohjelmistoarkkitehtuurit_ja_patternit/SoftwareArchitecturesAndPatterns.pptx
+++ b/06_ohjelmistoarkkitehtuurit_ja_patternit/SoftwareArchitecturesAndPatterns.pptx
@@ -7564,8 +7564,8 @@
         </p:blipFill>
         <p:spPr>
           <a:xfrm>
-            <a:off x="5611561" y="940204"/>
-            <a:ext cx="6093533" cy="4913898"/>
+            <a:off x="4940085" y="716797"/>
+            <a:ext cx="6989735" cy="5284921"/>
           </a:xfrm>
         </p:spPr>
       </p:pic>
@@ -9367,11 +9367,19 @@
           <a:bodyPr rtlCol="0" anchor="ctr"/>
           <a:lstStyle/>
           <a:p>
-            <a:pPr algn="ctr"/>
+            <a:pPr algn="r"/>
             <a:endParaRPr lang="fi-FI" dirty="0"/>
           </a:p>
           <a:p>
-            <a:pPr algn="ctr"/>
+            <a:pPr algn="r"/>
+            <a:endParaRPr lang="fi-FI" dirty="0"/>
+          </a:p>
+          <a:p>
+            <a:pPr algn="r"/>
+            <a:endParaRPr lang="fi-FI" dirty="0"/>
+          </a:p>
+          <a:p>
+            <a:pPr algn="r"/>
             <a:r>
               <a:rPr lang="fi-FI" dirty="0"/>
               <a:t>Some </a:t>
@@ -9386,10 +9394,10 @@
             </a:r>
           </a:p>
           <a:p>
-            <a:pPr algn="ctr"/>
-            <a:r>
-              <a:rPr lang="fi-FI" dirty="0" err="1"/>
-              <a:t>Have</a:t>
+            <a:pPr algn="r"/>
+            <a:r>
+              <a:rPr lang="fi-FI" dirty="0" err="1"/>
+              <a:t>have</a:t>
             </a:r>
             <a:r>
               <a:rPr lang="fi-FI" dirty="0"/>
@@ -9410,13 +9418,21 @@
             <a:endParaRPr lang="fi-FI" dirty="0"/>
           </a:p>
           <a:p>
-            <a:pPr algn="ctr"/>
+            <a:pPr algn="r"/>
             <a:r>
               <a:rPr lang="fi-FI" dirty="0"/>
               <a:t>Some </a:t>
             </a:r>
             <a:r>
               <a:rPr lang="fi-FI" dirty="0" err="1"/>
+              <a:t>others</a:t>
+            </a:r>
+            <a:r>
+              <a:rPr lang="fi-FI" dirty="0"/>
+              <a:t> </a:t>
+            </a:r>
+            <a:r>
+              <a:rPr lang="fi-FI" dirty="0" err="1"/>
               <a:t>do</a:t>
             </a:r>
             <a:r>
@@ -9427,6 +9443,76 @@
               <a:rPr lang="fi-FI" dirty="0" err="1"/>
               <a:t>not</a:t>
             </a:r>
+            <a:r>
+              <a:rPr lang="fi-FI" dirty="0"/>
+              <a:t> </a:t>
+            </a:r>
+            <a:r>
+              <a:rPr lang="fi-FI" dirty="0" err="1"/>
+              <a:t>need</a:t>
+            </a:r>
+            <a:r>
+              <a:rPr lang="fi-FI" dirty="0"/>
+              <a:t>.</a:t>
+            </a:r>
+          </a:p>
+          <a:p>
+            <a:pPr algn="r"/>
+            <a:endParaRPr lang="fi-FI" dirty="0"/>
+          </a:p>
+          <a:p>
+            <a:pPr algn="r"/>
+            <a:endParaRPr lang="fi-FI" dirty="0"/>
+          </a:p>
+          <a:p>
+            <a:pPr algn="r"/>
+            <a:r>
+              <a:rPr lang="fi-FI" i="1" dirty="0" err="1"/>
+              <a:t>Serverless</a:t>
+            </a:r>
+            <a:r>
+              <a:rPr lang="fi-FI" i="1" dirty="0"/>
+              <a:t> </a:t>
+            </a:r>
+            <a:r>
+              <a:rPr lang="fi-FI" i="1" dirty="0" err="1"/>
+              <a:t>computing</a:t>
+            </a:r>
+            <a:r>
+              <a:rPr lang="fi-FI" i="1" dirty="0"/>
+              <a:t> </a:t>
+            </a:r>
+            <a:r>
+              <a:rPr lang="fi-FI" dirty="0" err="1"/>
+              <a:t>could</a:t>
+            </a:r>
+            <a:r>
+              <a:rPr lang="fi-FI" dirty="0"/>
+              <a:t> </a:t>
+            </a:r>
+            <a:r>
+              <a:rPr lang="fi-FI" dirty="0" err="1"/>
+              <a:t>be</a:t>
+            </a:r>
+            <a:r>
+              <a:rPr lang="fi-FI" dirty="0"/>
+              <a:t> </a:t>
+            </a:r>
+            <a:r>
+              <a:rPr lang="fi-FI" dirty="0" err="1"/>
+              <a:t>used</a:t>
+            </a:r>
+            <a:r>
+              <a:rPr lang="fi-FI" dirty="0"/>
+              <a:t>.</a:t>
+            </a:r>
+          </a:p>
+          <a:p>
+            <a:pPr algn="r"/>
+            <a:endParaRPr lang="fi-FI" dirty="0"/>
+          </a:p>
+          <a:p>
+            <a:pPr algn="r"/>
             <a:endParaRPr lang="fi-FI" dirty="0"/>
           </a:p>
         </p:txBody>
@@ -12555,7 +12641,7 @@
             </a:r>
             <a:r>
               <a:rPr lang="fi-FI" dirty="0"/>
-              <a:t> (at </a:t>
+              <a:t> a case (at </a:t>
             </a:r>
             <a:r>
               <a:rPr lang="fi-FI" dirty="0" err="1"/>
@@ -17921,7 +18007,15 @@
             </a:r>
             <a:r>
               <a:rPr lang="fi-FI" dirty="0"/>
-              <a:t>)</a:t>
+              <a:t>). ”Messaging </a:t>
+            </a:r>
+            <a:r>
+              <a:rPr lang="fi-FI" dirty="0" err="1"/>
+              <a:t>patterns</a:t>
+            </a:r>
+            <a:r>
+              <a:rPr lang="fi-FI" dirty="0"/>
+              <a:t>”</a:t>
             </a:r>
           </a:p>
           <a:p>
@@ -18034,7 +18128,7 @@
             </a:r>
             <a:r>
               <a:rPr lang="fi-FI" dirty="0"/>
-              <a:t> made </a:t>
+              <a:t>-made </a:t>
             </a:r>
             <a:r>
               <a:rPr lang="fi-FI" dirty="0" err="1"/>
@@ -18084,11 +18178,11 @@
               <a:t>level</a:t>
             </a:r>
             <a:r>
-              <a:rPr lang="fi-FI"/>
+              <a:rPr lang="fi-FI" dirty="0"/>
               <a:t>    </a:t>
             </a:r>
             <a:r>
-              <a:rPr lang="fi-FI" u="sng">
+              <a:rPr lang="fi-FI" u="sng" dirty="0">
                 <a:hlinkClick r:id="rId2"/>
               </a:rPr>
               <a:t>https://en.wikipedia.org/wiki/Software_design_pattern</a:t>
@@ -18164,7 +18258,23 @@
             </a:r>
             <a:r>
               <a:rPr lang="fi-FI" dirty="0"/>
-              <a:t> CI </a:t>
+              <a:t> </a:t>
+            </a:r>
+            <a:r>
+              <a:rPr lang="fi-FI" dirty="0" err="1"/>
+              <a:t>Continuous</a:t>
+            </a:r>
+            <a:r>
+              <a:rPr lang="fi-FI" dirty="0"/>
+              <a:t> </a:t>
+            </a:r>
+            <a:r>
+              <a:rPr lang="fi-FI" dirty="0" err="1"/>
+              <a:t>Integration</a:t>
+            </a:r>
+            <a:r>
+              <a:rPr lang="fi-FI" dirty="0"/>
+              <a:t> (CI) </a:t>
             </a:r>
             <a:r>
               <a:rPr lang="fi-FI" dirty="0" err="1"/>
@@ -18326,15 +18436,23 @@
               <a:t> </a:t>
             </a:r>
             <a:r>
-              <a:rPr lang="fi-FI" b="1" dirty="0" err="1"/>
+              <a:rPr lang="fi-FI" dirty="0" err="1"/>
               <a:t>development</a:t>
             </a:r>
             <a:r>
-              <a:rPr lang="fi-FI" b="1" dirty="0"/>
-              <a:t> </a:t>
-            </a:r>
-            <a:r>
-              <a:rPr lang="fi-FI" b="1" dirty="0" err="1"/>
+              <a:rPr lang="fi-FI" dirty="0"/>
+              <a:t> and </a:t>
+            </a:r>
+            <a:r>
+              <a:rPr lang="fi-FI" dirty="0" err="1"/>
+              <a:t>development</a:t>
+            </a:r>
+            <a:r>
+              <a:rPr lang="fi-FI" dirty="0"/>
+              <a:t> </a:t>
+            </a:r>
+            <a:r>
+              <a:rPr lang="fi-FI" dirty="0" err="1"/>
               <a:t>time</a:t>
             </a:r>
             <a:r>
@@ -19341,8 +19459,68 @@
               <a:rPr lang="fi-FI" sz="2000" dirty="0"/>
             </a:br>
             <a:r>
+              <a:rPr lang="fi-FI" sz="2000" dirty="0" err="1"/>
+              <a:t>These</a:t>
+            </a:r>
+            <a:r>
               <a:rPr lang="fi-FI" sz="2000" dirty="0"/>
-              <a:t>+ </a:t>
+              <a:t> just on </a:t>
+            </a:r>
+            <a:r>
+              <a:rPr lang="fi-FI" sz="2000" dirty="0" err="1"/>
+              <a:t>one</a:t>
+            </a:r>
+            <a:r>
+              <a:rPr lang="fi-FI" sz="2000" dirty="0"/>
+              <a:t> </a:t>
+            </a:r>
+            <a:r>
+              <a:rPr lang="fi-FI" sz="2000" dirty="0" err="1"/>
+              <a:t>sitting</a:t>
+            </a:r>
+            <a:r>
+              <a:rPr lang="fi-FI" sz="2000" dirty="0"/>
+              <a:t> </a:t>
+            </a:r>
+            <a:r>
+              <a:rPr lang="fi-FI" sz="2000" dirty="0" err="1"/>
+              <a:t>without</a:t>
+            </a:r>
+            <a:r>
+              <a:rPr lang="fi-FI" sz="2000" dirty="0"/>
+              <a:t> </a:t>
+            </a:r>
+            <a:r>
+              <a:rPr lang="fi-FI" sz="2000" dirty="0" err="1"/>
+              <a:t>looking</a:t>
+            </a:r>
+            <a:r>
+              <a:rPr lang="fi-FI" sz="2000" dirty="0"/>
+              <a:t> at </a:t>
+            </a:r>
+            <a:r>
+              <a:rPr lang="fi-FI" sz="2000" dirty="0" err="1"/>
+              <a:t>materials</a:t>
+            </a:r>
+            <a:r>
+              <a:rPr lang="fi-FI" sz="2000" dirty="0"/>
+              <a:t>, </a:t>
+            </a:r>
+            <a:r>
+              <a:rPr lang="fi-FI" sz="2000" dirty="0" err="1"/>
+              <a:t>so</a:t>
+            </a:r>
+            <a:r>
+              <a:rPr lang="fi-FI" sz="2000" dirty="0"/>
+              <a:t> </a:t>
+            </a:r>
+            <a:r>
+              <a:rPr lang="fi-FI" sz="2000" dirty="0" err="1"/>
+              <a:t>even</a:t>
+            </a:r>
+            <a:r>
+              <a:rPr lang="fi-FI" sz="2000" dirty="0"/>
+              <a:t> </a:t>
             </a:r>
             <a:r>
               <a:rPr lang="fi-FI" sz="2000" dirty="0" err="1"/>
@@ -19354,73 +19532,12 @@
             </a:r>
             <a:r>
               <a:rPr lang="fi-FI" sz="2000" dirty="0" err="1"/>
-              <a:t>that</a:t>
+              <a:t>exist</a:t>
             </a:r>
             <a:r>
               <a:rPr lang="fi-FI" sz="2000" dirty="0"/>
-              <a:t> I </a:t>
-            </a:r>
-            <a:r>
-              <a:rPr lang="fi-FI" sz="2000" dirty="0" err="1"/>
-              <a:t>could</a:t>
-            </a:r>
-            <a:r>
-              <a:rPr lang="fi-FI" sz="2000" dirty="0"/>
-              <a:t> </a:t>
-            </a:r>
-            <a:r>
-              <a:rPr lang="fi-FI" sz="2000" dirty="0" err="1"/>
-              <a:t>not</a:t>
-            </a:r>
-            <a:r>
-              <a:rPr lang="fi-FI" sz="2000" dirty="0"/>
-              <a:t> </a:t>
-            </a:r>
-            <a:r>
-              <a:rPr lang="fi-FI" sz="2000" dirty="0" err="1"/>
-              <a:t>remember</a:t>
-            </a:r>
-            <a:r>
-              <a:rPr lang="fi-FI" sz="2000" dirty="0"/>
-              <a:t> on </a:t>
-            </a:r>
-            <a:r>
-              <a:rPr lang="fi-FI" sz="2000" dirty="0" err="1"/>
-              <a:t>one</a:t>
-            </a:r>
-            <a:r>
-              <a:rPr lang="fi-FI" sz="2000" dirty="0"/>
-              <a:t> </a:t>
-            </a:r>
-            <a:r>
-              <a:rPr lang="fi-FI" sz="2000" dirty="0" err="1"/>
-              <a:t>sitting</a:t>
-            </a:r>
-            <a:r>
-              <a:rPr lang="fi-FI" sz="2000" dirty="0"/>
-              <a:t> </a:t>
-            </a:r>
-            <a:r>
-              <a:rPr lang="fi-FI" sz="2000" dirty="0" err="1"/>
-              <a:t>without</a:t>
-            </a:r>
-            <a:r>
-              <a:rPr lang="fi-FI" sz="2000" dirty="0"/>
-              <a:t> </a:t>
-            </a:r>
-            <a:r>
-              <a:rPr lang="fi-FI" sz="2000" dirty="0" err="1"/>
-              <a:t>looking</a:t>
-            </a:r>
-            <a:r>
-              <a:rPr lang="fi-FI" sz="2000" dirty="0"/>
-              <a:t> at </a:t>
-            </a:r>
-            <a:r>
-              <a:rPr lang="fi-FI" sz="2000" dirty="0" err="1"/>
-              <a:t>materials</a:t>
-            </a:r>
-            <a:endParaRPr lang="fi-FI" sz="2000" dirty="0"/>
+              <a:t>.</a:t>
+            </a:r>
           </a:p>
           <a:p>
             <a:pPr marL="0" indent="0">
@@ -20197,6 +20314,21 @@
 </file>
 
 <file path=customXml/item1.xml><?xml version="1.0" encoding="utf-8"?>
+<p:properties xmlns:p="http://schemas.microsoft.com/office/2006/metadata/properties" xmlns:xsi="http://www.w3.org/2001/XMLSchema-instance" xmlns:pc="http://schemas.microsoft.com/office/infopath/2007/PartnerControls">
+  <documentManagement/>
+</p:properties>
+</file>
+
+<file path=customXml/item2.xml><?xml version="1.0" encoding="utf-8"?>
+<?mso-contentType ?>
+<FormTemplates xmlns="http://schemas.microsoft.com/sharepoint/v3/contenttype/forms">
+  <Display>DocumentLibraryForm</Display>
+  <Edit>DocumentLibraryForm</Edit>
+  <New>DocumentLibraryForm</New>
+</FormTemplates>
+</file>
+
+<file path=customXml/item3.xml><?xml version="1.0" encoding="utf-8"?>
 <ct:contentTypeSchema xmlns:ct="http://schemas.microsoft.com/office/2006/metadata/contentType" xmlns:ma="http://schemas.microsoft.com/office/2006/metadata/properties/metaAttributes" ct:_="" ma:_="" ma:contentTypeName="Document" ma:contentTypeID="0x0101008A03D813BDC1354CB9CC31017C1D507E" ma:contentTypeVersion="14" ma:contentTypeDescription="Create a new document." ma:contentTypeScope="" ma:versionID="8d610081a03aab79f4f6816a8abae875">
   <xsd:schema xmlns:xsd="http://www.w3.org/2001/XMLSchema" xmlns:xs="http://www.w3.org/2001/XMLSchema" xmlns:p="http://schemas.microsoft.com/office/2006/metadata/properties" xmlns:ns3="23ce7308-0f1e-43e9-aba3-b9c7d7318f5c" xmlns:ns4="a915d5db-83f9-4a1c-939a-8e707aa4dcbb" targetNamespace="http://schemas.microsoft.com/office/2006/metadata/properties" ma:root="true" ma:fieldsID="66de0da61abf087c2e24f3b57cbf177f" ns3:_="" ns4:_="">
     <xsd:import namespace="23ce7308-0f1e-43e9-aba3-b9c7d7318f5c"/>
@@ -20425,22 +20557,32 @@
 </ct:contentTypeSchema>
 </file>
 
-<file path=customXml/item2.xml><?xml version="1.0" encoding="utf-8"?>
-<?mso-contentType ?>
-<FormTemplates xmlns="http://schemas.microsoft.com/sharepoint/v3/contenttype/forms">
-  <Display>DocumentLibraryForm</Display>
-  <Edit>DocumentLibraryForm</Edit>
-  <New>DocumentLibraryForm</New>
-</FormTemplates>
+<file path=customXml/itemProps1.xml><?xml version="1.0" encoding="utf-8"?>
+<ds:datastoreItem xmlns:ds="http://schemas.openxmlformats.org/officeDocument/2006/customXml" ds:itemID="{DED4E12E-7268-4B03-A47B-0755D62B5E31}">
+  <ds:schemaRefs>
+    <ds:schemaRef ds:uri="http://schemas.microsoft.com/office/2006/documentManagement/types"/>
+    <ds:schemaRef ds:uri="http://purl.org/dc/elements/1.1/"/>
+    <ds:schemaRef ds:uri="http://schemas.microsoft.com/office/2006/metadata/properties"/>
+    <ds:schemaRef ds:uri="http://purl.org/dc/terms/"/>
+    <ds:schemaRef ds:uri="http://purl.org/dc/dcmitype/"/>
+    <ds:schemaRef ds:uri="http://schemas.openxmlformats.org/package/2006/metadata/core-properties"/>
+    <ds:schemaRef ds:uri="http://www.w3.org/XML/1998/namespace"/>
+    <ds:schemaRef ds:uri="http://schemas.microsoft.com/office/infopath/2007/PartnerControls"/>
+    <ds:schemaRef ds:uri="a915d5db-83f9-4a1c-939a-8e707aa4dcbb"/>
+    <ds:schemaRef ds:uri="23ce7308-0f1e-43e9-aba3-b9c7d7318f5c"/>
+  </ds:schemaRefs>
+</ds:datastoreItem>
 </file>
 
-<file path=customXml/item3.xml><?xml version="1.0" encoding="utf-8"?>
-<p:properties xmlns:p="http://schemas.microsoft.com/office/2006/metadata/properties" xmlns:xsi="http://www.w3.org/2001/XMLSchema-instance" xmlns:pc="http://schemas.microsoft.com/office/infopath/2007/PartnerControls">
-  <documentManagement/>
-</p:properties>
+<file path=customXml/itemProps2.xml><?xml version="1.0" encoding="utf-8"?>
+<ds:datastoreItem xmlns:ds="http://schemas.openxmlformats.org/officeDocument/2006/customXml" ds:itemID="{D546C03B-CD3A-4EA0-AAA4-0E00E896454E}">
+  <ds:schemaRefs>
+    <ds:schemaRef ds:uri="http://schemas.microsoft.com/sharepoint/v3/contenttype/forms"/>
+  </ds:schemaRefs>
+</ds:datastoreItem>
 </file>
 
-<file path=customXml/itemProps1.xml><?xml version="1.0" encoding="utf-8"?>
+<file path=customXml/itemProps3.xml><?xml version="1.0" encoding="utf-8"?>
 <ds:datastoreItem xmlns:ds="http://schemas.openxmlformats.org/officeDocument/2006/customXml" ds:itemID="{66BA7D05-A425-4449-B909-FD98A040947D}">
   <ds:schemaRefs>
     <ds:schemaRef ds:uri="http://schemas.microsoft.com/office/2006/metadata/contentType"/>
@@ -20457,29 +20599,4 @@
     <ds:schemaRef ds:uri="http://schemas.microsoft.com/internal/obd"/>
   </ds:schemaRefs>
 </ds:datastoreItem>
-</file>
-
-<file path=customXml/itemProps2.xml><?xml version="1.0" encoding="utf-8"?>
-<ds:datastoreItem xmlns:ds="http://schemas.openxmlformats.org/officeDocument/2006/customXml" ds:itemID="{D546C03B-CD3A-4EA0-AAA4-0E00E896454E}">
-  <ds:schemaRefs>
-    <ds:schemaRef ds:uri="http://schemas.microsoft.com/sharepoint/v3/contenttype/forms"/>
-  </ds:schemaRefs>
-</ds:datastoreItem>
-</file>
-
-<file path=customXml/itemProps3.xml><?xml version="1.0" encoding="utf-8"?>
-<ds:datastoreItem xmlns:ds="http://schemas.openxmlformats.org/officeDocument/2006/customXml" ds:itemID="{DED4E12E-7268-4B03-A47B-0755D62B5E31}">
-  <ds:schemaRefs>
-    <ds:schemaRef ds:uri="http://schemas.microsoft.com/office/2006/documentManagement/types"/>
-    <ds:schemaRef ds:uri="http://purl.org/dc/elements/1.1/"/>
-    <ds:schemaRef ds:uri="http://schemas.microsoft.com/office/2006/metadata/properties"/>
-    <ds:schemaRef ds:uri="http://purl.org/dc/terms/"/>
-    <ds:schemaRef ds:uri="http://purl.org/dc/dcmitype/"/>
-    <ds:schemaRef ds:uri="http://schemas.openxmlformats.org/package/2006/metadata/core-properties"/>
-    <ds:schemaRef ds:uri="http://www.w3.org/XML/1998/namespace"/>
-    <ds:schemaRef ds:uri="http://schemas.microsoft.com/office/infopath/2007/PartnerControls"/>
-    <ds:schemaRef ds:uri="a915d5db-83f9-4a1c-939a-8e707aa4dcbb"/>
-    <ds:schemaRef ds:uri="23ce7308-0f1e-43e9-aba3-b9c7d7318f5c"/>
-  </ds:schemaRefs>
-</ds:datastoreItem>
 </file>
--- a/06_ohjelmistoarkkitehtuurit_ja_patternit/SoftwareArchitecturesAndPatterns.pptx
+++ b/06_ohjelmistoarkkitehtuurit_ja_patternit/SoftwareArchitecturesAndPatterns.pptx
@@ -5,7 +5,7 @@
     <p:sldMasterId id="2147483648" r:id="rId4"/>
   </p:sldMasterIdLst>
   <p:notesMasterIdLst>
-    <p:notesMasterId r:id="rId23"/>
+    <p:notesMasterId r:id="rId24"/>
   </p:notesMasterIdLst>
   <p:sldIdLst>
     <p:sldId id="256" r:id="rId5"/>
@@ -21,11 +21,12 @@
     <p:sldId id="280" r:id="rId15"/>
     <p:sldId id="281" r:id="rId16"/>
     <p:sldId id="282" r:id="rId17"/>
-    <p:sldId id="271" r:id="rId18"/>
-    <p:sldId id="276" r:id="rId19"/>
-    <p:sldId id="268" r:id="rId20"/>
-    <p:sldId id="259" r:id="rId21"/>
-    <p:sldId id="274" r:id="rId22"/>
+    <p:sldId id="283" r:id="rId18"/>
+    <p:sldId id="271" r:id="rId19"/>
+    <p:sldId id="276" r:id="rId20"/>
+    <p:sldId id="268" r:id="rId21"/>
+    <p:sldId id="259" r:id="rId22"/>
+    <p:sldId id="274" r:id="rId23"/>
   </p:sldIdLst>
   <p:sldSz cx="12192000" cy="6858000"/>
   <p:notesSz cx="6858000" cy="9144000"/>
@@ -1730,7 +1731,7 @@
           <a:p>
             <a:fld id="{5645C365-1C26-6946-87AF-75D6A7DF4277}" type="datetimeFigureOut">
               <a:rPr lang="en-GB" smtClean="0"/>
-              <a:t>11/10/2022</a:t>
+              <a:t>27/10/2022</a:t>
             </a:fld>
             <a:endParaRPr lang="en-GB"/>
           </a:p>
@@ -2229,7 +2230,7 @@
           <a:p>
             <a:fld id="{35B864B8-8D08-7B43-B4FB-B2FB41A5D9E3}" type="datetime1">
               <a:rPr lang="fi-FI" smtClean="0"/>
-              <a:t>11.10.2022</a:t>
+              <a:t>27.10.2022</a:t>
             </a:fld>
             <a:endParaRPr lang="en-GB" dirty="0"/>
           </a:p>
@@ -2556,7 +2557,7 @@
           <a:p>
             <a:fld id="{D5AEA85A-FC56-D34C-9AA6-ECC3D2586F37}" type="datetime1">
               <a:rPr lang="fi-FI" smtClean="0"/>
-              <a:t>11.10.2022</a:t>
+              <a:t>27.10.2022</a:t>
             </a:fld>
             <a:endParaRPr lang="en-GB" dirty="0"/>
           </a:p>
@@ -2766,7 +2767,7 @@
           <a:p>
             <a:fld id="{E6BC6EEF-E660-7844-8930-418AFF95EA40}" type="datetime1">
               <a:rPr lang="fi-FI" smtClean="0"/>
-              <a:t>11.10.2022</a:t>
+              <a:t>27.10.2022</a:t>
             </a:fld>
             <a:endParaRPr lang="en-GB" dirty="0"/>
           </a:p>
@@ -3075,7 +3076,7 @@
           <a:p>
             <a:fld id="{4E10C7EC-C1C1-9849-A573-7692478FCD52}" type="datetime1">
               <a:rPr lang="fi-FI" smtClean="0"/>
-              <a:t>11.10.2022</a:t>
+              <a:t>27.10.2022</a:t>
             </a:fld>
             <a:endParaRPr lang="en-GB" dirty="0"/>
           </a:p>
@@ -3348,7 +3349,7 @@
           <a:p>
             <a:fld id="{844FF3FE-30BE-2040-9151-6FBC4992BF4F}" type="datetime1">
               <a:rPr lang="fi-FI" smtClean="0"/>
-              <a:t>11.10.2022</a:t>
+              <a:t>27.10.2022</a:t>
             </a:fld>
             <a:endParaRPr lang="en-GB" dirty="0"/>
           </a:p>
@@ -3588,7 +3589,7 @@
           <a:p>
             <a:fld id="{11EDCD7B-6966-E249-89F2-D46BDFBF56BE}" type="datetime1">
               <a:rPr lang="fi-FI" smtClean="0"/>
-              <a:t>11.10.2022</a:t>
+              <a:t>27.10.2022</a:t>
             </a:fld>
             <a:endParaRPr lang="en-GB" dirty="0"/>
           </a:p>
@@ -3881,7 +3882,7 @@
           <a:p>
             <a:fld id="{11EDCD7B-6966-E249-89F2-D46BDFBF56BE}" type="datetime1">
               <a:rPr lang="fi-FI" smtClean="0"/>
-              <a:t>11.10.2022</a:t>
+              <a:t>27.10.2022</a:t>
             </a:fld>
             <a:endParaRPr lang="en-GB" dirty="0"/>
           </a:p>
@@ -4320,7 +4321,7 @@
           <a:p>
             <a:fld id="{844FF3FE-30BE-2040-9151-6FBC4992BF4F}" type="datetime1">
               <a:rPr lang="fi-FI" smtClean="0"/>
-              <a:t>11.10.2022</a:t>
+              <a:t>27.10.2022</a:t>
             </a:fld>
             <a:endParaRPr lang="en-GB" dirty="0"/>
           </a:p>
@@ -4548,7 +4549,7 @@
           <a:p>
             <a:fld id="{11EDCD7B-6966-E249-89F2-D46BDFBF56BE}" type="datetime1">
               <a:rPr lang="fi-FI" smtClean="0"/>
-              <a:t>11.10.2022</a:t>
+              <a:t>27.10.2022</a:t>
             </a:fld>
             <a:endParaRPr lang="en-GB" dirty="0"/>
           </a:p>
@@ -4963,7 +4964,7 @@
           <a:p>
             <a:fld id="{B62E192A-D52B-F541-B2AA-4AEB9388F1F7}" type="datetime1">
               <a:rPr lang="fi-FI" smtClean="0"/>
-              <a:t>11.10.2022</a:t>
+              <a:t>27.10.2022</a:t>
             </a:fld>
             <a:endParaRPr lang="en-GB" dirty="0"/>
           </a:p>
@@ -5263,7 +5264,7 @@
           <a:p>
             <a:fld id="{EEA4FAA2-2B3E-264C-A42F-2D6D3EF33A3C}" type="datetime1">
               <a:rPr lang="fi-FI" smtClean="0"/>
-              <a:t>11.10.2022</a:t>
+              <a:t>27.10.2022</a:t>
             </a:fld>
             <a:endParaRPr lang="en-GB" dirty="0"/>
           </a:p>
@@ -6166,7 +6167,7 @@
           <a:p>
             <a:fld id="{B3114A65-8017-1743-A85A-B2A4BB835AE9}" type="datetime1">
               <a:rPr lang="fi-FI" smtClean="0"/>
-              <a:t>11.10.2022</a:t>
+              <a:t>27.10.2022</a:t>
             </a:fld>
             <a:endParaRPr lang="en-GB" dirty="0"/>
           </a:p>
@@ -6394,7 +6395,7 @@
           <a:p>
             <a:fld id="{11EDCD7B-6966-E249-89F2-D46BDFBF56BE}" type="datetime1">
               <a:rPr lang="fi-FI" smtClean="0"/>
-              <a:t>11.10.2022</a:t>
+              <a:t>27.10.2022</a:t>
             </a:fld>
             <a:endParaRPr lang="en-GB" dirty="0"/>
           </a:p>
@@ -6686,7 +6687,7 @@
           <a:p>
             <a:fld id="{45F98643-D206-614D-B596-3C8548138211}" type="datetime1">
               <a:rPr lang="fi-FI" smtClean="0"/>
-              <a:t>11.10.2022</a:t>
+              <a:t>27.10.2022</a:t>
             </a:fld>
             <a:endParaRPr lang="en-GB" dirty="0"/>
           </a:p>
@@ -7326,7 +7327,7 @@
           <a:p>
             <a:fld id="{30BF63A1-919F-FB49-ABA8-182126D24C50}" type="datetime1">
               <a:rPr lang="fi-FI" smtClean="0"/>
-              <a:t>11.10.2022</a:t>
+              <a:t>27.10.2022</a:t>
             </a:fld>
             <a:endParaRPr lang="en-GB" dirty="0"/>
           </a:p>
@@ -7480,7 +7481,7 @@
           <a:p>
             <a:fld id="{551D5D1D-8623-7244-B1BC-5984C123D6C5}" type="datetime1">
               <a:rPr lang="fi-FI" smtClean="0"/>
-              <a:t>11.10.2022</a:t>
+              <a:t>27.10.2022</a:t>
             </a:fld>
             <a:endParaRPr lang="en-GB"/>
           </a:p>
@@ -9236,7 +9237,7 @@
           <a:p>
             <a:fld id="{551D5D1D-8623-7244-B1BC-5984C123D6C5}" type="datetime1">
               <a:rPr lang="fi-FI" smtClean="0"/>
-              <a:t>11.10.2022</a:t>
+              <a:t>27.10.2022</a:t>
             </a:fld>
             <a:endParaRPr lang="en-GB"/>
           </a:p>
@@ -9608,7 +9609,7 @@
           <a:p>
             <a:fld id="{551D5D1D-8623-7244-B1BC-5984C123D6C5}" type="datetime1">
               <a:rPr lang="fi-FI" smtClean="0"/>
-              <a:t>11.10.2022</a:t>
+              <a:t>27.10.2022</a:t>
             </a:fld>
             <a:endParaRPr lang="en-GB"/>
           </a:p>
@@ -10898,7 +10899,7 @@
           <a:p>
             <a:fld id="{551D5D1D-8623-7244-B1BC-5984C123D6C5}" type="datetime1">
               <a:rPr lang="fi-FI" smtClean="0"/>
-              <a:t>11.10.2022</a:t>
+              <a:t>27.10.2022</a:t>
             </a:fld>
             <a:endParaRPr lang="en-GB"/>
           </a:p>
@@ -12618,64 +12619,171 @@
             <p:ph type="title"/>
           </p:nvPr>
         </p:nvSpPr>
+        <p:spPr>
+          <a:xfrm>
+            <a:off x="550863" y="223812"/>
+            <a:ext cx="11125200" cy="643178"/>
+          </a:xfrm>
+        </p:spPr>
+        <p:txBody>
+          <a:bodyPr>
+            <a:normAutofit fontScale="90000"/>
+          </a:bodyPr>
+          <a:lstStyle/>
+          <a:p>
+            <a:r>
+              <a:rPr lang="fi-FI" dirty="0" err="1"/>
+              <a:t>Notice</a:t>
+            </a:r>
+            <a:r>
+              <a:rPr lang="fi-FI" dirty="0"/>
+              <a:t> </a:t>
+            </a:r>
+            <a:r>
+              <a:rPr lang="fi-FI" dirty="0" err="1"/>
+              <a:t>that</a:t>
+            </a:r>
+            <a:r>
+              <a:rPr lang="fi-FI" dirty="0"/>
+              <a:t> </a:t>
+            </a:r>
+            <a:r>
+              <a:rPr lang="fi-FI" dirty="0" err="1"/>
+              <a:t>real</a:t>
+            </a:r>
+            <a:r>
+              <a:rPr lang="fi-FI" dirty="0"/>
+              <a:t> </a:t>
+            </a:r>
+            <a:r>
+              <a:rPr lang="fi-FI" dirty="0" err="1"/>
+              <a:t>systems</a:t>
+            </a:r>
+            <a:r>
+              <a:rPr lang="fi-FI" dirty="0"/>
+              <a:t> </a:t>
+            </a:r>
+            <a:r>
+              <a:rPr lang="fi-FI" dirty="0" err="1"/>
+              <a:t>usually</a:t>
+            </a:r>
+            <a:r>
+              <a:rPr lang="fi-FI" dirty="0"/>
+              <a:t> </a:t>
+            </a:r>
+            <a:r>
+              <a:rPr lang="fi-FI" dirty="0" err="1"/>
+              <a:t>have</a:t>
+            </a:r>
+            <a:r>
+              <a:rPr lang="fi-FI" dirty="0"/>
+              <a:t> </a:t>
+            </a:r>
+            <a:r>
+              <a:rPr lang="fi-FI" dirty="0" err="1"/>
+              <a:t>mixed</a:t>
+            </a:r>
+            <a:r>
+              <a:rPr lang="fi-FI" dirty="0"/>
+              <a:t> </a:t>
+            </a:r>
+            <a:r>
+              <a:rPr lang="fi-FI" dirty="0" err="1"/>
+              <a:t>architecture</a:t>
+            </a:r>
+            <a:endParaRPr lang="fi-FI" dirty="0"/>
+          </a:p>
+        </p:txBody>
+      </p:sp>
+      <p:sp>
+        <p:nvSpPr>
+          <p:cNvPr id="5" name="Date Placeholder 4">
+            <a:extLst>
+              <a:ext uri="{FF2B5EF4-FFF2-40B4-BE49-F238E27FC236}">
+                <a16:creationId xmlns:a16="http://schemas.microsoft.com/office/drawing/2014/main" id="{CDF9BDDB-4154-894E-83EF-04FB624FF30E}"/>
+              </a:ext>
+            </a:extLst>
+          </p:cNvPr>
+          <p:cNvSpPr>
+            <a:spLocks noGrp="1"/>
+          </p:cNvSpPr>
+          <p:nvPr>
+            <p:ph type="dt" sz="half" idx="10"/>
+          </p:nvPr>
+        </p:nvSpPr>
         <p:spPr/>
         <p:txBody>
           <a:bodyPr/>
           <a:lstStyle/>
           <a:p>
-            <a:r>
-              <a:rPr lang="fi-FI" dirty="0"/>
-              <a:t>Three </a:t>
-            </a:r>
-            <a:r>
-              <a:rPr lang="fi-FI" dirty="0" err="1"/>
-              <a:t>phases</a:t>
-            </a:r>
-            <a:r>
-              <a:rPr lang="fi-FI" dirty="0"/>
-              <a:t> in </a:t>
-            </a:r>
-            <a:r>
-              <a:rPr lang="fi-FI" dirty="0" err="1"/>
-              <a:t>programming</a:t>
-            </a:r>
-            <a:r>
-              <a:rPr lang="fi-FI" dirty="0"/>
-              <a:t> a case (at </a:t>
-            </a:r>
-            <a:r>
-              <a:rPr lang="fi-FI" dirty="0" err="1"/>
-              <a:t>least</a:t>
-            </a:r>
-            <a:r>
-              <a:rPr lang="fi-FI" dirty="0"/>
-              <a:t> in </a:t>
-            </a:r>
-            <a:r>
-              <a:rPr lang="fi-FI" dirty="0" err="1"/>
-              <a:t>school</a:t>
-            </a:r>
-            <a:r>
-              <a:rPr lang="fi-FI" dirty="0"/>
-              <a:t> </a:t>
-            </a:r>
-            <a:r>
-              <a:rPr lang="fi-FI" dirty="0" err="1"/>
-              <a:t>cases</a:t>
-            </a:r>
-            <a:r>
-              <a:rPr lang="fi-FI" dirty="0"/>
-              <a:t>)</a:t>
-            </a:r>
-          </a:p>
-        </p:txBody>
-      </p:sp>
-      <p:sp>
-        <p:nvSpPr>
-          <p:cNvPr id="9" name="Content Placeholder 8">
-            <a:extLst>
-              <a:ext uri="{FF2B5EF4-FFF2-40B4-BE49-F238E27FC236}">
-                <a16:creationId xmlns:a16="http://schemas.microsoft.com/office/drawing/2014/main" id="{C711FFF1-5700-384F-B322-71416B4D664F}"/>
+            <a:fld id="{551D5D1D-8623-7244-B1BC-5984C123D6C5}" type="datetime1">
+              <a:rPr lang="fi-FI" smtClean="0"/>
+              <a:t>27.10.2022</a:t>
+            </a:fld>
+            <a:endParaRPr lang="en-GB"/>
+          </a:p>
+        </p:txBody>
+      </p:sp>
+      <p:sp>
+        <p:nvSpPr>
+          <p:cNvPr id="6" name="Footer Placeholder 5">
+            <a:extLst>
+              <a:ext uri="{FF2B5EF4-FFF2-40B4-BE49-F238E27FC236}">
+                <a16:creationId xmlns:a16="http://schemas.microsoft.com/office/drawing/2014/main" id="{DEED56F3-0862-1748-A7A9-EE5914100F54}"/>
+              </a:ext>
+            </a:extLst>
+          </p:cNvPr>
+          <p:cNvSpPr>
+            <a:spLocks noGrp="1"/>
+          </p:cNvSpPr>
+          <p:nvPr>
+            <p:ph type="ftr" sz="quarter" idx="11"/>
+          </p:nvPr>
+        </p:nvSpPr>
+        <p:spPr/>
+        <p:txBody>
+          <a:bodyPr/>
+          <a:lstStyle/>
+          <a:p>
+            <a:endParaRPr lang="en-GB"/>
+          </a:p>
+        </p:txBody>
+      </p:sp>
+      <p:sp>
+        <p:nvSpPr>
+          <p:cNvPr id="7" name="Slide Number Placeholder 6">
+            <a:extLst>
+              <a:ext uri="{FF2B5EF4-FFF2-40B4-BE49-F238E27FC236}">
+                <a16:creationId xmlns:a16="http://schemas.microsoft.com/office/drawing/2014/main" id="{6CBC8079-2140-8745-901A-8EB4BF8EAF2D}"/>
+              </a:ext>
+            </a:extLst>
+          </p:cNvPr>
+          <p:cNvSpPr>
+            <a:spLocks noGrp="1"/>
+          </p:cNvSpPr>
+          <p:nvPr>
+            <p:ph type="sldNum" sz="quarter" idx="12"/>
+          </p:nvPr>
+        </p:nvSpPr>
+        <p:spPr/>
+        <p:txBody>
+          <a:bodyPr/>
+          <a:lstStyle/>
+          <a:p>
+            <a:fld id="{76BAB7ED-EDE9-4D4B-9A2D-30E18C47C16E}" type="slidenum">
+              <a:rPr lang="en-GB" smtClean="0"/>
+              <a:t>14</a:t>
+            </a:fld>
+            <a:endParaRPr lang="en-GB"/>
+          </a:p>
+        </p:txBody>
+      </p:sp>
+      <p:sp>
+        <p:nvSpPr>
+          <p:cNvPr id="44" name="Content Placeholder 8">
+            <a:extLst>
+              <a:ext uri="{FF2B5EF4-FFF2-40B4-BE49-F238E27FC236}">
+                <a16:creationId xmlns:a16="http://schemas.microsoft.com/office/drawing/2014/main" id="{AD58326A-C368-42A5-9A92-5D60011617DB}"/>
               </a:ext>
             </a:extLst>
           </p:cNvPr>
@@ -12686,874 +12794,581 @@
             <p:ph sz="half" idx="2"/>
           </p:nvPr>
         </p:nvSpPr>
-        <p:spPr/>
+        <p:spPr>
+          <a:xfrm>
+            <a:off x="550865" y="1060314"/>
+            <a:ext cx="9185945" cy="4953027"/>
+          </a:xfrm>
+        </p:spPr>
         <p:txBody>
           <a:bodyPr>
-            <a:normAutofit fontScale="92500"/>
+            <a:normAutofit/>
           </a:bodyPr>
           <a:lstStyle/>
           <a:p>
-            <a:r>
-              <a:rPr lang="fi-FI" dirty="0"/>
-              <a:t>Technical </a:t>
-            </a:r>
-            <a:r>
-              <a:rPr lang="fi-FI" dirty="0" err="1"/>
-              <a:t>studies</a:t>
-            </a:r>
-            <a:endParaRPr lang="fi-FI" dirty="0"/>
-          </a:p>
-          <a:p>
-            <a:pPr lvl="1"/>
-            <a:r>
-              <a:rPr lang="fi-FI" dirty="0" err="1"/>
-              <a:t>Fast</a:t>
-            </a:r>
-            <a:r>
-              <a:rPr lang="fi-FI" dirty="0"/>
-              <a:t> </a:t>
-            </a:r>
-            <a:r>
-              <a:rPr lang="fi-FI" dirty="0" err="1"/>
-              <a:t>experiments</a:t>
-            </a:r>
-            <a:r>
-              <a:rPr lang="fi-FI" dirty="0"/>
+            <a:pPr>
+              <a:lnSpc>
+                <a:spcPct val="100000"/>
+              </a:lnSpc>
+              <a:buFont typeface="Arial" panose="020B0604020202020204" pitchFamily="34" charset="0"/>
+              <a:buChar char="•"/>
+            </a:pPr>
+            <a:r>
+              <a:rPr lang="fi-FI" sz="2400" dirty="0" err="1"/>
+              <a:t>The</a:t>
+            </a:r>
+            <a:r>
+              <a:rPr lang="fi-FI" sz="2400" dirty="0"/>
+              <a:t> </a:t>
+            </a:r>
+            <a:r>
+              <a:rPr lang="fi-FI" sz="2400" dirty="0" err="1"/>
+              <a:t>previously</a:t>
+            </a:r>
+            <a:r>
+              <a:rPr lang="fi-FI" sz="2400" dirty="0"/>
+              <a:t> </a:t>
+            </a:r>
+            <a:r>
+              <a:rPr lang="fi-FI" sz="2400" dirty="0" err="1"/>
+              <a:t>presented</a:t>
+            </a:r>
+            <a:r>
+              <a:rPr lang="fi-FI" sz="2400" dirty="0"/>
+              <a:t> </a:t>
+            </a:r>
+            <a:r>
+              <a:rPr lang="fi-FI" sz="2400" dirty="0" err="1"/>
+              <a:t>three</a:t>
+            </a:r>
+            <a:r>
+              <a:rPr lang="fi-FI" sz="2400" dirty="0"/>
+              <a:t> </a:t>
+            </a:r>
+            <a:r>
+              <a:rPr lang="fi-FI" sz="2400" dirty="0" err="1"/>
+              <a:t>architectural</a:t>
+            </a:r>
+            <a:r>
+              <a:rPr lang="fi-FI" sz="2400" dirty="0"/>
+              <a:t> </a:t>
+            </a:r>
+            <a:r>
+              <a:rPr lang="fi-FI" sz="2400" dirty="0" err="1"/>
+              <a:t>models</a:t>
+            </a:r>
+            <a:r>
+              <a:rPr lang="fi-FI" sz="2400" dirty="0"/>
+              <a:t> </a:t>
+            </a:r>
+            <a:r>
+              <a:rPr lang="fi-FI" sz="2400" dirty="0" err="1"/>
+              <a:t>are</a:t>
+            </a:r>
+            <a:r>
+              <a:rPr lang="fi-FI" sz="2400" dirty="0"/>
+              <a:t> </a:t>
+            </a:r>
+            <a:r>
+              <a:rPr lang="fi-FI" sz="2400" dirty="0" err="1"/>
+              <a:t>naturally</a:t>
+            </a:r>
+            <a:r>
+              <a:rPr lang="fi-FI" sz="2400" dirty="0"/>
+              <a:t> just </a:t>
+            </a:r>
+            <a:r>
+              <a:rPr lang="fi-FI" sz="2400" dirty="0" err="1"/>
+              <a:t>simplifications</a:t>
+            </a:r>
+            <a:endParaRPr lang="fi-FI" sz="2400" dirty="0"/>
+          </a:p>
+          <a:p>
+            <a:pPr>
+              <a:lnSpc>
+                <a:spcPct val="100000"/>
+              </a:lnSpc>
+              <a:buFont typeface="Arial" panose="020B0604020202020204" pitchFamily="34" charset="0"/>
+              <a:buChar char="•"/>
+            </a:pPr>
+            <a:r>
+              <a:rPr lang="fi-FI" sz="2400" dirty="0" err="1"/>
+              <a:t>The</a:t>
+            </a:r>
+            <a:r>
+              <a:rPr lang="fi-FI" sz="2400" dirty="0"/>
+              <a:t> </a:t>
+            </a:r>
+            <a:r>
+              <a:rPr lang="fi-FI" sz="2400" dirty="0" err="1"/>
+              <a:t>real</a:t>
+            </a:r>
+            <a:r>
+              <a:rPr lang="fi-FI" sz="2400" dirty="0"/>
+              <a:t> </a:t>
+            </a:r>
+            <a:r>
+              <a:rPr lang="fi-FI" sz="2400" dirty="0" err="1"/>
+              <a:t>information</a:t>
+            </a:r>
+            <a:r>
+              <a:rPr lang="fi-FI" sz="2400" dirty="0"/>
+              <a:t> </a:t>
+            </a:r>
+            <a:r>
+              <a:rPr lang="fi-FI" sz="2400" dirty="0" err="1"/>
+              <a:t>system</a:t>
+            </a:r>
+            <a:r>
+              <a:rPr lang="fi-FI" sz="2400" dirty="0"/>
+              <a:t> </a:t>
+            </a:r>
+            <a:r>
+              <a:rPr lang="fi-FI" sz="2400" dirty="0" err="1"/>
+              <a:t>architecture</a:t>
+            </a:r>
+            <a:r>
+              <a:rPr lang="fi-FI" sz="2400" dirty="0"/>
+              <a:t> </a:t>
+            </a:r>
+            <a:r>
+              <a:rPr lang="fi-FI" sz="2400" dirty="0" err="1"/>
+              <a:t>you</a:t>
+            </a:r>
+            <a:r>
+              <a:rPr lang="fi-FI" sz="2400" dirty="0"/>
+              <a:t> </a:t>
+            </a:r>
+            <a:r>
+              <a:rPr lang="fi-FI" sz="2400" dirty="0" err="1"/>
+              <a:t>will</a:t>
+            </a:r>
+            <a:r>
+              <a:rPr lang="fi-FI" sz="2400" dirty="0"/>
+              <a:t> </a:t>
+            </a:r>
+            <a:r>
+              <a:rPr lang="fi-FI" sz="2400" dirty="0" err="1"/>
+              <a:t>be</a:t>
+            </a:r>
+            <a:r>
+              <a:rPr lang="fi-FI" sz="2400" dirty="0"/>
+              <a:t> </a:t>
+            </a:r>
+            <a:r>
+              <a:rPr lang="fi-FI" sz="2400" dirty="0" err="1"/>
+              <a:t>creating</a:t>
+            </a:r>
+            <a:r>
+              <a:rPr lang="fi-FI" sz="2400" dirty="0"/>
+              <a:t> </a:t>
+            </a:r>
+            <a:r>
+              <a:rPr lang="fi-FI" sz="2400" dirty="0" err="1"/>
+              <a:t>e.g</a:t>
+            </a:r>
+            <a:r>
+              <a:rPr lang="fi-FI" sz="2400" dirty="0"/>
+              <a:t>. for </a:t>
+            </a:r>
+            <a:r>
+              <a:rPr lang="fi-FI" sz="2400" dirty="0" err="1"/>
+              <a:t>customers</a:t>
+            </a:r>
+            <a:r>
+              <a:rPr lang="fi-FI" sz="2400" dirty="0"/>
+              <a:t> in </a:t>
+            </a:r>
+            <a:r>
+              <a:rPr lang="fi-FI" sz="2400" dirty="0" err="1"/>
+              <a:t>our</a:t>
+            </a:r>
+            <a:r>
+              <a:rPr lang="fi-FI" sz="2400" dirty="0"/>
+              <a:t> </a:t>
+            </a:r>
+            <a:r>
+              <a:rPr lang="fi-FI" sz="2400" dirty="0" err="1"/>
+              <a:t>projects</a:t>
+            </a:r>
+            <a:r>
+              <a:rPr lang="fi-FI" sz="2400" dirty="0"/>
+              <a:t> </a:t>
+            </a:r>
+            <a:r>
+              <a:rPr lang="fi-FI" sz="2400" dirty="0" err="1"/>
+              <a:t>might</a:t>
+            </a:r>
+            <a:r>
+              <a:rPr lang="fi-FI" sz="2400" dirty="0"/>
+              <a:t> </a:t>
+            </a:r>
+            <a:r>
+              <a:rPr lang="fi-FI" sz="2400" dirty="0" err="1"/>
+              <a:t>well</a:t>
+            </a:r>
+            <a:r>
+              <a:rPr lang="fi-FI" sz="2400" dirty="0"/>
+              <a:t> </a:t>
+            </a:r>
+            <a:r>
+              <a:rPr lang="fi-FI" sz="2400" dirty="0" err="1"/>
+              <a:t>be</a:t>
+            </a:r>
+            <a:r>
+              <a:rPr lang="fi-FI" sz="2400" dirty="0"/>
+              <a:t> a </a:t>
+            </a:r>
+            <a:r>
+              <a:rPr lang="fi-FI" sz="2400" b="1" dirty="0"/>
+              <a:t>mix of </a:t>
+            </a:r>
+            <a:r>
+              <a:rPr lang="fi-FI" sz="2400" b="1" dirty="0" err="1"/>
+              <a:t>even</a:t>
+            </a:r>
+            <a:r>
+              <a:rPr lang="fi-FI" sz="2400" b="1" dirty="0"/>
+              <a:t> </a:t>
+            </a:r>
+            <a:r>
+              <a:rPr lang="fi-FI" sz="2400" b="1" dirty="0" err="1"/>
+              <a:t>all</a:t>
+            </a:r>
+            <a:r>
+              <a:rPr lang="fi-FI" sz="2400" b="1" dirty="0"/>
               <a:t> of </a:t>
             </a:r>
             <a:r>
-              <a:rPr lang="fi-FI" dirty="0" err="1"/>
-              <a:t>any</a:t>
-            </a:r>
-            <a:r>
-              <a:rPr lang="fi-FI" dirty="0"/>
-              <a:t> </a:t>
-            </a:r>
-            <a:r>
-              <a:rPr lang="fi-FI" dirty="0" err="1"/>
-              <a:t>kind</a:t>
-            </a:r>
-            <a:r>
-              <a:rPr lang="fi-FI" dirty="0"/>
+              <a:rPr lang="fi-FI" sz="2400" b="1" dirty="0" err="1"/>
+              <a:t>these</a:t>
+            </a:r>
+            <a:r>
+              <a:rPr lang="fi-FI" sz="2400" dirty="0"/>
+              <a:t>. And </a:t>
+            </a:r>
+            <a:r>
+              <a:rPr lang="fi-FI" sz="2400" dirty="0" err="1"/>
+              <a:t>nowadays</a:t>
+            </a:r>
+            <a:r>
+              <a:rPr lang="fi-FI" sz="2400" dirty="0"/>
+              <a:t> </a:t>
+            </a:r>
+            <a:r>
+              <a:rPr lang="fi-FI" sz="2400" dirty="0" err="1"/>
+              <a:t>often</a:t>
+            </a:r>
+            <a:r>
+              <a:rPr lang="fi-FI" sz="2400" dirty="0"/>
+              <a:t> is.</a:t>
+            </a:r>
+          </a:p>
+          <a:p>
+            <a:pPr>
+              <a:lnSpc>
+                <a:spcPct val="100000"/>
+              </a:lnSpc>
+              <a:buFont typeface="Arial" panose="020B0604020202020204" pitchFamily="34" charset="0"/>
+              <a:buChar char="•"/>
+            </a:pPr>
+            <a:r>
+              <a:rPr lang="fi-FI" sz="2400" dirty="0" err="1"/>
+              <a:t>But</a:t>
+            </a:r>
+            <a:r>
+              <a:rPr lang="fi-FI" sz="2400" dirty="0"/>
+              <a:t> look at </a:t>
+            </a:r>
+            <a:r>
+              <a:rPr lang="fi-FI" sz="2400" dirty="0" err="1"/>
+              <a:t>these</a:t>
+            </a:r>
+            <a:r>
+              <a:rPr lang="fi-FI" sz="2400" dirty="0"/>
+              <a:t> as </a:t>
+            </a:r>
+            <a:r>
+              <a:rPr lang="fi-FI" sz="2400" dirty="0" err="1"/>
+              <a:t>tools</a:t>
+            </a:r>
+            <a:r>
+              <a:rPr lang="fi-FI" sz="2400" dirty="0"/>
+              <a:t> in </a:t>
+            </a:r>
+            <a:r>
+              <a:rPr lang="fi-FI" sz="2400" dirty="0" err="1"/>
+              <a:t>your</a:t>
+            </a:r>
+            <a:r>
+              <a:rPr lang="fi-FI" sz="2400" dirty="0"/>
+              <a:t> </a:t>
+            </a:r>
+            <a:r>
+              <a:rPr lang="fi-FI" sz="2400" dirty="0" err="1"/>
+              <a:t>toolbox</a:t>
+            </a:r>
+            <a:r>
+              <a:rPr lang="fi-FI" sz="2400" dirty="0"/>
               <a:t>. </a:t>
             </a:r>
             <a:r>
-              <a:rPr lang="fi-FI" dirty="0" err="1"/>
-              <a:t>Speed</a:t>
-            </a:r>
-            <a:r>
-              <a:rPr lang="fi-FI" dirty="0"/>
+              <a:rPr lang="fi-FI" sz="2400" dirty="0" err="1"/>
+              <a:t>Then</a:t>
+            </a:r>
+            <a:r>
+              <a:rPr lang="fi-FI" sz="2400" dirty="0"/>
+              <a:t> </a:t>
+            </a:r>
+            <a:r>
+              <a:rPr lang="fi-FI" sz="2400" dirty="0" err="1"/>
+              <a:t>you</a:t>
+            </a:r>
+            <a:r>
+              <a:rPr lang="fi-FI" sz="2400" dirty="0"/>
+              <a:t> </a:t>
+            </a:r>
+            <a:r>
+              <a:rPr lang="fi-FI" sz="2400" dirty="0" err="1"/>
+              <a:t>are</a:t>
+            </a:r>
+            <a:r>
+              <a:rPr lang="fi-FI" sz="2400" dirty="0"/>
+              <a:t> </a:t>
+            </a:r>
+            <a:r>
+              <a:rPr lang="fi-FI" sz="2400" dirty="0" err="1"/>
+              <a:t>free</a:t>
+            </a:r>
+            <a:r>
+              <a:rPr lang="fi-FI" sz="2400" dirty="0"/>
+              <a:t> to </a:t>
+            </a:r>
+            <a:r>
+              <a:rPr lang="fi-FI" sz="2400" dirty="0" err="1"/>
+              <a:t>use</a:t>
+            </a:r>
+            <a:r>
+              <a:rPr lang="fi-FI" sz="2400" dirty="0"/>
+              <a:t> </a:t>
+            </a:r>
+            <a:r>
+              <a:rPr lang="fi-FI" sz="2400" dirty="0" err="1"/>
+              <a:t>the</a:t>
+            </a:r>
+            <a:r>
+              <a:rPr lang="fi-FI" sz="2400" dirty="0"/>
+              <a:t> </a:t>
+            </a:r>
+            <a:r>
+              <a:rPr lang="fi-FI" sz="2400" dirty="0" err="1"/>
+              <a:t>one</a:t>
+            </a:r>
+            <a:r>
+              <a:rPr lang="fi-FI" sz="2400" dirty="0"/>
+              <a:t> </a:t>
+            </a:r>
+            <a:r>
+              <a:rPr lang="fi-FI" sz="2400" dirty="0" err="1"/>
+              <a:t>that</a:t>
+            </a:r>
+            <a:r>
+              <a:rPr lang="fi-FI" sz="2400" dirty="0"/>
+              <a:t> </a:t>
+            </a:r>
+            <a:r>
+              <a:rPr lang="fi-FI" sz="2400" dirty="0" err="1"/>
+              <a:t>fits</a:t>
+            </a:r>
+            <a:r>
+              <a:rPr lang="fi-FI" sz="2400" dirty="0"/>
+              <a:t> </a:t>
+            </a:r>
+            <a:r>
+              <a:rPr lang="fi-FI" sz="2400" dirty="0" err="1"/>
+              <a:t>the</a:t>
+            </a:r>
+            <a:r>
+              <a:rPr lang="fi-FI" sz="2400" dirty="0"/>
+              <a:t> </a:t>
+            </a:r>
+            <a:r>
+              <a:rPr lang="fi-FI" sz="2400" dirty="0" err="1"/>
+              <a:t>best</a:t>
+            </a:r>
+            <a:r>
+              <a:rPr lang="fi-FI" sz="2400" dirty="0"/>
               <a:t> in </a:t>
             </a:r>
             <a:r>
-              <a:rPr lang="fi-FI" dirty="0" err="1"/>
-              <a:t>learning</a:t>
-            </a:r>
-            <a:r>
-              <a:rPr lang="fi-FI" dirty="0"/>
-              <a:t> is </a:t>
-            </a:r>
-            <a:r>
-              <a:rPr lang="fi-FI" dirty="0" err="1"/>
-              <a:t>important</a:t>
-            </a:r>
-            <a:r>
-              <a:rPr lang="fi-FI" dirty="0"/>
-              <a:t>. </a:t>
-            </a:r>
-            <a:r>
-              <a:rPr lang="fi-FI" dirty="0" err="1"/>
-              <a:t>But</a:t>
-            </a:r>
-            <a:r>
-              <a:rPr lang="fi-FI" dirty="0"/>
-              <a:t> </a:t>
-            </a:r>
-            <a:r>
-              <a:rPr lang="fi-FI" dirty="0" err="1"/>
+              <a:rPr lang="fi-FI" sz="2400" dirty="0" err="1"/>
+              <a:t>each</a:t>
+            </a:r>
+            <a:r>
+              <a:rPr lang="fi-FI" sz="2400" dirty="0"/>
+              <a:t> </a:t>
+            </a:r>
+            <a:r>
+              <a:rPr lang="fi-FI" sz="2400" dirty="0" err="1"/>
+              <a:t>need</a:t>
+            </a:r>
+            <a:r>
+              <a:rPr lang="fi-FI" sz="2400" dirty="0"/>
+              <a:t>.</a:t>
+            </a:r>
+          </a:p>
+          <a:p>
+            <a:pPr>
+              <a:lnSpc>
+                <a:spcPct val="100000"/>
+              </a:lnSpc>
+              <a:buFont typeface="Arial" panose="020B0604020202020204" pitchFamily="34" charset="0"/>
+              <a:buChar char="•"/>
+            </a:pPr>
+            <a:r>
+              <a:rPr lang="fi-FI" sz="2400" dirty="0"/>
+              <a:t>It </a:t>
+            </a:r>
+            <a:r>
+              <a:rPr lang="fi-FI" sz="2400" dirty="0" err="1"/>
+              <a:t>may</a:t>
+            </a:r>
+            <a:r>
+              <a:rPr lang="fi-FI" sz="2400" dirty="0"/>
+              <a:t> </a:t>
+            </a:r>
+            <a:r>
+              <a:rPr lang="fi-FI" sz="2400" dirty="0" err="1"/>
+              <a:t>still</a:t>
+            </a:r>
+            <a:r>
+              <a:rPr lang="fi-FI" sz="2400" dirty="0"/>
+              <a:t> </a:t>
+            </a:r>
+            <a:r>
+              <a:rPr lang="fi-FI" sz="2400" dirty="0" err="1"/>
+              <a:t>be</a:t>
+            </a:r>
+            <a:r>
+              <a:rPr lang="fi-FI" sz="2400" dirty="0"/>
+              <a:t> </a:t>
+            </a:r>
+            <a:r>
+              <a:rPr lang="fi-FI" sz="2400" dirty="0" err="1"/>
               <a:t>also</a:t>
             </a:r>
             <a:r>
-              <a:rPr lang="fi-FI" dirty="0"/>
-              <a:t> </a:t>
-            </a:r>
-            <a:r>
-              <a:rPr lang="fi-FI" dirty="0" err="1"/>
-              <a:t>deep</a:t>
-            </a:r>
-            <a:r>
-              <a:rPr lang="fi-FI" dirty="0"/>
-              <a:t> </a:t>
-            </a:r>
-            <a:r>
-              <a:rPr lang="fi-FI" dirty="0" err="1"/>
-              <a:t>understanding</a:t>
-            </a:r>
-            <a:r>
-              <a:rPr lang="fi-FI" dirty="0"/>
-              <a:t> of at </a:t>
-            </a:r>
-            <a:r>
-              <a:rPr lang="fi-FI" dirty="0" err="1"/>
-              <a:t>least</a:t>
-            </a:r>
-            <a:r>
-              <a:rPr lang="fi-FI" dirty="0"/>
-              <a:t> </a:t>
-            </a:r>
-            <a:r>
-              <a:rPr lang="fi-FI" dirty="0" err="1"/>
+              <a:rPr lang="fi-FI" sz="2400" dirty="0"/>
+              <a:t> just </a:t>
+            </a:r>
+            <a:r>
+              <a:rPr lang="fi-FI" sz="2400" dirty="0" err="1"/>
               <a:t>the</a:t>
             </a:r>
             <a:r>
-              <a:rPr lang="fi-FI" dirty="0"/>
-              <a:t> </a:t>
-            </a:r>
-            <a:r>
-              <a:rPr lang="fi-FI" dirty="0" err="1"/>
-              <a:t>core</a:t>
-            </a:r>
-            <a:r>
-              <a:rPr lang="fi-FI" dirty="0"/>
-              <a:t> </a:t>
-            </a:r>
-            <a:r>
-              <a:rPr lang="fi-FI" dirty="0" err="1"/>
-              <a:t>concepts</a:t>
-            </a:r>
-            <a:r>
-              <a:rPr lang="fi-FI" dirty="0"/>
-              <a:t>. </a:t>
-            </a:r>
-            <a:r>
-              <a:rPr lang="fi-FI" dirty="0" err="1"/>
-              <a:t>Mickey</a:t>
-            </a:r>
-            <a:r>
-              <a:rPr lang="fi-FI" dirty="0"/>
-              <a:t> </a:t>
-            </a:r>
-            <a:r>
-              <a:rPr lang="fi-FI" dirty="0" err="1"/>
-              <a:t>mouse</a:t>
-            </a:r>
-            <a:r>
-              <a:rPr lang="fi-FI" dirty="0"/>
-              <a:t> </a:t>
-            </a:r>
-            <a:r>
-              <a:rPr lang="fi-FI" dirty="0" err="1"/>
-              <a:t>examples</a:t>
-            </a:r>
-            <a:r>
-              <a:rPr lang="fi-FI" dirty="0"/>
-              <a:t>. </a:t>
-            </a:r>
-            <a:r>
-              <a:rPr lang="fi-FI" dirty="0" err="1"/>
-              <a:t>Closer</a:t>
-            </a:r>
-            <a:r>
-              <a:rPr lang="fi-FI" dirty="0"/>
-              <a:t> to 0% </a:t>
-            </a:r>
-            <a:r>
-              <a:rPr lang="fi-FI" dirty="0" err="1"/>
+              <a:rPr lang="fi-FI" sz="2400" dirty="0"/>
+              <a:t> </a:t>
+            </a:r>
+            <a:r>
+              <a:rPr lang="fi-FI" sz="2400" dirty="0" err="1"/>
+              <a:t>good</a:t>
+            </a:r>
+            <a:r>
+              <a:rPr lang="fi-FI" sz="2400" dirty="0"/>
+              <a:t> </a:t>
+            </a:r>
+            <a:r>
+              <a:rPr lang="fi-FI" sz="2400" dirty="0" err="1"/>
+              <a:t>old</a:t>
+            </a:r>
+            <a:r>
+              <a:rPr lang="fi-FI" sz="2400" dirty="0"/>
+              <a:t> </a:t>
+            </a:r>
+            <a:r>
+              <a:rPr lang="fi-FI" sz="2400" dirty="0" err="1"/>
+              <a:t>full-stack</a:t>
+            </a:r>
+            <a:r>
+              <a:rPr lang="fi-FI" sz="2400" dirty="0"/>
+              <a:t>, </a:t>
+            </a:r>
+            <a:r>
+              <a:rPr lang="fi-FI" sz="2400" dirty="0" err="1"/>
+              <a:t>though</a:t>
+            </a:r>
+            <a:r>
+              <a:rPr lang="fi-FI" sz="2400" dirty="0"/>
+              <a:t> </a:t>
+            </a:r>
+            <a:r>
+              <a:rPr lang="fi-FI" sz="2400" dirty="0" err="1"/>
+              <a:t>that</a:t>
+            </a:r>
+            <a:r>
+              <a:rPr lang="fi-FI" sz="2400" dirty="0"/>
+              <a:t> </a:t>
+            </a:r>
+            <a:r>
+              <a:rPr lang="fi-FI" sz="2400" dirty="0" err="1"/>
+              <a:t>starts</a:t>
+            </a:r>
+            <a:r>
+              <a:rPr lang="fi-FI" sz="2400" dirty="0"/>
+              <a:t> to </a:t>
+            </a:r>
+            <a:r>
+              <a:rPr lang="fi-FI" sz="2400" dirty="0" err="1"/>
+              <a:t>be</a:t>
+            </a:r>
+            <a:r>
+              <a:rPr lang="fi-FI" sz="2400" dirty="0"/>
+              <a:t> </a:t>
+            </a:r>
+            <a:r>
+              <a:rPr lang="fi-FI" sz="2400" dirty="0" err="1"/>
+              <a:t>more</a:t>
+            </a:r>
+            <a:r>
+              <a:rPr lang="fi-FI" sz="2400" dirty="0"/>
+              <a:t> </a:t>
+            </a:r>
+            <a:r>
+              <a:rPr lang="fi-FI" sz="2400" dirty="0" err="1"/>
+              <a:t>rare</a:t>
+            </a:r>
+            <a:r>
+              <a:rPr lang="fi-FI" sz="2400" dirty="0"/>
+              <a:t> in </a:t>
+            </a:r>
+            <a:r>
+              <a:rPr lang="fi-FI" sz="2400" dirty="0" err="1"/>
+              <a:t>our</a:t>
+            </a:r>
+            <a:r>
+              <a:rPr lang="fi-FI" sz="2400" dirty="0"/>
+              <a:t> </a:t>
+            </a:r>
+            <a:r>
+              <a:rPr lang="fi-FI" sz="2400" dirty="0" err="1"/>
               <a:t>customer</a:t>
             </a:r>
             <a:r>
-              <a:rPr lang="fi-FI" dirty="0"/>
-              <a:t> </a:t>
-            </a:r>
-            <a:r>
-              <a:rPr lang="fi-FI" dirty="0" err="1"/>
-              <a:t>value</a:t>
-            </a:r>
-            <a:r>
-              <a:rPr lang="fi-FI" dirty="0"/>
-              <a:t>, </a:t>
-            </a:r>
-            <a:r>
-              <a:rPr lang="fi-FI" dirty="0" err="1"/>
-              <a:t>but</a:t>
-            </a:r>
-            <a:r>
-              <a:rPr lang="fi-FI" dirty="0"/>
-              <a:t> </a:t>
-            </a:r>
-            <a:r>
-              <a:rPr lang="fi-FI" dirty="0" err="1"/>
-              <a:t>aiming</a:t>
-            </a:r>
-            <a:r>
-              <a:rPr lang="fi-FI" dirty="0"/>
-              <a:t> at </a:t>
-            </a:r>
-            <a:r>
-              <a:rPr lang="fi-FI" dirty="0" err="1"/>
-              <a:t>closer</a:t>
-            </a:r>
-            <a:r>
-              <a:rPr lang="fi-FI" dirty="0"/>
-              <a:t> to 100% </a:t>
-            </a:r>
-            <a:r>
-              <a:rPr lang="fi-FI" dirty="0" err="1"/>
-              <a:t>technical</a:t>
-            </a:r>
-            <a:r>
-              <a:rPr lang="fi-FI" dirty="0"/>
-              <a:t> </a:t>
-            </a:r>
-            <a:r>
-              <a:rPr lang="fi-FI" dirty="0" err="1"/>
-              <a:t>ability</a:t>
-            </a:r>
-            <a:r>
-              <a:rPr lang="fi-FI" dirty="0"/>
-              <a:t> </a:t>
-            </a:r>
-            <a:r>
-              <a:rPr lang="fi-FI" dirty="0" err="1"/>
-              <a:t>development</a:t>
-            </a:r>
-            <a:endParaRPr lang="fi-FI" dirty="0"/>
-          </a:p>
-          <a:p>
-            <a:pPr lvl="1"/>
-            <a:r>
-              <a:rPr lang="fi-FI" dirty="0" err="1"/>
-              <a:t>Only</a:t>
-            </a:r>
-            <a:r>
-              <a:rPr lang="fi-FI" dirty="0"/>
-              <a:t> </a:t>
-            </a:r>
-            <a:r>
-              <a:rPr lang="fi-FI" dirty="0" err="1"/>
-              <a:t>think</a:t>
-            </a:r>
-            <a:r>
-              <a:rPr lang="fi-FI" dirty="0"/>
-              <a:t> of </a:t>
-            </a:r>
-            <a:r>
-              <a:rPr lang="fi-FI" dirty="0" err="1"/>
-              <a:t>the</a:t>
-            </a:r>
-            <a:r>
-              <a:rPr lang="fi-FI" dirty="0"/>
-              <a:t> </a:t>
-            </a:r>
-            <a:r>
-              <a:rPr lang="fi-FI" dirty="0" err="1"/>
-              <a:t>customer</a:t>
-            </a:r>
-            <a:r>
-              <a:rPr lang="fi-FI" dirty="0"/>
-              <a:t> case </a:t>
-            </a:r>
-            <a:r>
-              <a:rPr lang="fi-FI" dirty="0" err="1"/>
-              <a:t>from</a:t>
-            </a:r>
-            <a:r>
-              <a:rPr lang="fi-FI" dirty="0"/>
-              <a:t> </a:t>
-            </a:r>
-            <a:r>
-              <a:rPr lang="fi-FI" dirty="0" err="1"/>
-              <a:t>technical</a:t>
-            </a:r>
-            <a:r>
-              <a:rPr lang="fi-FI" dirty="0"/>
-              <a:t> </a:t>
-            </a:r>
-            <a:r>
-              <a:rPr lang="fi-FI" dirty="0" err="1"/>
-              <a:t>point</a:t>
-            </a:r>
-            <a:r>
-              <a:rPr lang="fi-FI" dirty="0"/>
-              <a:t> of </a:t>
-            </a:r>
-            <a:r>
-              <a:rPr lang="fi-FI" dirty="0" err="1"/>
-              <a:t>view</a:t>
-            </a:r>
-            <a:r>
-              <a:rPr lang="fi-FI" dirty="0"/>
-              <a:t>. </a:t>
-            </a:r>
-            <a:r>
-              <a:rPr lang="fi-FI" dirty="0" err="1"/>
-              <a:t>What</a:t>
-            </a:r>
-            <a:r>
-              <a:rPr lang="fi-FI" dirty="0"/>
-              <a:t> </a:t>
-            </a:r>
-            <a:r>
-              <a:rPr lang="fi-FI" dirty="0" err="1"/>
-              <a:t>are</a:t>
-            </a:r>
-            <a:r>
-              <a:rPr lang="fi-FI" dirty="0"/>
-              <a:t> </a:t>
-            </a:r>
-            <a:r>
-              <a:rPr lang="fi-FI" dirty="0" err="1"/>
-              <a:t>the</a:t>
-            </a:r>
-            <a:r>
-              <a:rPr lang="fi-FI" dirty="0"/>
-              <a:t> </a:t>
-            </a:r>
-            <a:r>
-              <a:rPr lang="fi-FI" dirty="0" err="1"/>
-              <a:t>technical</a:t>
-            </a:r>
-            <a:r>
-              <a:rPr lang="fi-FI" dirty="0"/>
-              <a:t> </a:t>
-            </a:r>
-            <a:r>
-              <a:rPr lang="fi-FI" dirty="0" err="1"/>
-              <a:t>challenges</a:t>
-            </a:r>
-            <a:r>
-              <a:rPr lang="fi-FI" dirty="0"/>
-              <a:t> </a:t>
-            </a:r>
-            <a:r>
-              <a:rPr lang="fi-FI" dirty="0" err="1"/>
-              <a:t>that</a:t>
-            </a:r>
-            <a:r>
-              <a:rPr lang="fi-FI" dirty="0"/>
-              <a:t> </a:t>
-            </a:r>
-            <a:r>
-              <a:rPr lang="fi-FI" dirty="0" err="1"/>
-              <a:t>need</a:t>
-            </a:r>
-            <a:r>
-              <a:rPr lang="fi-FI" dirty="0"/>
-              <a:t> to </a:t>
-            </a:r>
-            <a:r>
-              <a:rPr lang="fi-FI" dirty="0" err="1"/>
-              <a:t>be</a:t>
-            </a:r>
-            <a:r>
-              <a:rPr lang="fi-FI" dirty="0"/>
-              <a:t> </a:t>
-            </a:r>
-            <a:r>
-              <a:rPr lang="fi-FI" dirty="0" err="1"/>
-              <a:t>addressed</a:t>
-            </a:r>
-            <a:r>
-              <a:rPr lang="fi-FI" dirty="0"/>
-              <a:t> </a:t>
-            </a:r>
-            <a:r>
-              <a:rPr lang="fi-FI" dirty="0" err="1"/>
-              <a:t>right</a:t>
-            </a:r>
-            <a:r>
-              <a:rPr lang="fi-FI" dirty="0"/>
-              <a:t> </a:t>
-            </a:r>
-            <a:r>
-              <a:rPr lang="fi-FI" dirty="0" err="1"/>
-              <a:t>now</a:t>
-            </a:r>
-            <a:r>
-              <a:rPr lang="fi-FI" dirty="0"/>
-              <a:t>?</a:t>
-            </a:r>
-          </a:p>
-          <a:p>
-            <a:r>
-              <a:rPr lang="fi-FI" dirty="0" err="1"/>
-              <a:t>Archictecture</a:t>
-            </a:r>
-            <a:r>
-              <a:rPr lang="fi-FI" dirty="0"/>
-              <a:t> </a:t>
-            </a:r>
-            <a:r>
-              <a:rPr lang="fi-FI" dirty="0" err="1"/>
-              <a:t>building</a:t>
-            </a:r>
-            <a:endParaRPr lang="fi-FI" dirty="0"/>
-          </a:p>
-          <a:p>
-            <a:pPr lvl="1"/>
-            <a:r>
-              <a:rPr lang="fi-FI" dirty="0"/>
-              <a:t>No </a:t>
-            </a:r>
-            <a:r>
-              <a:rPr lang="fi-FI" dirty="0" err="1"/>
-              <a:t>hurry</a:t>
-            </a:r>
-            <a:r>
-              <a:rPr lang="fi-FI" dirty="0"/>
-              <a:t>. </a:t>
-            </a:r>
-            <a:r>
-              <a:rPr lang="fi-FI" dirty="0" err="1"/>
-              <a:t>Refactoring</a:t>
-            </a:r>
-            <a:r>
-              <a:rPr lang="fi-FI" dirty="0"/>
-              <a:t>, </a:t>
-            </a:r>
-            <a:r>
-              <a:rPr lang="fi-FI" dirty="0" err="1"/>
-              <a:t>refactoring</a:t>
-            </a:r>
-            <a:r>
-              <a:rPr lang="fi-FI" dirty="0"/>
-              <a:t>.</a:t>
-            </a:r>
-          </a:p>
-          <a:p>
-            <a:pPr lvl="1"/>
-            <a:r>
-              <a:rPr lang="fi-FI" dirty="0" err="1"/>
-              <a:t>Creating</a:t>
-            </a:r>
-            <a:r>
-              <a:rPr lang="fi-FI" dirty="0"/>
-              <a:t> </a:t>
-            </a:r>
-            <a:r>
-              <a:rPr lang="fi-FI" dirty="0" err="1"/>
-              <a:t>basis</a:t>
-            </a:r>
-            <a:r>
-              <a:rPr lang="fi-FI" dirty="0"/>
-              <a:t> for </a:t>
-            </a:r>
-            <a:r>
-              <a:rPr lang="fi-FI" dirty="0" err="1"/>
-              <a:t>the</a:t>
-            </a:r>
-            <a:r>
-              <a:rPr lang="fi-FI" dirty="0"/>
-              <a:t> </a:t>
-            </a:r>
-            <a:r>
-              <a:rPr lang="fi-FI" dirty="0" err="1"/>
-              <a:t>smooth</a:t>
-            </a:r>
-            <a:r>
-              <a:rPr lang="fi-FI" dirty="0"/>
-              <a:t> </a:t>
-            </a:r>
-            <a:r>
-              <a:rPr lang="fi-FI" dirty="0" err="1"/>
-              <a:t>shared</a:t>
-            </a:r>
-            <a:r>
-              <a:rPr lang="fi-FI" dirty="0"/>
-              <a:t> </a:t>
-            </a:r>
-            <a:r>
-              <a:rPr lang="fi-FI" dirty="0" err="1"/>
-              <a:t>development</a:t>
-            </a:r>
-            <a:r>
-              <a:rPr lang="fi-FI" dirty="0"/>
-              <a:t> </a:t>
-            </a:r>
-            <a:r>
-              <a:rPr lang="fi-FI" dirty="0" err="1"/>
-              <a:t>by</a:t>
-            </a:r>
-            <a:r>
-              <a:rPr lang="fi-FI" dirty="0"/>
-              <a:t> </a:t>
-            </a:r>
-            <a:r>
-              <a:rPr lang="fi-FI" dirty="0" err="1"/>
-              <a:t>multiple</a:t>
-            </a:r>
-            <a:r>
-              <a:rPr lang="fi-FI" dirty="0"/>
-              <a:t> </a:t>
-            </a:r>
-            <a:r>
-              <a:rPr lang="fi-FI" dirty="0" err="1"/>
-              <a:t>developers</a:t>
-            </a:r>
-            <a:r>
-              <a:rPr lang="fi-FI" dirty="0"/>
-              <a:t>.</a:t>
-            </a:r>
-          </a:p>
-          <a:p>
-            <a:pPr lvl="1"/>
-            <a:r>
-              <a:rPr lang="fi-FI" dirty="0" err="1"/>
-              <a:t>Not</a:t>
-            </a:r>
-            <a:r>
-              <a:rPr lang="fi-FI" dirty="0"/>
-              <a:t> just </a:t>
-            </a:r>
-            <a:r>
-              <a:rPr lang="fi-FI" dirty="0" err="1"/>
-              <a:t>modules</a:t>
-            </a:r>
-            <a:r>
-              <a:rPr lang="fi-FI" dirty="0"/>
-              <a:t> and </a:t>
-            </a:r>
-            <a:r>
-              <a:rPr lang="fi-FI" dirty="0" err="1"/>
-              <a:t>files</a:t>
-            </a:r>
-            <a:r>
-              <a:rPr lang="fi-FI" dirty="0"/>
-              <a:t>, </a:t>
-            </a:r>
-            <a:r>
-              <a:rPr lang="fi-FI" dirty="0" err="1"/>
-              <a:t>but</a:t>
-            </a:r>
-            <a:r>
-              <a:rPr lang="fi-FI" dirty="0"/>
-              <a:t> </a:t>
-            </a:r>
-            <a:r>
-              <a:rPr lang="fi-FI" dirty="0" err="1"/>
-              <a:t>also</a:t>
-            </a:r>
-            <a:r>
-              <a:rPr lang="fi-FI" dirty="0"/>
-              <a:t> </a:t>
-            </a:r>
-            <a:r>
-              <a:rPr lang="fi-FI" dirty="0" err="1"/>
-              <a:t>ways</a:t>
-            </a:r>
-            <a:r>
-              <a:rPr lang="fi-FI" dirty="0"/>
-              <a:t> to </a:t>
-            </a:r>
-            <a:r>
-              <a:rPr lang="fi-FI" dirty="0" err="1"/>
-              <a:t>do</a:t>
-            </a:r>
-            <a:r>
-              <a:rPr lang="fi-FI" dirty="0"/>
-              <a:t> and </a:t>
-            </a:r>
-            <a:r>
-              <a:rPr lang="fi-FI" dirty="0" err="1"/>
-              <a:t>principles</a:t>
-            </a:r>
-            <a:r>
-              <a:rPr lang="fi-FI" dirty="0"/>
-              <a:t> to </a:t>
-            </a:r>
-            <a:r>
-              <a:rPr lang="fi-FI" dirty="0" err="1"/>
-              <a:t>follow</a:t>
-            </a:r>
-            <a:endParaRPr lang="fi-FI" dirty="0"/>
-          </a:p>
-          <a:p>
-            <a:r>
-              <a:rPr lang="fi-FI" dirty="0"/>
-              <a:t>Feature </a:t>
-            </a:r>
-            <a:r>
-              <a:rPr lang="fi-FI" dirty="0" err="1"/>
-              <a:t>development</a:t>
-            </a:r>
-            <a:r>
-              <a:rPr lang="fi-FI" dirty="0"/>
-              <a:t>, </a:t>
-            </a:r>
-            <a:r>
-              <a:rPr lang="fi-FI" dirty="0" err="1"/>
-              <a:t>real</a:t>
-            </a:r>
-            <a:r>
-              <a:rPr lang="fi-FI" dirty="0"/>
-              <a:t> business case </a:t>
-            </a:r>
-            <a:r>
-              <a:rPr lang="fi-FI" dirty="0" err="1"/>
-              <a:t>user</a:t>
-            </a:r>
-            <a:r>
-              <a:rPr lang="fi-FI" dirty="0"/>
-              <a:t> </a:t>
-            </a:r>
-            <a:r>
-              <a:rPr lang="fi-FI" dirty="0" err="1"/>
-              <a:t>story</a:t>
-            </a:r>
-            <a:r>
-              <a:rPr lang="fi-FI" dirty="0"/>
-              <a:t> </a:t>
-            </a:r>
-            <a:r>
-              <a:rPr lang="fi-FI" dirty="0" err="1"/>
-              <a:t>implementation</a:t>
-            </a:r>
-            <a:endParaRPr lang="fi-FI" dirty="0"/>
-          </a:p>
-          <a:p>
-            <a:pPr lvl="1"/>
-            <a:r>
-              <a:rPr lang="fi-FI" dirty="0" err="1"/>
-              <a:t>Now</a:t>
-            </a:r>
-            <a:r>
-              <a:rPr lang="fi-FI" dirty="0"/>
-              <a:t> </a:t>
-            </a:r>
-            <a:r>
-              <a:rPr lang="fi-FI" dirty="0" err="1"/>
-              <a:t>this</a:t>
-            </a:r>
-            <a:r>
-              <a:rPr lang="fi-FI" dirty="0"/>
-              <a:t> is </a:t>
-            </a:r>
-            <a:r>
-              <a:rPr lang="fi-FI" dirty="0" err="1"/>
-              <a:t>the</a:t>
-            </a:r>
-            <a:r>
-              <a:rPr lang="fi-FI" dirty="0"/>
-              <a:t> </a:t>
-            </a:r>
-            <a:r>
-              <a:rPr lang="fi-FI" dirty="0" err="1"/>
-              <a:t>customer-centric</a:t>
-            </a:r>
-            <a:r>
-              <a:rPr lang="fi-FI" dirty="0"/>
-              <a:t> </a:t>
-            </a:r>
-            <a:r>
-              <a:rPr lang="fi-FI" dirty="0" err="1"/>
-              <a:t>part</a:t>
-            </a:r>
-            <a:endParaRPr lang="fi-FI" dirty="0"/>
-          </a:p>
-          <a:p>
-            <a:pPr lvl="1"/>
-            <a:r>
-              <a:rPr lang="fi-FI" dirty="0" err="1"/>
-              <a:t>Now</a:t>
-            </a:r>
-            <a:r>
-              <a:rPr lang="fi-FI" dirty="0"/>
-              <a:t> </a:t>
-            </a:r>
-            <a:r>
-              <a:rPr lang="fi-FI" dirty="0" err="1"/>
-              <a:t>the</a:t>
-            </a:r>
-            <a:r>
-              <a:rPr lang="fi-FI" dirty="0"/>
-              <a:t> </a:t>
-            </a:r>
-            <a:r>
-              <a:rPr lang="fi-FI" dirty="0" err="1"/>
-              <a:t>development</a:t>
-            </a:r>
-            <a:r>
-              <a:rPr lang="fi-FI" dirty="0"/>
-              <a:t> </a:t>
-            </a:r>
-            <a:r>
-              <a:rPr lang="fi-FI" dirty="0" err="1"/>
-              <a:t>should</a:t>
-            </a:r>
-            <a:r>
-              <a:rPr lang="fi-FI" dirty="0"/>
-              <a:t> </a:t>
-            </a:r>
-            <a:r>
-              <a:rPr lang="fi-FI" dirty="0" err="1"/>
-              <a:t>be</a:t>
-            </a:r>
-            <a:r>
-              <a:rPr lang="fi-FI" dirty="0"/>
-              <a:t> </a:t>
-            </a:r>
-            <a:r>
-              <a:rPr lang="fi-FI" dirty="0" err="1"/>
-              <a:t>fast</a:t>
-            </a:r>
-            <a:r>
-              <a:rPr lang="fi-FI" dirty="0"/>
-              <a:t>, as </a:t>
-            </a:r>
-            <a:r>
-              <a:rPr lang="fi-FI" dirty="0" err="1"/>
-              <a:t>tech</a:t>
-            </a:r>
-            <a:r>
-              <a:rPr lang="fi-FI" dirty="0"/>
-              <a:t> is </a:t>
-            </a:r>
-            <a:r>
-              <a:rPr lang="fi-FI" dirty="0" err="1"/>
-              <a:t>known</a:t>
-            </a:r>
-            <a:r>
-              <a:rPr lang="fi-FI" dirty="0"/>
-              <a:t> (</a:t>
-            </a:r>
-            <a:r>
-              <a:rPr lang="fi-FI" dirty="0" err="1"/>
-              <a:t>from</a:t>
-            </a:r>
-            <a:r>
-              <a:rPr lang="fi-FI" dirty="0"/>
-              <a:t> 1, OR </a:t>
-            </a:r>
-            <a:r>
-              <a:rPr lang="fi-FI" dirty="0" err="1"/>
-              <a:t>earlier</a:t>
-            </a:r>
-            <a:r>
-              <a:rPr lang="fi-FI" dirty="0"/>
-              <a:t> </a:t>
-            </a:r>
-            <a:r>
-              <a:rPr lang="fi-FI" dirty="0" err="1"/>
-              <a:t>project</a:t>
-            </a:r>
-            <a:r>
-              <a:rPr lang="fi-FI" dirty="0"/>
-              <a:t>) and </a:t>
-            </a:r>
-            <a:r>
-              <a:rPr lang="fi-FI" dirty="0" err="1"/>
-              <a:t>architecture</a:t>
-            </a:r>
-            <a:r>
-              <a:rPr lang="fi-FI" dirty="0"/>
-              <a:t> </a:t>
-            </a:r>
-            <a:r>
-              <a:rPr lang="fi-FI" dirty="0" err="1"/>
-              <a:t>built</a:t>
-            </a:r>
-            <a:r>
-              <a:rPr lang="fi-FI" dirty="0"/>
-              <a:t> (2 OR </a:t>
-            </a:r>
-            <a:r>
-              <a:rPr lang="fi-FI" dirty="0" err="1"/>
-              <a:t>earlier</a:t>
-            </a:r>
-            <a:r>
-              <a:rPr lang="fi-FI" dirty="0"/>
-              <a:t>).</a:t>
-            </a:r>
-          </a:p>
-        </p:txBody>
-      </p:sp>
-      <p:sp>
-        <p:nvSpPr>
-          <p:cNvPr id="5" name="Date Placeholder 4">
-            <a:extLst>
-              <a:ext uri="{FF2B5EF4-FFF2-40B4-BE49-F238E27FC236}">
-                <a16:creationId xmlns:a16="http://schemas.microsoft.com/office/drawing/2014/main" id="{CDF9BDDB-4154-894E-83EF-04FB624FF30E}"/>
-              </a:ext>
-            </a:extLst>
-          </p:cNvPr>
-          <p:cNvSpPr>
-            <a:spLocks noGrp="1"/>
-          </p:cNvSpPr>
-          <p:nvPr>
-            <p:ph type="dt" sz="half" idx="10"/>
-          </p:nvPr>
-        </p:nvSpPr>
-        <p:spPr/>
-        <p:txBody>
-          <a:bodyPr/>
-          <a:lstStyle/>
-          <a:p>
-            <a:fld id="{551D5D1D-8623-7244-B1BC-5984C123D6C5}" type="datetime1">
-              <a:rPr lang="fi-FI" smtClean="0"/>
-              <a:t>11.10.2022</a:t>
-            </a:fld>
-            <a:endParaRPr lang="en-GB"/>
-          </a:p>
-        </p:txBody>
-      </p:sp>
-      <p:sp>
-        <p:nvSpPr>
-          <p:cNvPr id="6" name="Footer Placeholder 5">
-            <a:extLst>
-              <a:ext uri="{FF2B5EF4-FFF2-40B4-BE49-F238E27FC236}">
-                <a16:creationId xmlns:a16="http://schemas.microsoft.com/office/drawing/2014/main" id="{DEED56F3-0862-1748-A7A9-EE5914100F54}"/>
-              </a:ext>
-            </a:extLst>
-          </p:cNvPr>
-          <p:cNvSpPr>
-            <a:spLocks noGrp="1"/>
-          </p:cNvSpPr>
-          <p:nvPr>
-            <p:ph type="ftr" sz="quarter" idx="11"/>
-          </p:nvPr>
-        </p:nvSpPr>
-        <p:spPr/>
-        <p:txBody>
-          <a:bodyPr/>
-          <a:lstStyle/>
-          <a:p>
-            <a:endParaRPr lang="en-GB"/>
-          </a:p>
-        </p:txBody>
-      </p:sp>
-      <p:sp>
-        <p:nvSpPr>
-          <p:cNvPr id="7" name="Slide Number Placeholder 6">
-            <a:extLst>
-              <a:ext uri="{FF2B5EF4-FFF2-40B4-BE49-F238E27FC236}">
-                <a16:creationId xmlns:a16="http://schemas.microsoft.com/office/drawing/2014/main" id="{6CBC8079-2140-8745-901A-8EB4BF8EAF2D}"/>
-              </a:ext>
-            </a:extLst>
-          </p:cNvPr>
-          <p:cNvSpPr>
-            <a:spLocks noGrp="1"/>
-          </p:cNvSpPr>
-          <p:nvPr>
-            <p:ph type="sldNum" sz="quarter" idx="12"/>
-          </p:nvPr>
-        </p:nvSpPr>
-        <p:spPr/>
-        <p:txBody>
-          <a:bodyPr/>
-          <a:lstStyle/>
-          <a:p>
-            <a:fld id="{76BAB7ED-EDE9-4D4B-9A2D-30E18C47C16E}" type="slidenum">
-              <a:rPr lang="en-GB" smtClean="0"/>
-              <a:t>14</a:t>
-            </a:fld>
-            <a:endParaRPr lang="en-GB"/>
+              <a:rPr lang="fi-FI" sz="2400" dirty="0"/>
+              <a:t> </a:t>
+            </a:r>
+            <a:r>
+              <a:rPr lang="fi-FI" sz="2400" dirty="0" err="1"/>
+              <a:t>cases</a:t>
+            </a:r>
+            <a:endParaRPr lang="fi-FI" sz="2400" dirty="0"/>
           </a:p>
         </p:txBody>
       </p:sp>
     </p:spTree>
     <p:extLst>
       <p:ext uri="{BB962C8B-B14F-4D97-AF65-F5344CB8AC3E}">
-        <p14:creationId xmlns:p14="http://schemas.microsoft.com/office/powerpoint/2010/main" val="4011369514"/>
+        <p14:creationId xmlns:p14="http://schemas.microsoft.com/office/powerpoint/2010/main" val="340790655"/>
       </p:ext>
     </p:extLst>
   </p:cSld>
@@ -13602,24 +13417,12 @@
           <a:lstStyle/>
           <a:p>
             <a:r>
-              <a:rPr lang="fi-FI" dirty="0" err="1"/>
-              <a:t>What</a:t>
-            </a:r>
-            <a:r>
-              <a:rPr lang="fi-FI" dirty="0"/>
-              <a:t> </a:t>
-            </a:r>
-            <a:r>
-              <a:rPr lang="fi-FI" dirty="0" err="1"/>
-              <a:t>happens</a:t>
-            </a:r>
-            <a:r>
-              <a:rPr lang="fi-FI" dirty="0"/>
-              <a:t> (</a:t>
-            </a:r>
-            <a:r>
-              <a:rPr lang="fi-FI" dirty="0" err="1"/>
-              <a:t>especially</a:t>
+              <a:rPr lang="fi-FI" dirty="0"/>
+              <a:t>Three </a:t>
+            </a:r>
+            <a:r>
+              <a:rPr lang="fi-FI" dirty="0" err="1"/>
+              <a:t>phases</a:t>
             </a:r>
             <a:r>
               <a:rPr lang="fi-FI" dirty="0"/>
@@ -13627,6 +13430,22 @@
             </a:r>
             <a:r>
               <a:rPr lang="fi-FI" dirty="0" err="1"/>
+              <a:t>programming</a:t>
+            </a:r>
+            <a:r>
+              <a:rPr lang="fi-FI" dirty="0"/>
+              <a:t> a case (at </a:t>
+            </a:r>
+            <a:r>
+              <a:rPr lang="fi-FI" dirty="0" err="1"/>
+              <a:t>least</a:t>
+            </a:r>
+            <a:r>
+              <a:rPr lang="fi-FI" dirty="0"/>
+              <a:t> in </a:t>
+            </a:r>
+            <a:r>
+              <a:rPr lang="fi-FI" dirty="0" err="1"/>
               <a:t>school</a:t>
             </a:r>
             <a:r>
@@ -13635,59 +13454,11 @@
             </a:r>
             <a:r>
               <a:rPr lang="fi-FI" dirty="0" err="1"/>
-              <a:t>projects</a:t>
-            </a:r>
-            <a:r>
-              <a:rPr lang="fi-FI" dirty="0"/>
-              <a:t>) </a:t>
-            </a:r>
-            <a:r>
-              <a:rPr lang="fi-FI" dirty="0" err="1"/>
-              <a:t>if</a:t>
-            </a:r>
-            <a:r>
-              <a:rPr lang="fi-FI" dirty="0"/>
-              <a:t> </a:t>
-            </a:r>
-            <a:r>
-              <a:rPr lang="fi-FI" dirty="0" err="1"/>
-              <a:t>students</a:t>
-            </a:r>
-            <a:r>
-              <a:rPr lang="fi-FI" dirty="0"/>
-              <a:t> </a:t>
-            </a:r>
-            <a:r>
-              <a:rPr lang="fi-FI" dirty="0" err="1"/>
-              <a:t>jump</a:t>
-            </a:r>
-            <a:r>
-              <a:rPr lang="fi-FI" dirty="0"/>
-              <a:t> </a:t>
-            </a:r>
-            <a:r>
-              <a:rPr lang="fi-FI" dirty="0" err="1"/>
-              <a:t>over</a:t>
-            </a:r>
-            <a:r>
-              <a:rPr lang="fi-FI" dirty="0"/>
-              <a:t> </a:t>
-            </a:r>
-            <a:r>
-              <a:rPr lang="fi-FI" dirty="0" err="1"/>
-              <a:t>the</a:t>
-            </a:r>
-            <a:r>
-              <a:rPr lang="fi-FI" dirty="0"/>
-              <a:t> </a:t>
-            </a:r>
-            <a:r>
-              <a:rPr lang="fi-FI" dirty="0" err="1"/>
-              <a:t>phases</a:t>
-            </a:r>
-            <a:r>
-              <a:rPr lang="fi-FI" dirty="0"/>
-              <a:t>?</a:t>
+              <a:t>cases</a:t>
+            </a:r>
+            <a:r>
+              <a:rPr lang="fi-FI" dirty="0"/>
+              <a:t>)</a:t>
             </a:r>
           </a:p>
         </p:txBody>
@@ -13711,569 +13482,780 @@
         <p:spPr/>
         <p:txBody>
           <a:bodyPr>
-            <a:normAutofit/>
+            <a:normAutofit fontScale="92500"/>
           </a:bodyPr>
           <a:lstStyle/>
           <a:p>
-            <a:pPr>
-              <a:buFont typeface="Arial" panose="020B0604020202020204" pitchFamily="34" charset="0"/>
-              <a:buChar char="•"/>
-            </a:pPr>
-            <a:r>
-              <a:rPr lang="fi-FI" sz="2400" dirty="0" err="1"/>
-              <a:t>Then</a:t>
-            </a:r>
-            <a:r>
-              <a:rPr lang="fi-FI" sz="2400" dirty="0"/>
-              <a:t> </a:t>
-            </a:r>
-            <a:r>
-              <a:rPr lang="fi-FI" sz="2400" dirty="0" err="1"/>
-              <a:t>they</a:t>
-            </a:r>
-            <a:r>
-              <a:rPr lang="fi-FI" sz="2400" dirty="0"/>
-              <a:t> </a:t>
-            </a:r>
-            <a:r>
-              <a:rPr lang="fi-FI" sz="2400" dirty="0" err="1"/>
+            <a:r>
+              <a:rPr lang="fi-FI" dirty="0"/>
+              <a:t>Technical </a:t>
+            </a:r>
+            <a:r>
+              <a:rPr lang="fi-FI" dirty="0" err="1"/>
+              <a:t>studies</a:t>
+            </a:r>
+            <a:endParaRPr lang="fi-FI" dirty="0"/>
+          </a:p>
+          <a:p>
+            <a:pPr lvl="1"/>
+            <a:r>
+              <a:rPr lang="fi-FI" dirty="0" err="1"/>
+              <a:t>Fast</a:t>
+            </a:r>
+            <a:r>
+              <a:rPr lang="fi-FI" dirty="0"/>
+              <a:t> </a:t>
+            </a:r>
+            <a:r>
+              <a:rPr lang="fi-FI" dirty="0" err="1"/>
+              <a:t>experiments</a:t>
+            </a:r>
+            <a:r>
+              <a:rPr lang="fi-FI" dirty="0"/>
+              <a:t> of </a:t>
+            </a:r>
+            <a:r>
+              <a:rPr lang="fi-FI" dirty="0" err="1"/>
+              <a:t>any</a:t>
+            </a:r>
+            <a:r>
+              <a:rPr lang="fi-FI" dirty="0"/>
+              <a:t> </a:t>
+            </a:r>
+            <a:r>
+              <a:rPr lang="fi-FI" dirty="0" err="1"/>
+              <a:t>kind</a:t>
+            </a:r>
+            <a:r>
+              <a:rPr lang="fi-FI" dirty="0"/>
+              <a:t>. </a:t>
+            </a:r>
+            <a:r>
+              <a:rPr lang="fi-FI" dirty="0" err="1"/>
+              <a:t>Speed</a:t>
+            </a:r>
+            <a:r>
+              <a:rPr lang="fi-FI" dirty="0"/>
+              <a:t> in </a:t>
+            </a:r>
+            <a:r>
+              <a:rPr lang="fi-FI" dirty="0" err="1"/>
+              <a:t>learning</a:t>
+            </a:r>
+            <a:r>
+              <a:rPr lang="fi-FI" dirty="0"/>
+              <a:t> is </a:t>
+            </a:r>
+            <a:r>
+              <a:rPr lang="fi-FI" dirty="0" err="1"/>
+              <a:t>important</a:t>
+            </a:r>
+            <a:r>
+              <a:rPr lang="fi-FI" dirty="0"/>
+              <a:t>. </a:t>
+            </a:r>
+            <a:r>
+              <a:rPr lang="fi-FI" dirty="0" err="1"/>
+              <a:t>But</a:t>
+            </a:r>
+            <a:r>
+              <a:rPr lang="fi-FI" dirty="0"/>
+              <a:t> </a:t>
+            </a:r>
+            <a:r>
+              <a:rPr lang="fi-FI" dirty="0" err="1"/>
+              <a:t>also</a:t>
+            </a:r>
+            <a:r>
+              <a:rPr lang="fi-FI" dirty="0"/>
+              <a:t> </a:t>
+            </a:r>
+            <a:r>
+              <a:rPr lang="fi-FI" dirty="0" err="1"/>
+              <a:t>deep</a:t>
+            </a:r>
+            <a:r>
+              <a:rPr lang="fi-FI" dirty="0"/>
+              <a:t> </a:t>
+            </a:r>
+            <a:r>
+              <a:rPr lang="fi-FI" dirty="0" err="1"/>
+              <a:t>understanding</a:t>
+            </a:r>
+            <a:r>
+              <a:rPr lang="fi-FI" dirty="0"/>
+              <a:t> of at </a:t>
+            </a:r>
+            <a:r>
+              <a:rPr lang="fi-FI" dirty="0" err="1"/>
+              <a:t>least</a:t>
+            </a:r>
+            <a:r>
+              <a:rPr lang="fi-FI" dirty="0"/>
+              <a:t> </a:t>
+            </a:r>
+            <a:r>
+              <a:rPr lang="fi-FI" dirty="0" err="1"/>
+              <a:t>the</a:t>
+            </a:r>
+            <a:r>
+              <a:rPr lang="fi-FI" dirty="0"/>
+              <a:t> </a:t>
+            </a:r>
+            <a:r>
+              <a:rPr lang="fi-FI" dirty="0" err="1"/>
+              <a:t>core</a:t>
+            </a:r>
+            <a:r>
+              <a:rPr lang="fi-FI" dirty="0"/>
+              <a:t> </a:t>
+            </a:r>
+            <a:r>
+              <a:rPr lang="fi-FI" dirty="0" err="1"/>
+              <a:t>concepts</a:t>
+            </a:r>
+            <a:r>
+              <a:rPr lang="fi-FI" dirty="0"/>
+              <a:t>. </a:t>
+            </a:r>
+            <a:r>
+              <a:rPr lang="fi-FI" dirty="0" err="1"/>
+              <a:t>Mickey</a:t>
+            </a:r>
+            <a:r>
+              <a:rPr lang="fi-FI" dirty="0"/>
+              <a:t> </a:t>
+            </a:r>
+            <a:r>
+              <a:rPr lang="fi-FI" dirty="0" err="1"/>
+              <a:t>mouse</a:t>
+            </a:r>
+            <a:r>
+              <a:rPr lang="fi-FI" dirty="0"/>
+              <a:t> </a:t>
+            </a:r>
+            <a:r>
+              <a:rPr lang="fi-FI" dirty="0" err="1"/>
+              <a:t>examples</a:t>
+            </a:r>
+            <a:r>
+              <a:rPr lang="fi-FI" dirty="0"/>
+              <a:t>. </a:t>
+            </a:r>
+            <a:r>
+              <a:rPr lang="fi-FI" dirty="0" err="1"/>
+              <a:t>Closer</a:t>
+            </a:r>
+            <a:r>
+              <a:rPr lang="fi-FI" dirty="0"/>
+              <a:t> to 0% </a:t>
+            </a:r>
+            <a:r>
+              <a:rPr lang="fi-FI" dirty="0" err="1"/>
+              <a:t>customer</a:t>
+            </a:r>
+            <a:r>
+              <a:rPr lang="fi-FI" dirty="0"/>
+              <a:t> </a:t>
+            </a:r>
+            <a:r>
+              <a:rPr lang="fi-FI" dirty="0" err="1"/>
+              <a:t>value</a:t>
+            </a:r>
+            <a:r>
+              <a:rPr lang="fi-FI" dirty="0"/>
+              <a:t>, </a:t>
+            </a:r>
+            <a:r>
+              <a:rPr lang="fi-FI" dirty="0" err="1"/>
+              <a:t>but</a:t>
+            </a:r>
+            <a:r>
+              <a:rPr lang="fi-FI" dirty="0"/>
+              <a:t> </a:t>
+            </a:r>
+            <a:r>
+              <a:rPr lang="fi-FI" dirty="0" err="1"/>
+              <a:t>aiming</a:t>
+            </a:r>
+            <a:r>
+              <a:rPr lang="fi-FI" dirty="0"/>
+              <a:t> at </a:t>
+            </a:r>
+            <a:r>
+              <a:rPr lang="fi-FI" dirty="0" err="1"/>
+              <a:t>closer</a:t>
+            </a:r>
+            <a:r>
+              <a:rPr lang="fi-FI" dirty="0"/>
+              <a:t> to 100% </a:t>
+            </a:r>
+            <a:r>
+              <a:rPr lang="fi-FI" dirty="0" err="1"/>
+              <a:t>technical</a:t>
+            </a:r>
+            <a:r>
+              <a:rPr lang="fi-FI" dirty="0"/>
+              <a:t> </a:t>
+            </a:r>
+            <a:r>
+              <a:rPr lang="fi-FI" dirty="0" err="1"/>
+              <a:t>ability</a:t>
+            </a:r>
+            <a:r>
+              <a:rPr lang="fi-FI" dirty="0"/>
+              <a:t> </a:t>
+            </a:r>
+            <a:r>
+              <a:rPr lang="fi-FI" dirty="0" err="1"/>
+              <a:t>development</a:t>
+            </a:r>
+            <a:endParaRPr lang="fi-FI" dirty="0"/>
+          </a:p>
+          <a:p>
+            <a:pPr lvl="1"/>
+            <a:r>
+              <a:rPr lang="fi-FI" dirty="0" err="1"/>
+              <a:t>Only</a:t>
+            </a:r>
+            <a:r>
+              <a:rPr lang="fi-FI" dirty="0"/>
+              <a:t> </a:t>
+            </a:r>
+            <a:r>
+              <a:rPr lang="fi-FI" dirty="0" err="1"/>
+              <a:t>think</a:t>
+            </a:r>
+            <a:r>
+              <a:rPr lang="fi-FI" dirty="0"/>
+              <a:t> of </a:t>
+            </a:r>
+            <a:r>
+              <a:rPr lang="fi-FI" dirty="0" err="1"/>
+              <a:t>the</a:t>
+            </a:r>
+            <a:r>
+              <a:rPr lang="fi-FI" dirty="0"/>
+              <a:t> </a:t>
+            </a:r>
+            <a:r>
+              <a:rPr lang="fi-FI" dirty="0" err="1"/>
+              <a:t>customer</a:t>
+            </a:r>
+            <a:r>
+              <a:rPr lang="fi-FI" dirty="0"/>
+              <a:t> case </a:t>
+            </a:r>
+            <a:r>
+              <a:rPr lang="fi-FI" dirty="0" err="1"/>
+              <a:t>from</a:t>
+            </a:r>
+            <a:r>
+              <a:rPr lang="fi-FI" dirty="0"/>
+              <a:t> </a:t>
+            </a:r>
+            <a:r>
+              <a:rPr lang="fi-FI" dirty="0" err="1"/>
+              <a:t>technical</a:t>
+            </a:r>
+            <a:r>
+              <a:rPr lang="fi-FI" dirty="0"/>
+              <a:t> </a:t>
+            </a:r>
+            <a:r>
+              <a:rPr lang="fi-FI" dirty="0" err="1"/>
+              <a:t>point</a:t>
+            </a:r>
+            <a:r>
+              <a:rPr lang="fi-FI" dirty="0"/>
+              <a:t> of </a:t>
+            </a:r>
+            <a:r>
+              <a:rPr lang="fi-FI" dirty="0" err="1"/>
+              <a:t>view</a:t>
+            </a:r>
+            <a:r>
+              <a:rPr lang="fi-FI" dirty="0"/>
+              <a:t>. </a:t>
+            </a:r>
+            <a:r>
+              <a:rPr lang="fi-FI" dirty="0" err="1"/>
+              <a:t>What</a:t>
+            </a:r>
+            <a:r>
+              <a:rPr lang="fi-FI" dirty="0"/>
+              <a:t> </a:t>
+            </a:r>
+            <a:r>
+              <a:rPr lang="fi-FI" dirty="0" err="1"/>
               <a:t>are</a:t>
             </a:r>
             <a:r>
-              <a:rPr lang="fi-FI" sz="2400" dirty="0"/>
-              <a:t> </a:t>
-            </a:r>
-            <a:r>
-              <a:rPr lang="fi-FI" sz="2400" dirty="0" err="1"/>
-              <a:t>trying</a:t>
-            </a:r>
-            <a:r>
-              <a:rPr lang="fi-FI" sz="2400" dirty="0"/>
+              <a:rPr lang="fi-FI" dirty="0"/>
+              <a:t> </a:t>
+            </a:r>
+            <a:r>
+              <a:rPr lang="fi-FI" dirty="0" err="1"/>
+              <a:t>the</a:t>
+            </a:r>
+            <a:r>
+              <a:rPr lang="fi-FI" dirty="0"/>
+              <a:t> </a:t>
+            </a:r>
+            <a:r>
+              <a:rPr lang="fi-FI" dirty="0" err="1"/>
+              <a:t>technical</a:t>
+            </a:r>
+            <a:r>
+              <a:rPr lang="fi-FI" dirty="0"/>
+              <a:t> </a:t>
+            </a:r>
+            <a:r>
+              <a:rPr lang="fi-FI" dirty="0" err="1"/>
+              <a:t>challenges</a:t>
+            </a:r>
+            <a:r>
+              <a:rPr lang="fi-FI" dirty="0"/>
+              <a:t> </a:t>
+            </a:r>
+            <a:r>
+              <a:rPr lang="fi-FI" dirty="0" err="1"/>
+              <a:t>that</a:t>
+            </a:r>
+            <a:r>
+              <a:rPr lang="fi-FI" dirty="0"/>
+              <a:t> </a:t>
+            </a:r>
+            <a:r>
+              <a:rPr lang="fi-FI" dirty="0" err="1"/>
+              <a:t>need</a:t>
+            </a:r>
+            <a:r>
+              <a:rPr lang="fi-FI" dirty="0"/>
               <a:t> to </a:t>
             </a:r>
             <a:r>
-              <a:rPr lang="fi-FI" sz="2400" dirty="0" err="1"/>
-              <a:t>eat</a:t>
-            </a:r>
-            <a:r>
-              <a:rPr lang="fi-FI" sz="2400" dirty="0"/>
-              <a:t> an </a:t>
-            </a:r>
-            <a:r>
-              <a:rPr lang="fi-FI" sz="2400" dirty="0" err="1"/>
-              <a:t>elephant</a:t>
-            </a:r>
-            <a:r>
-              <a:rPr lang="fi-FI" sz="2400" dirty="0"/>
-              <a:t> as a </a:t>
-            </a:r>
-            <a:r>
-              <a:rPr lang="fi-FI" sz="2400" dirty="0" err="1"/>
-              <a:t>whole</a:t>
-            </a:r>
-            <a:endParaRPr lang="fi-FI" sz="2400" dirty="0"/>
-          </a:p>
-          <a:p>
-            <a:pPr>
-              <a:buFont typeface="Arial" panose="020B0604020202020204" pitchFamily="34" charset="0"/>
-              <a:buChar char="•"/>
-            </a:pPr>
-            <a:r>
-              <a:rPr lang="fi-FI" sz="2400" dirty="0" err="1"/>
-              <a:t>Leads</a:t>
-            </a:r>
-            <a:r>
-              <a:rPr lang="fi-FI" sz="2400" dirty="0"/>
-              <a:t> </a:t>
-            </a:r>
-            <a:r>
-              <a:rPr lang="fi-FI" sz="2400" dirty="0" err="1"/>
-              <a:t>often</a:t>
-            </a:r>
-            <a:r>
-              <a:rPr lang="fi-FI" sz="2400" dirty="0"/>
+              <a:rPr lang="fi-FI" dirty="0" err="1"/>
+              <a:t>be</a:t>
+            </a:r>
+            <a:r>
+              <a:rPr lang="fi-FI" dirty="0"/>
+              <a:t> </a:t>
+            </a:r>
+            <a:r>
+              <a:rPr lang="fi-FI" dirty="0" err="1"/>
+              <a:t>addressed</a:t>
+            </a:r>
+            <a:r>
+              <a:rPr lang="fi-FI" dirty="0"/>
+              <a:t> </a:t>
+            </a:r>
+            <a:r>
+              <a:rPr lang="fi-FI" dirty="0" err="1"/>
+              <a:t>right</a:t>
+            </a:r>
+            <a:r>
+              <a:rPr lang="fi-FI" dirty="0"/>
+              <a:t> </a:t>
+            </a:r>
+            <a:r>
+              <a:rPr lang="fi-FI" dirty="0" err="1"/>
+              <a:t>now</a:t>
+            </a:r>
+            <a:r>
+              <a:rPr lang="fi-FI" dirty="0"/>
+              <a:t>?</a:t>
+            </a:r>
+          </a:p>
+          <a:p>
+            <a:r>
+              <a:rPr lang="fi-FI" dirty="0" err="1"/>
+              <a:t>Archictecture</a:t>
+            </a:r>
+            <a:r>
+              <a:rPr lang="fi-FI" dirty="0"/>
+              <a:t> </a:t>
+            </a:r>
+            <a:r>
+              <a:rPr lang="fi-FI" dirty="0" err="1"/>
+              <a:t>building</a:t>
+            </a:r>
+            <a:endParaRPr lang="fi-FI" dirty="0"/>
+          </a:p>
+          <a:p>
+            <a:pPr lvl="1"/>
+            <a:r>
+              <a:rPr lang="fi-FI" dirty="0"/>
+              <a:t>No </a:t>
+            </a:r>
+            <a:r>
+              <a:rPr lang="fi-FI" dirty="0" err="1"/>
+              <a:t>hurry</a:t>
+            </a:r>
+            <a:r>
+              <a:rPr lang="fi-FI" dirty="0"/>
+              <a:t>. </a:t>
+            </a:r>
+            <a:r>
+              <a:rPr lang="fi-FI" dirty="0" err="1"/>
+              <a:t>Refactoring</a:t>
+            </a:r>
+            <a:r>
+              <a:rPr lang="fi-FI" dirty="0"/>
+              <a:t>, </a:t>
+            </a:r>
+            <a:r>
+              <a:rPr lang="fi-FI" dirty="0" err="1"/>
+              <a:t>refactoring</a:t>
+            </a:r>
+            <a:r>
+              <a:rPr lang="fi-FI" dirty="0"/>
+              <a:t>.</a:t>
+            </a:r>
+          </a:p>
+          <a:p>
+            <a:pPr lvl="1"/>
+            <a:r>
+              <a:rPr lang="fi-FI" dirty="0" err="1"/>
+              <a:t>Creating</a:t>
+            </a:r>
+            <a:r>
+              <a:rPr lang="fi-FI" dirty="0"/>
+              <a:t> </a:t>
+            </a:r>
+            <a:r>
+              <a:rPr lang="fi-FI" dirty="0" err="1"/>
+              <a:t>basis</a:t>
+            </a:r>
+            <a:r>
+              <a:rPr lang="fi-FI" dirty="0"/>
+              <a:t> for </a:t>
+            </a:r>
+            <a:r>
+              <a:rPr lang="fi-FI" dirty="0" err="1"/>
+              <a:t>the</a:t>
+            </a:r>
+            <a:r>
+              <a:rPr lang="fi-FI" dirty="0"/>
+              <a:t> </a:t>
+            </a:r>
+            <a:r>
+              <a:rPr lang="fi-FI" dirty="0" err="1"/>
+              <a:t>smooth</a:t>
+            </a:r>
+            <a:r>
+              <a:rPr lang="fi-FI" dirty="0"/>
+              <a:t> </a:t>
+            </a:r>
+            <a:r>
+              <a:rPr lang="fi-FI" dirty="0" err="1"/>
+              <a:t>shared</a:t>
+            </a:r>
+            <a:r>
+              <a:rPr lang="fi-FI" dirty="0"/>
+              <a:t> </a:t>
+            </a:r>
+            <a:r>
+              <a:rPr lang="fi-FI" dirty="0" err="1"/>
+              <a:t>development</a:t>
+            </a:r>
+            <a:r>
+              <a:rPr lang="fi-FI" dirty="0"/>
+              <a:t> </a:t>
+            </a:r>
+            <a:r>
+              <a:rPr lang="fi-FI" dirty="0" err="1"/>
+              <a:t>by</a:t>
+            </a:r>
+            <a:r>
+              <a:rPr lang="fi-FI" dirty="0"/>
+              <a:t> </a:t>
+            </a:r>
+            <a:r>
+              <a:rPr lang="fi-FI" dirty="0" err="1"/>
+              <a:t>multiple</a:t>
+            </a:r>
+            <a:r>
+              <a:rPr lang="fi-FI" dirty="0"/>
+              <a:t> </a:t>
+            </a:r>
+            <a:r>
+              <a:rPr lang="fi-FI" dirty="0" err="1"/>
+              <a:t>developers</a:t>
+            </a:r>
+            <a:r>
+              <a:rPr lang="fi-FI" dirty="0"/>
+              <a:t>.</a:t>
+            </a:r>
+          </a:p>
+          <a:p>
+            <a:pPr lvl="1"/>
+            <a:r>
+              <a:rPr lang="fi-FI" dirty="0" err="1"/>
+              <a:t>Not</a:t>
+            </a:r>
+            <a:r>
+              <a:rPr lang="fi-FI" dirty="0"/>
+              <a:t> just </a:t>
+            </a:r>
+            <a:r>
+              <a:rPr lang="fi-FI" dirty="0" err="1"/>
+              <a:t>modules</a:t>
+            </a:r>
+            <a:r>
+              <a:rPr lang="fi-FI" dirty="0"/>
+              <a:t> and </a:t>
+            </a:r>
+            <a:r>
+              <a:rPr lang="fi-FI" dirty="0" err="1"/>
+              <a:t>files</a:t>
+            </a:r>
+            <a:r>
+              <a:rPr lang="fi-FI" dirty="0"/>
+              <a:t>, </a:t>
+            </a:r>
+            <a:r>
+              <a:rPr lang="fi-FI" dirty="0" err="1"/>
+              <a:t>but</a:t>
+            </a:r>
+            <a:r>
+              <a:rPr lang="fi-FI" dirty="0"/>
+              <a:t> </a:t>
+            </a:r>
+            <a:r>
+              <a:rPr lang="fi-FI" dirty="0" err="1"/>
+              <a:t>also</a:t>
+            </a:r>
+            <a:r>
+              <a:rPr lang="fi-FI" dirty="0"/>
+              <a:t> </a:t>
+            </a:r>
+            <a:r>
+              <a:rPr lang="fi-FI" dirty="0" err="1"/>
+              <a:t>ways</a:t>
+            </a:r>
+            <a:r>
+              <a:rPr lang="fi-FI" dirty="0"/>
               <a:t> to </a:t>
             </a:r>
             <a:r>
-              <a:rPr lang="fi-FI" sz="2400" dirty="0" err="1"/>
+              <a:rPr lang="fi-FI" dirty="0" err="1"/>
+              <a:t>do</a:t>
+            </a:r>
+            <a:r>
+              <a:rPr lang="fi-FI" dirty="0"/>
+              <a:t> and </a:t>
+            </a:r>
+            <a:r>
+              <a:rPr lang="fi-FI" dirty="0" err="1"/>
+              <a:t>principles</a:t>
+            </a:r>
+            <a:r>
+              <a:rPr lang="fi-FI" dirty="0"/>
+              <a:t> to </a:t>
+            </a:r>
+            <a:r>
+              <a:rPr lang="fi-FI" dirty="0" err="1"/>
+              <a:t>follow</a:t>
+            </a:r>
+            <a:endParaRPr lang="fi-FI" dirty="0"/>
+          </a:p>
+          <a:p>
+            <a:r>
+              <a:rPr lang="fi-FI" dirty="0"/>
+              <a:t>Feature </a:t>
+            </a:r>
+            <a:r>
+              <a:rPr lang="fi-FI" dirty="0" err="1"/>
+              <a:t>development</a:t>
+            </a:r>
+            <a:r>
+              <a:rPr lang="fi-FI" dirty="0"/>
+              <a:t>, </a:t>
+            </a:r>
+            <a:r>
+              <a:rPr lang="fi-FI" dirty="0" err="1"/>
+              <a:t>real</a:t>
+            </a:r>
+            <a:r>
+              <a:rPr lang="fi-FI" dirty="0"/>
+              <a:t> business case </a:t>
+            </a:r>
+            <a:r>
+              <a:rPr lang="fi-FI" dirty="0" err="1"/>
+              <a:t>user</a:t>
+            </a:r>
+            <a:r>
+              <a:rPr lang="fi-FI" dirty="0"/>
+              <a:t> </a:t>
+            </a:r>
+            <a:r>
+              <a:rPr lang="fi-FI" dirty="0" err="1"/>
+              <a:t>story</a:t>
+            </a:r>
+            <a:r>
+              <a:rPr lang="fi-FI" dirty="0"/>
+              <a:t> </a:t>
+            </a:r>
+            <a:r>
+              <a:rPr lang="fi-FI" dirty="0" err="1"/>
+              <a:t>implementation</a:t>
+            </a:r>
+            <a:endParaRPr lang="fi-FI" dirty="0"/>
+          </a:p>
+          <a:p>
+            <a:pPr lvl="1"/>
+            <a:r>
+              <a:rPr lang="fi-FI" dirty="0" err="1"/>
+              <a:t>Now</a:t>
+            </a:r>
+            <a:r>
+              <a:rPr lang="fi-FI" dirty="0"/>
+              <a:t> </a:t>
+            </a:r>
+            <a:r>
+              <a:rPr lang="fi-FI" dirty="0" err="1"/>
+              <a:t>this</a:t>
+            </a:r>
+            <a:r>
+              <a:rPr lang="fi-FI" dirty="0"/>
+              <a:t> is </a:t>
+            </a:r>
+            <a:r>
+              <a:rPr lang="fi-FI" dirty="0" err="1"/>
               <a:t>the</a:t>
             </a:r>
             <a:r>
-              <a:rPr lang="fi-FI" sz="2400" dirty="0"/>
-              <a:t> </a:t>
-            </a:r>
-            <a:r>
-              <a:rPr lang="fi-FI" sz="2400" dirty="0" err="1"/>
-              <a:t>analysis-paralysis</a:t>
-            </a:r>
-            <a:endParaRPr lang="fi-FI" sz="2400" dirty="0"/>
-          </a:p>
-          <a:p>
-            <a:pPr lvl="1">
-              <a:buFont typeface="Arial" panose="020B0604020202020204" pitchFamily="34" charset="0"/>
-              <a:buChar char="•"/>
-            </a:pPr>
-            <a:r>
-              <a:rPr lang="fi-FI" sz="2000" dirty="0"/>
-              <a:t>”</a:t>
-            </a:r>
-            <a:r>
-              <a:rPr lang="fi-FI" sz="2000" dirty="0" err="1"/>
-              <a:t>We</a:t>
-            </a:r>
-            <a:r>
-              <a:rPr lang="fi-FI" sz="2000" dirty="0"/>
-              <a:t> </a:t>
-            </a:r>
-            <a:r>
-              <a:rPr lang="fi-FI" sz="2000" dirty="0" err="1"/>
-              <a:t>cannot</a:t>
-            </a:r>
-            <a:r>
-              <a:rPr lang="fi-FI" sz="2000" dirty="0"/>
-              <a:t> </a:t>
-            </a:r>
-            <a:r>
-              <a:rPr lang="fi-FI" sz="2000" dirty="0" err="1"/>
-              <a:t>start</a:t>
-            </a:r>
-            <a:r>
-              <a:rPr lang="fi-FI" sz="2000" dirty="0"/>
-              <a:t> </a:t>
-            </a:r>
-            <a:r>
-              <a:rPr lang="fi-FI" sz="2000" dirty="0" err="1"/>
-              <a:t>because</a:t>
-            </a:r>
-            <a:r>
-              <a:rPr lang="fi-FI" sz="2000" dirty="0"/>
-              <a:t> </a:t>
-            </a:r>
-            <a:r>
-              <a:rPr lang="fi-FI" sz="2000" dirty="0" err="1"/>
-              <a:t>we</a:t>
-            </a:r>
-            <a:r>
-              <a:rPr lang="fi-FI" sz="2000" dirty="0"/>
-              <a:t> </a:t>
-            </a:r>
-            <a:r>
-              <a:rPr lang="fi-FI" sz="2000" dirty="0" err="1"/>
-              <a:t>don’t</a:t>
-            </a:r>
-            <a:r>
-              <a:rPr lang="fi-FI" sz="2000" dirty="0"/>
-              <a:t> </a:t>
-            </a:r>
-            <a:r>
-              <a:rPr lang="fi-FI" sz="2000" dirty="0" err="1"/>
-              <a:t>know</a:t>
-            </a:r>
-            <a:r>
-              <a:rPr lang="fi-FI" sz="2000" dirty="0"/>
-              <a:t> </a:t>
-            </a:r>
-            <a:r>
-              <a:rPr lang="fi-FI" sz="2000" dirty="0" err="1"/>
-              <a:t>exactly</a:t>
-            </a:r>
-            <a:r>
-              <a:rPr lang="fi-FI" sz="2000" dirty="0"/>
-              <a:t> </a:t>
-            </a:r>
-            <a:r>
-              <a:rPr lang="fi-FI" sz="2000" dirty="0" err="1"/>
-              <a:t>what</a:t>
-            </a:r>
-            <a:r>
-              <a:rPr lang="fi-FI" sz="2000" dirty="0"/>
-              <a:t> </a:t>
-            </a:r>
-            <a:r>
-              <a:rPr lang="fi-FI" sz="2000" dirty="0" err="1"/>
-              <a:t>customer</a:t>
-            </a:r>
-            <a:r>
-              <a:rPr lang="fi-FI" sz="2000" dirty="0"/>
-              <a:t> </a:t>
-            </a:r>
-            <a:r>
-              <a:rPr lang="fi-FI" sz="2000" dirty="0" err="1"/>
-              <a:t>needs</a:t>
-            </a:r>
-            <a:r>
-              <a:rPr lang="fi-FI" sz="2000" dirty="0"/>
-              <a:t>”</a:t>
-            </a:r>
-          </a:p>
-          <a:p>
-            <a:pPr lvl="1">
-              <a:buFont typeface="Arial" panose="020B0604020202020204" pitchFamily="34" charset="0"/>
-              <a:buChar char="•"/>
-            </a:pPr>
-            <a:r>
-              <a:rPr lang="fi-FI" sz="2000" dirty="0" err="1"/>
-              <a:t>We</a:t>
-            </a:r>
-            <a:r>
-              <a:rPr lang="fi-FI" sz="2000" dirty="0"/>
-              <a:t> </a:t>
-            </a:r>
-            <a:r>
-              <a:rPr lang="fi-FI" sz="2000" dirty="0" err="1"/>
-              <a:t>do</a:t>
-            </a:r>
-            <a:r>
-              <a:rPr lang="fi-FI" sz="2000" dirty="0"/>
-              <a:t> </a:t>
-            </a:r>
-            <a:r>
-              <a:rPr lang="fi-FI" sz="2000" dirty="0" err="1"/>
-              <a:t>not</a:t>
-            </a:r>
-            <a:r>
-              <a:rPr lang="fi-FI" sz="2000" dirty="0"/>
-              <a:t> </a:t>
-            </a:r>
-            <a:r>
-              <a:rPr lang="fi-FI" sz="2000" dirty="0" err="1"/>
-              <a:t>need</a:t>
-            </a:r>
-            <a:r>
-              <a:rPr lang="fi-FI" sz="2000" dirty="0"/>
-              <a:t> to </a:t>
-            </a:r>
-            <a:r>
-              <a:rPr lang="fi-FI" sz="2000" dirty="0" err="1"/>
-              <a:t>know</a:t>
-            </a:r>
-            <a:r>
-              <a:rPr lang="fi-FI" sz="2000" dirty="0"/>
-              <a:t> </a:t>
-            </a:r>
-            <a:r>
-              <a:rPr lang="fi-FI" sz="2000" dirty="0" err="1"/>
-              <a:t>exactly</a:t>
-            </a:r>
-            <a:r>
-              <a:rPr lang="fi-FI" sz="2000" dirty="0"/>
-              <a:t>, to </a:t>
-            </a:r>
-            <a:r>
-              <a:rPr lang="fi-FI" sz="2000" dirty="0" err="1"/>
-              <a:t>start</a:t>
-            </a:r>
-            <a:r>
-              <a:rPr lang="fi-FI" sz="2000" dirty="0"/>
-              <a:t> </a:t>
-            </a:r>
-            <a:r>
-              <a:rPr lang="fi-FI" sz="2000" dirty="0" err="1"/>
-              <a:t>with</a:t>
-            </a:r>
-            <a:r>
-              <a:rPr lang="fi-FI" sz="2000" dirty="0"/>
-              <a:t> </a:t>
-            </a:r>
-            <a:r>
-              <a:rPr lang="fi-FI" sz="2000" dirty="0" err="1"/>
+              <a:rPr lang="fi-FI" dirty="0"/>
+              <a:t> </a:t>
+            </a:r>
+            <a:r>
+              <a:rPr lang="fi-FI" dirty="0" err="1"/>
+              <a:t>customer-centric</a:t>
+            </a:r>
+            <a:r>
+              <a:rPr lang="fi-FI" dirty="0"/>
+              <a:t> </a:t>
+            </a:r>
+            <a:r>
+              <a:rPr lang="fi-FI" dirty="0" err="1"/>
+              <a:t>part</a:t>
+            </a:r>
+            <a:endParaRPr lang="fi-FI" dirty="0"/>
+          </a:p>
+          <a:p>
+            <a:pPr lvl="1"/>
+            <a:r>
+              <a:rPr lang="fi-FI" dirty="0" err="1"/>
+              <a:t>Now</a:t>
+            </a:r>
+            <a:r>
+              <a:rPr lang="fi-FI" dirty="0"/>
+              <a:t> </a:t>
+            </a:r>
+            <a:r>
+              <a:rPr lang="fi-FI" dirty="0" err="1"/>
               <a:t>the</a:t>
             </a:r>
             <a:r>
-              <a:rPr lang="fi-FI" sz="2000" dirty="0"/>
-              <a:t> </a:t>
-            </a:r>
-            <a:r>
-              <a:rPr lang="fi-FI" sz="2000" dirty="0" err="1"/>
-              <a:t>phases</a:t>
-            </a:r>
-            <a:r>
-              <a:rPr lang="fi-FI" sz="2000" dirty="0"/>
-              <a:t> 1 and 2!</a:t>
-            </a:r>
-          </a:p>
-          <a:p>
-            <a:pPr lvl="1">
-              <a:buFont typeface="Arial" panose="020B0604020202020204" pitchFamily="34" charset="0"/>
-              <a:buChar char="•"/>
-            </a:pPr>
-            <a:r>
-              <a:rPr lang="fi-FI" sz="2000" dirty="0"/>
-              <a:t>In </a:t>
-            </a:r>
-            <a:r>
-              <a:rPr lang="fi-FI" sz="2000" dirty="0" err="1"/>
-              <a:t>agile</a:t>
-            </a:r>
-            <a:r>
-              <a:rPr lang="fi-FI" sz="2000" dirty="0"/>
-              <a:t> </a:t>
-            </a:r>
-            <a:r>
-              <a:rPr lang="fi-FI" sz="2000" dirty="0" err="1"/>
+              <a:rPr lang="fi-FI" dirty="0"/>
+              <a:t> </a:t>
+            </a:r>
+            <a:r>
+              <a:rPr lang="fi-FI" dirty="0" err="1"/>
               <a:t>development</a:t>
             </a:r>
             <a:r>
-              <a:rPr lang="fi-FI" sz="2000" dirty="0"/>
-              <a:t> </a:t>
-            </a:r>
-            <a:r>
-              <a:rPr lang="fi-FI" sz="2000" dirty="0" err="1"/>
-              <a:t>we</a:t>
-            </a:r>
-            <a:r>
-              <a:rPr lang="fi-FI" sz="2000" dirty="0"/>
-              <a:t> </a:t>
-            </a:r>
-            <a:r>
-              <a:rPr lang="fi-FI" sz="2000" dirty="0" err="1"/>
-              <a:t>do</a:t>
-            </a:r>
-            <a:r>
-              <a:rPr lang="fi-FI" sz="2000" dirty="0"/>
-              <a:t> </a:t>
-            </a:r>
-            <a:r>
-              <a:rPr lang="fi-FI" sz="2000" dirty="0" err="1"/>
-              <a:t>not</a:t>
-            </a:r>
-            <a:r>
-              <a:rPr lang="fi-FI" sz="2000" dirty="0"/>
-              <a:t> </a:t>
-            </a:r>
-            <a:r>
-              <a:rPr lang="fi-FI" sz="2000" dirty="0" err="1"/>
-              <a:t>need</a:t>
-            </a:r>
-            <a:r>
-              <a:rPr lang="fi-FI" sz="2000" dirty="0"/>
-              <a:t> to </a:t>
-            </a:r>
-            <a:r>
-              <a:rPr lang="fi-FI" sz="2000" dirty="0" err="1"/>
-              <a:t>know</a:t>
-            </a:r>
-            <a:r>
-              <a:rPr lang="fi-FI" sz="2000" dirty="0"/>
-              <a:t> </a:t>
-            </a:r>
-            <a:r>
-              <a:rPr lang="fi-FI" sz="2000" dirty="0" err="1"/>
-              <a:t>exactly</a:t>
-            </a:r>
-            <a:r>
-              <a:rPr lang="fi-FI" sz="2000" dirty="0"/>
-              <a:t> in </a:t>
-            </a:r>
-            <a:r>
-              <a:rPr lang="fi-FI" sz="2000" dirty="0" err="1"/>
-              <a:t>the</a:t>
-            </a:r>
-            <a:r>
-              <a:rPr lang="fi-FI" sz="2000" dirty="0"/>
-              <a:t> </a:t>
-            </a:r>
-            <a:r>
-              <a:rPr lang="fi-FI" sz="2000" dirty="0" err="1"/>
-              <a:t>phase</a:t>
-            </a:r>
-            <a:r>
-              <a:rPr lang="fi-FI" sz="2000" dirty="0"/>
-              <a:t> 3 </a:t>
-            </a:r>
-            <a:r>
-              <a:rPr lang="fi-FI" sz="2000" dirty="0" err="1"/>
-              <a:t>either</a:t>
-            </a:r>
-            <a:r>
-              <a:rPr lang="fi-FI" sz="2000" dirty="0"/>
-              <a:t>!</a:t>
-            </a:r>
-          </a:p>
-          <a:p>
-            <a:pPr lvl="2">
-              <a:buFont typeface="Arial" panose="020B0604020202020204" pitchFamily="34" charset="0"/>
-              <a:buChar char="•"/>
-            </a:pPr>
-            <a:r>
-              <a:rPr lang="fi-FI" sz="2000" dirty="0" err="1"/>
-              <a:t>Prototyping</a:t>
-            </a:r>
-            <a:r>
-              <a:rPr lang="fi-FI" sz="2000" dirty="0"/>
-              <a:t>: </a:t>
-            </a:r>
-            <a:r>
-              <a:rPr lang="fi-FI" sz="2000" dirty="0" err="1"/>
-              <a:t>Create</a:t>
-            </a:r>
-            <a:r>
-              <a:rPr lang="fi-FI" sz="2000" dirty="0"/>
-              <a:t> </a:t>
-            </a:r>
-            <a:r>
-              <a:rPr lang="fi-FI" sz="2000" dirty="0" err="1"/>
-              <a:t>first</a:t>
-            </a:r>
-            <a:r>
-              <a:rPr lang="fi-FI" sz="2000" dirty="0"/>
-              <a:t> </a:t>
-            </a:r>
-            <a:r>
-              <a:rPr lang="fi-FI" sz="2000" dirty="0" err="1"/>
-              <a:t>lean</a:t>
-            </a:r>
-            <a:r>
-              <a:rPr lang="fi-FI" sz="2000" dirty="0"/>
-              <a:t> version of </a:t>
-            </a:r>
-            <a:r>
-              <a:rPr lang="fi-FI" sz="2000" dirty="0" err="1"/>
-              <a:t>what</a:t>
-            </a:r>
-            <a:r>
-              <a:rPr lang="fi-FI" sz="2000" dirty="0"/>
-              <a:t> </a:t>
-            </a:r>
-            <a:r>
-              <a:rPr lang="fi-FI" sz="2000" dirty="0" err="1"/>
-              <a:t>customer</a:t>
-            </a:r>
-            <a:r>
-              <a:rPr lang="fi-FI" sz="2000" dirty="0"/>
-              <a:t> </a:t>
-            </a:r>
-            <a:r>
-              <a:rPr lang="fi-FI" sz="2000" dirty="0" err="1"/>
-              <a:t>might</a:t>
-            </a:r>
-            <a:r>
-              <a:rPr lang="fi-FI" sz="2000" dirty="0"/>
-              <a:t> </a:t>
-            </a:r>
-            <a:r>
-              <a:rPr lang="fi-FI" sz="2000" dirty="0" err="1"/>
-              <a:t>want</a:t>
-            </a:r>
-            <a:r>
-              <a:rPr lang="fi-FI" sz="2000" dirty="0"/>
-              <a:t>.</a:t>
-            </a:r>
-          </a:p>
-          <a:p>
-            <a:pPr lvl="2">
-              <a:buFont typeface="Arial" panose="020B0604020202020204" pitchFamily="34" charset="0"/>
-              <a:buChar char="•"/>
-            </a:pPr>
-            <a:r>
-              <a:rPr lang="fi-FI" sz="2000" dirty="0" err="1"/>
-              <a:t>Iterate</a:t>
-            </a:r>
-            <a:r>
-              <a:rPr lang="fi-FI" sz="2000" dirty="0"/>
-              <a:t>: </a:t>
-            </a:r>
-            <a:r>
-              <a:rPr lang="fi-FI" sz="2000" dirty="0" err="1"/>
-              <a:t>Ask</a:t>
-            </a:r>
-            <a:r>
-              <a:rPr lang="fi-FI" sz="2000" dirty="0"/>
-              <a:t> feedback and </a:t>
-            </a:r>
-            <a:r>
-              <a:rPr lang="fi-FI" sz="2000" dirty="0" err="1"/>
-              <a:t>start</a:t>
-            </a:r>
-            <a:r>
-              <a:rPr lang="fi-FI" sz="2000" dirty="0"/>
-              <a:t> </a:t>
-            </a:r>
-            <a:r>
-              <a:rPr lang="fi-FI" sz="2000" dirty="0" err="1"/>
-              <a:t>working</a:t>
-            </a:r>
-            <a:r>
-              <a:rPr lang="fi-FI" sz="2000" dirty="0"/>
-              <a:t> on it</a:t>
-            </a:r>
-          </a:p>
-          <a:p>
-            <a:pPr lvl="2">
-              <a:buFont typeface="Arial" panose="020B0604020202020204" pitchFamily="34" charset="0"/>
-              <a:buChar char="•"/>
-            </a:pPr>
-            <a:r>
-              <a:rPr lang="fi-FI" sz="2000" dirty="0" err="1"/>
-              <a:t>Should</a:t>
-            </a:r>
-            <a:r>
-              <a:rPr lang="fi-FI" sz="2000" dirty="0"/>
-              <a:t> </a:t>
-            </a:r>
-            <a:r>
-              <a:rPr lang="fi-FI" sz="2000" dirty="0" err="1"/>
+              <a:rPr lang="fi-FI" dirty="0"/>
+              <a:t> </a:t>
+            </a:r>
+            <a:r>
+              <a:rPr lang="fi-FI" dirty="0" err="1"/>
+              <a:t>should</a:t>
+            </a:r>
+            <a:r>
+              <a:rPr lang="fi-FI" dirty="0"/>
+              <a:t> </a:t>
+            </a:r>
+            <a:r>
+              <a:rPr lang="fi-FI" dirty="0" err="1"/>
               <a:t>be</a:t>
             </a:r>
             <a:r>
-              <a:rPr lang="fi-FI" sz="2000" dirty="0"/>
-              <a:t> </a:t>
-            </a:r>
-            <a:r>
-              <a:rPr lang="fi-FI" sz="2000" dirty="0" err="1"/>
-              <a:t>easy</a:t>
-            </a:r>
-            <a:r>
-              <a:rPr lang="fi-FI" sz="2000" dirty="0"/>
-              <a:t>, </a:t>
-            </a:r>
-            <a:r>
-              <a:rPr lang="fi-FI" sz="2000" dirty="0" err="1"/>
-              <a:t>if</a:t>
-            </a:r>
-            <a:r>
-              <a:rPr lang="fi-FI" sz="2000" dirty="0"/>
-              <a:t> </a:t>
-            </a:r>
-            <a:r>
-              <a:rPr lang="fi-FI" sz="2000" dirty="0" err="1"/>
-              <a:t>you</a:t>
-            </a:r>
-            <a:r>
-              <a:rPr lang="fi-FI" sz="2000" dirty="0"/>
-              <a:t> </a:t>
-            </a:r>
-            <a:r>
-              <a:rPr lang="fi-FI" sz="2000" dirty="0" err="1"/>
-              <a:t>did</a:t>
-            </a:r>
-            <a:r>
-              <a:rPr lang="fi-FI" sz="2000" dirty="0"/>
-              <a:t> </a:t>
-            </a:r>
-            <a:r>
-              <a:rPr lang="fi-FI" sz="2000" dirty="0" err="1"/>
-              <a:t>not</a:t>
-            </a:r>
-            <a:r>
-              <a:rPr lang="fi-FI" sz="2000" dirty="0"/>
-              <a:t> </a:t>
-            </a:r>
-            <a:r>
-              <a:rPr lang="fi-FI" sz="2000" dirty="0" err="1"/>
-              <a:t>skip</a:t>
-            </a:r>
-            <a:r>
-              <a:rPr lang="fi-FI" sz="2000" dirty="0"/>
-              <a:t> </a:t>
-            </a:r>
-            <a:r>
-              <a:rPr lang="fi-FI" sz="2000" dirty="0" err="1"/>
-              <a:t>phases</a:t>
-            </a:r>
-            <a:r>
-              <a:rPr lang="fi-FI" sz="2000" dirty="0"/>
-              <a:t> 1 and 2</a:t>
+              <a:rPr lang="fi-FI" dirty="0"/>
+              <a:t> </a:t>
+            </a:r>
+            <a:r>
+              <a:rPr lang="fi-FI" dirty="0" err="1"/>
+              <a:t>fast</a:t>
+            </a:r>
+            <a:r>
+              <a:rPr lang="fi-FI" dirty="0"/>
+              <a:t>, as </a:t>
+            </a:r>
+            <a:r>
+              <a:rPr lang="fi-FI" dirty="0" err="1"/>
+              <a:t>tech</a:t>
+            </a:r>
+            <a:r>
+              <a:rPr lang="fi-FI" dirty="0"/>
+              <a:t> is </a:t>
+            </a:r>
+            <a:r>
+              <a:rPr lang="fi-FI" dirty="0" err="1"/>
+              <a:t>known</a:t>
+            </a:r>
+            <a:r>
+              <a:rPr lang="fi-FI" dirty="0"/>
+              <a:t> (</a:t>
+            </a:r>
+            <a:r>
+              <a:rPr lang="fi-FI" dirty="0" err="1"/>
+              <a:t>from</a:t>
+            </a:r>
+            <a:r>
+              <a:rPr lang="fi-FI" dirty="0"/>
+              <a:t> 1, OR </a:t>
+            </a:r>
+            <a:r>
+              <a:rPr lang="fi-FI" dirty="0" err="1"/>
+              <a:t>earlier</a:t>
+            </a:r>
+            <a:r>
+              <a:rPr lang="fi-FI" dirty="0"/>
+              <a:t> </a:t>
+            </a:r>
+            <a:r>
+              <a:rPr lang="fi-FI" dirty="0" err="1"/>
+              <a:t>project</a:t>
+            </a:r>
+            <a:r>
+              <a:rPr lang="fi-FI" dirty="0"/>
+              <a:t>) and </a:t>
+            </a:r>
+            <a:r>
+              <a:rPr lang="fi-FI" dirty="0" err="1"/>
+              <a:t>architecture</a:t>
+            </a:r>
+            <a:r>
+              <a:rPr lang="fi-FI" dirty="0"/>
+              <a:t> </a:t>
+            </a:r>
+            <a:r>
+              <a:rPr lang="fi-FI" dirty="0" err="1"/>
+              <a:t>built</a:t>
+            </a:r>
+            <a:r>
+              <a:rPr lang="fi-FI" dirty="0"/>
+              <a:t> (2 OR </a:t>
+            </a:r>
+            <a:r>
+              <a:rPr lang="fi-FI" dirty="0" err="1"/>
+              <a:t>earlier</a:t>
+            </a:r>
+            <a:r>
+              <a:rPr lang="fi-FI" dirty="0"/>
+              <a:t>).</a:t>
             </a:r>
           </a:p>
         </p:txBody>
@@ -14301,7 +14283,7 @@
           <a:p>
             <a:fld id="{551D5D1D-8623-7244-B1BC-5984C123D6C5}" type="datetime1">
               <a:rPr lang="fi-FI" smtClean="0"/>
-              <a:t>11.10.2022</a:t>
+              <a:t>27.10.2022</a:t>
             </a:fld>
             <a:endParaRPr lang="en-GB"/>
           </a:p>
@@ -14364,7 +14346,7 @@
     </p:spTree>
     <p:extLst>
       <p:ext uri="{BB962C8B-B14F-4D97-AF65-F5344CB8AC3E}">
-        <p14:creationId xmlns:p14="http://schemas.microsoft.com/office/powerpoint/2010/main" val="2132183270"/>
+        <p14:creationId xmlns:p14="http://schemas.microsoft.com/office/powerpoint/2010/main" val="4011369514"/>
       </p:ext>
     </p:extLst>
   </p:cSld>
@@ -14396,7 +14378,7 @@
           <p:cNvPr id="8" name="Title 7">
             <a:extLst>
               <a:ext uri="{FF2B5EF4-FFF2-40B4-BE49-F238E27FC236}">
-                <a16:creationId xmlns:a16="http://schemas.microsoft.com/office/drawing/2014/main" id="{197044C3-CD23-D844-B780-26FABA91AD0F}"/>
+                <a16:creationId xmlns:a16="http://schemas.microsoft.com/office/drawing/2014/main" id="{03801FB7-8FBC-844F-8D63-9A597A066215}"/>
               </a:ext>
             </a:extLst>
           </p:cNvPr>
@@ -14413,22 +14395,93 @@
           <a:lstStyle/>
           <a:p>
             <a:r>
-              <a:rPr lang="fi-FI" dirty="0"/>
-              <a:t>Software Architecture </a:t>
-            </a:r>
-            <a:r>
-              <a:rPr lang="fi-FI" dirty="0" err="1"/>
-              <a:t>Opinion</a:t>
-            </a:r>
-            <a:r>
-              <a:rPr lang="fi-FI" dirty="0"/>
-              <a:t> – and </a:t>
-            </a:r>
-            <a:r>
-              <a:rPr lang="fi-FI" dirty="0" err="1"/>
-              <a:t>Questions</a:t>
-            </a:r>
-            <a:endParaRPr lang="fi-FI" dirty="0"/>
+              <a:rPr lang="fi-FI" dirty="0" err="1"/>
+              <a:t>What</a:t>
+            </a:r>
+            <a:r>
+              <a:rPr lang="fi-FI" dirty="0"/>
+              <a:t> </a:t>
+            </a:r>
+            <a:r>
+              <a:rPr lang="fi-FI" dirty="0" err="1"/>
+              <a:t>happens</a:t>
+            </a:r>
+            <a:r>
+              <a:rPr lang="fi-FI" dirty="0"/>
+              <a:t> (</a:t>
+            </a:r>
+            <a:r>
+              <a:rPr lang="fi-FI" dirty="0" err="1"/>
+              <a:t>especially</a:t>
+            </a:r>
+            <a:r>
+              <a:rPr lang="fi-FI" dirty="0"/>
+              <a:t> in </a:t>
+            </a:r>
+            <a:r>
+              <a:rPr lang="fi-FI" dirty="0" err="1"/>
+              <a:t>school</a:t>
+            </a:r>
+            <a:r>
+              <a:rPr lang="fi-FI" dirty="0"/>
+              <a:t> </a:t>
+            </a:r>
+            <a:r>
+              <a:rPr lang="fi-FI" dirty="0" err="1"/>
+              <a:t>projects</a:t>
+            </a:r>
+            <a:r>
+              <a:rPr lang="fi-FI" dirty="0"/>
+              <a:t>) </a:t>
+            </a:r>
+            <a:r>
+              <a:rPr lang="fi-FI" dirty="0" err="1"/>
+              <a:t>if</a:t>
+            </a:r>
+            <a:r>
+              <a:rPr lang="fi-FI" dirty="0"/>
+              <a:t> </a:t>
+            </a:r>
+            <a:r>
+              <a:rPr lang="fi-FI" dirty="0" err="1"/>
+              <a:t>students</a:t>
+            </a:r>
+            <a:r>
+              <a:rPr lang="fi-FI" dirty="0"/>
+              <a:t> </a:t>
+            </a:r>
+            <a:r>
+              <a:rPr lang="fi-FI" dirty="0" err="1"/>
+              <a:t>jump</a:t>
+            </a:r>
+            <a:r>
+              <a:rPr lang="fi-FI" dirty="0"/>
+              <a:t> </a:t>
+            </a:r>
+            <a:r>
+              <a:rPr lang="fi-FI" dirty="0" err="1"/>
+              <a:t>over</a:t>
+            </a:r>
+            <a:r>
+              <a:rPr lang="fi-FI" dirty="0"/>
+              <a:t> </a:t>
+            </a:r>
+            <a:r>
+              <a:rPr lang="fi-FI" dirty="0" err="1"/>
+              <a:t>the</a:t>
+            </a:r>
+            <a:r>
+              <a:rPr lang="fi-FI" dirty="0"/>
+              <a:t> </a:t>
+            </a:r>
+            <a:r>
+              <a:rPr lang="fi-FI" dirty="0" err="1"/>
+              <a:t>phases</a:t>
+            </a:r>
+            <a:r>
+              <a:rPr lang="fi-FI" dirty="0"/>
+              <a:t>?</a:t>
+            </a:r>
           </a:p>
         </p:txBody>
       </p:sp>
@@ -14437,7 +14490,7 @@
           <p:cNvPr id="9" name="Content Placeholder 8">
             <a:extLst>
               <a:ext uri="{FF2B5EF4-FFF2-40B4-BE49-F238E27FC236}">
-                <a16:creationId xmlns:a16="http://schemas.microsoft.com/office/drawing/2014/main" id="{ACDE61D8-A75A-F94B-B57A-46F276C03311}"/>
+                <a16:creationId xmlns:a16="http://schemas.microsoft.com/office/drawing/2014/main" id="{C711FFF1-5700-384F-B322-71416B4D664F}"/>
               </a:ext>
             </a:extLst>
           </p:cNvPr>
@@ -14455,938 +14508,566 @@
           </a:bodyPr>
           <a:lstStyle/>
           <a:p>
-            <a:r>
-              <a:rPr lang="fi-FI" dirty="0" err="1"/>
-              <a:t>There</a:t>
-            </a:r>
-            <a:r>
-              <a:rPr lang="fi-FI" dirty="0"/>
-              <a:t> </a:t>
-            </a:r>
-            <a:r>
-              <a:rPr lang="fi-FI" dirty="0" err="1"/>
+            <a:pPr>
+              <a:buFont typeface="Arial" panose="020B0604020202020204" pitchFamily="34" charset="0"/>
+              <a:buChar char="•"/>
+            </a:pPr>
+            <a:r>
+              <a:rPr lang="fi-FI" sz="2400" dirty="0" err="1"/>
+              <a:t>Then</a:t>
+            </a:r>
+            <a:r>
+              <a:rPr lang="fi-FI" sz="2400" dirty="0"/>
+              <a:t> </a:t>
+            </a:r>
+            <a:r>
+              <a:rPr lang="fi-FI" sz="2400" dirty="0" err="1"/>
+              <a:t>they</a:t>
+            </a:r>
+            <a:r>
+              <a:rPr lang="fi-FI" sz="2400" dirty="0"/>
+              <a:t> </a:t>
+            </a:r>
+            <a:r>
+              <a:rPr lang="fi-FI" sz="2400" dirty="0" err="1"/>
               <a:t>are</a:t>
             </a:r>
             <a:r>
-              <a:rPr lang="fi-FI" dirty="0"/>
-              <a:t> no </a:t>
-            </a:r>
-            <a:r>
-              <a:rPr lang="fi-FI" dirty="0" err="1"/>
-              <a:t>correct</a:t>
-            </a:r>
-            <a:r>
-              <a:rPr lang="fi-FI" dirty="0"/>
-              <a:t> </a:t>
-            </a:r>
-            <a:r>
-              <a:rPr lang="fi-FI" dirty="0" err="1"/>
-              <a:t>answers</a:t>
-            </a:r>
-            <a:r>
-              <a:rPr lang="fi-FI" dirty="0"/>
+              <a:rPr lang="fi-FI" sz="2400" dirty="0"/>
+              <a:t> </a:t>
+            </a:r>
+            <a:r>
+              <a:rPr lang="fi-FI" sz="2400" dirty="0" err="1"/>
+              <a:t>trying</a:t>
+            </a:r>
+            <a:r>
+              <a:rPr lang="fi-FI" sz="2400" dirty="0"/>
               <a:t> to </a:t>
             </a:r>
             <a:r>
-              <a:rPr lang="fi-FI" dirty="0" err="1"/>
-              <a:t>these</a:t>
-            </a:r>
-            <a:r>
-              <a:rPr lang="fi-FI" dirty="0"/>
-              <a:t> </a:t>
-            </a:r>
-            <a:r>
-              <a:rPr lang="fi-FI" dirty="0" err="1"/>
-              <a:t>questions</a:t>
-            </a:r>
-            <a:endParaRPr lang="fi-FI" dirty="0"/>
-          </a:p>
-          <a:p>
-            <a:r>
-              <a:rPr lang="fi-FI" dirty="0"/>
-              <a:t>Robert C. Martin </a:t>
-            </a:r>
-            <a:r>
-              <a:rPr lang="fi-FI" dirty="0" err="1"/>
-              <a:t>said</a:t>
-            </a:r>
-            <a:r>
-              <a:rPr lang="fi-FI" dirty="0"/>
+              <a:rPr lang="fi-FI" sz="2400" dirty="0" err="1"/>
+              <a:t>eat</a:t>
+            </a:r>
+            <a:r>
+              <a:rPr lang="fi-FI" sz="2400" dirty="0"/>
+              <a:t> an </a:t>
+            </a:r>
+            <a:r>
+              <a:rPr lang="fi-FI" sz="2400" dirty="0" err="1"/>
+              <a:t>elephant</a:t>
+            </a:r>
+            <a:r>
+              <a:rPr lang="fi-FI" sz="2400" dirty="0"/>
+              <a:t> as a </a:t>
+            </a:r>
+            <a:r>
+              <a:rPr lang="fi-FI" sz="2400" dirty="0" err="1"/>
+              <a:t>whole</a:t>
+            </a:r>
+            <a:endParaRPr lang="fi-FI" sz="2400" dirty="0"/>
+          </a:p>
+          <a:p>
+            <a:pPr>
+              <a:buFont typeface="Arial" panose="020B0604020202020204" pitchFamily="34" charset="0"/>
+              <a:buChar char="•"/>
+            </a:pPr>
+            <a:r>
+              <a:rPr lang="fi-FI" sz="2400" dirty="0" err="1"/>
+              <a:t>Leads</a:t>
+            </a:r>
+            <a:r>
+              <a:rPr lang="fi-FI" sz="2400" dirty="0"/>
+              <a:t> </a:t>
+            </a:r>
+            <a:r>
+              <a:rPr lang="fi-FI" sz="2400" dirty="0" err="1"/>
+              <a:t>often</a:t>
+            </a:r>
+            <a:r>
+              <a:rPr lang="fi-FI" sz="2400" dirty="0"/>
+              <a:t> to </a:t>
+            </a:r>
+            <a:r>
+              <a:rPr lang="fi-FI" sz="2400" dirty="0" err="1"/>
+              <a:t>the</a:t>
+            </a:r>
+            <a:r>
+              <a:rPr lang="fi-FI" sz="2400" dirty="0"/>
+              <a:t> </a:t>
+            </a:r>
+            <a:r>
+              <a:rPr lang="fi-FI" sz="2400" dirty="0" err="1"/>
+              <a:t>analysis-paralysis</a:t>
+            </a:r>
+            <a:endParaRPr lang="fi-FI" sz="2400" dirty="0"/>
+          </a:p>
+          <a:p>
+            <a:pPr lvl="1">
+              <a:buFont typeface="Arial" panose="020B0604020202020204" pitchFamily="34" charset="0"/>
+              <a:buChar char="•"/>
+            </a:pPr>
+            <a:r>
+              <a:rPr lang="fi-FI" sz="2000" dirty="0"/>
+              <a:t>”</a:t>
+            </a:r>
+            <a:r>
+              <a:rPr lang="fi-FI" sz="2000" dirty="0" err="1"/>
+              <a:t>We</a:t>
+            </a:r>
+            <a:r>
+              <a:rPr lang="fi-FI" sz="2000" dirty="0"/>
+              <a:t> </a:t>
+            </a:r>
+            <a:r>
+              <a:rPr lang="fi-FI" sz="2000" dirty="0" err="1"/>
+              <a:t>cannot</a:t>
+            </a:r>
+            <a:r>
+              <a:rPr lang="fi-FI" sz="2000" dirty="0"/>
+              <a:t> </a:t>
+            </a:r>
+            <a:r>
+              <a:rPr lang="fi-FI" sz="2000" dirty="0" err="1"/>
+              <a:t>start</a:t>
+            </a:r>
+            <a:r>
+              <a:rPr lang="fi-FI" sz="2000" dirty="0"/>
+              <a:t> </a:t>
+            </a:r>
+            <a:r>
+              <a:rPr lang="fi-FI" sz="2000" dirty="0" err="1"/>
+              <a:t>because</a:t>
+            </a:r>
+            <a:r>
+              <a:rPr lang="fi-FI" sz="2000" dirty="0"/>
+              <a:t> </a:t>
+            </a:r>
+            <a:r>
+              <a:rPr lang="fi-FI" sz="2000" dirty="0" err="1"/>
+              <a:t>we</a:t>
+            </a:r>
+            <a:r>
+              <a:rPr lang="fi-FI" sz="2000" dirty="0"/>
+              <a:t> </a:t>
+            </a:r>
+            <a:r>
+              <a:rPr lang="fi-FI" sz="2000" dirty="0" err="1"/>
+              <a:t>don’t</a:t>
+            </a:r>
+            <a:r>
+              <a:rPr lang="fi-FI" sz="2000" dirty="0"/>
+              <a:t> </a:t>
+            </a:r>
+            <a:r>
+              <a:rPr lang="fi-FI" sz="2000" dirty="0" err="1"/>
+              <a:t>know</a:t>
+            </a:r>
+            <a:r>
+              <a:rPr lang="fi-FI" sz="2000" dirty="0"/>
+              <a:t> </a:t>
+            </a:r>
+            <a:r>
+              <a:rPr lang="fi-FI" sz="2000" dirty="0" err="1"/>
+              <a:t>exactly</a:t>
+            </a:r>
+            <a:r>
+              <a:rPr lang="fi-FI" sz="2000" dirty="0"/>
+              <a:t> </a:t>
+            </a:r>
+            <a:r>
+              <a:rPr lang="fi-FI" sz="2000" dirty="0" err="1"/>
+              <a:t>what</a:t>
+            </a:r>
+            <a:r>
+              <a:rPr lang="fi-FI" sz="2000" dirty="0"/>
+              <a:t> </a:t>
+            </a:r>
+            <a:r>
+              <a:rPr lang="fi-FI" sz="2000" dirty="0" err="1"/>
+              <a:t>customer</a:t>
+            </a:r>
+            <a:r>
+              <a:rPr lang="fi-FI" sz="2000" dirty="0"/>
+              <a:t> </a:t>
+            </a:r>
+            <a:r>
+              <a:rPr lang="fi-FI" sz="2000" dirty="0" err="1"/>
+              <a:t>needs</a:t>
+            </a:r>
+            <a:r>
+              <a:rPr lang="fi-FI" sz="2000" dirty="0"/>
+              <a:t>”</a:t>
+            </a:r>
+          </a:p>
+          <a:p>
+            <a:pPr lvl="1">
+              <a:buFont typeface="Arial" panose="020B0604020202020204" pitchFamily="34" charset="0"/>
+              <a:buChar char="•"/>
+            </a:pPr>
+            <a:r>
+              <a:rPr lang="fi-FI" sz="2000" dirty="0" err="1"/>
+              <a:t>We</a:t>
+            </a:r>
+            <a:r>
+              <a:rPr lang="fi-FI" sz="2000" dirty="0"/>
+              <a:t> </a:t>
+            </a:r>
+            <a:r>
+              <a:rPr lang="fi-FI" sz="2000" dirty="0" err="1"/>
+              <a:t>do</a:t>
+            </a:r>
+            <a:r>
+              <a:rPr lang="fi-FI" sz="2000" dirty="0"/>
+              <a:t> </a:t>
+            </a:r>
+            <a:r>
+              <a:rPr lang="fi-FI" sz="2000" dirty="0" err="1"/>
+              <a:t>not</a:t>
+            </a:r>
+            <a:r>
+              <a:rPr lang="fi-FI" sz="2000" dirty="0"/>
+              <a:t> </a:t>
+            </a:r>
+            <a:r>
+              <a:rPr lang="fi-FI" sz="2000" dirty="0" err="1"/>
+              <a:t>need</a:t>
+            </a:r>
+            <a:r>
+              <a:rPr lang="fi-FI" sz="2000" dirty="0"/>
+              <a:t> to </a:t>
+            </a:r>
+            <a:r>
+              <a:rPr lang="fi-FI" sz="2000" dirty="0" err="1"/>
+              <a:t>know</a:t>
+            </a:r>
+            <a:r>
+              <a:rPr lang="fi-FI" sz="2000" dirty="0"/>
+              <a:t> </a:t>
+            </a:r>
+            <a:r>
+              <a:rPr lang="fi-FI" sz="2000" dirty="0" err="1"/>
+              <a:t>exactly</a:t>
+            </a:r>
+            <a:r>
+              <a:rPr lang="fi-FI" sz="2000" dirty="0"/>
+              <a:t>, to </a:t>
+            </a:r>
+            <a:r>
+              <a:rPr lang="fi-FI" sz="2000" dirty="0" err="1"/>
+              <a:t>start</a:t>
+            </a:r>
+            <a:r>
+              <a:rPr lang="fi-FI" sz="2000" dirty="0"/>
+              <a:t> </a:t>
+            </a:r>
+            <a:r>
+              <a:rPr lang="fi-FI" sz="2000" dirty="0" err="1"/>
+              <a:t>with</a:t>
+            </a:r>
+            <a:r>
+              <a:rPr lang="fi-FI" sz="2000" dirty="0"/>
+              <a:t> </a:t>
+            </a:r>
+            <a:r>
+              <a:rPr lang="fi-FI" sz="2000" dirty="0" err="1"/>
+              <a:t>the</a:t>
+            </a:r>
+            <a:r>
+              <a:rPr lang="fi-FI" sz="2000" dirty="0"/>
+              <a:t> </a:t>
+            </a:r>
+            <a:r>
+              <a:rPr lang="fi-FI" sz="2000" dirty="0" err="1"/>
+              <a:t>phases</a:t>
+            </a:r>
+            <a:r>
+              <a:rPr lang="fi-FI" sz="2000" dirty="0"/>
+              <a:t> 1 and 2!</a:t>
+            </a:r>
+          </a:p>
+          <a:p>
+            <a:pPr lvl="1">
+              <a:buFont typeface="Arial" panose="020B0604020202020204" pitchFamily="34" charset="0"/>
+              <a:buChar char="•"/>
+            </a:pPr>
+            <a:r>
+              <a:rPr lang="fi-FI" sz="2000" dirty="0"/>
+              <a:t>In </a:t>
+            </a:r>
+            <a:r>
+              <a:rPr lang="fi-FI" sz="2000" dirty="0" err="1"/>
+              <a:t>agile</a:t>
+            </a:r>
+            <a:r>
+              <a:rPr lang="fi-FI" sz="2000" dirty="0"/>
+              <a:t> </a:t>
+            </a:r>
+            <a:r>
+              <a:rPr lang="fi-FI" sz="2000" dirty="0" err="1"/>
+              <a:t>development</a:t>
+            </a:r>
+            <a:r>
+              <a:rPr lang="fi-FI" sz="2000" dirty="0"/>
+              <a:t> </a:t>
+            </a:r>
+            <a:r>
+              <a:rPr lang="fi-FI" sz="2000" dirty="0" err="1"/>
+              <a:t>we</a:t>
+            </a:r>
+            <a:r>
+              <a:rPr lang="fi-FI" sz="2000" dirty="0"/>
+              <a:t> </a:t>
+            </a:r>
+            <a:r>
+              <a:rPr lang="fi-FI" sz="2000" dirty="0" err="1"/>
+              <a:t>do</a:t>
+            </a:r>
+            <a:r>
+              <a:rPr lang="fi-FI" sz="2000" dirty="0"/>
+              <a:t> </a:t>
+            </a:r>
+            <a:r>
+              <a:rPr lang="fi-FI" sz="2000" dirty="0" err="1"/>
+              <a:t>not</a:t>
+            </a:r>
+            <a:r>
+              <a:rPr lang="fi-FI" sz="2000" dirty="0"/>
+              <a:t> </a:t>
+            </a:r>
+            <a:r>
+              <a:rPr lang="fi-FI" sz="2000" dirty="0" err="1"/>
+              <a:t>need</a:t>
+            </a:r>
+            <a:r>
+              <a:rPr lang="fi-FI" sz="2000" dirty="0"/>
+              <a:t> to </a:t>
+            </a:r>
+            <a:r>
+              <a:rPr lang="fi-FI" sz="2000" dirty="0" err="1"/>
+              <a:t>know</a:t>
+            </a:r>
+            <a:r>
+              <a:rPr lang="fi-FI" sz="2000" dirty="0"/>
+              <a:t> </a:t>
+            </a:r>
+            <a:r>
+              <a:rPr lang="fi-FI" sz="2000" dirty="0" err="1"/>
+              <a:t>exactly</a:t>
+            </a:r>
+            <a:r>
+              <a:rPr lang="fi-FI" sz="2000" dirty="0"/>
+              <a:t> in </a:t>
+            </a:r>
+            <a:r>
+              <a:rPr lang="fi-FI" sz="2000" dirty="0" err="1"/>
+              <a:t>the</a:t>
+            </a:r>
+            <a:r>
+              <a:rPr lang="fi-FI" sz="2000" dirty="0"/>
+              <a:t> </a:t>
+            </a:r>
+            <a:r>
+              <a:rPr lang="fi-FI" sz="2000" dirty="0" err="1"/>
+              <a:t>phase</a:t>
+            </a:r>
+            <a:r>
+              <a:rPr lang="fi-FI" sz="2000" dirty="0"/>
+              <a:t> 3 </a:t>
+            </a:r>
+            <a:r>
+              <a:rPr lang="fi-FI" sz="2000" dirty="0" err="1"/>
+              <a:t>either</a:t>
+            </a:r>
+            <a:r>
+              <a:rPr lang="fi-FI" sz="2000" dirty="0"/>
+              <a:t>!</a:t>
+            </a:r>
+          </a:p>
+          <a:p>
+            <a:pPr lvl="2">
+              <a:buFont typeface="Arial" panose="020B0604020202020204" pitchFamily="34" charset="0"/>
+              <a:buChar char="•"/>
+            </a:pPr>
+            <a:r>
+              <a:rPr lang="fi-FI" sz="2000" dirty="0" err="1"/>
+              <a:t>Prototyping</a:t>
+            </a:r>
+            <a:r>
+              <a:rPr lang="fi-FI" sz="2000" dirty="0"/>
+              <a:t>: </a:t>
+            </a:r>
+            <a:r>
+              <a:rPr lang="fi-FI" sz="2000" dirty="0" err="1"/>
+              <a:t>Create</a:t>
+            </a:r>
+            <a:r>
+              <a:rPr lang="fi-FI" sz="2000" dirty="0"/>
+              <a:t> </a:t>
+            </a:r>
+            <a:r>
+              <a:rPr lang="fi-FI" sz="2000" dirty="0" err="1"/>
+              <a:t>first</a:t>
+            </a:r>
+            <a:r>
+              <a:rPr lang="fi-FI" sz="2000" dirty="0"/>
+              <a:t> </a:t>
+            </a:r>
+            <a:r>
+              <a:rPr lang="fi-FI" sz="2000" dirty="0" err="1"/>
+              <a:t>lean</a:t>
+            </a:r>
+            <a:r>
+              <a:rPr lang="fi-FI" sz="2000" dirty="0"/>
+              <a:t> version of </a:t>
+            </a:r>
+            <a:r>
+              <a:rPr lang="fi-FI" sz="2000" dirty="0" err="1"/>
+              <a:t>what</a:t>
+            </a:r>
+            <a:r>
+              <a:rPr lang="fi-FI" sz="2000" dirty="0"/>
+              <a:t> </a:t>
+            </a:r>
+            <a:r>
+              <a:rPr lang="fi-FI" sz="2000" dirty="0" err="1"/>
+              <a:t>customer</a:t>
+            </a:r>
+            <a:r>
+              <a:rPr lang="fi-FI" sz="2000" dirty="0"/>
+              <a:t> </a:t>
+            </a:r>
+            <a:r>
+              <a:rPr lang="fi-FI" sz="2000" dirty="0" err="1"/>
+              <a:t>might</a:t>
+            </a:r>
+            <a:r>
+              <a:rPr lang="fi-FI" sz="2000" dirty="0"/>
+              <a:t> </a:t>
+            </a:r>
+            <a:r>
+              <a:rPr lang="fi-FI" sz="2000" dirty="0" err="1"/>
+              <a:t>want</a:t>
+            </a:r>
+            <a:r>
+              <a:rPr lang="fi-FI" sz="2000" dirty="0"/>
+              <a:t>.</a:t>
+            </a:r>
+          </a:p>
+          <a:p>
+            <a:pPr lvl="2">
+              <a:buFont typeface="Arial" panose="020B0604020202020204" pitchFamily="34" charset="0"/>
+              <a:buChar char="•"/>
+            </a:pPr>
+            <a:r>
+              <a:rPr lang="fi-FI" sz="2000" dirty="0" err="1"/>
+              <a:t>Iterate</a:t>
+            </a:r>
+            <a:r>
+              <a:rPr lang="fi-FI" sz="2000" dirty="0"/>
+              <a:t>: </a:t>
+            </a:r>
+            <a:r>
+              <a:rPr lang="fi-FI" sz="2000" dirty="0" err="1"/>
+              <a:t>Ask</a:t>
+            </a:r>
+            <a:r>
+              <a:rPr lang="fi-FI" sz="2000" dirty="0"/>
+              <a:t> feedback and </a:t>
+            </a:r>
+            <a:r>
+              <a:rPr lang="fi-FI" sz="2000" dirty="0" err="1"/>
+              <a:t>start</a:t>
+            </a:r>
+            <a:r>
+              <a:rPr lang="fi-FI" sz="2000" dirty="0"/>
+              <a:t> </a:t>
+            </a:r>
+            <a:r>
+              <a:rPr lang="fi-FI" sz="2000" dirty="0" err="1"/>
+              <a:t>working</a:t>
+            </a:r>
+            <a:r>
+              <a:rPr lang="fi-FI" sz="2000" dirty="0"/>
+              <a:t> on it</a:t>
+            </a:r>
+          </a:p>
+          <a:p>
+            <a:pPr lvl="2">
+              <a:buFont typeface="Arial" panose="020B0604020202020204" pitchFamily="34" charset="0"/>
+              <a:buChar char="•"/>
+            </a:pPr>
+            <a:r>
+              <a:rPr lang="fi-FI" sz="2000" dirty="0" err="1"/>
+              <a:t>Should</a:t>
+            </a:r>
+            <a:r>
+              <a:rPr lang="fi-FI" sz="2000" dirty="0"/>
+              <a:t> </a:t>
+            </a:r>
+            <a:r>
+              <a:rPr lang="fi-FI" sz="2000" dirty="0" err="1"/>
+              <a:t>be</a:t>
+            </a:r>
+            <a:r>
+              <a:rPr lang="fi-FI" sz="2000" dirty="0"/>
+              <a:t> </a:t>
+            </a:r>
+            <a:r>
+              <a:rPr lang="fi-FI" sz="2000" dirty="0" err="1"/>
+              <a:t>easy</a:t>
+            </a:r>
+            <a:r>
+              <a:rPr lang="fi-FI" sz="2000" dirty="0"/>
               <a:t>, </a:t>
             </a:r>
             <a:r>
-              <a:rPr lang="fi-FI" dirty="0" err="1"/>
-              <a:t>based</a:t>
-            </a:r>
-            <a:r>
-              <a:rPr lang="fi-FI" dirty="0"/>
-              <a:t> on </a:t>
-            </a:r>
-            <a:r>
-              <a:rPr lang="fi-FI" dirty="0" err="1"/>
-              <a:t>Ivar</a:t>
-            </a:r>
-            <a:r>
-              <a:rPr lang="fi-FI" dirty="0"/>
-              <a:t> Jacobsen </a:t>
-            </a:r>
-            <a:r>
-              <a:rPr lang="fi-FI" dirty="0" err="1"/>
-              <a:t>book</a:t>
-            </a:r>
-            <a:r>
-              <a:rPr lang="fi-FI" dirty="0"/>
-              <a:t>, </a:t>
-            </a:r>
-            <a:r>
-              <a:rPr lang="fi-FI" dirty="0" err="1"/>
-              <a:t>something</a:t>
-            </a:r>
-            <a:r>
-              <a:rPr lang="fi-FI" dirty="0"/>
-              <a:t> </a:t>
-            </a:r>
-            <a:r>
-              <a:rPr lang="fi-FI" dirty="0" err="1"/>
-              <a:t>like</a:t>
-            </a:r>
-            <a:r>
-              <a:rPr lang="fi-FI" dirty="0"/>
-              <a:t> </a:t>
-            </a:r>
-            <a:r>
-              <a:rPr lang="fi-FI" dirty="0" err="1"/>
-              <a:t>this</a:t>
-            </a:r>
-            <a:r>
-              <a:rPr lang="fi-FI" dirty="0"/>
-              <a:t>:</a:t>
-            </a:r>
-          </a:p>
-          <a:p>
-            <a:pPr lvl="1"/>
-            <a:r>
-              <a:rPr lang="fi-FI" dirty="0"/>
-              <a:t>”</a:t>
-            </a:r>
-            <a:r>
-              <a:rPr lang="fi-FI" i="1" dirty="0"/>
-              <a:t>Architecture </a:t>
-            </a:r>
-            <a:r>
-              <a:rPr lang="fi-FI" i="1" dirty="0" err="1"/>
-              <a:t>should</a:t>
-            </a:r>
-            <a:r>
-              <a:rPr lang="fi-FI" i="1" dirty="0"/>
-              <a:t> </a:t>
-            </a:r>
-            <a:r>
-              <a:rPr lang="fi-FI" i="1" dirty="0" err="1"/>
-              <a:t>be</a:t>
-            </a:r>
-            <a:r>
-              <a:rPr lang="fi-FI" i="1" dirty="0"/>
-              <a:t> </a:t>
-            </a:r>
-            <a:r>
-              <a:rPr lang="fi-FI" i="1" dirty="0" err="1"/>
-              <a:t>based</a:t>
-            </a:r>
-            <a:r>
-              <a:rPr lang="fi-FI" i="1" dirty="0"/>
-              <a:t> on </a:t>
-            </a:r>
-            <a:r>
-              <a:rPr lang="fi-FI" i="1" dirty="0" err="1"/>
-              <a:t>the</a:t>
-            </a:r>
-            <a:r>
-              <a:rPr lang="fi-FI" i="1" dirty="0"/>
-              <a:t> business </a:t>
-            </a:r>
-            <a:r>
-              <a:rPr lang="fi-FI" i="1" dirty="0" err="1"/>
-              <a:t>use</a:t>
-            </a:r>
-            <a:r>
-              <a:rPr lang="fi-FI" i="1" dirty="0"/>
-              <a:t> </a:t>
-            </a:r>
-            <a:r>
-              <a:rPr lang="fi-FI" i="1" dirty="0" err="1"/>
-              <a:t>cases</a:t>
-            </a:r>
-            <a:r>
-              <a:rPr lang="fi-FI" i="1" dirty="0"/>
-              <a:t> of </a:t>
-            </a:r>
-            <a:r>
-              <a:rPr lang="fi-FI" i="1" dirty="0" err="1"/>
-              <a:t>the</a:t>
-            </a:r>
-            <a:r>
-              <a:rPr lang="fi-FI" i="1" dirty="0"/>
-              <a:t> </a:t>
-            </a:r>
-            <a:r>
-              <a:rPr lang="fi-FI" i="1" dirty="0" err="1"/>
-              <a:t>customer</a:t>
-            </a:r>
-            <a:r>
-              <a:rPr lang="fi-FI" dirty="0"/>
-              <a:t> – </a:t>
-            </a:r>
-            <a:r>
-              <a:rPr lang="fi-FI" dirty="0" err="1"/>
-              <a:t>customer-centered</a:t>
-            </a:r>
-            <a:r>
-              <a:rPr lang="fi-FI" dirty="0"/>
-              <a:t> design.”</a:t>
-            </a:r>
-          </a:p>
-          <a:p>
-            <a:r>
-              <a:rPr lang="fi-FI" dirty="0" err="1"/>
-              <a:t>What</a:t>
-            </a:r>
-            <a:r>
-              <a:rPr lang="fi-FI" dirty="0"/>
-              <a:t> </a:t>
-            </a:r>
-            <a:r>
-              <a:rPr lang="fi-FI" dirty="0" err="1"/>
-              <a:t>would</a:t>
-            </a:r>
-            <a:r>
-              <a:rPr lang="fi-FI" dirty="0"/>
-              <a:t> </a:t>
-            </a:r>
-            <a:r>
-              <a:rPr lang="fi-FI" dirty="0" err="1"/>
-              <a:t>be</a:t>
-            </a:r>
-            <a:r>
-              <a:rPr lang="fi-FI" dirty="0"/>
-              <a:t> </a:t>
-            </a:r>
-            <a:r>
-              <a:rPr lang="fi-FI" dirty="0" err="1"/>
-              <a:t>the</a:t>
-            </a:r>
-            <a:r>
-              <a:rPr lang="fi-FI" dirty="0"/>
-              <a:t> </a:t>
-            </a:r>
-            <a:r>
-              <a:rPr lang="fi-FI" dirty="0" err="1"/>
-              <a:t>pros</a:t>
-            </a:r>
-            <a:r>
-              <a:rPr lang="fi-FI" dirty="0"/>
-              <a:t> and </a:t>
-            </a:r>
-            <a:r>
-              <a:rPr lang="fi-FI" dirty="0" err="1"/>
-              <a:t>cons</a:t>
-            </a:r>
-            <a:r>
-              <a:rPr lang="fi-FI" dirty="0"/>
-              <a:t> of </a:t>
-            </a:r>
-            <a:r>
-              <a:rPr lang="fi-FI" dirty="0" err="1"/>
-              <a:t>that</a:t>
-            </a:r>
-            <a:r>
-              <a:rPr lang="fi-FI" dirty="0"/>
-              <a:t> </a:t>
-            </a:r>
-            <a:r>
-              <a:rPr lang="fi-FI" dirty="0" err="1"/>
-              <a:t>approach</a:t>
-            </a:r>
-            <a:r>
-              <a:rPr lang="fi-FI" dirty="0"/>
-              <a:t>?</a:t>
-            </a:r>
-          </a:p>
-          <a:p>
-            <a:r>
-              <a:rPr lang="fi-FI" dirty="0" err="1"/>
-              <a:t>Would</a:t>
-            </a:r>
-            <a:r>
-              <a:rPr lang="fi-FI" dirty="0"/>
-              <a:t> </a:t>
-            </a:r>
-            <a:r>
-              <a:rPr lang="fi-FI" dirty="0" err="1"/>
+              <a:rPr lang="fi-FI" sz="2000" dirty="0" err="1"/>
+              <a:t>if</a:t>
+            </a:r>
+            <a:r>
+              <a:rPr lang="fi-FI" sz="2000" dirty="0"/>
+              <a:t> </a:t>
+            </a:r>
+            <a:r>
+              <a:rPr lang="fi-FI" sz="2000" dirty="0" err="1"/>
               <a:t>you</a:t>
             </a:r>
             <a:r>
-              <a:rPr lang="fi-FI" dirty="0"/>
-              <a:t> </a:t>
-            </a:r>
-            <a:r>
-              <a:rPr lang="fi-FI" dirty="0" err="1"/>
-              <a:t>create</a:t>
-            </a:r>
-            <a:r>
-              <a:rPr lang="fi-FI" dirty="0"/>
-              <a:t> </a:t>
-            </a:r>
-            <a:r>
-              <a:rPr lang="fi-FI" dirty="0" err="1"/>
-              <a:t>your</a:t>
-            </a:r>
-            <a:r>
-              <a:rPr lang="fi-FI" dirty="0"/>
-              <a:t> </a:t>
-            </a:r>
-            <a:r>
-              <a:rPr lang="fi-FI" dirty="0" err="1"/>
-              <a:t>architectures</a:t>
-            </a:r>
-            <a:r>
-              <a:rPr lang="fi-FI" dirty="0"/>
-              <a:t> _</a:t>
-            </a:r>
-            <a:r>
-              <a:rPr lang="fi-FI" dirty="0" err="1"/>
-              <a:t>based</a:t>
-            </a:r>
-            <a:r>
-              <a:rPr lang="fi-FI" dirty="0"/>
-              <a:t>_ on </a:t>
-            </a:r>
-            <a:r>
-              <a:rPr lang="fi-FI" dirty="0" err="1"/>
-              <a:t>use</a:t>
-            </a:r>
-            <a:r>
-              <a:rPr lang="fi-FI" dirty="0"/>
-              <a:t> </a:t>
-            </a:r>
-            <a:r>
-              <a:rPr lang="fi-FI" dirty="0" err="1"/>
-              <a:t>cases</a:t>
-            </a:r>
-            <a:r>
-              <a:rPr lang="fi-FI" dirty="0"/>
-              <a:t> / </a:t>
-            </a:r>
-            <a:r>
-              <a:rPr lang="fi-FI" dirty="0" err="1"/>
-              <a:t>user</a:t>
-            </a:r>
-            <a:r>
-              <a:rPr lang="fi-FI" dirty="0"/>
-              <a:t> </a:t>
-            </a:r>
-            <a:r>
-              <a:rPr lang="fi-FI" dirty="0" err="1"/>
-              <a:t>stories</a:t>
-            </a:r>
-            <a:r>
-              <a:rPr lang="fi-FI" dirty="0"/>
-              <a:t>?</a:t>
-            </a:r>
-          </a:p>
-          <a:p>
-            <a:r>
-              <a:rPr lang="fi-FI" dirty="0" err="1"/>
-              <a:t>Or</a:t>
-            </a:r>
-            <a:r>
-              <a:rPr lang="fi-FI" dirty="0"/>
-              <a:t> </a:t>
-            </a:r>
-            <a:r>
-              <a:rPr lang="fi-FI" dirty="0" err="1"/>
-              <a:t>would</a:t>
-            </a:r>
-            <a:r>
-              <a:rPr lang="fi-FI" dirty="0"/>
-              <a:t> </a:t>
-            </a:r>
-            <a:r>
-              <a:rPr lang="fi-FI" dirty="0" err="1"/>
-              <a:t>you</a:t>
-            </a:r>
-            <a:r>
-              <a:rPr lang="fi-FI" dirty="0"/>
-              <a:t> </a:t>
-            </a:r>
-            <a:r>
-              <a:rPr lang="fi-FI" dirty="0" err="1"/>
-              <a:t>do</a:t>
-            </a:r>
-            <a:r>
-              <a:rPr lang="fi-FI" dirty="0"/>
-              <a:t> </a:t>
-            </a:r>
-            <a:r>
-              <a:rPr lang="fi-FI" dirty="0" err="1"/>
-              <a:t>more</a:t>
-            </a:r>
-            <a:r>
-              <a:rPr lang="fi-FI" dirty="0"/>
-              <a:t> </a:t>
-            </a:r>
-            <a:r>
-              <a:rPr lang="fi-FI" dirty="0" err="1"/>
-              <a:t>traditional</a:t>
-            </a:r>
-            <a:r>
-              <a:rPr lang="fi-FI" dirty="0"/>
-              <a:t> </a:t>
-            </a:r>
-            <a:r>
-              <a:rPr lang="fi-FI" dirty="0" err="1"/>
-              <a:t>way</a:t>
-            </a:r>
-            <a:r>
-              <a:rPr lang="fi-FI" dirty="0"/>
-              <a:t>, </a:t>
-            </a:r>
-            <a:r>
-              <a:rPr lang="fi-FI" dirty="0" err="1"/>
-              <a:t>let</a:t>
-            </a:r>
-            <a:r>
-              <a:rPr lang="fi-FI" dirty="0"/>
-              <a:t> </a:t>
-            </a:r>
-            <a:r>
-              <a:rPr lang="fi-FI" dirty="0" err="1"/>
-              <a:t>the</a:t>
-            </a:r>
-            <a:r>
-              <a:rPr lang="fi-FI" dirty="0"/>
-              <a:t> </a:t>
-            </a:r>
-            <a:r>
-              <a:rPr lang="fi-FI" dirty="0" err="1"/>
-              <a:t>use</a:t>
-            </a:r>
-            <a:r>
-              <a:rPr lang="fi-FI" dirty="0"/>
-              <a:t> </a:t>
-            </a:r>
-            <a:r>
-              <a:rPr lang="fi-FI" dirty="0" err="1"/>
-              <a:t>cases</a:t>
-            </a:r>
-            <a:r>
-              <a:rPr lang="fi-FI" dirty="0"/>
-              <a:t> </a:t>
-            </a:r>
-            <a:r>
-              <a:rPr lang="fi-FI" dirty="0" err="1"/>
-              <a:t>affect</a:t>
-            </a:r>
-            <a:r>
-              <a:rPr lang="fi-FI" dirty="0"/>
-              <a:t> </a:t>
-            </a:r>
-            <a:r>
-              <a:rPr lang="fi-FI" b="1" dirty="0" err="1"/>
-              <a:t>the</a:t>
-            </a:r>
-            <a:r>
-              <a:rPr lang="fi-FI" b="1" dirty="0"/>
-              <a:t> </a:t>
-            </a:r>
-            <a:r>
-              <a:rPr lang="fi-FI" b="1" dirty="0" err="1"/>
-              <a:t>choice</a:t>
-            </a:r>
-            <a:r>
-              <a:rPr lang="fi-FI" b="1" dirty="0"/>
-              <a:t> </a:t>
-            </a:r>
-            <a:r>
-              <a:rPr lang="fi-FI" dirty="0"/>
-              <a:t>of </a:t>
-            </a:r>
-            <a:r>
-              <a:rPr lang="fi-FI" dirty="0" err="1"/>
-              <a:t>the</a:t>
-            </a:r>
-            <a:r>
-              <a:rPr lang="fi-FI" dirty="0"/>
-              <a:t> </a:t>
-            </a:r>
-            <a:r>
-              <a:rPr lang="fi-FI" dirty="0" err="1"/>
-              <a:t>architecture</a:t>
-            </a:r>
-            <a:r>
-              <a:rPr lang="fi-FI" dirty="0"/>
-              <a:t> and </a:t>
-            </a:r>
-            <a:r>
-              <a:rPr lang="fi-FI" dirty="0" err="1"/>
-              <a:t>how</a:t>
-            </a:r>
-            <a:r>
-              <a:rPr lang="fi-FI" dirty="0"/>
-              <a:t> it is </a:t>
-            </a:r>
-            <a:r>
-              <a:rPr lang="fi-FI" dirty="0" err="1"/>
-              <a:t>audited</a:t>
-            </a:r>
-            <a:r>
-              <a:rPr lang="fi-FI" dirty="0"/>
-              <a:t>, </a:t>
-            </a:r>
-            <a:r>
-              <a:rPr lang="fi-FI" dirty="0" err="1"/>
-              <a:t>but</a:t>
-            </a:r>
-            <a:r>
-              <a:rPr lang="fi-FI" dirty="0"/>
-              <a:t> </a:t>
-            </a:r>
-            <a:r>
-              <a:rPr lang="fi-FI" dirty="0" err="1"/>
-              <a:t>still</a:t>
-            </a:r>
-            <a:r>
-              <a:rPr lang="fi-FI" dirty="0"/>
-              <a:t> </a:t>
-            </a:r>
-            <a:r>
-              <a:rPr lang="fi-FI" dirty="0" err="1"/>
-              <a:t>base</a:t>
-            </a:r>
-            <a:r>
-              <a:rPr lang="fi-FI" dirty="0"/>
-              <a:t> </a:t>
-            </a:r>
-            <a:r>
-              <a:rPr lang="fi-FI" dirty="0" err="1"/>
-              <a:t>the</a:t>
-            </a:r>
-            <a:r>
-              <a:rPr lang="fi-FI" dirty="0"/>
-              <a:t> </a:t>
-            </a:r>
-            <a:r>
-              <a:rPr lang="fi-FI" dirty="0" err="1"/>
-              <a:t>architecture</a:t>
-            </a:r>
-            <a:r>
-              <a:rPr lang="fi-FI" dirty="0"/>
-              <a:t> on </a:t>
-            </a:r>
-            <a:r>
-              <a:rPr lang="fi-FI" dirty="0" err="1"/>
-              <a:t>many</a:t>
-            </a:r>
-            <a:r>
-              <a:rPr lang="fi-FI" dirty="0"/>
-              <a:t> </a:t>
-            </a:r>
-            <a:r>
-              <a:rPr lang="fi-FI" dirty="0" err="1"/>
-              <a:t>other</a:t>
-            </a:r>
-            <a:r>
-              <a:rPr lang="fi-FI" dirty="0"/>
-              <a:t> </a:t>
-            </a:r>
-            <a:r>
-              <a:rPr lang="fi-FI" dirty="0" err="1"/>
-              <a:t>factors</a:t>
-            </a:r>
-            <a:r>
-              <a:rPr lang="fi-FI" dirty="0"/>
-              <a:t>.</a:t>
-            </a:r>
-          </a:p>
-          <a:p>
-            <a:pPr lvl="1"/>
-            <a:r>
-              <a:rPr lang="fi-FI" dirty="0"/>
-              <a:t>Software </a:t>
-            </a:r>
-            <a:r>
-              <a:rPr lang="fi-FI" dirty="0" err="1"/>
-              <a:t>company</a:t>
-            </a:r>
-            <a:r>
-              <a:rPr lang="fi-FI" dirty="0"/>
-              <a:t> </a:t>
-            </a:r>
-            <a:r>
-              <a:rPr lang="fi-FI" dirty="0" err="1"/>
-              <a:t>does</a:t>
-            </a:r>
-            <a:r>
-              <a:rPr lang="fi-FI" dirty="0"/>
-              <a:t> </a:t>
-            </a:r>
-            <a:r>
-              <a:rPr lang="fi-FI" dirty="0" err="1"/>
+              <a:rPr lang="fi-FI" sz="2000" dirty="0"/>
+              <a:t> </a:t>
+            </a:r>
+            <a:r>
+              <a:rPr lang="fi-FI" sz="2000" dirty="0" err="1"/>
+              <a:t>did</a:t>
+            </a:r>
+            <a:r>
+              <a:rPr lang="fi-FI" sz="2000" dirty="0"/>
+              <a:t> </a:t>
+            </a:r>
+            <a:r>
+              <a:rPr lang="fi-FI" sz="2000" dirty="0" err="1"/>
               <a:t>not</a:t>
             </a:r>
             <a:r>
-              <a:rPr lang="fi-FI" dirty="0"/>
-              <a:t> </a:t>
-            </a:r>
-            <a:r>
-              <a:rPr lang="fi-FI" dirty="0" err="1"/>
-              <a:t>exist</a:t>
-            </a:r>
-            <a:r>
-              <a:rPr lang="fi-FI" dirty="0"/>
-              <a:t> for </a:t>
-            </a:r>
-            <a:r>
-              <a:rPr lang="fi-FI" dirty="0" err="1"/>
-              <a:t>the</a:t>
-            </a:r>
-            <a:r>
-              <a:rPr lang="fi-FI" dirty="0"/>
-              <a:t> </a:t>
-            </a:r>
-            <a:r>
-              <a:rPr lang="fi-FI" dirty="0" err="1"/>
-              <a:t>customers</a:t>
-            </a:r>
-            <a:r>
-              <a:rPr lang="fi-FI" dirty="0"/>
-              <a:t>. It </a:t>
-            </a:r>
-            <a:r>
-              <a:rPr lang="fi-FI" dirty="0" err="1"/>
-              <a:t>exists</a:t>
-            </a:r>
-            <a:r>
-              <a:rPr lang="fi-FI" dirty="0"/>
-              <a:t> to </a:t>
-            </a:r>
-            <a:r>
-              <a:rPr lang="fi-FI" dirty="0" err="1"/>
-              <a:t>make</a:t>
-            </a:r>
-            <a:r>
-              <a:rPr lang="fi-FI" dirty="0"/>
-              <a:t> </a:t>
-            </a:r>
-            <a:r>
-              <a:rPr lang="fi-FI" dirty="0" err="1"/>
-              <a:t>income</a:t>
-            </a:r>
-            <a:r>
-              <a:rPr lang="fi-FI" dirty="0"/>
-              <a:t> to </a:t>
-            </a:r>
-            <a:r>
-              <a:rPr lang="fi-FI" dirty="0" err="1"/>
-              <a:t>the</a:t>
-            </a:r>
-            <a:r>
-              <a:rPr lang="fi-FI" dirty="0"/>
-              <a:t> </a:t>
-            </a:r>
-            <a:r>
-              <a:rPr lang="fi-FI" dirty="0" err="1"/>
-              <a:t>owners</a:t>
-            </a:r>
-            <a:r>
-              <a:rPr lang="fi-FI" dirty="0"/>
-              <a:t>.</a:t>
-            </a:r>
-          </a:p>
-          <a:p>
-            <a:pPr lvl="1"/>
-            <a:r>
-              <a:rPr lang="fi-FI" dirty="0" err="1"/>
-              <a:t>Customer</a:t>
-            </a:r>
-            <a:r>
-              <a:rPr lang="fi-FI" dirty="0"/>
-              <a:t> </a:t>
-            </a:r>
-            <a:r>
-              <a:rPr lang="fi-FI" dirty="0" err="1"/>
-              <a:t>satisfaction</a:t>
-            </a:r>
-            <a:r>
-              <a:rPr lang="fi-FI" dirty="0"/>
-              <a:t> and </a:t>
-            </a:r>
-            <a:r>
-              <a:rPr lang="fi-FI" dirty="0" err="1"/>
-              <a:t>retainment</a:t>
-            </a:r>
-            <a:r>
-              <a:rPr lang="fi-FI" dirty="0"/>
-              <a:t> is a </a:t>
-            </a:r>
-            <a:r>
-              <a:rPr lang="fi-FI" dirty="0" err="1"/>
-              <a:t>strategy</a:t>
-            </a:r>
-            <a:r>
-              <a:rPr lang="fi-FI" dirty="0"/>
-              <a:t> to </a:t>
-            </a:r>
-            <a:r>
-              <a:rPr lang="fi-FI" dirty="0" err="1"/>
-              <a:t>stay</a:t>
-            </a:r>
-            <a:r>
-              <a:rPr lang="fi-FI" dirty="0"/>
-              <a:t> </a:t>
-            </a:r>
-            <a:r>
-              <a:rPr lang="fi-FI" dirty="0" err="1"/>
-              <a:t>alive</a:t>
-            </a:r>
-            <a:r>
-              <a:rPr lang="fi-FI" dirty="0"/>
-              <a:t> and </a:t>
-            </a:r>
-            <a:r>
-              <a:rPr lang="fi-FI" dirty="0" err="1"/>
-              <a:t>grow</a:t>
-            </a:r>
-            <a:r>
-              <a:rPr lang="fi-FI" dirty="0"/>
-              <a:t> </a:t>
-            </a:r>
-            <a:r>
-              <a:rPr lang="fi-FI" dirty="0" err="1"/>
-              <a:t>the</a:t>
-            </a:r>
-            <a:r>
-              <a:rPr lang="fi-FI" dirty="0"/>
-              <a:t> </a:t>
-            </a:r>
-            <a:r>
-              <a:rPr lang="fi-FI" dirty="0" err="1"/>
-              <a:t>income</a:t>
-            </a:r>
-            <a:endParaRPr lang="fi-FI" dirty="0"/>
-          </a:p>
-          <a:p>
-            <a:pPr lvl="1"/>
-            <a:r>
-              <a:rPr lang="fi-FI" dirty="0" err="1"/>
-              <a:t>What</a:t>
-            </a:r>
-            <a:r>
-              <a:rPr lang="fi-FI" dirty="0"/>
-              <a:t> </a:t>
-            </a:r>
-            <a:r>
-              <a:rPr lang="fi-FI" dirty="0" err="1"/>
-              <a:t>happens</a:t>
-            </a:r>
-            <a:r>
-              <a:rPr lang="fi-FI" dirty="0"/>
-              <a:t> to a Software </a:t>
-            </a:r>
-            <a:r>
-              <a:rPr lang="fi-FI" dirty="0" err="1"/>
-              <a:t>company</a:t>
-            </a:r>
-            <a:r>
-              <a:rPr lang="fi-FI" dirty="0"/>
-              <a:t> </a:t>
-            </a:r>
-            <a:r>
-              <a:rPr lang="fi-FI" dirty="0" err="1"/>
-              <a:t>who</a:t>
-            </a:r>
-            <a:r>
-              <a:rPr lang="fi-FI" dirty="0"/>
-              <a:t> </a:t>
-            </a:r>
-            <a:r>
-              <a:rPr lang="fi-FI" dirty="0" err="1"/>
-              <a:t>doesn’t</a:t>
-            </a:r>
-            <a:r>
-              <a:rPr lang="fi-FI" dirty="0"/>
-              <a:t> </a:t>
-            </a:r>
-            <a:r>
-              <a:rPr lang="fi-FI" dirty="0" err="1"/>
-              <a:t>do</a:t>
-            </a:r>
-            <a:r>
-              <a:rPr lang="fi-FI" dirty="0"/>
-              <a:t> </a:t>
-            </a:r>
-            <a:r>
-              <a:rPr lang="fi-FI" dirty="0" err="1"/>
-              <a:t>things</a:t>
-            </a:r>
-            <a:r>
-              <a:rPr lang="fi-FI" dirty="0"/>
-              <a:t> </a:t>
-            </a:r>
-            <a:r>
-              <a:rPr lang="fi-FI" dirty="0" err="1"/>
-              <a:t>efficiently</a:t>
-            </a:r>
-            <a:r>
-              <a:rPr lang="fi-FI" dirty="0"/>
-              <a:t> and </a:t>
-            </a:r>
-            <a:r>
-              <a:rPr lang="fi-FI" dirty="0" err="1"/>
-              <a:t>e.g</a:t>
-            </a:r>
-            <a:r>
-              <a:rPr lang="fi-FI" dirty="0"/>
-              <a:t>. </a:t>
-            </a:r>
-            <a:r>
-              <a:rPr lang="fi-FI" dirty="0" err="1"/>
-              <a:t>use</a:t>
-            </a:r>
-            <a:r>
-              <a:rPr lang="fi-FI" dirty="0"/>
-              <a:t> </a:t>
-            </a:r>
-            <a:r>
-              <a:rPr lang="fi-FI" dirty="0" err="1"/>
-              <a:t>the</a:t>
-            </a:r>
-            <a:r>
-              <a:rPr lang="fi-FI" dirty="0"/>
-              <a:t> </a:t>
-            </a:r>
-            <a:r>
-              <a:rPr lang="fi-FI" dirty="0" err="1"/>
-              <a:t>same</a:t>
-            </a:r>
-            <a:r>
-              <a:rPr lang="fi-FI" dirty="0"/>
-              <a:t> </a:t>
-            </a:r>
-            <a:r>
-              <a:rPr lang="fi-FI" dirty="0" err="1"/>
-              <a:t>architecture</a:t>
-            </a:r>
-            <a:r>
-              <a:rPr lang="fi-FI" dirty="0"/>
-              <a:t> and </a:t>
-            </a:r>
-            <a:r>
-              <a:rPr lang="fi-FI" dirty="0" err="1"/>
-              <a:t>tech</a:t>
-            </a:r>
-            <a:r>
-              <a:rPr lang="fi-FI" dirty="0"/>
-              <a:t> </a:t>
-            </a:r>
-            <a:r>
-              <a:rPr lang="fi-FI" dirty="0" err="1"/>
-              <a:t>stack</a:t>
-            </a:r>
-            <a:r>
-              <a:rPr lang="fi-FI" dirty="0"/>
-              <a:t> in </a:t>
-            </a:r>
-            <a:r>
-              <a:rPr lang="fi-FI" dirty="0" err="1"/>
-              <a:t>many</a:t>
-            </a:r>
-            <a:r>
-              <a:rPr lang="fi-FI" dirty="0"/>
-              <a:t> </a:t>
-            </a:r>
-            <a:r>
-              <a:rPr lang="fi-FI" dirty="0" err="1"/>
-              <a:t>projects</a:t>
-            </a:r>
-            <a:r>
-              <a:rPr lang="fi-FI" dirty="0"/>
-              <a:t> for </a:t>
-            </a:r>
-            <a:r>
-              <a:rPr lang="fi-FI" dirty="0" err="1"/>
-              <a:t>multiple</a:t>
-            </a:r>
-            <a:r>
-              <a:rPr lang="fi-FI" dirty="0"/>
-              <a:t> </a:t>
-            </a:r>
-            <a:r>
-              <a:rPr lang="fi-FI" dirty="0" err="1"/>
-              <a:t>customers</a:t>
-            </a:r>
-            <a:r>
-              <a:rPr lang="fi-FI" dirty="0"/>
-              <a:t>? </a:t>
-            </a:r>
-            <a:r>
-              <a:rPr lang="fi-FI" dirty="0" err="1"/>
-              <a:t>Note</a:t>
-            </a:r>
-            <a:r>
-              <a:rPr lang="fi-FI" dirty="0"/>
-              <a:t>, </a:t>
-            </a:r>
-            <a:r>
-              <a:rPr lang="fi-FI" dirty="0" err="1"/>
-              <a:t>the</a:t>
-            </a:r>
-            <a:r>
-              <a:rPr lang="fi-FI" dirty="0"/>
-              <a:t> </a:t>
-            </a:r>
-            <a:r>
-              <a:rPr lang="fi-FI" dirty="0" err="1"/>
-              <a:t>other</a:t>
-            </a:r>
-            <a:r>
-              <a:rPr lang="fi-FI" dirty="0"/>
-              <a:t> </a:t>
-            </a:r>
-            <a:r>
-              <a:rPr lang="fi-FI" dirty="0" err="1"/>
-              <a:t>competing</a:t>
-            </a:r>
-            <a:r>
-              <a:rPr lang="fi-FI" dirty="0"/>
-              <a:t> SW </a:t>
-            </a:r>
-            <a:r>
-              <a:rPr lang="fi-FI" dirty="0" err="1"/>
-              <a:t>companies</a:t>
-            </a:r>
-            <a:r>
-              <a:rPr lang="fi-FI" dirty="0"/>
-              <a:t> </a:t>
-            </a:r>
-            <a:r>
-              <a:rPr lang="fi-FI" dirty="0" err="1"/>
-              <a:t>do</a:t>
-            </a:r>
-            <a:r>
-              <a:rPr lang="fi-FI" dirty="0"/>
-              <a:t>.</a:t>
-            </a:r>
-          </a:p>
-          <a:p>
-            <a:pPr lvl="1"/>
-            <a:endParaRPr lang="fi-FI" dirty="0"/>
-          </a:p>
-          <a:p>
-            <a:pPr marL="0" indent="0">
-              <a:buNone/>
-            </a:pPr>
-            <a:endParaRPr lang="fi-FI" dirty="0"/>
+              <a:rPr lang="fi-FI" sz="2000" dirty="0"/>
+              <a:t> </a:t>
+            </a:r>
+            <a:r>
+              <a:rPr lang="fi-FI" sz="2000" dirty="0" err="1"/>
+              <a:t>skip</a:t>
+            </a:r>
+            <a:r>
+              <a:rPr lang="fi-FI" sz="2000" dirty="0"/>
+              <a:t> </a:t>
+            </a:r>
+            <a:r>
+              <a:rPr lang="fi-FI" sz="2000" dirty="0" err="1"/>
+              <a:t>phases</a:t>
+            </a:r>
+            <a:r>
+              <a:rPr lang="fi-FI" sz="2000" dirty="0"/>
+              <a:t> 1 and 2</a:t>
+            </a:r>
           </a:p>
         </p:txBody>
       </p:sp>
@@ -15395,7 +15076,7 @@
           <p:cNvPr id="5" name="Date Placeholder 4">
             <a:extLst>
               <a:ext uri="{FF2B5EF4-FFF2-40B4-BE49-F238E27FC236}">
-                <a16:creationId xmlns:a16="http://schemas.microsoft.com/office/drawing/2014/main" id="{976244E2-AA76-2742-B2EC-FEC79276155C}"/>
+                <a16:creationId xmlns:a16="http://schemas.microsoft.com/office/drawing/2014/main" id="{CDF9BDDB-4154-894E-83EF-04FB624FF30E}"/>
               </a:ext>
             </a:extLst>
           </p:cNvPr>
@@ -15411,9 +15092,9 @@
           <a:bodyPr/>
           <a:lstStyle/>
           <a:p>
-            <a:fld id="{202E1EC2-47B8-044B-A09E-6A63B4D80C87}" type="datetime1">
+            <a:fld id="{551D5D1D-8623-7244-B1BC-5984C123D6C5}" type="datetime1">
               <a:rPr lang="fi-FI" smtClean="0"/>
-              <a:t>11.10.2022</a:t>
+              <a:t>27.10.2022</a:t>
             </a:fld>
             <a:endParaRPr lang="en-GB"/>
           </a:p>
@@ -15424,7 +15105,7 @@
           <p:cNvPr id="6" name="Footer Placeholder 5">
             <a:extLst>
               <a:ext uri="{FF2B5EF4-FFF2-40B4-BE49-F238E27FC236}">
-                <a16:creationId xmlns:a16="http://schemas.microsoft.com/office/drawing/2014/main" id="{588CE607-4137-8840-8FEA-42EAC857E3A3}"/>
+                <a16:creationId xmlns:a16="http://schemas.microsoft.com/office/drawing/2014/main" id="{DEED56F3-0862-1748-A7A9-EE5914100F54}"/>
               </a:ext>
             </a:extLst>
           </p:cNvPr>
@@ -15449,7 +15130,7 @@
           <p:cNvPr id="7" name="Slide Number Placeholder 6">
             <a:extLst>
               <a:ext uri="{FF2B5EF4-FFF2-40B4-BE49-F238E27FC236}">
-                <a16:creationId xmlns:a16="http://schemas.microsoft.com/office/drawing/2014/main" id="{2E133A96-6C73-0844-B8CB-27C2B5F4CFB1}"/>
+                <a16:creationId xmlns:a16="http://schemas.microsoft.com/office/drawing/2014/main" id="{6CBC8079-2140-8745-901A-8EB4BF8EAF2D}"/>
               </a:ext>
             </a:extLst>
           </p:cNvPr>
@@ -15476,7 +15157,7 @@
     </p:spTree>
     <p:extLst>
       <p:ext uri="{BB962C8B-B14F-4D97-AF65-F5344CB8AC3E}">
-        <p14:creationId xmlns:p14="http://schemas.microsoft.com/office/powerpoint/2010/main" val="2628821793"/>
+        <p14:creationId xmlns:p14="http://schemas.microsoft.com/office/powerpoint/2010/main" val="2132183270"/>
       </p:ext>
     </p:extLst>
   </p:cSld>
@@ -15508,7 +15189,7 @@
           <p:cNvPr id="8" name="Title 7">
             <a:extLst>
               <a:ext uri="{FF2B5EF4-FFF2-40B4-BE49-F238E27FC236}">
-                <a16:creationId xmlns:a16="http://schemas.microsoft.com/office/drawing/2014/main" id="{03801FB7-8FBC-844F-8D63-9A597A066215}"/>
+                <a16:creationId xmlns:a16="http://schemas.microsoft.com/office/drawing/2014/main" id="{197044C3-CD23-D844-B780-26FABA91AD0F}"/>
               </a:ext>
             </a:extLst>
           </p:cNvPr>
@@ -15519,36 +15200,28 @@
             <p:ph type="title"/>
           </p:nvPr>
         </p:nvSpPr>
-        <p:spPr>
-          <a:xfrm>
-            <a:off x="550863" y="549276"/>
-            <a:ext cx="11125200" cy="574352"/>
-          </a:xfrm>
-        </p:spPr>
+        <p:spPr/>
         <p:txBody>
           <a:bodyPr/>
           <a:lstStyle/>
           <a:p>
             <a:r>
               <a:rPr lang="fi-FI" dirty="0"/>
-              <a:t>Notes on Robert C. Martin, </a:t>
-            </a:r>
-            <a:r>
-              <a:rPr lang="fi-FI" dirty="0" err="1"/>
-              <a:t>aka</a:t>
-            </a:r>
-            <a:r>
-              <a:rPr lang="fi-FI" dirty="0"/>
-              <a:t> ’</a:t>
-            </a:r>
-            <a:r>
-              <a:rPr lang="fi-FI" dirty="0" err="1"/>
-              <a:t>Uncle</a:t>
-            </a:r>
-            <a:r>
-              <a:rPr lang="fi-FI" dirty="0"/>
-              <a:t> Bob’</a:t>
-            </a:r>
+              <a:t>Software Architecture </a:t>
+            </a:r>
+            <a:r>
+              <a:rPr lang="fi-FI" dirty="0" err="1"/>
+              <a:t>Opinion</a:t>
+            </a:r>
+            <a:r>
+              <a:rPr lang="fi-FI" dirty="0"/>
+              <a:t> – and </a:t>
+            </a:r>
+            <a:r>
+              <a:rPr lang="fi-FI" dirty="0" err="1"/>
+              <a:t>Questions</a:t>
+            </a:r>
+            <a:endParaRPr lang="fi-FI" dirty="0"/>
           </a:p>
         </p:txBody>
       </p:sp>
@@ -15557,7 +15230,7 @@
           <p:cNvPr id="9" name="Content Placeholder 8">
             <a:extLst>
               <a:ext uri="{FF2B5EF4-FFF2-40B4-BE49-F238E27FC236}">
-                <a16:creationId xmlns:a16="http://schemas.microsoft.com/office/drawing/2014/main" id="{C711FFF1-5700-384F-B322-71416B4D664F}"/>
+                <a16:creationId xmlns:a16="http://schemas.microsoft.com/office/drawing/2014/main" id="{ACDE61D8-A75A-F94B-B57A-46F276C03311}"/>
               </a:ext>
             </a:extLst>
           </p:cNvPr>
@@ -15568,286 +15241,946 @@
             <p:ph sz="half" idx="2"/>
           </p:nvPr>
         </p:nvSpPr>
-        <p:spPr>
-          <a:xfrm>
-            <a:off x="220851" y="1773238"/>
-            <a:ext cx="11581108" cy="4140200"/>
-          </a:xfrm>
-        </p:spPr>
+        <p:spPr/>
         <p:txBody>
           <a:bodyPr>
             <a:normAutofit/>
           </a:bodyPr>
           <a:lstStyle/>
           <a:p>
+            <a:r>
+              <a:rPr lang="fi-FI" dirty="0" err="1"/>
+              <a:t>There</a:t>
+            </a:r>
+            <a:r>
+              <a:rPr lang="fi-FI" dirty="0"/>
+              <a:t> </a:t>
+            </a:r>
+            <a:r>
+              <a:rPr lang="fi-FI" dirty="0" err="1"/>
+              <a:t>are</a:t>
+            </a:r>
+            <a:r>
+              <a:rPr lang="fi-FI" dirty="0"/>
+              <a:t> no </a:t>
+            </a:r>
+            <a:r>
+              <a:rPr lang="fi-FI" dirty="0" err="1"/>
+              <a:t>correct</a:t>
+            </a:r>
+            <a:r>
+              <a:rPr lang="fi-FI" dirty="0"/>
+              <a:t> </a:t>
+            </a:r>
+            <a:r>
+              <a:rPr lang="fi-FI" dirty="0" err="1"/>
+              <a:t>answers</a:t>
+            </a:r>
+            <a:r>
+              <a:rPr lang="fi-FI" dirty="0"/>
+              <a:t> to </a:t>
+            </a:r>
+            <a:r>
+              <a:rPr lang="fi-FI" dirty="0" err="1"/>
+              <a:t>these</a:t>
+            </a:r>
+            <a:r>
+              <a:rPr lang="fi-FI" dirty="0"/>
+              <a:t> </a:t>
+            </a:r>
+            <a:r>
+              <a:rPr lang="fi-FI" dirty="0" err="1"/>
+              <a:t>questions</a:t>
+            </a:r>
+            <a:endParaRPr lang="fi-FI" dirty="0"/>
+          </a:p>
+          <a:p>
+            <a:r>
+              <a:rPr lang="fi-FI" dirty="0"/>
+              <a:t>Robert C. Martin </a:t>
+            </a:r>
+            <a:r>
+              <a:rPr lang="fi-FI" dirty="0" err="1"/>
+              <a:t>said</a:t>
+            </a:r>
+            <a:r>
+              <a:rPr lang="fi-FI" dirty="0"/>
+              <a:t>, </a:t>
+            </a:r>
+            <a:r>
+              <a:rPr lang="fi-FI" dirty="0" err="1"/>
+              <a:t>based</a:t>
+            </a:r>
+            <a:r>
+              <a:rPr lang="fi-FI" dirty="0"/>
+              <a:t> on </a:t>
+            </a:r>
+            <a:r>
+              <a:rPr lang="fi-FI" dirty="0" err="1"/>
+              <a:t>Ivar</a:t>
+            </a:r>
+            <a:r>
+              <a:rPr lang="fi-FI" dirty="0"/>
+              <a:t> Jacobsen </a:t>
+            </a:r>
+            <a:r>
+              <a:rPr lang="fi-FI" dirty="0" err="1"/>
+              <a:t>book</a:t>
+            </a:r>
+            <a:r>
+              <a:rPr lang="fi-FI" dirty="0"/>
+              <a:t>, </a:t>
+            </a:r>
+            <a:r>
+              <a:rPr lang="fi-FI" dirty="0" err="1"/>
+              <a:t>something</a:t>
+            </a:r>
+            <a:r>
+              <a:rPr lang="fi-FI" dirty="0"/>
+              <a:t> </a:t>
+            </a:r>
+            <a:r>
+              <a:rPr lang="fi-FI" dirty="0" err="1"/>
+              <a:t>like</a:t>
+            </a:r>
+            <a:r>
+              <a:rPr lang="fi-FI" dirty="0"/>
+              <a:t> </a:t>
+            </a:r>
+            <a:r>
+              <a:rPr lang="fi-FI" dirty="0" err="1"/>
+              <a:t>this</a:t>
+            </a:r>
+            <a:r>
+              <a:rPr lang="fi-FI" dirty="0"/>
+              <a:t>:</a:t>
+            </a:r>
+          </a:p>
+          <a:p>
+            <a:pPr lvl="1"/>
+            <a:r>
+              <a:rPr lang="fi-FI" dirty="0"/>
+              <a:t>”</a:t>
+            </a:r>
+            <a:r>
+              <a:rPr lang="fi-FI" i="1" dirty="0"/>
+              <a:t>Architecture </a:t>
+            </a:r>
+            <a:r>
+              <a:rPr lang="fi-FI" i="1" dirty="0" err="1"/>
+              <a:t>should</a:t>
+            </a:r>
+            <a:r>
+              <a:rPr lang="fi-FI" i="1" dirty="0"/>
+              <a:t> </a:t>
+            </a:r>
+            <a:r>
+              <a:rPr lang="fi-FI" i="1" dirty="0" err="1"/>
+              <a:t>be</a:t>
+            </a:r>
+            <a:r>
+              <a:rPr lang="fi-FI" i="1" dirty="0"/>
+              <a:t> </a:t>
+            </a:r>
+            <a:r>
+              <a:rPr lang="fi-FI" i="1" dirty="0" err="1"/>
+              <a:t>based</a:t>
+            </a:r>
+            <a:r>
+              <a:rPr lang="fi-FI" i="1" dirty="0"/>
+              <a:t> on </a:t>
+            </a:r>
+            <a:r>
+              <a:rPr lang="fi-FI" i="1" dirty="0" err="1"/>
+              <a:t>the</a:t>
+            </a:r>
+            <a:r>
+              <a:rPr lang="fi-FI" i="1" dirty="0"/>
+              <a:t> business </a:t>
+            </a:r>
+            <a:r>
+              <a:rPr lang="fi-FI" i="1" dirty="0" err="1"/>
+              <a:t>use</a:t>
+            </a:r>
+            <a:r>
+              <a:rPr lang="fi-FI" i="1" dirty="0"/>
+              <a:t> </a:t>
+            </a:r>
+            <a:r>
+              <a:rPr lang="fi-FI" i="1" dirty="0" err="1"/>
+              <a:t>cases</a:t>
+            </a:r>
+            <a:r>
+              <a:rPr lang="fi-FI" i="1" dirty="0"/>
+              <a:t> of </a:t>
+            </a:r>
+            <a:r>
+              <a:rPr lang="fi-FI" i="1" dirty="0" err="1"/>
+              <a:t>the</a:t>
+            </a:r>
+            <a:r>
+              <a:rPr lang="fi-FI" i="1" dirty="0"/>
+              <a:t> </a:t>
+            </a:r>
+            <a:r>
+              <a:rPr lang="fi-FI" i="1" dirty="0" err="1"/>
+              <a:t>customer</a:t>
+            </a:r>
+            <a:r>
+              <a:rPr lang="fi-FI" dirty="0"/>
+              <a:t> – </a:t>
+            </a:r>
+            <a:r>
+              <a:rPr lang="fi-FI" dirty="0" err="1"/>
+              <a:t>customer-centered</a:t>
+            </a:r>
+            <a:r>
+              <a:rPr lang="fi-FI" dirty="0"/>
+              <a:t> design.”</a:t>
+            </a:r>
+          </a:p>
+          <a:p>
+            <a:r>
+              <a:rPr lang="fi-FI" dirty="0" err="1"/>
+              <a:t>What</a:t>
+            </a:r>
+            <a:r>
+              <a:rPr lang="fi-FI" dirty="0"/>
+              <a:t> </a:t>
+            </a:r>
+            <a:r>
+              <a:rPr lang="fi-FI" dirty="0" err="1"/>
+              <a:t>would</a:t>
+            </a:r>
+            <a:r>
+              <a:rPr lang="fi-FI" dirty="0"/>
+              <a:t> </a:t>
+            </a:r>
+            <a:r>
+              <a:rPr lang="fi-FI" dirty="0" err="1"/>
+              <a:t>be</a:t>
+            </a:r>
+            <a:r>
+              <a:rPr lang="fi-FI" dirty="0"/>
+              <a:t> </a:t>
+            </a:r>
+            <a:r>
+              <a:rPr lang="fi-FI" dirty="0" err="1"/>
+              <a:t>the</a:t>
+            </a:r>
+            <a:r>
+              <a:rPr lang="fi-FI" dirty="0"/>
+              <a:t> </a:t>
+            </a:r>
+            <a:r>
+              <a:rPr lang="fi-FI" dirty="0" err="1"/>
+              <a:t>pros</a:t>
+            </a:r>
+            <a:r>
+              <a:rPr lang="fi-FI" dirty="0"/>
+              <a:t> and </a:t>
+            </a:r>
+            <a:r>
+              <a:rPr lang="fi-FI" dirty="0" err="1"/>
+              <a:t>cons</a:t>
+            </a:r>
+            <a:r>
+              <a:rPr lang="fi-FI" dirty="0"/>
+              <a:t> of </a:t>
+            </a:r>
+            <a:r>
+              <a:rPr lang="fi-FI" dirty="0" err="1"/>
+              <a:t>that</a:t>
+            </a:r>
+            <a:r>
+              <a:rPr lang="fi-FI" dirty="0"/>
+              <a:t> </a:t>
+            </a:r>
+            <a:r>
+              <a:rPr lang="fi-FI" dirty="0" err="1"/>
+              <a:t>approach</a:t>
+            </a:r>
+            <a:r>
+              <a:rPr lang="fi-FI" dirty="0"/>
+              <a:t>?</a:t>
+            </a:r>
+          </a:p>
+          <a:p>
+            <a:r>
+              <a:rPr lang="fi-FI" dirty="0" err="1"/>
+              <a:t>Would</a:t>
+            </a:r>
+            <a:r>
+              <a:rPr lang="fi-FI" dirty="0"/>
+              <a:t> </a:t>
+            </a:r>
+            <a:r>
+              <a:rPr lang="fi-FI" dirty="0" err="1"/>
+              <a:t>you</a:t>
+            </a:r>
+            <a:r>
+              <a:rPr lang="fi-FI" dirty="0"/>
+              <a:t> </a:t>
+            </a:r>
+            <a:r>
+              <a:rPr lang="fi-FI" dirty="0" err="1"/>
+              <a:t>create</a:t>
+            </a:r>
+            <a:r>
+              <a:rPr lang="fi-FI" dirty="0"/>
+              <a:t> </a:t>
+            </a:r>
+            <a:r>
+              <a:rPr lang="fi-FI" dirty="0" err="1"/>
+              <a:t>your</a:t>
+            </a:r>
+            <a:r>
+              <a:rPr lang="fi-FI" dirty="0"/>
+              <a:t> </a:t>
+            </a:r>
+            <a:r>
+              <a:rPr lang="fi-FI" dirty="0" err="1"/>
+              <a:t>architectures</a:t>
+            </a:r>
+            <a:r>
+              <a:rPr lang="fi-FI" dirty="0"/>
+              <a:t> _</a:t>
+            </a:r>
+            <a:r>
+              <a:rPr lang="fi-FI" dirty="0" err="1"/>
+              <a:t>based</a:t>
+            </a:r>
+            <a:r>
+              <a:rPr lang="fi-FI" dirty="0"/>
+              <a:t>_ on </a:t>
+            </a:r>
+            <a:r>
+              <a:rPr lang="fi-FI" dirty="0" err="1"/>
+              <a:t>use</a:t>
+            </a:r>
+            <a:r>
+              <a:rPr lang="fi-FI" dirty="0"/>
+              <a:t> </a:t>
+            </a:r>
+            <a:r>
+              <a:rPr lang="fi-FI" dirty="0" err="1"/>
+              <a:t>cases</a:t>
+            </a:r>
+            <a:r>
+              <a:rPr lang="fi-FI" dirty="0"/>
+              <a:t> / </a:t>
+            </a:r>
+            <a:r>
+              <a:rPr lang="fi-FI" dirty="0" err="1"/>
+              <a:t>user</a:t>
+            </a:r>
+            <a:r>
+              <a:rPr lang="fi-FI" dirty="0"/>
+              <a:t> </a:t>
+            </a:r>
+            <a:r>
+              <a:rPr lang="fi-FI" dirty="0" err="1"/>
+              <a:t>stories</a:t>
+            </a:r>
+            <a:r>
+              <a:rPr lang="fi-FI" dirty="0"/>
+              <a:t>?</a:t>
+            </a:r>
+          </a:p>
+          <a:p>
+            <a:r>
+              <a:rPr lang="fi-FI" dirty="0" err="1"/>
+              <a:t>Or</a:t>
+            </a:r>
+            <a:r>
+              <a:rPr lang="fi-FI" dirty="0"/>
+              <a:t> </a:t>
+            </a:r>
+            <a:r>
+              <a:rPr lang="fi-FI" dirty="0" err="1"/>
+              <a:t>would</a:t>
+            </a:r>
+            <a:r>
+              <a:rPr lang="fi-FI" dirty="0"/>
+              <a:t> </a:t>
+            </a:r>
+            <a:r>
+              <a:rPr lang="fi-FI" dirty="0" err="1"/>
+              <a:t>you</a:t>
+            </a:r>
+            <a:r>
+              <a:rPr lang="fi-FI" dirty="0"/>
+              <a:t> </a:t>
+            </a:r>
+            <a:r>
+              <a:rPr lang="fi-FI" dirty="0" err="1"/>
+              <a:t>do</a:t>
+            </a:r>
+            <a:r>
+              <a:rPr lang="fi-FI" dirty="0"/>
+              <a:t> </a:t>
+            </a:r>
+            <a:r>
+              <a:rPr lang="fi-FI" dirty="0" err="1"/>
+              <a:t>more</a:t>
+            </a:r>
+            <a:r>
+              <a:rPr lang="fi-FI" dirty="0"/>
+              <a:t> </a:t>
+            </a:r>
+            <a:r>
+              <a:rPr lang="fi-FI" dirty="0" err="1"/>
+              <a:t>traditional</a:t>
+            </a:r>
+            <a:r>
+              <a:rPr lang="fi-FI" dirty="0"/>
+              <a:t> </a:t>
+            </a:r>
+            <a:r>
+              <a:rPr lang="fi-FI" dirty="0" err="1"/>
+              <a:t>way</a:t>
+            </a:r>
+            <a:r>
+              <a:rPr lang="fi-FI" dirty="0"/>
+              <a:t>, </a:t>
+            </a:r>
+            <a:r>
+              <a:rPr lang="fi-FI" dirty="0" err="1"/>
+              <a:t>let</a:t>
+            </a:r>
+            <a:r>
+              <a:rPr lang="fi-FI" dirty="0"/>
+              <a:t> </a:t>
+            </a:r>
+            <a:r>
+              <a:rPr lang="fi-FI" dirty="0" err="1"/>
+              <a:t>the</a:t>
+            </a:r>
+            <a:r>
+              <a:rPr lang="fi-FI" dirty="0"/>
+              <a:t> </a:t>
+            </a:r>
+            <a:r>
+              <a:rPr lang="fi-FI" dirty="0" err="1"/>
+              <a:t>use</a:t>
+            </a:r>
+            <a:r>
+              <a:rPr lang="fi-FI" dirty="0"/>
+              <a:t> </a:t>
+            </a:r>
+            <a:r>
+              <a:rPr lang="fi-FI" dirty="0" err="1"/>
+              <a:t>cases</a:t>
+            </a:r>
+            <a:r>
+              <a:rPr lang="fi-FI" dirty="0"/>
+              <a:t> </a:t>
+            </a:r>
+            <a:r>
+              <a:rPr lang="fi-FI" dirty="0" err="1"/>
+              <a:t>affect</a:t>
+            </a:r>
+            <a:r>
+              <a:rPr lang="fi-FI" dirty="0"/>
+              <a:t> </a:t>
+            </a:r>
+            <a:r>
+              <a:rPr lang="fi-FI" b="1" dirty="0" err="1"/>
+              <a:t>the</a:t>
+            </a:r>
+            <a:r>
+              <a:rPr lang="fi-FI" b="1" dirty="0"/>
+              <a:t> </a:t>
+            </a:r>
+            <a:r>
+              <a:rPr lang="fi-FI" b="1" dirty="0" err="1"/>
+              <a:t>choice</a:t>
+            </a:r>
+            <a:r>
+              <a:rPr lang="fi-FI" b="1" dirty="0"/>
+              <a:t> </a:t>
+            </a:r>
+            <a:r>
+              <a:rPr lang="fi-FI" dirty="0"/>
+              <a:t>of </a:t>
+            </a:r>
+            <a:r>
+              <a:rPr lang="fi-FI" dirty="0" err="1"/>
+              <a:t>the</a:t>
+            </a:r>
+            <a:r>
+              <a:rPr lang="fi-FI" dirty="0"/>
+              <a:t> </a:t>
+            </a:r>
+            <a:r>
+              <a:rPr lang="fi-FI" dirty="0" err="1"/>
+              <a:t>architecture</a:t>
+            </a:r>
+            <a:r>
+              <a:rPr lang="fi-FI" dirty="0"/>
+              <a:t> and </a:t>
+            </a:r>
+            <a:r>
+              <a:rPr lang="fi-FI" dirty="0" err="1"/>
+              <a:t>how</a:t>
+            </a:r>
+            <a:r>
+              <a:rPr lang="fi-FI" dirty="0"/>
+              <a:t> it is </a:t>
+            </a:r>
+            <a:r>
+              <a:rPr lang="fi-FI" dirty="0" err="1"/>
+              <a:t>audited</a:t>
+            </a:r>
+            <a:r>
+              <a:rPr lang="fi-FI" dirty="0"/>
+              <a:t>, </a:t>
+            </a:r>
+            <a:r>
+              <a:rPr lang="fi-FI" dirty="0" err="1"/>
+              <a:t>but</a:t>
+            </a:r>
+            <a:r>
+              <a:rPr lang="fi-FI" dirty="0"/>
+              <a:t> </a:t>
+            </a:r>
+            <a:r>
+              <a:rPr lang="fi-FI" dirty="0" err="1"/>
+              <a:t>still</a:t>
+            </a:r>
+            <a:r>
+              <a:rPr lang="fi-FI" dirty="0"/>
+              <a:t> </a:t>
+            </a:r>
+            <a:r>
+              <a:rPr lang="fi-FI" dirty="0" err="1"/>
+              <a:t>base</a:t>
+            </a:r>
+            <a:r>
+              <a:rPr lang="fi-FI" dirty="0"/>
+              <a:t> </a:t>
+            </a:r>
+            <a:r>
+              <a:rPr lang="fi-FI" dirty="0" err="1"/>
+              <a:t>the</a:t>
+            </a:r>
+            <a:r>
+              <a:rPr lang="fi-FI" dirty="0"/>
+              <a:t> </a:t>
+            </a:r>
+            <a:r>
+              <a:rPr lang="fi-FI" dirty="0" err="1"/>
+              <a:t>architecture</a:t>
+            </a:r>
+            <a:r>
+              <a:rPr lang="fi-FI" dirty="0"/>
+              <a:t> on </a:t>
+            </a:r>
+            <a:r>
+              <a:rPr lang="fi-FI" dirty="0" err="1"/>
+              <a:t>many</a:t>
+            </a:r>
+            <a:r>
+              <a:rPr lang="fi-FI" dirty="0"/>
+              <a:t> </a:t>
+            </a:r>
+            <a:r>
+              <a:rPr lang="fi-FI" dirty="0" err="1"/>
+              <a:t>other</a:t>
+            </a:r>
+            <a:r>
+              <a:rPr lang="fi-FI" dirty="0"/>
+              <a:t> </a:t>
+            </a:r>
+            <a:r>
+              <a:rPr lang="fi-FI" dirty="0" err="1"/>
+              <a:t>factors</a:t>
+            </a:r>
+            <a:r>
+              <a:rPr lang="fi-FI" dirty="0"/>
+              <a:t>.</a:t>
+            </a:r>
+          </a:p>
+          <a:p>
+            <a:pPr lvl="1"/>
+            <a:r>
+              <a:rPr lang="fi-FI" dirty="0"/>
+              <a:t>Software </a:t>
+            </a:r>
+            <a:r>
+              <a:rPr lang="fi-FI" dirty="0" err="1"/>
+              <a:t>company</a:t>
+            </a:r>
+            <a:r>
+              <a:rPr lang="fi-FI" dirty="0"/>
+              <a:t> </a:t>
+            </a:r>
+            <a:r>
+              <a:rPr lang="fi-FI" dirty="0" err="1"/>
+              <a:t>does</a:t>
+            </a:r>
+            <a:r>
+              <a:rPr lang="fi-FI" dirty="0"/>
+              <a:t> </a:t>
+            </a:r>
+            <a:r>
+              <a:rPr lang="fi-FI" dirty="0" err="1"/>
+              <a:t>not</a:t>
+            </a:r>
+            <a:r>
+              <a:rPr lang="fi-FI" dirty="0"/>
+              <a:t> </a:t>
+            </a:r>
+            <a:r>
+              <a:rPr lang="fi-FI" dirty="0" err="1"/>
+              <a:t>exist</a:t>
+            </a:r>
+            <a:r>
+              <a:rPr lang="fi-FI" dirty="0"/>
+              <a:t> for </a:t>
+            </a:r>
+            <a:r>
+              <a:rPr lang="fi-FI" dirty="0" err="1"/>
+              <a:t>the</a:t>
+            </a:r>
+            <a:r>
+              <a:rPr lang="fi-FI" dirty="0"/>
+              <a:t> </a:t>
+            </a:r>
+            <a:r>
+              <a:rPr lang="fi-FI" dirty="0" err="1"/>
+              <a:t>customers</a:t>
+            </a:r>
+            <a:r>
+              <a:rPr lang="fi-FI" dirty="0"/>
+              <a:t>. It </a:t>
+            </a:r>
+            <a:r>
+              <a:rPr lang="fi-FI" dirty="0" err="1"/>
+              <a:t>exists</a:t>
+            </a:r>
+            <a:r>
+              <a:rPr lang="fi-FI" dirty="0"/>
+              <a:t> to </a:t>
+            </a:r>
+            <a:r>
+              <a:rPr lang="fi-FI" dirty="0" err="1"/>
+              <a:t>make</a:t>
+            </a:r>
+            <a:r>
+              <a:rPr lang="fi-FI" dirty="0"/>
+              <a:t> </a:t>
+            </a:r>
+            <a:r>
+              <a:rPr lang="fi-FI" dirty="0" err="1"/>
+              <a:t>income</a:t>
+            </a:r>
+            <a:r>
+              <a:rPr lang="fi-FI" dirty="0"/>
+              <a:t> to </a:t>
+            </a:r>
+            <a:r>
+              <a:rPr lang="fi-FI" dirty="0" err="1"/>
+              <a:t>the</a:t>
+            </a:r>
+            <a:r>
+              <a:rPr lang="fi-FI" dirty="0"/>
+              <a:t> </a:t>
+            </a:r>
+            <a:r>
+              <a:rPr lang="fi-FI" dirty="0" err="1"/>
+              <a:t>owners</a:t>
+            </a:r>
+            <a:r>
+              <a:rPr lang="fi-FI" dirty="0"/>
+              <a:t>.</a:t>
+            </a:r>
+          </a:p>
+          <a:p>
+            <a:pPr lvl="1"/>
+            <a:r>
+              <a:rPr lang="fi-FI" dirty="0" err="1"/>
+              <a:t>Customer</a:t>
+            </a:r>
+            <a:r>
+              <a:rPr lang="fi-FI" dirty="0"/>
+              <a:t> </a:t>
+            </a:r>
+            <a:r>
+              <a:rPr lang="fi-FI" dirty="0" err="1"/>
+              <a:t>satisfaction</a:t>
+            </a:r>
+            <a:r>
+              <a:rPr lang="fi-FI" dirty="0"/>
+              <a:t> and </a:t>
+            </a:r>
+            <a:r>
+              <a:rPr lang="fi-FI" dirty="0" err="1"/>
+              <a:t>retainment</a:t>
+            </a:r>
+            <a:r>
+              <a:rPr lang="fi-FI" dirty="0"/>
+              <a:t> is a </a:t>
+            </a:r>
+            <a:r>
+              <a:rPr lang="fi-FI" dirty="0" err="1"/>
+              <a:t>strategy</a:t>
+            </a:r>
+            <a:r>
+              <a:rPr lang="fi-FI" dirty="0"/>
+              <a:t> to </a:t>
+            </a:r>
+            <a:r>
+              <a:rPr lang="fi-FI" dirty="0" err="1"/>
+              <a:t>stay</a:t>
+            </a:r>
+            <a:r>
+              <a:rPr lang="fi-FI" dirty="0"/>
+              <a:t> </a:t>
+            </a:r>
+            <a:r>
+              <a:rPr lang="fi-FI" dirty="0" err="1"/>
+              <a:t>alive</a:t>
+            </a:r>
+            <a:r>
+              <a:rPr lang="fi-FI" dirty="0"/>
+              <a:t> and </a:t>
+            </a:r>
+            <a:r>
+              <a:rPr lang="fi-FI" dirty="0" err="1"/>
+              <a:t>grow</a:t>
+            </a:r>
+            <a:r>
+              <a:rPr lang="fi-FI" dirty="0"/>
+              <a:t> </a:t>
+            </a:r>
+            <a:r>
+              <a:rPr lang="fi-FI" dirty="0" err="1"/>
+              <a:t>the</a:t>
+            </a:r>
+            <a:r>
+              <a:rPr lang="fi-FI" dirty="0"/>
+              <a:t> </a:t>
+            </a:r>
+            <a:r>
+              <a:rPr lang="fi-FI" dirty="0" err="1"/>
+              <a:t>income</a:t>
+            </a:r>
+            <a:endParaRPr lang="fi-FI" dirty="0"/>
+          </a:p>
+          <a:p>
+            <a:pPr lvl="1"/>
+            <a:r>
+              <a:rPr lang="fi-FI" dirty="0" err="1"/>
+              <a:t>What</a:t>
+            </a:r>
+            <a:r>
+              <a:rPr lang="fi-FI" dirty="0"/>
+              <a:t> </a:t>
+            </a:r>
+            <a:r>
+              <a:rPr lang="fi-FI" dirty="0" err="1"/>
+              <a:t>happens</a:t>
+            </a:r>
+            <a:r>
+              <a:rPr lang="fi-FI" dirty="0"/>
+              <a:t> to a Software </a:t>
+            </a:r>
+            <a:r>
+              <a:rPr lang="fi-FI" dirty="0" err="1"/>
+              <a:t>company</a:t>
+            </a:r>
+            <a:r>
+              <a:rPr lang="fi-FI" dirty="0"/>
+              <a:t> </a:t>
+            </a:r>
+            <a:r>
+              <a:rPr lang="fi-FI" dirty="0" err="1"/>
+              <a:t>who</a:t>
+            </a:r>
+            <a:r>
+              <a:rPr lang="fi-FI" dirty="0"/>
+              <a:t> </a:t>
+            </a:r>
+            <a:r>
+              <a:rPr lang="fi-FI" dirty="0" err="1"/>
+              <a:t>doesn’t</a:t>
+            </a:r>
+            <a:r>
+              <a:rPr lang="fi-FI" dirty="0"/>
+              <a:t> </a:t>
+            </a:r>
+            <a:r>
+              <a:rPr lang="fi-FI" dirty="0" err="1"/>
+              <a:t>do</a:t>
+            </a:r>
+            <a:r>
+              <a:rPr lang="fi-FI" dirty="0"/>
+              <a:t> </a:t>
+            </a:r>
+            <a:r>
+              <a:rPr lang="fi-FI" dirty="0" err="1"/>
+              <a:t>things</a:t>
+            </a:r>
+            <a:r>
+              <a:rPr lang="fi-FI" dirty="0"/>
+              <a:t> </a:t>
+            </a:r>
+            <a:r>
+              <a:rPr lang="fi-FI" dirty="0" err="1"/>
+              <a:t>efficiently</a:t>
+            </a:r>
+            <a:r>
+              <a:rPr lang="fi-FI" dirty="0"/>
+              <a:t> and </a:t>
+            </a:r>
+            <a:r>
+              <a:rPr lang="fi-FI" dirty="0" err="1"/>
+              <a:t>e.g</a:t>
+            </a:r>
+            <a:r>
+              <a:rPr lang="fi-FI" dirty="0"/>
+              <a:t>. </a:t>
+            </a:r>
+            <a:r>
+              <a:rPr lang="fi-FI" dirty="0" err="1"/>
+              <a:t>use</a:t>
+            </a:r>
+            <a:r>
+              <a:rPr lang="fi-FI" dirty="0"/>
+              <a:t> </a:t>
+            </a:r>
+            <a:r>
+              <a:rPr lang="fi-FI" dirty="0" err="1"/>
+              <a:t>the</a:t>
+            </a:r>
+            <a:r>
+              <a:rPr lang="fi-FI" dirty="0"/>
+              <a:t> </a:t>
+            </a:r>
+            <a:r>
+              <a:rPr lang="fi-FI" dirty="0" err="1"/>
+              <a:t>same</a:t>
+            </a:r>
+            <a:r>
+              <a:rPr lang="fi-FI" dirty="0"/>
+              <a:t> </a:t>
+            </a:r>
+            <a:r>
+              <a:rPr lang="fi-FI" dirty="0" err="1"/>
+              <a:t>architecture</a:t>
+            </a:r>
+            <a:r>
+              <a:rPr lang="fi-FI" dirty="0"/>
+              <a:t> and </a:t>
+            </a:r>
+            <a:r>
+              <a:rPr lang="fi-FI" dirty="0" err="1"/>
+              <a:t>tech</a:t>
+            </a:r>
+            <a:r>
+              <a:rPr lang="fi-FI" dirty="0"/>
+              <a:t> </a:t>
+            </a:r>
+            <a:r>
+              <a:rPr lang="fi-FI" dirty="0" err="1"/>
+              <a:t>stack</a:t>
+            </a:r>
+            <a:r>
+              <a:rPr lang="fi-FI" dirty="0"/>
+              <a:t> in </a:t>
+            </a:r>
+            <a:r>
+              <a:rPr lang="fi-FI" dirty="0" err="1"/>
+              <a:t>many</a:t>
+            </a:r>
+            <a:r>
+              <a:rPr lang="fi-FI" dirty="0"/>
+              <a:t> </a:t>
+            </a:r>
+            <a:r>
+              <a:rPr lang="fi-FI" dirty="0" err="1"/>
+              <a:t>projects</a:t>
+            </a:r>
+            <a:r>
+              <a:rPr lang="fi-FI" dirty="0"/>
+              <a:t> for </a:t>
+            </a:r>
+            <a:r>
+              <a:rPr lang="fi-FI" dirty="0" err="1"/>
+              <a:t>multiple</a:t>
+            </a:r>
+            <a:r>
+              <a:rPr lang="fi-FI" dirty="0"/>
+              <a:t> </a:t>
+            </a:r>
+            <a:r>
+              <a:rPr lang="fi-FI" dirty="0" err="1"/>
+              <a:t>customers</a:t>
+            </a:r>
+            <a:r>
+              <a:rPr lang="fi-FI" dirty="0"/>
+              <a:t>? </a:t>
+            </a:r>
+            <a:r>
+              <a:rPr lang="fi-FI" dirty="0" err="1"/>
+              <a:t>Note</a:t>
+            </a:r>
+            <a:r>
+              <a:rPr lang="fi-FI" dirty="0"/>
+              <a:t>, </a:t>
+            </a:r>
+            <a:r>
+              <a:rPr lang="fi-FI" dirty="0" err="1"/>
+              <a:t>the</a:t>
+            </a:r>
+            <a:r>
+              <a:rPr lang="fi-FI" dirty="0"/>
+              <a:t> </a:t>
+            </a:r>
+            <a:r>
+              <a:rPr lang="fi-FI" dirty="0" err="1"/>
+              <a:t>other</a:t>
+            </a:r>
+            <a:r>
+              <a:rPr lang="fi-FI" dirty="0"/>
+              <a:t> </a:t>
+            </a:r>
+            <a:r>
+              <a:rPr lang="fi-FI" dirty="0" err="1"/>
+              <a:t>competing</a:t>
+            </a:r>
+            <a:r>
+              <a:rPr lang="fi-FI" dirty="0"/>
+              <a:t> SW </a:t>
+            </a:r>
+            <a:r>
+              <a:rPr lang="fi-FI" dirty="0" err="1"/>
+              <a:t>companies</a:t>
+            </a:r>
+            <a:r>
+              <a:rPr lang="fi-FI" dirty="0"/>
+              <a:t> </a:t>
+            </a:r>
+            <a:r>
+              <a:rPr lang="fi-FI" dirty="0" err="1"/>
+              <a:t>do</a:t>
+            </a:r>
+            <a:r>
+              <a:rPr lang="fi-FI" dirty="0"/>
+              <a:t>.</a:t>
+            </a:r>
+          </a:p>
+          <a:p>
+            <a:pPr lvl="1"/>
+            <a:endParaRPr lang="fi-FI" dirty="0"/>
+          </a:p>
+          <a:p>
             <a:pPr marL="0" indent="0">
               <a:buNone/>
             </a:pPr>
-            <a:r>
-              <a:rPr lang="fi-FI" dirty="0"/>
-              <a:t>(</a:t>
-            </a:r>
-            <a:r>
-              <a:rPr lang="fi-FI" dirty="0" err="1"/>
-              <a:t>These</a:t>
-            </a:r>
-            <a:r>
-              <a:rPr lang="fi-FI" dirty="0"/>
-              <a:t> </a:t>
-            </a:r>
-            <a:r>
-              <a:rPr lang="fi-FI" dirty="0" err="1"/>
-              <a:t>are</a:t>
-            </a:r>
-            <a:r>
-              <a:rPr lang="fi-FI" dirty="0"/>
-              <a:t> just my </a:t>
-            </a:r>
-            <a:r>
-              <a:rPr lang="fi-FI" dirty="0" err="1"/>
-              <a:t>own</a:t>
-            </a:r>
-            <a:r>
-              <a:rPr lang="fi-FI" dirty="0"/>
-              <a:t> </a:t>
-            </a:r>
-            <a:r>
-              <a:rPr lang="fi-FI" dirty="0" err="1"/>
-              <a:t>opinions</a:t>
-            </a:r>
-            <a:r>
-              <a:rPr lang="fi-FI" dirty="0"/>
-              <a:t> </a:t>
-            </a:r>
-            <a:r>
-              <a:rPr lang="fi-FI" dirty="0" err="1"/>
-              <a:t>with</a:t>
-            </a:r>
-            <a:r>
-              <a:rPr lang="fi-FI" dirty="0"/>
-              <a:t> </a:t>
-            </a:r>
-            <a:r>
-              <a:rPr lang="fi-FI" dirty="0" err="1"/>
-              <a:t>little</a:t>
-            </a:r>
-            <a:r>
-              <a:rPr lang="fi-FI" dirty="0"/>
-              <a:t> </a:t>
-            </a:r>
-            <a:r>
-              <a:rPr lang="fi-FI" dirty="0" err="1"/>
-              <a:t>more</a:t>
-            </a:r>
-            <a:r>
-              <a:rPr lang="fi-FI" dirty="0"/>
-              <a:t> </a:t>
-            </a:r>
-            <a:r>
-              <a:rPr lang="fi-FI" dirty="0" err="1"/>
-              <a:t>knowledge</a:t>
-            </a:r>
-            <a:r>
-              <a:rPr lang="fi-FI" dirty="0"/>
-              <a:t> </a:t>
-            </a:r>
-            <a:r>
-              <a:rPr lang="fi-FI" dirty="0" err="1"/>
-              <a:t>than</a:t>
-            </a:r>
-            <a:r>
-              <a:rPr lang="fi-FI" dirty="0"/>
-              <a:t> </a:t>
-            </a:r>
-            <a:r>
-              <a:rPr lang="fi-FI" dirty="0" err="1"/>
-              <a:t>listening</a:t>
-            </a:r>
-            <a:r>
-              <a:rPr lang="fi-FI" dirty="0"/>
-              <a:t> to </a:t>
-            </a:r>
-            <a:r>
-              <a:rPr lang="fi-FI" dirty="0" err="1"/>
-              <a:t>many</a:t>
-            </a:r>
-            <a:r>
-              <a:rPr lang="fi-FI" dirty="0"/>
-              <a:t> of </a:t>
-            </a:r>
-            <a:r>
-              <a:rPr lang="fi-FI" dirty="0" err="1"/>
-              <a:t>his</a:t>
-            </a:r>
-            <a:r>
-              <a:rPr lang="fi-FI" dirty="0"/>
-              <a:t> </a:t>
-            </a:r>
-            <a:r>
-              <a:rPr lang="fi-FI" dirty="0" err="1"/>
-              <a:t>videos</a:t>
-            </a:r>
-            <a:r>
-              <a:rPr lang="fi-FI" dirty="0"/>
-              <a:t>. </a:t>
-            </a:r>
-            <a:r>
-              <a:rPr lang="fi-FI" dirty="0" err="1"/>
-              <a:t>So</a:t>
-            </a:r>
-            <a:r>
-              <a:rPr lang="fi-FI" dirty="0"/>
-              <a:t> </a:t>
-            </a:r>
-            <a:r>
-              <a:rPr lang="fi-FI" dirty="0" err="1"/>
-              <a:t>take</a:t>
-            </a:r>
-            <a:r>
-              <a:rPr lang="fi-FI" dirty="0"/>
-              <a:t> </a:t>
-            </a:r>
-            <a:r>
-              <a:rPr lang="fi-FI" dirty="0" err="1"/>
-              <a:t>these</a:t>
-            </a:r>
-            <a:r>
-              <a:rPr lang="fi-FI" dirty="0"/>
-              <a:t> </a:t>
-            </a:r>
-            <a:r>
-              <a:rPr lang="fi-FI" dirty="0" err="1"/>
-              <a:t>with</a:t>
-            </a:r>
-            <a:r>
-              <a:rPr lang="fi-FI" dirty="0"/>
-              <a:t> 2kg of </a:t>
-            </a:r>
-            <a:r>
-              <a:rPr lang="fi-FI" dirty="0" err="1"/>
-              <a:t>salt</a:t>
-            </a:r>
-            <a:r>
-              <a:rPr lang="fi-FI" dirty="0"/>
-              <a:t> </a:t>
-            </a:r>
-            <a:r>
-              <a:rPr lang="fi-FI" dirty="0">
-                <a:sym typeface="Wingdings" panose="05000000000000000000" pitchFamily="2" charset="2"/>
-              </a:rPr>
-              <a:t> </a:t>
-            </a:r>
-            <a:r>
-              <a:rPr lang="fi-FI" dirty="0"/>
-              <a:t>)</a:t>
-            </a:r>
-            <a:br>
-              <a:rPr lang="fi-FI" dirty="0"/>
-            </a:br>
-            <a:br>
-              <a:rPr lang="fi-FI" dirty="0"/>
-            </a:br>
-            <a:r>
-              <a:rPr lang="fi-FI" dirty="0"/>
-              <a:t>Author of </a:t>
-            </a:r>
-            <a:r>
-              <a:rPr lang="fi-FI" dirty="0" err="1"/>
-              <a:t>e.g</a:t>
-            </a:r>
-            <a:r>
-              <a:rPr lang="fi-FI" dirty="0"/>
-              <a:t>. </a:t>
-            </a:r>
-            <a:r>
-              <a:rPr lang="fi-FI" dirty="0" err="1"/>
-              <a:t>the</a:t>
-            </a:r>
-            <a:r>
-              <a:rPr lang="fi-FI" dirty="0"/>
-              <a:t> ”</a:t>
-            </a:r>
-            <a:r>
-              <a:rPr lang="fi-FI" dirty="0" err="1"/>
-              <a:t>Clean</a:t>
-            </a:r>
-            <a:r>
-              <a:rPr lang="fi-FI" dirty="0"/>
-              <a:t> </a:t>
-            </a:r>
-            <a:r>
-              <a:rPr lang="fi-FI" dirty="0" err="1"/>
-              <a:t>code</a:t>
-            </a:r>
-            <a:r>
-              <a:rPr lang="fi-FI" dirty="0"/>
-              <a:t>” </a:t>
-            </a:r>
-            <a:r>
-              <a:rPr lang="fi-FI" dirty="0" err="1"/>
-              <a:t>book</a:t>
-            </a:r>
             <a:endParaRPr lang="fi-FI" dirty="0"/>
           </a:p>
-          <a:p>
-            <a:pPr marL="285750" indent="-285750">
-              <a:buFont typeface="Arial" panose="020B0604020202020204" pitchFamily="34" charset="0"/>
-              <a:buChar char="•"/>
-            </a:pPr>
-            <a:r>
-              <a:rPr lang="en-US" dirty="0"/>
-              <a:t>80-90% of what he says is brilliant and should be learned from. 10-20% should be taken with a kilogram of salt. It's </a:t>
-            </a:r>
-            <a:r>
-              <a:rPr lang="en-US" dirty="0" err="1"/>
-              <a:t>opionated</a:t>
-            </a:r>
-            <a:r>
-              <a:rPr lang="en-US" dirty="0"/>
-              <a:t> and highly debatable.</a:t>
-            </a:r>
-          </a:p>
-          <a:p>
-            <a:pPr marL="285750" indent="-285750">
-              <a:buFont typeface="Arial" panose="020B0604020202020204" pitchFamily="34" charset="0"/>
-              <a:buChar char="•"/>
-            </a:pPr>
-            <a:r>
-              <a:rPr lang="en-US" dirty="0"/>
-              <a:t>Thus, use his opinions and speeches as stimulant but not as source of the truth. And he is great in inspiring. The videos are to big part entertainment. And very good entertainment with lot of good advice to developers.</a:t>
-            </a:r>
-          </a:p>
-          <a:p>
-            <a:pPr marL="285750" indent="-285750">
-              <a:buFont typeface="Arial" panose="020B0604020202020204" pitchFamily="34" charset="0"/>
-              <a:buChar char="•"/>
-            </a:pPr>
-            <a:r>
-              <a:rPr lang="en-US" dirty="0"/>
-              <a:t>But I do not know how much he e.g. has worked on modern DevOps, frameworks and cloud-native apps? Or what is his database development understanding level?</a:t>
-            </a:r>
-          </a:p>
-          <a:p>
-            <a:pPr marL="285750" indent="-285750">
-              <a:buFont typeface="Arial" panose="020B0604020202020204" pitchFamily="34" charset="0"/>
-              <a:buChar char="•"/>
-            </a:pPr>
-            <a:r>
-              <a:rPr lang="en-US" dirty="0"/>
-              <a:t>Separate note, not related to him:</a:t>
-            </a:r>
-          </a:p>
-          <a:p>
-            <a:pPr marL="789750" lvl="1" indent="-285750">
-              <a:buFont typeface="Arial" panose="020B0604020202020204" pitchFamily="34" charset="0"/>
-              <a:buChar char="•"/>
-            </a:pPr>
-            <a:r>
-              <a:rPr lang="en-US" dirty="0"/>
-              <a:t>I have seen very famous and respected gurus reveal in their demonstrations that they do not understand basic things about something outside of their immediate expertise area. E.g. databases. True.</a:t>
-            </a:r>
-            <a:endParaRPr lang="fi-FI" dirty="0"/>
-          </a:p>
         </p:txBody>
       </p:sp>
       <p:sp>
@@ -15855,7 +16188,7 @@
           <p:cNvPr id="5" name="Date Placeholder 4">
             <a:extLst>
               <a:ext uri="{FF2B5EF4-FFF2-40B4-BE49-F238E27FC236}">
-                <a16:creationId xmlns:a16="http://schemas.microsoft.com/office/drawing/2014/main" id="{CDF9BDDB-4154-894E-83EF-04FB624FF30E}"/>
+                <a16:creationId xmlns:a16="http://schemas.microsoft.com/office/drawing/2014/main" id="{976244E2-AA76-2742-B2EC-FEC79276155C}"/>
               </a:ext>
             </a:extLst>
           </p:cNvPr>
@@ -15871,9 +16204,9 @@
           <a:bodyPr/>
           <a:lstStyle/>
           <a:p>
-            <a:fld id="{551D5D1D-8623-7244-B1BC-5984C123D6C5}" type="datetime1">
+            <a:fld id="{202E1EC2-47B8-044B-A09E-6A63B4D80C87}" type="datetime1">
               <a:rPr lang="fi-FI" smtClean="0"/>
-              <a:t>11.10.2022</a:t>
+              <a:t>27.10.2022</a:t>
             </a:fld>
             <a:endParaRPr lang="en-GB"/>
           </a:p>
@@ -15884,7 +16217,7 @@
           <p:cNvPr id="6" name="Footer Placeholder 5">
             <a:extLst>
               <a:ext uri="{FF2B5EF4-FFF2-40B4-BE49-F238E27FC236}">
-                <a16:creationId xmlns:a16="http://schemas.microsoft.com/office/drawing/2014/main" id="{DEED56F3-0862-1748-A7A9-EE5914100F54}"/>
+                <a16:creationId xmlns:a16="http://schemas.microsoft.com/office/drawing/2014/main" id="{588CE607-4137-8840-8FEA-42EAC857E3A3}"/>
               </a:ext>
             </a:extLst>
           </p:cNvPr>
@@ -15909,7 +16242,7 @@
           <p:cNvPr id="7" name="Slide Number Placeholder 6">
             <a:extLst>
               <a:ext uri="{FF2B5EF4-FFF2-40B4-BE49-F238E27FC236}">
-                <a16:creationId xmlns:a16="http://schemas.microsoft.com/office/drawing/2014/main" id="{6CBC8079-2140-8745-901A-8EB4BF8EAF2D}"/>
+                <a16:creationId xmlns:a16="http://schemas.microsoft.com/office/drawing/2014/main" id="{2E133A96-6C73-0844-B8CB-27C2B5F4CFB1}"/>
               </a:ext>
             </a:extLst>
           </p:cNvPr>
@@ -15936,7 +16269,7 @@
     </p:spTree>
     <p:extLst>
       <p:ext uri="{BB962C8B-B14F-4D97-AF65-F5344CB8AC3E}">
-        <p14:creationId xmlns:p14="http://schemas.microsoft.com/office/powerpoint/2010/main" val="2140971857"/>
+        <p14:creationId xmlns:p14="http://schemas.microsoft.com/office/powerpoint/2010/main" val="2628821793"/>
       </p:ext>
     </p:extLst>
   </p:cSld>
@@ -15968,7 +16301,7 @@
           <p:cNvPr id="8" name="Title 7">
             <a:extLst>
               <a:ext uri="{FF2B5EF4-FFF2-40B4-BE49-F238E27FC236}">
-                <a16:creationId xmlns:a16="http://schemas.microsoft.com/office/drawing/2014/main" id="{197044C3-CD23-D844-B780-26FABA91AD0F}"/>
+                <a16:creationId xmlns:a16="http://schemas.microsoft.com/office/drawing/2014/main" id="{03801FB7-8FBC-844F-8D63-9A597A066215}"/>
               </a:ext>
             </a:extLst>
           </p:cNvPr>
@@ -15979,34 +16312,35 @@
             <p:ph type="title"/>
           </p:nvPr>
         </p:nvSpPr>
-        <p:spPr/>
+        <p:spPr>
+          <a:xfrm>
+            <a:off x="550863" y="549276"/>
+            <a:ext cx="11125200" cy="574352"/>
+          </a:xfrm>
+        </p:spPr>
         <p:txBody>
           <a:bodyPr/>
           <a:lstStyle/>
           <a:p>
             <a:r>
-              <a:rPr lang="fi-FI" dirty="0" err="1"/>
-              <a:t>Why</a:t>
-            </a:r>
-            <a:r>
-              <a:rPr lang="fi-FI" dirty="0"/>
-              <a:t> to </a:t>
-            </a:r>
-            <a:r>
-              <a:rPr lang="fi-FI" dirty="0" err="1"/>
-              <a:t>have</a:t>
-            </a:r>
-            <a:r>
-              <a:rPr lang="fi-FI" dirty="0"/>
-              <a:t> </a:t>
-            </a:r>
-            <a:r>
-              <a:rPr lang="fi-FI" dirty="0" err="1"/>
-              <a:t>good</a:t>
-            </a:r>
-            <a:r>
-              <a:rPr lang="fi-FI" dirty="0"/>
-              <a:t> Software Architecture?</a:t>
+              <a:rPr lang="fi-FI" dirty="0"/>
+              <a:t>Notes on Robert C. Martin, </a:t>
+            </a:r>
+            <a:r>
+              <a:rPr lang="fi-FI" dirty="0" err="1"/>
+              <a:t>aka</a:t>
+            </a:r>
+            <a:r>
+              <a:rPr lang="fi-FI" dirty="0"/>
+              <a:t> ’</a:t>
+            </a:r>
+            <a:r>
+              <a:rPr lang="fi-FI" dirty="0" err="1"/>
+              <a:t>Uncle</a:t>
+            </a:r>
+            <a:r>
+              <a:rPr lang="fi-FI" dirty="0"/>
+              <a:t> Bob’</a:t>
             </a:r>
           </a:p>
         </p:txBody>
@@ -16016,7 +16350,7 @@
           <p:cNvPr id="9" name="Content Placeholder 8">
             <a:extLst>
               <a:ext uri="{FF2B5EF4-FFF2-40B4-BE49-F238E27FC236}">
-                <a16:creationId xmlns:a16="http://schemas.microsoft.com/office/drawing/2014/main" id="{ACDE61D8-A75A-F94B-B57A-46F276C03311}"/>
+                <a16:creationId xmlns:a16="http://schemas.microsoft.com/office/drawing/2014/main" id="{C711FFF1-5700-384F-B322-71416B4D664F}"/>
               </a:ext>
             </a:extLst>
           </p:cNvPr>
@@ -16027,405 +16361,286 @@
             <p:ph sz="half" idx="2"/>
           </p:nvPr>
         </p:nvSpPr>
-        <p:spPr/>
+        <p:spPr>
+          <a:xfrm>
+            <a:off x="220851" y="1773238"/>
+            <a:ext cx="11581108" cy="4140200"/>
+          </a:xfrm>
+        </p:spPr>
         <p:txBody>
           <a:bodyPr>
             <a:normAutofit/>
           </a:bodyPr>
           <a:lstStyle/>
           <a:p>
-            <a:r>
-              <a:rPr lang="fi-FI" dirty="0" err="1"/>
-              <a:t>We</a:t>
-            </a:r>
-            <a:r>
-              <a:rPr lang="fi-FI" dirty="0"/>
-              <a:t> </a:t>
-            </a:r>
-            <a:r>
-              <a:rPr lang="fi-FI" dirty="0" err="1"/>
-              <a:t>spend</a:t>
-            </a:r>
-            <a:r>
-              <a:rPr lang="fi-FI" dirty="0"/>
-              <a:t> some </a:t>
-            </a:r>
-            <a:r>
-              <a:rPr lang="fi-FI" dirty="0" err="1"/>
-              <a:t>effort</a:t>
-            </a:r>
-            <a:r>
-              <a:rPr lang="fi-FI" dirty="0"/>
-              <a:t> in </a:t>
-            </a:r>
-            <a:r>
-              <a:rPr lang="fi-FI" dirty="0" err="1"/>
-              <a:t>the</a:t>
-            </a:r>
-            <a:r>
-              <a:rPr lang="fi-FI" dirty="0"/>
-              <a:t> </a:t>
-            </a:r>
-            <a:r>
-              <a:rPr lang="fi-FI" dirty="0" err="1"/>
-              <a:t>beginning</a:t>
-            </a:r>
-            <a:r>
-              <a:rPr lang="fi-FI" dirty="0"/>
-              <a:t>, to </a:t>
-            </a:r>
-            <a:r>
-              <a:rPr lang="fi-FI" dirty="0" err="1"/>
-              <a:t>make</a:t>
-            </a:r>
-            <a:r>
-              <a:rPr lang="fi-FI" dirty="0"/>
-              <a:t> </a:t>
-            </a:r>
-            <a:r>
-              <a:rPr lang="fi-FI" dirty="0" err="1"/>
-              <a:t>the</a:t>
-            </a:r>
-            <a:r>
-              <a:rPr lang="fi-FI" dirty="0"/>
-              <a:t> </a:t>
-            </a:r>
-            <a:r>
-              <a:rPr lang="fi-FI" dirty="0" err="1"/>
-              <a:t>development</a:t>
-            </a:r>
-            <a:r>
-              <a:rPr lang="fi-FI" dirty="0"/>
-              <a:t> </a:t>
-            </a:r>
-            <a:r>
-              <a:rPr lang="fi-FI" i="1" dirty="0" err="1"/>
-              <a:t>easier</a:t>
-            </a:r>
-            <a:r>
-              <a:rPr lang="fi-FI" i="1" dirty="0"/>
-              <a:t>, </a:t>
-            </a:r>
-            <a:r>
-              <a:rPr lang="fi-FI" i="1" dirty="0" err="1"/>
-              <a:t>safer</a:t>
-            </a:r>
-            <a:r>
-              <a:rPr lang="fi-FI" i="1" dirty="0"/>
-              <a:t>, </a:t>
-            </a:r>
-            <a:r>
-              <a:rPr lang="fi-FI" i="1" dirty="0" err="1"/>
-              <a:t>faster</a:t>
-            </a:r>
-            <a:r>
-              <a:rPr lang="fi-FI" i="1" dirty="0"/>
-              <a:t>, </a:t>
-            </a:r>
-            <a:r>
-              <a:rPr lang="fi-FI" i="1" dirty="0" err="1"/>
-              <a:t>less</a:t>
-            </a:r>
-            <a:r>
-              <a:rPr lang="fi-FI" i="1" dirty="0"/>
-              <a:t> </a:t>
-            </a:r>
-            <a:r>
-              <a:rPr lang="fi-FI" i="1" dirty="0" err="1"/>
-              <a:t>tiring</a:t>
-            </a:r>
-            <a:r>
-              <a:rPr lang="fi-FI" i="1" dirty="0"/>
-              <a:t> </a:t>
-            </a:r>
-            <a:r>
-              <a:rPr lang="fi-FI" dirty="0" err="1"/>
-              <a:t>later</a:t>
-            </a:r>
-            <a:r>
-              <a:rPr lang="fi-FI" dirty="0"/>
-              <a:t> in </a:t>
-            </a:r>
-            <a:r>
-              <a:rPr lang="fi-FI" dirty="0" err="1"/>
-              <a:t>the</a:t>
-            </a:r>
-            <a:r>
-              <a:rPr lang="fi-FI" dirty="0"/>
-              <a:t> </a:t>
-            </a:r>
-            <a:r>
-              <a:rPr lang="fi-FI" dirty="0" err="1"/>
-              <a:t>project</a:t>
-            </a:r>
-            <a:r>
-              <a:rPr lang="fi-FI" dirty="0"/>
-              <a:t>. </a:t>
-            </a:r>
-          </a:p>
-          <a:p>
-            <a:r>
-              <a:rPr lang="fi-FI" dirty="0" err="1"/>
-              <a:t>Finally</a:t>
-            </a:r>
-            <a:r>
-              <a:rPr lang="fi-FI" dirty="0"/>
-              <a:t> </a:t>
-            </a:r>
-            <a:r>
-              <a:rPr lang="fi-FI" dirty="0" err="1"/>
-              <a:t>this</a:t>
-            </a:r>
-            <a:r>
-              <a:rPr lang="fi-FI" dirty="0"/>
-              <a:t> </a:t>
-            </a:r>
-            <a:r>
-              <a:rPr lang="fi-FI" dirty="0" err="1"/>
-              <a:t>can</a:t>
-            </a:r>
-            <a:r>
-              <a:rPr lang="fi-FI" dirty="0"/>
-              <a:t> </a:t>
-            </a:r>
-            <a:r>
-              <a:rPr lang="fi-FI" dirty="0" err="1"/>
-              <a:t>be</a:t>
-            </a:r>
-            <a:r>
-              <a:rPr lang="fi-FI" dirty="0"/>
-              <a:t> </a:t>
-            </a:r>
-            <a:r>
-              <a:rPr lang="fi-FI" dirty="0" err="1"/>
-              <a:t>measured</a:t>
-            </a:r>
-            <a:r>
-              <a:rPr lang="fi-FI" dirty="0"/>
-              <a:t> </a:t>
-            </a:r>
-            <a:r>
-              <a:rPr lang="fi-FI" dirty="0" err="1"/>
-              <a:t>also</a:t>
-            </a:r>
-            <a:r>
-              <a:rPr lang="fi-FI" dirty="0"/>
-              <a:t> in €uros. </a:t>
-            </a:r>
-            <a:r>
-              <a:rPr lang="fi-FI" dirty="0" err="1"/>
-              <a:t>The</a:t>
-            </a:r>
-            <a:r>
-              <a:rPr lang="fi-FI" dirty="0"/>
-              <a:t> software </a:t>
-            </a:r>
-            <a:r>
-              <a:rPr lang="fi-FI" dirty="0" err="1"/>
-              <a:t>company</a:t>
-            </a:r>
-            <a:r>
-              <a:rPr lang="fi-FI" dirty="0"/>
-              <a:t> </a:t>
-            </a:r>
-            <a:r>
-              <a:rPr lang="fi-FI" dirty="0" err="1"/>
-              <a:t>will</a:t>
-            </a:r>
-            <a:r>
-              <a:rPr lang="fi-FI" dirty="0"/>
-              <a:t> </a:t>
-            </a:r>
-            <a:r>
-              <a:rPr lang="fi-FI" dirty="0" err="1"/>
-              <a:t>have</a:t>
-            </a:r>
-            <a:r>
-              <a:rPr lang="fi-FI" dirty="0"/>
-              <a:t> a </a:t>
-            </a:r>
-            <a:r>
-              <a:rPr lang="fi-FI" dirty="0" err="1"/>
-              <a:t>better</a:t>
-            </a:r>
-            <a:r>
-              <a:rPr lang="fi-FI" dirty="0"/>
-              <a:t> </a:t>
-            </a:r>
-            <a:r>
-              <a:rPr lang="fi-FI" dirty="0" err="1"/>
-              <a:t>foundation</a:t>
-            </a:r>
-            <a:r>
-              <a:rPr lang="fi-FI" dirty="0"/>
-              <a:t> to </a:t>
-            </a:r>
-            <a:r>
-              <a:rPr lang="fi-FI" dirty="0" err="1"/>
-              <a:t>serve</a:t>
-            </a:r>
-            <a:r>
-              <a:rPr lang="fi-FI" dirty="0"/>
-              <a:t> </a:t>
-            </a:r>
-            <a:r>
-              <a:rPr lang="fi-FI" dirty="0" err="1"/>
-              <a:t>also</a:t>
-            </a:r>
-            <a:r>
-              <a:rPr lang="fi-FI" dirty="0"/>
-              <a:t> </a:t>
-            </a:r>
-            <a:r>
-              <a:rPr lang="fi-FI" dirty="0" err="1"/>
-              <a:t>future</a:t>
-            </a:r>
-            <a:r>
-              <a:rPr lang="fi-FI" dirty="0"/>
-              <a:t> </a:t>
-            </a:r>
-            <a:r>
-              <a:rPr lang="fi-FI" dirty="0" err="1"/>
-              <a:t>customers</a:t>
-            </a:r>
-            <a:r>
-              <a:rPr lang="fi-FI" dirty="0"/>
-              <a:t>. </a:t>
-            </a:r>
-          </a:p>
-          <a:p>
-            <a:r>
-              <a:rPr lang="fi-FI" dirty="0" err="1"/>
-              <a:t>Investment</a:t>
-            </a:r>
-            <a:r>
-              <a:rPr lang="fi-FI" dirty="0"/>
-              <a:t> + ROI (Return on </a:t>
-            </a:r>
-            <a:r>
-              <a:rPr lang="fi-FI" dirty="0" err="1"/>
-              <a:t>investment</a:t>
-            </a:r>
-            <a:r>
-              <a:rPr lang="fi-FI"/>
-              <a:t>). </a:t>
-            </a:r>
-            <a:r>
-              <a:rPr lang="fi-FI" dirty="0"/>
-              <a:t>And </a:t>
-            </a:r>
-            <a:r>
-              <a:rPr lang="fi-FI" dirty="0" err="1"/>
-              <a:t>are</a:t>
-            </a:r>
-            <a:r>
-              <a:rPr lang="fi-FI" dirty="0"/>
-              <a:t> </a:t>
-            </a:r>
-            <a:r>
-              <a:rPr lang="fi-FI" dirty="0" err="1"/>
-              <a:t>we</a:t>
-            </a:r>
-            <a:r>
-              <a:rPr lang="fi-FI" dirty="0"/>
-              <a:t> </a:t>
-            </a:r>
-            <a:r>
-              <a:rPr lang="fi-FI" dirty="0" err="1"/>
-              <a:t>talking</a:t>
-            </a:r>
-            <a:r>
-              <a:rPr lang="fi-FI" dirty="0"/>
-              <a:t> </a:t>
-            </a:r>
-            <a:r>
-              <a:rPr lang="fi-FI" dirty="0" err="1"/>
-              <a:t>about</a:t>
-            </a:r>
-            <a:r>
-              <a:rPr lang="fi-FI" dirty="0"/>
-              <a:t> </a:t>
-            </a:r>
-            <a:r>
-              <a:rPr lang="fi-FI" dirty="0" err="1"/>
-              <a:t>one</a:t>
-            </a:r>
-            <a:r>
-              <a:rPr lang="fi-FI" dirty="0"/>
-              <a:t> </a:t>
-            </a:r>
-            <a:r>
-              <a:rPr lang="fi-FI" dirty="0" err="1"/>
-              <a:t>week</a:t>
-            </a:r>
-            <a:r>
-              <a:rPr lang="fi-FI" dirty="0"/>
-              <a:t>, </a:t>
-            </a:r>
-            <a:r>
-              <a:rPr lang="fi-FI" dirty="0" err="1"/>
-              <a:t>one</a:t>
-            </a:r>
-            <a:r>
-              <a:rPr lang="fi-FI" dirty="0"/>
-              <a:t> </a:t>
-            </a:r>
-            <a:r>
-              <a:rPr lang="fi-FI" dirty="0" err="1"/>
-              <a:t>month</a:t>
-            </a:r>
-            <a:r>
-              <a:rPr lang="fi-FI" dirty="0"/>
-              <a:t>, </a:t>
-            </a:r>
-            <a:r>
-              <a:rPr lang="fi-FI" dirty="0" err="1"/>
-              <a:t>one</a:t>
-            </a:r>
-            <a:r>
-              <a:rPr lang="fi-FI" dirty="0"/>
-              <a:t> </a:t>
-            </a:r>
-            <a:r>
-              <a:rPr lang="fi-FI" dirty="0" err="1"/>
-              <a:t>year</a:t>
-            </a:r>
-            <a:r>
-              <a:rPr lang="fi-FI" dirty="0"/>
-              <a:t> </a:t>
-            </a:r>
-            <a:r>
-              <a:rPr lang="fi-FI" dirty="0" err="1"/>
-              <a:t>or</a:t>
-            </a:r>
-            <a:r>
-              <a:rPr lang="fi-FI" dirty="0"/>
-              <a:t> </a:t>
-            </a:r>
-            <a:r>
-              <a:rPr lang="fi-FI" dirty="0" err="1"/>
-              <a:t>multiple-year</a:t>
-            </a:r>
-            <a:r>
-              <a:rPr lang="fi-FI" dirty="0"/>
-              <a:t> ROI?</a:t>
-            </a:r>
-          </a:p>
-          <a:p>
             <a:pPr marL="0" indent="0">
               <a:buNone/>
             </a:pPr>
+            <a:r>
+              <a:rPr lang="fi-FI" dirty="0"/>
+              <a:t>(</a:t>
+            </a:r>
+            <a:r>
+              <a:rPr lang="fi-FI" dirty="0" err="1"/>
+              <a:t>These</a:t>
+            </a:r>
+            <a:r>
+              <a:rPr lang="fi-FI" dirty="0"/>
+              <a:t> </a:t>
+            </a:r>
+            <a:r>
+              <a:rPr lang="fi-FI" dirty="0" err="1"/>
+              <a:t>are</a:t>
+            </a:r>
+            <a:r>
+              <a:rPr lang="fi-FI" dirty="0"/>
+              <a:t> just my </a:t>
+            </a:r>
+            <a:r>
+              <a:rPr lang="fi-FI" dirty="0" err="1"/>
+              <a:t>own</a:t>
+            </a:r>
+            <a:r>
+              <a:rPr lang="fi-FI" dirty="0"/>
+              <a:t> </a:t>
+            </a:r>
+            <a:r>
+              <a:rPr lang="fi-FI" dirty="0" err="1"/>
+              <a:t>opinions</a:t>
+            </a:r>
+            <a:r>
+              <a:rPr lang="fi-FI" dirty="0"/>
+              <a:t> </a:t>
+            </a:r>
+            <a:r>
+              <a:rPr lang="fi-FI" dirty="0" err="1"/>
+              <a:t>with</a:t>
+            </a:r>
+            <a:r>
+              <a:rPr lang="fi-FI" dirty="0"/>
+              <a:t> </a:t>
+            </a:r>
+            <a:r>
+              <a:rPr lang="fi-FI" dirty="0" err="1"/>
+              <a:t>little</a:t>
+            </a:r>
+            <a:r>
+              <a:rPr lang="fi-FI" dirty="0"/>
+              <a:t> </a:t>
+            </a:r>
+            <a:r>
+              <a:rPr lang="fi-FI" dirty="0" err="1"/>
+              <a:t>more</a:t>
+            </a:r>
+            <a:r>
+              <a:rPr lang="fi-FI" dirty="0"/>
+              <a:t> </a:t>
+            </a:r>
+            <a:r>
+              <a:rPr lang="fi-FI" dirty="0" err="1"/>
+              <a:t>knowledge</a:t>
+            </a:r>
+            <a:r>
+              <a:rPr lang="fi-FI" dirty="0"/>
+              <a:t> </a:t>
+            </a:r>
+            <a:r>
+              <a:rPr lang="fi-FI" dirty="0" err="1"/>
+              <a:t>than</a:t>
+            </a:r>
+            <a:r>
+              <a:rPr lang="fi-FI" dirty="0"/>
+              <a:t> </a:t>
+            </a:r>
+            <a:r>
+              <a:rPr lang="fi-FI" dirty="0" err="1"/>
+              <a:t>listening</a:t>
+            </a:r>
+            <a:r>
+              <a:rPr lang="fi-FI" dirty="0"/>
+              <a:t> to </a:t>
+            </a:r>
+            <a:r>
+              <a:rPr lang="fi-FI" dirty="0" err="1"/>
+              <a:t>many</a:t>
+            </a:r>
+            <a:r>
+              <a:rPr lang="fi-FI" dirty="0"/>
+              <a:t> of </a:t>
+            </a:r>
+            <a:r>
+              <a:rPr lang="fi-FI" dirty="0" err="1"/>
+              <a:t>his</a:t>
+            </a:r>
+            <a:r>
+              <a:rPr lang="fi-FI" dirty="0"/>
+              <a:t> </a:t>
+            </a:r>
+            <a:r>
+              <a:rPr lang="fi-FI" dirty="0" err="1"/>
+              <a:t>videos</a:t>
+            </a:r>
+            <a:r>
+              <a:rPr lang="fi-FI" dirty="0"/>
+              <a:t>. </a:t>
+            </a:r>
+            <a:r>
+              <a:rPr lang="fi-FI" dirty="0" err="1"/>
+              <a:t>So</a:t>
+            </a:r>
+            <a:r>
+              <a:rPr lang="fi-FI" dirty="0"/>
+              <a:t> </a:t>
+            </a:r>
+            <a:r>
+              <a:rPr lang="fi-FI" dirty="0" err="1"/>
+              <a:t>take</a:t>
+            </a:r>
+            <a:r>
+              <a:rPr lang="fi-FI" dirty="0"/>
+              <a:t> </a:t>
+            </a:r>
+            <a:r>
+              <a:rPr lang="fi-FI" dirty="0" err="1"/>
+              <a:t>these</a:t>
+            </a:r>
+            <a:r>
+              <a:rPr lang="fi-FI" dirty="0"/>
+              <a:t> </a:t>
+            </a:r>
+            <a:r>
+              <a:rPr lang="fi-FI" dirty="0" err="1"/>
+              <a:t>with</a:t>
+            </a:r>
+            <a:r>
+              <a:rPr lang="fi-FI" dirty="0"/>
+              <a:t> 2kg of </a:t>
+            </a:r>
+            <a:r>
+              <a:rPr lang="fi-FI" dirty="0" err="1"/>
+              <a:t>salt</a:t>
+            </a:r>
+            <a:r>
+              <a:rPr lang="fi-FI" dirty="0"/>
+              <a:t> </a:t>
+            </a:r>
+            <a:r>
+              <a:rPr lang="fi-FI" dirty="0">
+                <a:sym typeface="Wingdings" panose="05000000000000000000" pitchFamily="2" charset="2"/>
+              </a:rPr>
+              <a:t> </a:t>
+            </a:r>
+            <a:r>
+              <a:rPr lang="fi-FI" dirty="0"/>
+              <a:t>)</a:t>
+            </a:r>
+            <a:br>
+              <a:rPr lang="fi-FI" dirty="0"/>
+            </a:br>
+            <a:br>
+              <a:rPr lang="fi-FI" dirty="0"/>
+            </a:br>
+            <a:r>
+              <a:rPr lang="fi-FI" dirty="0"/>
+              <a:t>Author of </a:t>
+            </a:r>
+            <a:r>
+              <a:rPr lang="fi-FI" dirty="0" err="1"/>
+              <a:t>e.g</a:t>
+            </a:r>
+            <a:r>
+              <a:rPr lang="fi-FI" dirty="0"/>
+              <a:t>. </a:t>
+            </a:r>
+            <a:r>
+              <a:rPr lang="fi-FI" dirty="0" err="1"/>
+              <a:t>the</a:t>
+            </a:r>
+            <a:r>
+              <a:rPr lang="fi-FI" dirty="0"/>
+              <a:t> ”</a:t>
+            </a:r>
+            <a:r>
+              <a:rPr lang="fi-FI" dirty="0" err="1"/>
+              <a:t>Clean</a:t>
+            </a:r>
+            <a:r>
+              <a:rPr lang="fi-FI" dirty="0"/>
+              <a:t> </a:t>
+            </a:r>
+            <a:r>
+              <a:rPr lang="fi-FI" dirty="0" err="1"/>
+              <a:t>code</a:t>
+            </a:r>
+            <a:r>
+              <a:rPr lang="fi-FI" dirty="0"/>
+              <a:t>” </a:t>
+            </a:r>
+            <a:r>
+              <a:rPr lang="fi-FI" dirty="0" err="1"/>
+              <a:t>book</a:t>
+            </a:r>
             <a:endParaRPr lang="fi-FI" dirty="0"/>
           </a:p>
           <a:p>
+            <a:pPr marL="285750" indent="-285750">
+              <a:buFont typeface="Arial" panose="020B0604020202020204" pitchFamily="34" charset="0"/>
+              <a:buChar char="•"/>
+            </a:pPr>
+            <a:r>
+              <a:rPr lang="en-US" dirty="0"/>
+              <a:t>80-90% of what he says is brilliant and should be learned from. 10-20% should be taken with a kilogram of salt. It's </a:t>
+            </a:r>
+            <a:r>
+              <a:rPr lang="en-US" dirty="0" err="1"/>
+              <a:t>opionated</a:t>
+            </a:r>
+            <a:r>
+              <a:rPr lang="en-US" dirty="0"/>
+              <a:t> and highly debatable.</a:t>
+            </a:r>
+          </a:p>
+          <a:p>
+            <a:pPr marL="285750" indent="-285750">
+              <a:buFont typeface="Arial" panose="020B0604020202020204" pitchFamily="34" charset="0"/>
+              <a:buChar char="•"/>
+            </a:pPr>
+            <a:r>
+              <a:rPr lang="en-US" dirty="0"/>
+              <a:t>Thus, use his opinions and speeches as stimulant but not as source of the truth. And he is great in inspiring. The videos are to big part entertainment. And very good entertainment with lot of good advice to developers.</a:t>
+            </a:r>
+          </a:p>
+          <a:p>
+            <a:pPr marL="285750" indent="-285750">
+              <a:buFont typeface="Arial" panose="020B0604020202020204" pitchFamily="34" charset="0"/>
+              <a:buChar char="•"/>
+            </a:pPr>
+            <a:r>
+              <a:rPr lang="en-US" dirty="0"/>
+              <a:t>But I do not know how much he e.g. has worked on modern DevOps, frameworks and cloud-native apps? Or what is his database development understanding level?</a:t>
+            </a:r>
+          </a:p>
+          <a:p>
+            <a:pPr marL="285750" indent="-285750">
+              <a:buFont typeface="Arial" panose="020B0604020202020204" pitchFamily="34" charset="0"/>
+              <a:buChar char="•"/>
+            </a:pPr>
+            <a:r>
+              <a:rPr lang="en-US" dirty="0"/>
+              <a:t>Separate note, not related to him:</a:t>
+            </a:r>
+          </a:p>
+          <a:p>
+            <a:pPr marL="789750" lvl="1" indent="-285750">
+              <a:buFont typeface="Arial" panose="020B0604020202020204" pitchFamily="34" charset="0"/>
+              <a:buChar char="•"/>
+            </a:pPr>
+            <a:r>
+              <a:rPr lang="en-US" dirty="0"/>
+              <a:t>I have seen very famous and respected gurus reveal in their demonstrations that they do not understand basic things about something outside of their immediate expertise area. E.g. databases. True.</a:t>
+            </a:r>
             <a:endParaRPr lang="fi-FI" dirty="0"/>
           </a:p>
-          <a:p>
-            <a:pPr marL="0" indent="0">
-              <a:buNone/>
-            </a:pPr>
-            <a:endParaRPr lang="fi-FI" dirty="0"/>
-          </a:p>
         </p:txBody>
       </p:sp>
       <p:sp>
@@ -16433,7 +16648,7 @@
           <p:cNvPr id="5" name="Date Placeholder 4">
             <a:extLst>
               <a:ext uri="{FF2B5EF4-FFF2-40B4-BE49-F238E27FC236}">
-                <a16:creationId xmlns:a16="http://schemas.microsoft.com/office/drawing/2014/main" id="{976244E2-AA76-2742-B2EC-FEC79276155C}"/>
+                <a16:creationId xmlns:a16="http://schemas.microsoft.com/office/drawing/2014/main" id="{CDF9BDDB-4154-894E-83EF-04FB624FF30E}"/>
               </a:ext>
             </a:extLst>
           </p:cNvPr>
@@ -16449,9 +16664,9 @@
           <a:bodyPr/>
           <a:lstStyle/>
           <a:p>
-            <a:fld id="{202E1EC2-47B8-044B-A09E-6A63B4D80C87}" type="datetime1">
+            <a:fld id="{551D5D1D-8623-7244-B1BC-5984C123D6C5}" type="datetime1">
               <a:rPr lang="fi-FI" smtClean="0"/>
-              <a:t>11.10.2022</a:t>
+              <a:t>27.10.2022</a:t>
             </a:fld>
             <a:endParaRPr lang="en-GB"/>
           </a:p>
@@ -16462,7 +16677,7 @@
           <p:cNvPr id="6" name="Footer Placeholder 5">
             <a:extLst>
               <a:ext uri="{FF2B5EF4-FFF2-40B4-BE49-F238E27FC236}">
-                <a16:creationId xmlns:a16="http://schemas.microsoft.com/office/drawing/2014/main" id="{588CE607-4137-8840-8FEA-42EAC857E3A3}"/>
+                <a16:creationId xmlns:a16="http://schemas.microsoft.com/office/drawing/2014/main" id="{DEED56F3-0862-1748-A7A9-EE5914100F54}"/>
               </a:ext>
             </a:extLst>
           </p:cNvPr>
@@ -16487,7 +16702,7 @@
           <p:cNvPr id="7" name="Slide Number Placeholder 6">
             <a:extLst>
               <a:ext uri="{FF2B5EF4-FFF2-40B4-BE49-F238E27FC236}">
-                <a16:creationId xmlns:a16="http://schemas.microsoft.com/office/drawing/2014/main" id="{2E133A96-6C73-0844-B8CB-27C2B5F4CFB1}"/>
+                <a16:creationId xmlns:a16="http://schemas.microsoft.com/office/drawing/2014/main" id="{6CBC8079-2140-8745-901A-8EB4BF8EAF2D}"/>
               </a:ext>
             </a:extLst>
           </p:cNvPr>
@@ -16506,6 +16721,584 @@
             <a:fld id="{76BAB7ED-EDE9-4D4B-9A2D-30E18C47C16E}" type="slidenum">
               <a:rPr lang="en-GB" smtClean="0"/>
               <a:t>18</a:t>
+            </a:fld>
+            <a:endParaRPr lang="en-GB"/>
+          </a:p>
+        </p:txBody>
+      </p:sp>
+    </p:spTree>
+    <p:extLst>
+      <p:ext uri="{BB962C8B-B14F-4D97-AF65-F5344CB8AC3E}">
+        <p14:creationId xmlns:p14="http://schemas.microsoft.com/office/powerpoint/2010/main" val="2140971857"/>
+      </p:ext>
+    </p:extLst>
+  </p:cSld>
+  <p:clrMapOvr>
+    <a:masterClrMapping/>
+  </p:clrMapOvr>
+</p:sld>
+</file>
+
+<file path=ppt/slides/slide19.xml><?xml version="1.0" encoding="utf-8"?>
+<p:sld xmlns:a="http://schemas.openxmlformats.org/drawingml/2006/main" xmlns:r="http://schemas.openxmlformats.org/officeDocument/2006/relationships" xmlns:p="http://schemas.openxmlformats.org/presentationml/2006/main">
+  <p:cSld>
+    <p:spTree>
+      <p:nvGrpSpPr>
+        <p:cNvPr id="1" name=""/>
+        <p:cNvGrpSpPr/>
+        <p:nvPr/>
+      </p:nvGrpSpPr>
+      <p:grpSpPr>
+        <a:xfrm>
+          <a:off x="0" y="0"/>
+          <a:ext cx="0" cy="0"/>
+          <a:chOff x="0" y="0"/>
+          <a:chExt cx="0" cy="0"/>
+        </a:xfrm>
+      </p:grpSpPr>
+      <p:sp>
+        <p:nvSpPr>
+          <p:cNvPr id="8" name="Title 7">
+            <a:extLst>
+              <a:ext uri="{FF2B5EF4-FFF2-40B4-BE49-F238E27FC236}">
+                <a16:creationId xmlns:a16="http://schemas.microsoft.com/office/drawing/2014/main" id="{197044C3-CD23-D844-B780-26FABA91AD0F}"/>
+              </a:ext>
+            </a:extLst>
+          </p:cNvPr>
+          <p:cNvSpPr>
+            <a:spLocks noGrp="1"/>
+          </p:cNvSpPr>
+          <p:nvPr>
+            <p:ph type="title"/>
+          </p:nvPr>
+        </p:nvSpPr>
+        <p:spPr/>
+        <p:txBody>
+          <a:bodyPr/>
+          <a:lstStyle/>
+          <a:p>
+            <a:r>
+              <a:rPr lang="fi-FI" dirty="0" err="1"/>
+              <a:t>Why</a:t>
+            </a:r>
+            <a:r>
+              <a:rPr lang="fi-FI" dirty="0"/>
+              <a:t> to </a:t>
+            </a:r>
+            <a:r>
+              <a:rPr lang="fi-FI" dirty="0" err="1"/>
+              <a:t>have</a:t>
+            </a:r>
+            <a:r>
+              <a:rPr lang="fi-FI" dirty="0"/>
+              <a:t> </a:t>
+            </a:r>
+            <a:r>
+              <a:rPr lang="fi-FI" dirty="0" err="1"/>
+              <a:t>good</a:t>
+            </a:r>
+            <a:r>
+              <a:rPr lang="fi-FI" dirty="0"/>
+              <a:t> Software Architecture?</a:t>
+            </a:r>
+          </a:p>
+        </p:txBody>
+      </p:sp>
+      <p:sp>
+        <p:nvSpPr>
+          <p:cNvPr id="9" name="Content Placeholder 8">
+            <a:extLst>
+              <a:ext uri="{FF2B5EF4-FFF2-40B4-BE49-F238E27FC236}">
+                <a16:creationId xmlns:a16="http://schemas.microsoft.com/office/drawing/2014/main" id="{ACDE61D8-A75A-F94B-B57A-46F276C03311}"/>
+              </a:ext>
+            </a:extLst>
+          </p:cNvPr>
+          <p:cNvSpPr>
+            <a:spLocks noGrp="1"/>
+          </p:cNvSpPr>
+          <p:nvPr>
+            <p:ph sz="half" idx="2"/>
+          </p:nvPr>
+        </p:nvSpPr>
+        <p:spPr/>
+        <p:txBody>
+          <a:bodyPr>
+            <a:normAutofit/>
+          </a:bodyPr>
+          <a:lstStyle/>
+          <a:p>
+            <a:r>
+              <a:rPr lang="fi-FI" dirty="0" err="1"/>
+              <a:t>We</a:t>
+            </a:r>
+            <a:r>
+              <a:rPr lang="fi-FI" dirty="0"/>
+              <a:t> </a:t>
+            </a:r>
+            <a:r>
+              <a:rPr lang="fi-FI" dirty="0" err="1"/>
+              <a:t>spend</a:t>
+            </a:r>
+            <a:r>
+              <a:rPr lang="fi-FI" dirty="0"/>
+              <a:t> some </a:t>
+            </a:r>
+            <a:r>
+              <a:rPr lang="fi-FI" dirty="0" err="1"/>
+              <a:t>effort</a:t>
+            </a:r>
+            <a:r>
+              <a:rPr lang="fi-FI" dirty="0"/>
+              <a:t> in </a:t>
+            </a:r>
+            <a:r>
+              <a:rPr lang="fi-FI" dirty="0" err="1"/>
+              <a:t>the</a:t>
+            </a:r>
+            <a:r>
+              <a:rPr lang="fi-FI" dirty="0"/>
+              <a:t> </a:t>
+            </a:r>
+            <a:r>
+              <a:rPr lang="fi-FI" dirty="0" err="1"/>
+              <a:t>beginning</a:t>
+            </a:r>
+            <a:r>
+              <a:rPr lang="fi-FI" dirty="0"/>
+              <a:t>, to </a:t>
+            </a:r>
+            <a:r>
+              <a:rPr lang="fi-FI" dirty="0" err="1"/>
+              <a:t>make</a:t>
+            </a:r>
+            <a:r>
+              <a:rPr lang="fi-FI" dirty="0"/>
+              <a:t> </a:t>
+            </a:r>
+            <a:r>
+              <a:rPr lang="fi-FI" dirty="0" err="1"/>
+              <a:t>the</a:t>
+            </a:r>
+            <a:r>
+              <a:rPr lang="fi-FI" dirty="0"/>
+              <a:t> </a:t>
+            </a:r>
+            <a:r>
+              <a:rPr lang="fi-FI" dirty="0" err="1"/>
+              <a:t>development</a:t>
+            </a:r>
+            <a:r>
+              <a:rPr lang="fi-FI" dirty="0"/>
+              <a:t> </a:t>
+            </a:r>
+            <a:r>
+              <a:rPr lang="fi-FI" i="1" dirty="0" err="1"/>
+              <a:t>easier</a:t>
+            </a:r>
+            <a:r>
+              <a:rPr lang="fi-FI" i="1" dirty="0"/>
+              <a:t>, </a:t>
+            </a:r>
+            <a:r>
+              <a:rPr lang="fi-FI" i="1" dirty="0" err="1"/>
+              <a:t>safer</a:t>
+            </a:r>
+            <a:r>
+              <a:rPr lang="fi-FI" i="1" dirty="0"/>
+              <a:t>, </a:t>
+            </a:r>
+            <a:r>
+              <a:rPr lang="fi-FI" i="1" dirty="0" err="1"/>
+              <a:t>faster</a:t>
+            </a:r>
+            <a:r>
+              <a:rPr lang="fi-FI" i="1" dirty="0"/>
+              <a:t>, </a:t>
+            </a:r>
+            <a:r>
+              <a:rPr lang="fi-FI" i="1" dirty="0" err="1"/>
+              <a:t>less</a:t>
+            </a:r>
+            <a:r>
+              <a:rPr lang="fi-FI" i="1" dirty="0"/>
+              <a:t> </a:t>
+            </a:r>
+            <a:r>
+              <a:rPr lang="fi-FI" i="1" dirty="0" err="1"/>
+              <a:t>tiring</a:t>
+            </a:r>
+            <a:r>
+              <a:rPr lang="fi-FI" i="1" dirty="0"/>
+              <a:t> </a:t>
+            </a:r>
+            <a:r>
+              <a:rPr lang="fi-FI" dirty="0" err="1"/>
+              <a:t>later</a:t>
+            </a:r>
+            <a:r>
+              <a:rPr lang="fi-FI" dirty="0"/>
+              <a:t> in </a:t>
+            </a:r>
+            <a:r>
+              <a:rPr lang="fi-FI" dirty="0" err="1"/>
+              <a:t>the</a:t>
+            </a:r>
+            <a:r>
+              <a:rPr lang="fi-FI" dirty="0"/>
+              <a:t> </a:t>
+            </a:r>
+            <a:r>
+              <a:rPr lang="fi-FI" dirty="0" err="1"/>
+              <a:t>project</a:t>
+            </a:r>
+            <a:r>
+              <a:rPr lang="fi-FI" dirty="0"/>
+              <a:t>. </a:t>
+            </a:r>
+          </a:p>
+          <a:p>
+            <a:r>
+              <a:rPr lang="fi-FI" dirty="0" err="1"/>
+              <a:t>Finally</a:t>
+            </a:r>
+            <a:r>
+              <a:rPr lang="fi-FI" dirty="0"/>
+              <a:t> </a:t>
+            </a:r>
+            <a:r>
+              <a:rPr lang="fi-FI" dirty="0" err="1"/>
+              <a:t>this</a:t>
+            </a:r>
+            <a:r>
+              <a:rPr lang="fi-FI" dirty="0"/>
+              <a:t> </a:t>
+            </a:r>
+            <a:r>
+              <a:rPr lang="fi-FI" dirty="0" err="1"/>
+              <a:t>can</a:t>
+            </a:r>
+            <a:r>
+              <a:rPr lang="fi-FI" dirty="0"/>
+              <a:t> </a:t>
+            </a:r>
+            <a:r>
+              <a:rPr lang="fi-FI" dirty="0" err="1"/>
+              <a:t>be</a:t>
+            </a:r>
+            <a:r>
+              <a:rPr lang="fi-FI" dirty="0"/>
+              <a:t> </a:t>
+            </a:r>
+            <a:r>
+              <a:rPr lang="fi-FI" dirty="0" err="1"/>
+              <a:t>measured</a:t>
+            </a:r>
+            <a:r>
+              <a:rPr lang="fi-FI" dirty="0"/>
+              <a:t> </a:t>
+            </a:r>
+            <a:r>
+              <a:rPr lang="fi-FI" dirty="0" err="1"/>
+              <a:t>also</a:t>
+            </a:r>
+            <a:r>
+              <a:rPr lang="fi-FI" dirty="0"/>
+              <a:t> in €uros. </a:t>
+            </a:r>
+            <a:r>
+              <a:rPr lang="fi-FI" dirty="0" err="1"/>
+              <a:t>The</a:t>
+            </a:r>
+            <a:r>
+              <a:rPr lang="fi-FI" dirty="0"/>
+              <a:t> software </a:t>
+            </a:r>
+            <a:r>
+              <a:rPr lang="fi-FI" dirty="0" err="1"/>
+              <a:t>company</a:t>
+            </a:r>
+            <a:r>
+              <a:rPr lang="fi-FI" dirty="0"/>
+              <a:t> </a:t>
+            </a:r>
+            <a:r>
+              <a:rPr lang="fi-FI" dirty="0" err="1"/>
+              <a:t>will</a:t>
+            </a:r>
+            <a:r>
+              <a:rPr lang="fi-FI" dirty="0"/>
+              <a:t> </a:t>
+            </a:r>
+            <a:r>
+              <a:rPr lang="fi-FI" dirty="0" err="1"/>
+              <a:t>have</a:t>
+            </a:r>
+            <a:r>
+              <a:rPr lang="fi-FI" dirty="0"/>
+              <a:t> a </a:t>
+            </a:r>
+            <a:r>
+              <a:rPr lang="fi-FI" dirty="0" err="1"/>
+              <a:t>better</a:t>
+            </a:r>
+            <a:r>
+              <a:rPr lang="fi-FI" dirty="0"/>
+              <a:t> </a:t>
+            </a:r>
+            <a:r>
+              <a:rPr lang="fi-FI" dirty="0" err="1"/>
+              <a:t>foundation</a:t>
+            </a:r>
+            <a:r>
+              <a:rPr lang="fi-FI" dirty="0"/>
+              <a:t> to </a:t>
+            </a:r>
+            <a:r>
+              <a:rPr lang="fi-FI" dirty="0" err="1"/>
+              <a:t>serve</a:t>
+            </a:r>
+            <a:r>
+              <a:rPr lang="fi-FI" dirty="0"/>
+              <a:t> </a:t>
+            </a:r>
+            <a:r>
+              <a:rPr lang="fi-FI" dirty="0" err="1"/>
+              <a:t>also</a:t>
+            </a:r>
+            <a:r>
+              <a:rPr lang="fi-FI" dirty="0"/>
+              <a:t> </a:t>
+            </a:r>
+            <a:r>
+              <a:rPr lang="fi-FI" dirty="0" err="1"/>
+              <a:t>future</a:t>
+            </a:r>
+            <a:r>
+              <a:rPr lang="fi-FI" dirty="0"/>
+              <a:t> </a:t>
+            </a:r>
+            <a:r>
+              <a:rPr lang="fi-FI" dirty="0" err="1"/>
+              <a:t>customers</a:t>
+            </a:r>
+            <a:r>
+              <a:rPr lang="fi-FI" dirty="0"/>
+              <a:t>. </a:t>
+            </a:r>
+          </a:p>
+          <a:p>
+            <a:r>
+              <a:rPr lang="fi-FI" dirty="0" err="1"/>
+              <a:t>Investment</a:t>
+            </a:r>
+            <a:r>
+              <a:rPr lang="fi-FI" dirty="0"/>
+              <a:t> + ROI (Return on </a:t>
+            </a:r>
+            <a:r>
+              <a:rPr lang="fi-FI" dirty="0" err="1"/>
+              <a:t>investment</a:t>
+            </a:r>
+            <a:r>
+              <a:rPr lang="fi-FI"/>
+              <a:t>). </a:t>
+            </a:r>
+            <a:r>
+              <a:rPr lang="fi-FI" dirty="0"/>
+              <a:t>And </a:t>
+            </a:r>
+            <a:r>
+              <a:rPr lang="fi-FI" dirty="0" err="1"/>
+              <a:t>are</a:t>
+            </a:r>
+            <a:r>
+              <a:rPr lang="fi-FI" dirty="0"/>
+              <a:t> </a:t>
+            </a:r>
+            <a:r>
+              <a:rPr lang="fi-FI" dirty="0" err="1"/>
+              <a:t>we</a:t>
+            </a:r>
+            <a:r>
+              <a:rPr lang="fi-FI" dirty="0"/>
+              <a:t> </a:t>
+            </a:r>
+            <a:r>
+              <a:rPr lang="fi-FI" dirty="0" err="1"/>
+              <a:t>talking</a:t>
+            </a:r>
+            <a:r>
+              <a:rPr lang="fi-FI" dirty="0"/>
+              <a:t> </a:t>
+            </a:r>
+            <a:r>
+              <a:rPr lang="fi-FI" dirty="0" err="1"/>
+              <a:t>about</a:t>
+            </a:r>
+            <a:r>
+              <a:rPr lang="fi-FI" dirty="0"/>
+              <a:t> </a:t>
+            </a:r>
+            <a:r>
+              <a:rPr lang="fi-FI" dirty="0" err="1"/>
+              <a:t>one</a:t>
+            </a:r>
+            <a:r>
+              <a:rPr lang="fi-FI" dirty="0"/>
+              <a:t> </a:t>
+            </a:r>
+            <a:r>
+              <a:rPr lang="fi-FI" dirty="0" err="1"/>
+              <a:t>week</a:t>
+            </a:r>
+            <a:r>
+              <a:rPr lang="fi-FI" dirty="0"/>
+              <a:t>, </a:t>
+            </a:r>
+            <a:r>
+              <a:rPr lang="fi-FI" dirty="0" err="1"/>
+              <a:t>one</a:t>
+            </a:r>
+            <a:r>
+              <a:rPr lang="fi-FI" dirty="0"/>
+              <a:t> </a:t>
+            </a:r>
+            <a:r>
+              <a:rPr lang="fi-FI" dirty="0" err="1"/>
+              <a:t>month</a:t>
+            </a:r>
+            <a:r>
+              <a:rPr lang="fi-FI" dirty="0"/>
+              <a:t>, </a:t>
+            </a:r>
+            <a:r>
+              <a:rPr lang="fi-FI" dirty="0" err="1"/>
+              <a:t>one</a:t>
+            </a:r>
+            <a:r>
+              <a:rPr lang="fi-FI" dirty="0"/>
+              <a:t> </a:t>
+            </a:r>
+            <a:r>
+              <a:rPr lang="fi-FI" dirty="0" err="1"/>
+              <a:t>year</a:t>
+            </a:r>
+            <a:r>
+              <a:rPr lang="fi-FI" dirty="0"/>
+              <a:t> </a:t>
+            </a:r>
+            <a:r>
+              <a:rPr lang="fi-FI" dirty="0" err="1"/>
+              <a:t>or</a:t>
+            </a:r>
+            <a:r>
+              <a:rPr lang="fi-FI" dirty="0"/>
+              <a:t> </a:t>
+            </a:r>
+            <a:r>
+              <a:rPr lang="fi-FI" dirty="0" err="1"/>
+              <a:t>multiple-year</a:t>
+            </a:r>
+            <a:r>
+              <a:rPr lang="fi-FI" dirty="0"/>
+              <a:t> ROI?</a:t>
+            </a:r>
+          </a:p>
+          <a:p>
+            <a:pPr marL="0" indent="0">
+              <a:buNone/>
+            </a:pPr>
+            <a:endParaRPr lang="fi-FI" dirty="0"/>
+          </a:p>
+          <a:p>
+            <a:endParaRPr lang="fi-FI" dirty="0"/>
+          </a:p>
+          <a:p>
+            <a:pPr marL="0" indent="0">
+              <a:buNone/>
+            </a:pPr>
+            <a:endParaRPr lang="fi-FI" dirty="0"/>
+          </a:p>
+        </p:txBody>
+      </p:sp>
+      <p:sp>
+        <p:nvSpPr>
+          <p:cNvPr id="5" name="Date Placeholder 4">
+            <a:extLst>
+              <a:ext uri="{FF2B5EF4-FFF2-40B4-BE49-F238E27FC236}">
+                <a16:creationId xmlns:a16="http://schemas.microsoft.com/office/drawing/2014/main" id="{976244E2-AA76-2742-B2EC-FEC79276155C}"/>
+              </a:ext>
+            </a:extLst>
+          </p:cNvPr>
+          <p:cNvSpPr>
+            <a:spLocks noGrp="1"/>
+          </p:cNvSpPr>
+          <p:nvPr>
+            <p:ph type="dt" sz="half" idx="10"/>
+          </p:nvPr>
+        </p:nvSpPr>
+        <p:spPr/>
+        <p:txBody>
+          <a:bodyPr/>
+          <a:lstStyle/>
+          <a:p>
+            <a:fld id="{202E1EC2-47B8-044B-A09E-6A63B4D80C87}" type="datetime1">
+              <a:rPr lang="fi-FI" smtClean="0"/>
+              <a:t>27.10.2022</a:t>
+            </a:fld>
+            <a:endParaRPr lang="en-GB"/>
+          </a:p>
+        </p:txBody>
+      </p:sp>
+      <p:sp>
+        <p:nvSpPr>
+          <p:cNvPr id="6" name="Footer Placeholder 5">
+            <a:extLst>
+              <a:ext uri="{FF2B5EF4-FFF2-40B4-BE49-F238E27FC236}">
+                <a16:creationId xmlns:a16="http://schemas.microsoft.com/office/drawing/2014/main" id="{588CE607-4137-8840-8FEA-42EAC857E3A3}"/>
+              </a:ext>
+            </a:extLst>
+          </p:cNvPr>
+          <p:cNvSpPr>
+            <a:spLocks noGrp="1"/>
+          </p:cNvSpPr>
+          <p:nvPr>
+            <p:ph type="ftr" sz="quarter" idx="11"/>
+          </p:nvPr>
+        </p:nvSpPr>
+        <p:spPr/>
+        <p:txBody>
+          <a:bodyPr/>
+          <a:lstStyle/>
+          <a:p>
+            <a:endParaRPr lang="en-GB"/>
+          </a:p>
+        </p:txBody>
+      </p:sp>
+      <p:sp>
+        <p:nvSpPr>
+          <p:cNvPr id="7" name="Slide Number Placeholder 6">
+            <a:extLst>
+              <a:ext uri="{FF2B5EF4-FFF2-40B4-BE49-F238E27FC236}">
+                <a16:creationId xmlns:a16="http://schemas.microsoft.com/office/drawing/2014/main" id="{2E133A96-6C73-0844-B8CB-27C2B5F4CFB1}"/>
+              </a:ext>
+            </a:extLst>
+          </p:cNvPr>
+          <p:cNvSpPr>
+            <a:spLocks noGrp="1"/>
+          </p:cNvSpPr>
+          <p:nvPr>
+            <p:ph type="sldNum" sz="quarter" idx="12"/>
+          </p:nvPr>
+        </p:nvSpPr>
+        <p:spPr/>
+        <p:txBody>
+          <a:bodyPr/>
+          <a:lstStyle/>
+          <a:p>
+            <a:fld id="{76BAB7ED-EDE9-4D4B-9A2D-30E18C47C16E}" type="slidenum">
+              <a:rPr lang="en-GB" smtClean="0"/>
+              <a:t>19</a:t>
             </a:fld>
             <a:endParaRPr lang="en-GB"/>
           </a:p>
@@ -16707,7 +17500,7 @@
           <a:p>
             <a:fld id="{202E1EC2-47B8-044B-A09E-6A63B4D80C87}" type="datetime1">
               <a:rPr lang="fi-FI" smtClean="0"/>
-              <a:t>11.10.2022</a:t>
+              <a:t>27.10.2022</a:t>
             </a:fld>
             <a:endParaRPr lang="en-GB"/>
           </a:p>
@@ -16931,7 +17724,7 @@
           <a:p>
             <a:fld id="{202E1EC2-47B8-044B-A09E-6A63B4D80C87}" type="datetime1">
               <a:rPr lang="fi-FI" smtClean="0"/>
-              <a:t>11.10.2022</a:t>
+              <a:t>27.10.2022</a:t>
             </a:fld>
             <a:endParaRPr lang="en-GB"/>
           </a:p>
@@ -17131,7 +17924,7 @@
           <a:p>
             <a:fld id="{202E1EC2-47B8-044B-A09E-6A63B4D80C87}" type="datetime1">
               <a:rPr lang="fi-FI" smtClean="0"/>
-              <a:t>11.10.2022</a:t>
+              <a:t>27.10.2022</a:t>
             </a:fld>
             <a:endParaRPr lang="en-GB"/>
           </a:p>
@@ -17334,7 +18127,7 @@
           <a:p>
             <a:fld id="{202E1EC2-47B8-044B-A09E-6A63B4D80C87}" type="datetime1">
               <a:rPr lang="fi-FI" smtClean="0"/>
-              <a:t>11.10.2022</a:t>
+              <a:t>27.10.2022</a:t>
             </a:fld>
             <a:endParaRPr lang="en-GB"/>
           </a:p>
@@ -17609,7 +18402,7 @@
           <a:p>
             <a:fld id="{202E1EC2-47B8-044B-A09E-6A63B4D80C87}" type="datetime1">
               <a:rPr lang="fi-FI" smtClean="0"/>
-              <a:t>11.10.2022</a:t>
+              <a:t>27.10.2022</a:t>
             </a:fld>
             <a:endParaRPr lang="en-GB"/>
           </a:p>
@@ -18485,7 +19278,7 @@
           <a:p>
             <a:fld id="{202E1EC2-47B8-044B-A09E-6A63B4D80C87}" type="datetime1">
               <a:rPr lang="fi-FI" smtClean="0"/>
-              <a:t>11.10.2022</a:t>
+              <a:t>27.10.2022</a:t>
             </a:fld>
             <a:endParaRPr lang="en-GB"/>
           </a:p>
@@ -19001,7 +19794,7 @@
           <a:p>
             <a:fld id="{202E1EC2-47B8-044B-A09E-6A63B4D80C87}" type="datetime1">
               <a:rPr lang="fi-FI" smtClean="0"/>
-              <a:t>11.10.2022</a:t>
+              <a:t>27.10.2022</a:t>
             </a:fld>
             <a:endParaRPr lang="en-GB"/>
           </a:p>
@@ -19684,7 +20477,7 @@
           <a:p>
             <a:fld id="{202E1EC2-47B8-044B-A09E-6A63B4D80C87}" type="datetime1">
               <a:rPr lang="fi-FI" smtClean="0"/>
-              <a:t>11.10.2022</a:t>
+              <a:t>27.10.2022</a:t>
             </a:fld>
             <a:endParaRPr lang="en-GB"/>
           </a:p>
@@ -20314,21 +21107,6 @@
 </file>
 
 <file path=customXml/item1.xml><?xml version="1.0" encoding="utf-8"?>
-<p:properties xmlns:p="http://schemas.microsoft.com/office/2006/metadata/properties" xmlns:xsi="http://www.w3.org/2001/XMLSchema-instance" xmlns:pc="http://schemas.microsoft.com/office/infopath/2007/PartnerControls">
-  <documentManagement/>
-</p:properties>
-</file>
-
-<file path=customXml/item2.xml><?xml version="1.0" encoding="utf-8"?>
-<?mso-contentType ?>
-<FormTemplates xmlns="http://schemas.microsoft.com/sharepoint/v3/contenttype/forms">
-  <Display>DocumentLibraryForm</Display>
-  <Edit>DocumentLibraryForm</Edit>
-  <New>DocumentLibraryForm</New>
-</FormTemplates>
-</file>
-
-<file path=customXml/item3.xml><?xml version="1.0" encoding="utf-8"?>
 <ct:contentTypeSchema xmlns:ct="http://schemas.microsoft.com/office/2006/metadata/contentType" xmlns:ma="http://schemas.microsoft.com/office/2006/metadata/properties/metaAttributes" ct:_="" ma:_="" ma:contentTypeName="Document" ma:contentTypeID="0x0101008A03D813BDC1354CB9CC31017C1D507E" ma:contentTypeVersion="14" ma:contentTypeDescription="Create a new document." ma:contentTypeScope="" ma:versionID="8d610081a03aab79f4f6816a8abae875">
   <xsd:schema xmlns:xsd="http://www.w3.org/2001/XMLSchema" xmlns:xs="http://www.w3.org/2001/XMLSchema" xmlns:p="http://schemas.microsoft.com/office/2006/metadata/properties" xmlns:ns3="23ce7308-0f1e-43e9-aba3-b9c7d7318f5c" xmlns:ns4="a915d5db-83f9-4a1c-939a-8e707aa4dcbb" targetNamespace="http://schemas.microsoft.com/office/2006/metadata/properties" ma:root="true" ma:fieldsID="66de0da61abf087c2e24f3b57cbf177f" ns3:_="" ns4:_="">
     <xsd:import namespace="23ce7308-0f1e-43e9-aba3-b9c7d7318f5c"/>
@@ -20557,32 +21335,22 @@
 </ct:contentTypeSchema>
 </file>
 
-<file path=customXml/itemProps1.xml><?xml version="1.0" encoding="utf-8"?>
-<ds:datastoreItem xmlns:ds="http://schemas.openxmlformats.org/officeDocument/2006/customXml" ds:itemID="{DED4E12E-7268-4B03-A47B-0755D62B5E31}">
-  <ds:schemaRefs>
-    <ds:schemaRef ds:uri="http://schemas.microsoft.com/office/2006/documentManagement/types"/>
-    <ds:schemaRef ds:uri="http://purl.org/dc/elements/1.1/"/>
-    <ds:schemaRef ds:uri="http://schemas.microsoft.com/office/2006/metadata/properties"/>
-    <ds:schemaRef ds:uri="http://purl.org/dc/terms/"/>
-    <ds:schemaRef ds:uri="http://purl.org/dc/dcmitype/"/>
-    <ds:schemaRef ds:uri="http://schemas.openxmlformats.org/package/2006/metadata/core-properties"/>
-    <ds:schemaRef ds:uri="http://www.w3.org/XML/1998/namespace"/>
-    <ds:schemaRef ds:uri="http://schemas.microsoft.com/office/infopath/2007/PartnerControls"/>
-    <ds:schemaRef ds:uri="a915d5db-83f9-4a1c-939a-8e707aa4dcbb"/>
-    <ds:schemaRef ds:uri="23ce7308-0f1e-43e9-aba3-b9c7d7318f5c"/>
-  </ds:schemaRefs>
-</ds:datastoreItem>
+<file path=customXml/item2.xml><?xml version="1.0" encoding="utf-8"?>
+<?mso-contentType ?>
+<FormTemplates xmlns="http://schemas.microsoft.com/sharepoint/v3/contenttype/forms">
+  <Display>DocumentLibraryForm</Display>
+  <Edit>DocumentLibraryForm</Edit>
+  <New>DocumentLibraryForm</New>
+</FormTemplates>
 </file>
 
-<file path=customXml/itemProps2.xml><?xml version="1.0" encoding="utf-8"?>
-<ds:datastoreItem xmlns:ds="http://schemas.openxmlformats.org/officeDocument/2006/customXml" ds:itemID="{D546C03B-CD3A-4EA0-AAA4-0E00E896454E}">
-  <ds:schemaRefs>
-    <ds:schemaRef ds:uri="http://schemas.microsoft.com/sharepoint/v3/contenttype/forms"/>
-  </ds:schemaRefs>
-</ds:datastoreItem>
+<file path=customXml/item3.xml><?xml version="1.0" encoding="utf-8"?>
+<p:properties xmlns:p="http://schemas.microsoft.com/office/2006/metadata/properties" xmlns:xsi="http://www.w3.org/2001/XMLSchema-instance" xmlns:pc="http://schemas.microsoft.com/office/infopath/2007/PartnerControls">
+  <documentManagement/>
+</p:properties>
 </file>
 
-<file path=customXml/itemProps3.xml><?xml version="1.0" encoding="utf-8"?>
+<file path=customXml/itemProps1.xml><?xml version="1.0" encoding="utf-8"?>
 <ds:datastoreItem xmlns:ds="http://schemas.openxmlformats.org/officeDocument/2006/customXml" ds:itemID="{66BA7D05-A425-4449-B909-FD98A040947D}">
   <ds:schemaRefs>
     <ds:schemaRef ds:uri="http://schemas.microsoft.com/office/2006/metadata/contentType"/>
@@ -20599,4 +21367,29 @@
     <ds:schemaRef ds:uri="http://schemas.microsoft.com/internal/obd"/>
   </ds:schemaRefs>
 </ds:datastoreItem>
+</file>
+
+<file path=customXml/itemProps2.xml><?xml version="1.0" encoding="utf-8"?>
+<ds:datastoreItem xmlns:ds="http://schemas.openxmlformats.org/officeDocument/2006/customXml" ds:itemID="{D546C03B-CD3A-4EA0-AAA4-0E00E896454E}">
+  <ds:schemaRefs>
+    <ds:schemaRef ds:uri="http://schemas.microsoft.com/sharepoint/v3/contenttype/forms"/>
+  </ds:schemaRefs>
+</ds:datastoreItem>
+</file>
+
+<file path=customXml/itemProps3.xml><?xml version="1.0" encoding="utf-8"?>
+<ds:datastoreItem xmlns:ds="http://schemas.openxmlformats.org/officeDocument/2006/customXml" ds:itemID="{DED4E12E-7268-4B03-A47B-0755D62B5E31}">
+  <ds:schemaRefs>
+    <ds:schemaRef ds:uri="http://schemas.microsoft.com/office/2006/documentManagement/types"/>
+    <ds:schemaRef ds:uri="http://purl.org/dc/elements/1.1/"/>
+    <ds:schemaRef ds:uri="http://schemas.microsoft.com/office/2006/metadata/properties"/>
+    <ds:schemaRef ds:uri="http://purl.org/dc/terms/"/>
+    <ds:schemaRef ds:uri="http://purl.org/dc/dcmitype/"/>
+    <ds:schemaRef ds:uri="http://schemas.openxmlformats.org/package/2006/metadata/core-properties"/>
+    <ds:schemaRef ds:uri="http://www.w3.org/XML/1998/namespace"/>
+    <ds:schemaRef ds:uri="http://schemas.microsoft.com/office/infopath/2007/PartnerControls"/>
+    <ds:schemaRef ds:uri="a915d5db-83f9-4a1c-939a-8e707aa4dcbb"/>
+    <ds:schemaRef ds:uri="23ce7308-0f1e-43e9-aba3-b9c7d7318f5c"/>
+  </ds:schemaRefs>
+</ds:datastoreItem>
 </file>
--- a/06_ohjelmistoarkkitehtuurit_ja_patternit/SoftwareArchitecturesAndPatterns.pptx
+++ b/06_ohjelmistoarkkitehtuurit_ja_patternit/SoftwareArchitecturesAndPatterns.pptx
@@ -5,7 +5,7 @@
     <p:sldMasterId id="2147483648" r:id="rId4"/>
   </p:sldMasterIdLst>
   <p:notesMasterIdLst>
-    <p:notesMasterId r:id="rId24"/>
+    <p:notesMasterId r:id="rId25"/>
   </p:notesMasterIdLst>
   <p:sldIdLst>
     <p:sldId id="256" r:id="rId5"/>
@@ -17,16 +17,17 @@
     <p:sldId id="275" r:id="rId11"/>
     <p:sldId id="269" r:id="rId12"/>
     <p:sldId id="270" r:id="rId13"/>
-    <p:sldId id="272" r:id="rId14"/>
-    <p:sldId id="280" r:id="rId15"/>
-    <p:sldId id="281" r:id="rId16"/>
-    <p:sldId id="282" r:id="rId17"/>
-    <p:sldId id="283" r:id="rId18"/>
-    <p:sldId id="271" r:id="rId19"/>
-    <p:sldId id="276" r:id="rId20"/>
-    <p:sldId id="268" r:id="rId21"/>
-    <p:sldId id="259" r:id="rId22"/>
-    <p:sldId id="274" r:id="rId23"/>
+    <p:sldId id="284" r:id="rId14"/>
+    <p:sldId id="272" r:id="rId15"/>
+    <p:sldId id="280" r:id="rId16"/>
+    <p:sldId id="281" r:id="rId17"/>
+    <p:sldId id="282" r:id="rId18"/>
+    <p:sldId id="283" r:id="rId19"/>
+    <p:sldId id="271" r:id="rId20"/>
+    <p:sldId id="276" r:id="rId21"/>
+    <p:sldId id="268" r:id="rId22"/>
+    <p:sldId id="259" r:id="rId23"/>
+    <p:sldId id="274" r:id="rId24"/>
   </p:sldIdLst>
   <p:sldSz cx="12192000" cy="6858000"/>
   <p:notesSz cx="6858000" cy="9144000"/>
@@ -1731,7 +1732,7 @@
           <a:p>
             <a:fld id="{5645C365-1C26-6946-87AF-75D6A7DF4277}" type="datetimeFigureOut">
               <a:rPr lang="en-GB" smtClean="0"/>
-              <a:t>27/10/2022</a:t>
+              <a:t>08/02/2024</a:t>
             </a:fld>
             <a:endParaRPr lang="en-GB"/>
           </a:p>
@@ -2230,7 +2231,7 @@
           <a:p>
             <a:fld id="{35B864B8-8D08-7B43-B4FB-B2FB41A5D9E3}" type="datetime1">
               <a:rPr lang="fi-FI" smtClean="0"/>
-              <a:t>27.10.2022</a:t>
+              <a:t>8.2.2024</a:t>
             </a:fld>
             <a:endParaRPr lang="en-GB" dirty="0"/>
           </a:p>
@@ -2557,7 +2558,7 @@
           <a:p>
             <a:fld id="{D5AEA85A-FC56-D34C-9AA6-ECC3D2586F37}" type="datetime1">
               <a:rPr lang="fi-FI" smtClean="0"/>
-              <a:t>27.10.2022</a:t>
+              <a:t>8.2.2024</a:t>
             </a:fld>
             <a:endParaRPr lang="en-GB" dirty="0"/>
           </a:p>
@@ -2767,7 +2768,7 @@
           <a:p>
             <a:fld id="{E6BC6EEF-E660-7844-8930-418AFF95EA40}" type="datetime1">
               <a:rPr lang="fi-FI" smtClean="0"/>
-              <a:t>27.10.2022</a:t>
+              <a:t>8.2.2024</a:t>
             </a:fld>
             <a:endParaRPr lang="en-GB" dirty="0"/>
           </a:p>
@@ -3076,7 +3077,7 @@
           <a:p>
             <a:fld id="{4E10C7EC-C1C1-9849-A573-7692478FCD52}" type="datetime1">
               <a:rPr lang="fi-FI" smtClean="0"/>
-              <a:t>27.10.2022</a:t>
+              <a:t>8.2.2024</a:t>
             </a:fld>
             <a:endParaRPr lang="en-GB" dirty="0"/>
           </a:p>
@@ -3349,7 +3350,7 @@
           <a:p>
             <a:fld id="{844FF3FE-30BE-2040-9151-6FBC4992BF4F}" type="datetime1">
               <a:rPr lang="fi-FI" smtClean="0"/>
-              <a:t>27.10.2022</a:t>
+              <a:t>8.2.2024</a:t>
             </a:fld>
             <a:endParaRPr lang="en-GB" dirty="0"/>
           </a:p>
@@ -3589,7 +3590,7 @@
           <a:p>
             <a:fld id="{11EDCD7B-6966-E249-89F2-D46BDFBF56BE}" type="datetime1">
               <a:rPr lang="fi-FI" smtClean="0"/>
-              <a:t>27.10.2022</a:t>
+              <a:t>8.2.2024</a:t>
             </a:fld>
             <a:endParaRPr lang="en-GB" dirty="0"/>
           </a:p>
@@ -3882,7 +3883,7 @@
           <a:p>
             <a:fld id="{11EDCD7B-6966-E249-89F2-D46BDFBF56BE}" type="datetime1">
               <a:rPr lang="fi-FI" smtClean="0"/>
-              <a:t>27.10.2022</a:t>
+              <a:t>8.2.2024</a:t>
             </a:fld>
             <a:endParaRPr lang="en-GB" dirty="0"/>
           </a:p>
@@ -4321,7 +4322,7 @@
           <a:p>
             <a:fld id="{844FF3FE-30BE-2040-9151-6FBC4992BF4F}" type="datetime1">
               <a:rPr lang="fi-FI" smtClean="0"/>
-              <a:t>27.10.2022</a:t>
+              <a:t>8.2.2024</a:t>
             </a:fld>
             <a:endParaRPr lang="en-GB" dirty="0"/>
           </a:p>
@@ -4549,7 +4550,7 @@
           <a:p>
             <a:fld id="{11EDCD7B-6966-E249-89F2-D46BDFBF56BE}" type="datetime1">
               <a:rPr lang="fi-FI" smtClean="0"/>
-              <a:t>27.10.2022</a:t>
+              <a:t>8.2.2024</a:t>
             </a:fld>
             <a:endParaRPr lang="en-GB" dirty="0"/>
           </a:p>
@@ -4964,7 +4965,7 @@
           <a:p>
             <a:fld id="{B62E192A-D52B-F541-B2AA-4AEB9388F1F7}" type="datetime1">
               <a:rPr lang="fi-FI" smtClean="0"/>
-              <a:t>27.10.2022</a:t>
+              <a:t>8.2.2024</a:t>
             </a:fld>
             <a:endParaRPr lang="en-GB" dirty="0"/>
           </a:p>
@@ -5264,7 +5265,7 @@
           <a:p>
             <a:fld id="{EEA4FAA2-2B3E-264C-A42F-2D6D3EF33A3C}" type="datetime1">
               <a:rPr lang="fi-FI" smtClean="0"/>
-              <a:t>27.10.2022</a:t>
+              <a:t>8.2.2024</a:t>
             </a:fld>
             <a:endParaRPr lang="en-GB" dirty="0"/>
           </a:p>
@@ -6167,7 +6168,7 @@
           <a:p>
             <a:fld id="{B3114A65-8017-1743-A85A-B2A4BB835AE9}" type="datetime1">
               <a:rPr lang="fi-FI" smtClean="0"/>
-              <a:t>27.10.2022</a:t>
+              <a:t>8.2.2024</a:t>
             </a:fld>
             <a:endParaRPr lang="en-GB" dirty="0"/>
           </a:p>
@@ -6395,7 +6396,7 @@
           <a:p>
             <a:fld id="{11EDCD7B-6966-E249-89F2-D46BDFBF56BE}" type="datetime1">
               <a:rPr lang="fi-FI" smtClean="0"/>
-              <a:t>27.10.2022</a:t>
+              <a:t>8.2.2024</a:t>
             </a:fld>
             <a:endParaRPr lang="en-GB" dirty="0"/>
           </a:p>
@@ -6687,7 +6688,7 @@
           <a:p>
             <a:fld id="{45F98643-D206-614D-B596-3C8548138211}" type="datetime1">
               <a:rPr lang="fi-FI" smtClean="0"/>
-              <a:t>27.10.2022</a:t>
+              <a:t>8.2.2024</a:t>
             </a:fld>
             <a:endParaRPr lang="en-GB" dirty="0"/>
           </a:p>
@@ -7137,7 +7138,7 @@
       </a:lvl9pPr>
     </p:otherStyle>
   </p:txStyles>
-  <p:extLst mod="1">
+  <p:extLst>
     <p:ext uri="{27BBF7A9-308A-43DC-89C8-2F10F3537804}">
       <p15:sldGuideLst xmlns:p15="http://schemas.microsoft.com/office/powerpoint/2012/main">
         <p15:guide id="1" orient="horz" pos="2160" userDrawn="1">
@@ -7327,7 +7328,7 @@
           <a:p>
             <a:fld id="{30BF63A1-919F-FB49-ABA8-182126D24C50}" type="datetime1">
               <a:rPr lang="fi-FI" smtClean="0"/>
-              <a:t>27.10.2022</a:t>
+              <a:t>8.2.2024</a:t>
             </a:fld>
             <a:endParaRPr lang="en-GB" dirty="0"/>
           </a:p>
@@ -7396,7 +7397,7 @@
           <p:cNvPr id="8" name="Title 7">
             <a:extLst>
               <a:ext uri="{FF2B5EF4-FFF2-40B4-BE49-F238E27FC236}">
-                <a16:creationId xmlns:a16="http://schemas.microsoft.com/office/drawing/2014/main" id="{03801FB7-8FBC-844F-8D63-9A597A066215}"/>
+                <a16:creationId xmlns:a16="http://schemas.microsoft.com/office/drawing/2014/main" id="{197044C3-CD23-D844-B780-26FABA91AD0F}"/>
               </a:ext>
             </a:extLst>
           </p:cNvPr>
@@ -7407,6 +7408,719 @@
             <p:ph type="title"/>
           </p:nvPr>
         </p:nvSpPr>
+        <p:spPr/>
+        <p:txBody>
+          <a:bodyPr/>
+          <a:lstStyle/>
+          <a:p>
+            <a:r>
+              <a:rPr lang="fi-FI" dirty="0"/>
+              <a:t>Software Design </a:t>
+            </a:r>
+            <a:r>
+              <a:rPr lang="fi-FI" dirty="0" err="1"/>
+              <a:t>patterns</a:t>
+            </a:r>
+            <a:endParaRPr lang="fi-FI" dirty="0"/>
+          </a:p>
+        </p:txBody>
+      </p:sp>
+      <p:sp>
+        <p:nvSpPr>
+          <p:cNvPr id="9" name="Content Placeholder 8">
+            <a:extLst>
+              <a:ext uri="{FF2B5EF4-FFF2-40B4-BE49-F238E27FC236}">
+                <a16:creationId xmlns:a16="http://schemas.microsoft.com/office/drawing/2014/main" id="{ACDE61D8-A75A-F94B-B57A-46F276C03311}"/>
+              </a:ext>
+            </a:extLst>
+          </p:cNvPr>
+          <p:cNvSpPr>
+            <a:spLocks noGrp="1"/>
+          </p:cNvSpPr>
+          <p:nvPr>
+            <p:ph sz="half" idx="2"/>
+          </p:nvPr>
+        </p:nvSpPr>
+        <p:spPr>
+          <a:xfrm>
+            <a:off x="550864" y="1193369"/>
+            <a:ext cx="11125198" cy="4720069"/>
+          </a:xfrm>
+        </p:spPr>
+        <p:txBody>
+          <a:bodyPr>
+            <a:normAutofit/>
+          </a:bodyPr>
+          <a:lstStyle/>
+          <a:p>
+            <a:r>
+              <a:rPr lang="fi-FI" u="sng" dirty="0">
+                <a:hlinkClick r:id="rId2"/>
+              </a:rPr>
+              <a:t>https://en.wikipedia.org/wiki/Software_design_pattern</a:t>
+            </a:r>
+            <a:endParaRPr lang="fi-FI" dirty="0"/>
+          </a:p>
+          <a:p>
+            <a:pPr marL="0" indent="0">
+              <a:buNone/>
+            </a:pPr>
+            <a:r>
+              <a:rPr lang="fi-FI" dirty="0" err="1"/>
+              <a:t>You</a:t>
+            </a:r>
+            <a:r>
+              <a:rPr lang="fi-FI" dirty="0"/>
+              <a:t> </a:t>
+            </a:r>
+            <a:r>
+              <a:rPr lang="fi-FI" dirty="0" err="1"/>
+              <a:t>have</a:t>
+            </a:r>
+            <a:r>
+              <a:rPr lang="fi-FI" dirty="0"/>
+              <a:t> </a:t>
+            </a:r>
+            <a:r>
+              <a:rPr lang="fi-FI" dirty="0" err="1"/>
+              <a:t>already</a:t>
+            </a:r>
+            <a:r>
+              <a:rPr lang="fi-FI" dirty="0"/>
+              <a:t> </a:t>
+            </a:r>
+            <a:r>
+              <a:rPr lang="fi-FI" dirty="0" err="1"/>
+              <a:t>used</a:t>
+            </a:r>
+            <a:r>
+              <a:rPr lang="fi-FI" dirty="0"/>
+              <a:t> </a:t>
+            </a:r>
+            <a:r>
+              <a:rPr lang="fi-FI" dirty="0" err="1"/>
+              <a:t>several</a:t>
+            </a:r>
+            <a:r>
+              <a:rPr lang="fi-FI" dirty="0"/>
+              <a:t>. </a:t>
+            </a:r>
+            <a:r>
+              <a:rPr lang="fi-FI" dirty="0" err="1"/>
+              <a:t>Possibly</a:t>
+            </a:r>
+            <a:r>
+              <a:rPr lang="fi-FI" dirty="0"/>
+              <a:t> e.g. </a:t>
+            </a:r>
+            <a:r>
+              <a:rPr lang="fi-FI" dirty="0" err="1"/>
+              <a:t>facade</a:t>
+            </a:r>
+            <a:r>
+              <a:rPr lang="fi-FI" dirty="0"/>
+              <a:t>, </a:t>
+            </a:r>
+            <a:r>
+              <a:rPr lang="fi-FI" dirty="0" err="1"/>
+              <a:t>singleton</a:t>
+            </a:r>
+            <a:r>
+              <a:rPr lang="fi-FI" dirty="0"/>
+              <a:t>, </a:t>
+            </a:r>
+            <a:r>
+              <a:rPr lang="fi-FI" dirty="0" err="1"/>
+              <a:t>iterator</a:t>
+            </a:r>
+            <a:r>
+              <a:rPr lang="fi-FI" dirty="0"/>
+              <a:t>, </a:t>
+            </a:r>
+            <a:r>
+              <a:rPr lang="fi-FI" dirty="0" err="1"/>
+              <a:t>factory</a:t>
+            </a:r>
+            <a:r>
+              <a:rPr lang="fi-FI" dirty="0"/>
+              <a:t>, </a:t>
+            </a:r>
+            <a:r>
+              <a:rPr lang="fi-FI" dirty="0" err="1"/>
+              <a:t>strategy</a:t>
+            </a:r>
+            <a:endParaRPr lang="fi-FI" dirty="0"/>
+          </a:p>
+          <a:p>
+            <a:r>
+              <a:rPr lang="fi-FI" dirty="0" err="1"/>
+              <a:t>The</a:t>
+            </a:r>
+            <a:r>
+              <a:rPr lang="fi-FI" dirty="0"/>
+              <a:t> </a:t>
+            </a:r>
+            <a:r>
+              <a:rPr lang="fi-FI" dirty="0" err="1"/>
+              <a:t>page</a:t>
+            </a:r>
+            <a:r>
+              <a:rPr lang="fi-FI" dirty="0"/>
+              <a:t> </a:t>
+            </a:r>
+            <a:r>
+              <a:rPr lang="fi-FI" dirty="0" err="1"/>
+              <a:t>above</a:t>
+            </a:r>
+            <a:r>
+              <a:rPr lang="fi-FI" dirty="0"/>
+              <a:t> </a:t>
+            </a:r>
+            <a:r>
+              <a:rPr lang="fi-FI" dirty="0" err="1"/>
+              <a:t>has</a:t>
+            </a:r>
+            <a:r>
+              <a:rPr lang="fi-FI" dirty="0"/>
+              <a:t> </a:t>
+            </a:r>
+            <a:r>
+              <a:rPr lang="fi-FI" dirty="0" err="1"/>
+              <a:t>link</a:t>
+            </a:r>
+            <a:r>
+              <a:rPr lang="fi-FI" dirty="0"/>
+              <a:t> to </a:t>
+            </a:r>
+            <a:r>
+              <a:rPr lang="fi-FI" dirty="0" err="1"/>
+              <a:t>books</a:t>
+            </a:r>
+            <a:r>
+              <a:rPr lang="fi-FI" dirty="0"/>
+              <a:t> </a:t>
+            </a:r>
+            <a:r>
+              <a:rPr lang="fi-FI" dirty="0" err="1"/>
+              <a:t>if</a:t>
+            </a:r>
+            <a:r>
+              <a:rPr lang="fi-FI" dirty="0"/>
+              <a:t> </a:t>
+            </a:r>
+            <a:r>
+              <a:rPr lang="fi-FI" dirty="0" err="1"/>
+              <a:t>interested</a:t>
+            </a:r>
+            <a:r>
+              <a:rPr lang="fi-FI" dirty="0"/>
+              <a:t>. </a:t>
+            </a:r>
+            <a:r>
+              <a:rPr lang="fi-FI" dirty="0" err="1"/>
+              <a:t>Including</a:t>
+            </a:r>
+            <a:r>
+              <a:rPr lang="fi-FI" dirty="0"/>
+              <a:t> </a:t>
+            </a:r>
+            <a:r>
+              <a:rPr lang="fi-FI" dirty="0" err="1"/>
+              <a:t>the</a:t>
+            </a:r>
+            <a:r>
+              <a:rPr lang="fi-FI" dirty="0"/>
+              <a:t> 1994 ”</a:t>
+            </a:r>
+            <a:r>
+              <a:rPr lang="fi-FI" dirty="0" err="1"/>
+              <a:t>Gang</a:t>
+            </a:r>
+            <a:r>
+              <a:rPr lang="fi-FI" dirty="0"/>
+              <a:t> of </a:t>
+            </a:r>
+            <a:r>
+              <a:rPr lang="fi-FI" dirty="0" err="1"/>
+              <a:t>Four</a:t>
+            </a:r>
+            <a:r>
+              <a:rPr lang="fi-FI" dirty="0"/>
+              <a:t>” </a:t>
+            </a:r>
+            <a:r>
+              <a:rPr lang="fi-FI" dirty="0" err="1"/>
+              <a:t>book</a:t>
+            </a:r>
+            <a:r>
+              <a:rPr lang="fi-FI" dirty="0"/>
+              <a:t>, </a:t>
+            </a:r>
+            <a:r>
+              <a:rPr lang="fi-FI" dirty="0" err="1"/>
+              <a:t>written</a:t>
+            </a:r>
+            <a:r>
+              <a:rPr lang="fi-FI" dirty="0"/>
+              <a:t> </a:t>
+            </a:r>
+            <a:r>
+              <a:rPr lang="fi-FI" dirty="0" err="1"/>
+              <a:t>by</a:t>
+            </a:r>
+            <a:r>
+              <a:rPr lang="fi-FI" dirty="0"/>
+              <a:t> Gamma et al.</a:t>
+            </a:r>
+          </a:p>
+          <a:p>
+            <a:r>
+              <a:rPr lang="fi-FI" dirty="0"/>
+              <a:t>E.g. </a:t>
+            </a:r>
+            <a:r>
+              <a:rPr lang="fi-FI" dirty="0" err="1"/>
+              <a:t>when</a:t>
+            </a:r>
+            <a:r>
+              <a:rPr lang="fi-FI" dirty="0"/>
+              <a:t> </a:t>
+            </a:r>
+            <a:r>
+              <a:rPr lang="fi-FI" dirty="0" err="1"/>
+              <a:t>you</a:t>
+            </a:r>
+            <a:r>
+              <a:rPr lang="fi-FI" dirty="0"/>
+              <a:t> </a:t>
+            </a:r>
+            <a:r>
+              <a:rPr lang="fi-FI" dirty="0" err="1"/>
+              <a:t>have</a:t>
+            </a:r>
+            <a:r>
+              <a:rPr lang="fi-FI" dirty="0"/>
+              <a:t> </a:t>
+            </a:r>
+            <a:r>
+              <a:rPr lang="fi-FI" dirty="0" err="1"/>
+              <a:t>defined</a:t>
+            </a:r>
+            <a:r>
+              <a:rPr lang="fi-FI" dirty="0"/>
+              <a:t> a </a:t>
+            </a:r>
+            <a:r>
+              <a:rPr lang="fi-FI" dirty="0" err="1"/>
+              <a:t>Comparator</a:t>
+            </a:r>
+            <a:r>
+              <a:rPr lang="fi-FI" dirty="0"/>
+              <a:t> </a:t>
+            </a:r>
+            <a:r>
+              <a:rPr lang="fi-FI" dirty="0" err="1"/>
+              <a:t>type</a:t>
+            </a:r>
+            <a:r>
+              <a:rPr lang="fi-FI" dirty="0"/>
+              <a:t> for </a:t>
+            </a:r>
+            <a:r>
+              <a:rPr lang="fi-FI" dirty="0" err="1"/>
+              <a:t>your</a:t>
+            </a:r>
+            <a:r>
+              <a:rPr lang="fi-FI" dirty="0"/>
+              <a:t> </a:t>
+            </a:r>
+            <a:r>
+              <a:rPr lang="fi-FI" dirty="0" err="1"/>
+              <a:t>items</a:t>
+            </a:r>
+            <a:r>
+              <a:rPr lang="fi-FI" dirty="0"/>
+              <a:t>, e.g. </a:t>
+            </a:r>
+            <a:r>
+              <a:rPr lang="fi-FI" dirty="0" err="1"/>
+              <a:t>HouseComparatorBySize</a:t>
+            </a:r>
+            <a:r>
+              <a:rPr lang="fi-FI" dirty="0"/>
+              <a:t>, </a:t>
+            </a:r>
+            <a:r>
+              <a:rPr lang="fi-FI" dirty="0" err="1"/>
+              <a:t>HouseComparatorByYear</a:t>
+            </a:r>
+            <a:r>
+              <a:rPr lang="fi-FI" dirty="0"/>
+              <a:t>, and </a:t>
+            </a:r>
+            <a:r>
+              <a:rPr lang="fi-FI" dirty="0" err="1"/>
+              <a:t>give</a:t>
+            </a:r>
+            <a:r>
+              <a:rPr lang="fi-FI" dirty="0"/>
+              <a:t> </a:t>
+            </a:r>
+            <a:r>
+              <a:rPr lang="fi-FI" dirty="0" err="1"/>
+              <a:t>the</a:t>
+            </a:r>
+            <a:r>
+              <a:rPr lang="fi-FI" dirty="0"/>
+              <a:t> </a:t>
+            </a:r>
+            <a:r>
+              <a:rPr lang="fi-FI" dirty="0" err="1"/>
+              <a:t>comparator</a:t>
+            </a:r>
+            <a:r>
+              <a:rPr lang="fi-FI" dirty="0"/>
+              <a:t> </a:t>
+            </a:r>
+            <a:r>
+              <a:rPr lang="fi-FI" dirty="0" err="1"/>
+              <a:t>you</a:t>
+            </a:r>
+            <a:r>
+              <a:rPr lang="fi-FI" dirty="0"/>
+              <a:t> </a:t>
+            </a:r>
+            <a:r>
+              <a:rPr lang="fi-FI" dirty="0" err="1"/>
+              <a:t>want</a:t>
+            </a:r>
+            <a:r>
+              <a:rPr lang="fi-FI" dirty="0"/>
+              <a:t> to </a:t>
+            </a:r>
+            <a:r>
+              <a:rPr lang="fi-FI" dirty="0" err="1"/>
+              <a:t>use</a:t>
+            </a:r>
+            <a:r>
+              <a:rPr lang="fi-FI" dirty="0"/>
+              <a:t> </a:t>
+            </a:r>
+            <a:r>
+              <a:rPr lang="fi-FI" dirty="0" err="1"/>
+              <a:t>this</a:t>
+            </a:r>
+            <a:r>
+              <a:rPr lang="fi-FI" dirty="0"/>
+              <a:t> </a:t>
+            </a:r>
+            <a:r>
+              <a:rPr lang="fi-FI" dirty="0" err="1"/>
+              <a:t>time</a:t>
+            </a:r>
+            <a:r>
+              <a:rPr lang="fi-FI" dirty="0"/>
+              <a:t> to </a:t>
+            </a:r>
+            <a:r>
+              <a:rPr lang="fi-FI" dirty="0" err="1"/>
+              <a:t>the</a:t>
+            </a:r>
+            <a:r>
+              <a:rPr lang="fi-FI" dirty="0"/>
+              <a:t> </a:t>
+            </a:r>
+            <a:r>
+              <a:rPr lang="fi-FI" dirty="0" err="1"/>
+              <a:t>sort</a:t>
+            </a:r>
+            <a:r>
+              <a:rPr lang="fi-FI" dirty="0"/>
+              <a:t>( ) </a:t>
+            </a:r>
+            <a:r>
+              <a:rPr lang="fi-FI" dirty="0" err="1"/>
+              <a:t>function</a:t>
+            </a:r>
+            <a:r>
+              <a:rPr lang="fi-FI" dirty="0"/>
+              <a:t>, </a:t>
+            </a:r>
+            <a:r>
+              <a:rPr lang="fi-FI" dirty="0" err="1"/>
+              <a:t>you</a:t>
+            </a:r>
+            <a:r>
+              <a:rPr lang="fi-FI" dirty="0"/>
+              <a:t> </a:t>
+            </a:r>
+            <a:r>
+              <a:rPr lang="fi-FI" dirty="0" err="1"/>
+              <a:t>are</a:t>
+            </a:r>
+            <a:r>
+              <a:rPr lang="fi-FI" dirty="0"/>
+              <a:t> </a:t>
+            </a:r>
+            <a:r>
+              <a:rPr lang="fi-FI" dirty="0" err="1"/>
+              <a:t>using</a:t>
+            </a:r>
+            <a:r>
+              <a:rPr lang="fi-FI" dirty="0"/>
+              <a:t> </a:t>
+            </a:r>
+            <a:r>
+              <a:rPr lang="fi-FI" dirty="0" err="1"/>
+              <a:t>the</a:t>
+            </a:r>
+            <a:r>
+              <a:rPr lang="fi-FI" dirty="0"/>
+              <a:t> </a:t>
+            </a:r>
+            <a:r>
+              <a:rPr lang="fi-FI" b="1" dirty="0" err="1"/>
+              <a:t>strategy</a:t>
+            </a:r>
+            <a:r>
+              <a:rPr lang="fi-FI" dirty="0"/>
+              <a:t> design </a:t>
+            </a:r>
+            <a:r>
+              <a:rPr lang="fi-FI" dirty="0" err="1"/>
+              <a:t>pattern</a:t>
+            </a:r>
+            <a:r>
+              <a:rPr lang="fi-FI" dirty="0"/>
+              <a:t>.</a:t>
+            </a:r>
+          </a:p>
+          <a:p>
+            <a:endParaRPr lang="fi-FI" dirty="0"/>
+          </a:p>
+          <a:p>
+            <a:endParaRPr lang="fi-FI" dirty="0"/>
+          </a:p>
+          <a:p>
+            <a:r>
+              <a:rPr lang="fi-FI" dirty="0"/>
+              <a:t>Software design </a:t>
+            </a:r>
+            <a:r>
+              <a:rPr lang="fi-FI" dirty="0" err="1"/>
+              <a:t>patterns</a:t>
+            </a:r>
+            <a:r>
+              <a:rPr lang="fi-FI" dirty="0"/>
+              <a:t> </a:t>
+            </a:r>
+            <a:r>
+              <a:rPr lang="fi-FI" dirty="0" err="1"/>
+              <a:t>are</a:t>
+            </a:r>
+            <a:r>
+              <a:rPr lang="fi-FI" dirty="0"/>
+              <a:t> a </a:t>
+            </a:r>
+            <a:r>
+              <a:rPr lang="fi-FI" dirty="0" err="1"/>
+              <a:t>Good</a:t>
+            </a:r>
+            <a:r>
+              <a:rPr lang="fi-FI" dirty="0"/>
+              <a:t> </a:t>
+            </a:r>
+            <a:r>
+              <a:rPr lang="fi-FI" dirty="0" err="1"/>
+              <a:t>way</a:t>
+            </a:r>
+            <a:r>
+              <a:rPr lang="fi-FI" dirty="0"/>
+              <a:t> to </a:t>
+            </a:r>
+            <a:r>
+              <a:rPr lang="fi-FI" dirty="0" err="1"/>
+              <a:t>challenge</a:t>
+            </a:r>
+            <a:r>
+              <a:rPr lang="fi-FI" dirty="0"/>
+              <a:t> </a:t>
+            </a:r>
+            <a:r>
+              <a:rPr lang="fi-FI" dirty="0" err="1"/>
+              <a:t>yourself</a:t>
+            </a:r>
+            <a:r>
+              <a:rPr lang="fi-FI" dirty="0"/>
+              <a:t> and twist </a:t>
+            </a:r>
+            <a:r>
+              <a:rPr lang="fi-FI" dirty="0" err="1"/>
+              <a:t>your</a:t>
+            </a:r>
+            <a:r>
+              <a:rPr lang="fi-FI" dirty="0"/>
+              <a:t> </a:t>
+            </a:r>
+            <a:r>
+              <a:rPr lang="fi-FI" dirty="0" err="1"/>
+              <a:t>brain</a:t>
+            </a:r>
+            <a:r>
+              <a:rPr lang="fi-FI" dirty="0"/>
+              <a:t> </a:t>
+            </a:r>
+            <a:r>
+              <a:rPr lang="fi-FI" dirty="0" err="1"/>
+              <a:t>if</a:t>
+            </a:r>
+            <a:r>
+              <a:rPr lang="fi-FI" dirty="0"/>
+              <a:t> </a:t>
+            </a:r>
+            <a:r>
+              <a:rPr lang="fi-FI" dirty="0" err="1"/>
+              <a:t>needed</a:t>
+            </a:r>
+            <a:r>
+              <a:rPr lang="fi-FI" dirty="0"/>
+              <a:t>.</a:t>
+            </a:r>
+          </a:p>
+          <a:p>
+            <a:endParaRPr lang="fi-FI" dirty="0"/>
+          </a:p>
+        </p:txBody>
+      </p:sp>
+      <p:sp>
+        <p:nvSpPr>
+          <p:cNvPr id="5" name="Date Placeholder 4">
+            <a:extLst>
+              <a:ext uri="{FF2B5EF4-FFF2-40B4-BE49-F238E27FC236}">
+                <a16:creationId xmlns:a16="http://schemas.microsoft.com/office/drawing/2014/main" id="{976244E2-AA76-2742-B2EC-FEC79276155C}"/>
+              </a:ext>
+            </a:extLst>
+          </p:cNvPr>
+          <p:cNvSpPr>
+            <a:spLocks noGrp="1"/>
+          </p:cNvSpPr>
+          <p:nvPr>
+            <p:ph type="dt" sz="half" idx="10"/>
+          </p:nvPr>
+        </p:nvSpPr>
+        <p:spPr/>
+        <p:txBody>
+          <a:bodyPr/>
+          <a:lstStyle/>
+          <a:p>
+            <a:fld id="{202E1EC2-47B8-044B-A09E-6A63B4D80C87}" type="datetime1">
+              <a:rPr lang="fi-FI" smtClean="0"/>
+              <a:t>8.2.2024</a:t>
+            </a:fld>
+            <a:endParaRPr lang="en-GB"/>
+          </a:p>
+        </p:txBody>
+      </p:sp>
+      <p:sp>
+        <p:nvSpPr>
+          <p:cNvPr id="6" name="Footer Placeholder 5">
+            <a:extLst>
+              <a:ext uri="{FF2B5EF4-FFF2-40B4-BE49-F238E27FC236}">
+                <a16:creationId xmlns:a16="http://schemas.microsoft.com/office/drawing/2014/main" id="{588CE607-4137-8840-8FEA-42EAC857E3A3}"/>
+              </a:ext>
+            </a:extLst>
+          </p:cNvPr>
+          <p:cNvSpPr>
+            <a:spLocks noGrp="1"/>
+          </p:cNvSpPr>
+          <p:nvPr>
+            <p:ph type="ftr" sz="quarter" idx="11"/>
+          </p:nvPr>
+        </p:nvSpPr>
+        <p:spPr/>
+        <p:txBody>
+          <a:bodyPr/>
+          <a:lstStyle/>
+          <a:p>
+            <a:endParaRPr lang="en-GB"/>
+          </a:p>
+        </p:txBody>
+      </p:sp>
+      <p:sp>
+        <p:nvSpPr>
+          <p:cNvPr id="7" name="Slide Number Placeholder 6">
+            <a:extLst>
+              <a:ext uri="{FF2B5EF4-FFF2-40B4-BE49-F238E27FC236}">
+                <a16:creationId xmlns:a16="http://schemas.microsoft.com/office/drawing/2014/main" id="{2E133A96-6C73-0844-B8CB-27C2B5F4CFB1}"/>
+              </a:ext>
+            </a:extLst>
+          </p:cNvPr>
+          <p:cNvSpPr>
+            <a:spLocks noGrp="1"/>
+          </p:cNvSpPr>
+          <p:nvPr>
+            <p:ph type="sldNum" sz="quarter" idx="12"/>
+          </p:nvPr>
+        </p:nvSpPr>
+        <p:spPr/>
+        <p:txBody>
+          <a:bodyPr/>
+          <a:lstStyle/>
+          <a:p>
+            <a:fld id="{76BAB7ED-EDE9-4D4B-9A2D-30E18C47C16E}" type="slidenum">
+              <a:rPr lang="en-GB" smtClean="0"/>
+              <a:t>10</a:t>
+            </a:fld>
+            <a:endParaRPr lang="en-GB"/>
+          </a:p>
+        </p:txBody>
+      </p:sp>
+    </p:spTree>
+    <p:extLst>
+      <p:ext uri="{BB962C8B-B14F-4D97-AF65-F5344CB8AC3E}">
+        <p14:creationId xmlns:p14="http://schemas.microsoft.com/office/powerpoint/2010/main" val="3144266265"/>
+      </p:ext>
+    </p:extLst>
+  </p:cSld>
+  <p:clrMapOvr>
+    <a:masterClrMapping/>
+  </p:clrMapOvr>
+</p:sld>
+</file>
+
+<file path=ppt/slides/slide11.xml><?xml version="1.0" encoding="utf-8"?>
+<p:sld xmlns:a="http://schemas.openxmlformats.org/drawingml/2006/main" xmlns:r="http://schemas.openxmlformats.org/officeDocument/2006/relationships" xmlns:p="http://schemas.openxmlformats.org/presentationml/2006/main">
+  <p:cSld>
+    <p:spTree>
+      <p:nvGrpSpPr>
+        <p:cNvPr id="1" name=""/>
+        <p:cNvGrpSpPr/>
+        <p:nvPr/>
+      </p:nvGrpSpPr>
+      <p:grpSpPr>
+        <a:xfrm>
+          <a:off x="0" y="0"/>
+          <a:ext cx="0" cy="0"/>
+          <a:chOff x="0" y="0"/>
+          <a:chExt cx="0" cy="0"/>
+        </a:xfrm>
+      </p:grpSpPr>
+      <p:sp>
+        <p:nvSpPr>
+          <p:cNvPr id="8" name="Title 7">
+            <a:extLst>
+              <a:ext uri="{FF2B5EF4-FFF2-40B4-BE49-F238E27FC236}">
+                <a16:creationId xmlns:a16="http://schemas.microsoft.com/office/drawing/2014/main" id="{03801FB7-8FBC-844F-8D63-9A597A066215}"/>
+              </a:ext>
+            </a:extLst>
+          </p:cNvPr>
+          <p:cNvSpPr>
+            <a:spLocks noGrp="1"/>
+          </p:cNvSpPr>
+          <p:nvPr>
+            <p:ph type="title"/>
+          </p:nvPr>
+        </p:nvSpPr>
         <p:spPr>
           <a:xfrm>
             <a:off x="550863" y="158859"/>
@@ -7481,7 +8195,7 @@
           <a:p>
             <a:fld id="{551D5D1D-8623-7244-B1BC-5984C123D6C5}" type="datetime1">
               <a:rPr lang="fi-FI" smtClean="0"/>
-              <a:t>27.10.2022</a:t>
+              <a:t>8.2.2024</a:t>
             </a:fld>
             <a:endParaRPr lang="en-GB"/>
           </a:p>
@@ -7535,7 +8249,7 @@
           <a:p>
             <a:fld id="{76BAB7ED-EDE9-4D4B-9A2D-30E18C47C16E}" type="slidenum">
               <a:rPr lang="en-GB" smtClean="0"/>
-              <a:t>10</a:t>
+              <a:t>11</a:t>
             </a:fld>
             <a:endParaRPr lang="en-GB"/>
           </a:p>
@@ -8162,7 +8876,7 @@
 </p:sld>
 </file>
 
-<file path=ppt/slides/slide11.xml><?xml version="1.0" encoding="utf-8"?>
+<file path=ppt/slides/slide12.xml><?xml version="1.0" encoding="utf-8"?>
 <p:sld xmlns:a="http://schemas.openxmlformats.org/drawingml/2006/main" xmlns:r="http://schemas.openxmlformats.org/officeDocument/2006/relationships" xmlns:p="http://schemas.openxmlformats.org/presentationml/2006/main">
   <p:cSld>
     <p:spTree>
@@ -9237,7 +9951,7 @@
           <a:p>
             <a:fld id="{551D5D1D-8623-7244-B1BC-5984C123D6C5}" type="datetime1">
               <a:rPr lang="fi-FI" smtClean="0"/>
-              <a:t>27.10.2022</a:t>
+              <a:t>8.2.2024</a:t>
             </a:fld>
             <a:endParaRPr lang="en-GB"/>
           </a:p>
@@ -9291,7 +10005,7 @@
           <a:p>
             <a:fld id="{76BAB7ED-EDE9-4D4B-9A2D-30E18C47C16E}" type="slidenum">
               <a:rPr lang="en-GB" smtClean="0"/>
-              <a:t>11</a:t>
+              <a:t>12</a:t>
             </a:fld>
             <a:endParaRPr lang="en-GB"/>
           </a:p>
@@ -9310,7 +10024,7 @@
 </p:sld>
 </file>
 
-<file path=ppt/slides/slide12.xml><?xml version="1.0" encoding="utf-8"?>
+<file path=ppt/slides/slide13.xml><?xml version="1.0" encoding="utf-8"?>
 <p:sld xmlns:a="http://schemas.openxmlformats.org/drawingml/2006/main" xmlns:r="http://schemas.openxmlformats.org/officeDocument/2006/relationships" xmlns:p="http://schemas.openxmlformats.org/presentationml/2006/main">
   <p:cSld>
     <p:spTree>
@@ -9609,7 +10323,7 @@
           <a:p>
             <a:fld id="{551D5D1D-8623-7244-B1BC-5984C123D6C5}" type="datetime1">
               <a:rPr lang="fi-FI" smtClean="0"/>
-              <a:t>27.10.2022</a:t>
+              <a:t>8.2.2024</a:t>
             </a:fld>
             <a:endParaRPr lang="en-GB"/>
           </a:p>
@@ -9663,7 +10377,7 @@
           <a:p>
             <a:fld id="{76BAB7ED-EDE9-4D4B-9A2D-30E18C47C16E}" type="slidenum">
               <a:rPr lang="en-GB" smtClean="0"/>
-              <a:t>12</a:t>
+              <a:t>13</a:t>
             </a:fld>
             <a:endParaRPr lang="en-GB"/>
           </a:p>
@@ -10673,7 +11387,7 @@
 </p:sld>
 </file>
 
-<file path=ppt/slides/slide13.xml><?xml version="1.0" encoding="utf-8"?>
+<file path=ppt/slides/slide14.xml><?xml version="1.0" encoding="utf-8"?>
 <p:sld xmlns:a="http://schemas.openxmlformats.org/drawingml/2006/main" xmlns:r="http://schemas.openxmlformats.org/officeDocument/2006/relationships" xmlns:p="http://schemas.openxmlformats.org/presentationml/2006/main">
   <p:cSld>
     <p:spTree>
@@ -10899,7 +11613,7 @@
           <a:p>
             <a:fld id="{551D5D1D-8623-7244-B1BC-5984C123D6C5}" type="datetime1">
               <a:rPr lang="fi-FI" smtClean="0"/>
-              <a:t>27.10.2022</a:t>
+              <a:t>8.2.2024</a:t>
             </a:fld>
             <a:endParaRPr lang="en-GB"/>
           </a:p>
@@ -10953,7 +11667,7 @@
           <a:p>
             <a:fld id="{76BAB7ED-EDE9-4D4B-9A2D-30E18C47C16E}" type="slidenum">
               <a:rPr lang="en-GB" smtClean="0"/>
-              <a:t>13</a:t>
+              <a:t>14</a:t>
             </a:fld>
             <a:endParaRPr lang="en-GB"/>
           </a:p>
@@ -12586,798 +13300,6 @@
 </p:sld>
 </file>
 
-<file path=ppt/slides/slide14.xml><?xml version="1.0" encoding="utf-8"?>
-<p:sld xmlns:a="http://schemas.openxmlformats.org/drawingml/2006/main" xmlns:r="http://schemas.openxmlformats.org/officeDocument/2006/relationships" xmlns:p="http://schemas.openxmlformats.org/presentationml/2006/main">
-  <p:cSld>
-    <p:spTree>
-      <p:nvGrpSpPr>
-        <p:cNvPr id="1" name=""/>
-        <p:cNvGrpSpPr/>
-        <p:nvPr/>
-      </p:nvGrpSpPr>
-      <p:grpSpPr>
-        <a:xfrm>
-          <a:off x="0" y="0"/>
-          <a:ext cx="0" cy="0"/>
-          <a:chOff x="0" y="0"/>
-          <a:chExt cx="0" cy="0"/>
-        </a:xfrm>
-      </p:grpSpPr>
-      <p:sp>
-        <p:nvSpPr>
-          <p:cNvPr id="8" name="Title 7">
-            <a:extLst>
-              <a:ext uri="{FF2B5EF4-FFF2-40B4-BE49-F238E27FC236}">
-                <a16:creationId xmlns:a16="http://schemas.microsoft.com/office/drawing/2014/main" id="{03801FB7-8FBC-844F-8D63-9A597A066215}"/>
-              </a:ext>
-            </a:extLst>
-          </p:cNvPr>
-          <p:cNvSpPr>
-            <a:spLocks noGrp="1"/>
-          </p:cNvSpPr>
-          <p:nvPr>
-            <p:ph type="title"/>
-          </p:nvPr>
-        </p:nvSpPr>
-        <p:spPr>
-          <a:xfrm>
-            <a:off x="550863" y="223812"/>
-            <a:ext cx="11125200" cy="643178"/>
-          </a:xfrm>
-        </p:spPr>
-        <p:txBody>
-          <a:bodyPr>
-            <a:normAutofit fontScale="90000"/>
-          </a:bodyPr>
-          <a:lstStyle/>
-          <a:p>
-            <a:r>
-              <a:rPr lang="fi-FI" dirty="0" err="1"/>
-              <a:t>Notice</a:t>
-            </a:r>
-            <a:r>
-              <a:rPr lang="fi-FI" dirty="0"/>
-              <a:t> </a:t>
-            </a:r>
-            <a:r>
-              <a:rPr lang="fi-FI" dirty="0" err="1"/>
-              <a:t>that</a:t>
-            </a:r>
-            <a:r>
-              <a:rPr lang="fi-FI" dirty="0"/>
-              <a:t> </a:t>
-            </a:r>
-            <a:r>
-              <a:rPr lang="fi-FI" dirty="0" err="1"/>
-              <a:t>real</a:t>
-            </a:r>
-            <a:r>
-              <a:rPr lang="fi-FI" dirty="0"/>
-              <a:t> </a:t>
-            </a:r>
-            <a:r>
-              <a:rPr lang="fi-FI" dirty="0" err="1"/>
-              <a:t>systems</a:t>
-            </a:r>
-            <a:r>
-              <a:rPr lang="fi-FI" dirty="0"/>
-              <a:t> </a:t>
-            </a:r>
-            <a:r>
-              <a:rPr lang="fi-FI" dirty="0" err="1"/>
-              <a:t>usually</a:t>
-            </a:r>
-            <a:r>
-              <a:rPr lang="fi-FI" dirty="0"/>
-              <a:t> </a:t>
-            </a:r>
-            <a:r>
-              <a:rPr lang="fi-FI" dirty="0" err="1"/>
-              <a:t>have</a:t>
-            </a:r>
-            <a:r>
-              <a:rPr lang="fi-FI" dirty="0"/>
-              <a:t> </a:t>
-            </a:r>
-            <a:r>
-              <a:rPr lang="fi-FI" dirty="0" err="1"/>
-              <a:t>mixed</a:t>
-            </a:r>
-            <a:r>
-              <a:rPr lang="fi-FI" dirty="0"/>
-              <a:t> </a:t>
-            </a:r>
-            <a:r>
-              <a:rPr lang="fi-FI" dirty="0" err="1"/>
-              <a:t>architecture</a:t>
-            </a:r>
-            <a:endParaRPr lang="fi-FI" dirty="0"/>
-          </a:p>
-        </p:txBody>
-      </p:sp>
-      <p:sp>
-        <p:nvSpPr>
-          <p:cNvPr id="5" name="Date Placeholder 4">
-            <a:extLst>
-              <a:ext uri="{FF2B5EF4-FFF2-40B4-BE49-F238E27FC236}">
-                <a16:creationId xmlns:a16="http://schemas.microsoft.com/office/drawing/2014/main" id="{CDF9BDDB-4154-894E-83EF-04FB624FF30E}"/>
-              </a:ext>
-            </a:extLst>
-          </p:cNvPr>
-          <p:cNvSpPr>
-            <a:spLocks noGrp="1"/>
-          </p:cNvSpPr>
-          <p:nvPr>
-            <p:ph type="dt" sz="half" idx="10"/>
-          </p:nvPr>
-        </p:nvSpPr>
-        <p:spPr/>
-        <p:txBody>
-          <a:bodyPr/>
-          <a:lstStyle/>
-          <a:p>
-            <a:fld id="{551D5D1D-8623-7244-B1BC-5984C123D6C5}" type="datetime1">
-              <a:rPr lang="fi-FI" smtClean="0"/>
-              <a:t>27.10.2022</a:t>
-            </a:fld>
-            <a:endParaRPr lang="en-GB"/>
-          </a:p>
-        </p:txBody>
-      </p:sp>
-      <p:sp>
-        <p:nvSpPr>
-          <p:cNvPr id="6" name="Footer Placeholder 5">
-            <a:extLst>
-              <a:ext uri="{FF2B5EF4-FFF2-40B4-BE49-F238E27FC236}">
-                <a16:creationId xmlns:a16="http://schemas.microsoft.com/office/drawing/2014/main" id="{DEED56F3-0862-1748-A7A9-EE5914100F54}"/>
-              </a:ext>
-            </a:extLst>
-          </p:cNvPr>
-          <p:cNvSpPr>
-            <a:spLocks noGrp="1"/>
-          </p:cNvSpPr>
-          <p:nvPr>
-            <p:ph type="ftr" sz="quarter" idx="11"/>
-          </p:nvPr>
-        </p:nvSpPr>
-        <p:spPr/>
-        <p:txBody>
-          <a:bodyPr/>
-          <a:lstStyle/>
-          <a:p>
-            <a:endParaRPr lang="en-GB"/>
-          </a:p>
-        </p:txBody>
-      </p:sp>
-      <p:sp>
-        <p:nvSpPr>
-          <p:cNvPr id="7" name="Slide Number Placeholder 6">
-            <a:extLst>
-              <a:ext uri="{FF2B5EF4-FFF2-40B4-BE49-F238E27FC236}">
-                <a16:creationId xmlns:a16="http://schemas.microsoft.com/office/drawing/2014/main" id="{6CBC8079-2140-8745-901A-8EB4BF8EAF2D}"/>
-              </a:ext>
-            </a:extLst>
-          </p:cNvPr>
-          <p:cNvSpPr>
-            <a:spLocks noGrp="1"/>
-          </p:cNvSpPr>
-          <p:nvPr>
-            <p:ph type="sldNum" sz="quarter" idx="12"/>
-          </p:nvPr>
-        </p:nvSpPr>
-        <p:spPr/>
-        <p:txBody>
-          <a:bodyPr/>
-          <a:lstStyle/>
-          <a:p>
-            <a:fld id="{76BAB7ED-EDE9-4D4B-9A2D-30E18C47C16E}" type="slidenum">
-              <a:rPr lang="en-GB" smtClean="0"/>
-              <a:t>14</a:t>
-            </a:fld>
-            <a:endParaRPr lang="en-GB"/>
-          </a:p>
-        </p:txBody>
-      </p:sp>
-      <p:sp>
-        <p:nvSpPr>
-          <p:cNvPr id="44" name="Content Placeholder 8">
-            <a:extLst>
-              <a:ext uri="{FF2B5EF4-FFF2-40B4-BE49-F238E27FC236}">
-                <a16:creationId xmlns:a16="http://schemas.microsoft.com/office/drawing/2014/main" id="{AD58326A-C368-42A5-9A92-5D60011617DB}"/>
-              </a:ext>
-            </a:extLst>
-          </p:cNvPr>
-          <p:cNvSpPr>
-            <a:spLocks noGrp="1"/>
-          </p:cNvSpPr>
-          <p:nvPr>
-            <p:ph sz="half" idx="2"/>
-          </p:nvPr>
-        </p:nvSpPr>
-        <p:spPr>
-          <a:xfrm>
-            <a:off x="550865" y="1060314"/>
-            <a:ext cx="9185945" cy="4953027"/>
-          </a:xfrm>
-        </p:spPr>
-        <p:txBody>
-          <a:bodyPr>
-            <a:normAutofit/>
-          </a:bodyPr>
-          <a:lstStyle/>
-          <a:p>
-            <a:pPr>
-              <a:lnSpc>
-                <a:spcPct val="100000"/>
-              </a:lnSpc>
-              <a:buFont typeface="Arial" panose="020B0604020202020204" pitchFamily="34" charset="0"/>
-              <a:buChar char="•"/>
-            </a:pPr>
-            <a:r>
-              <a:rPr lang="fi-FI" sz="2400" dirty="0" err="1"/>
-              <a:t>The</a:t>
-            </a:r>
-            <a:r>
-              <a:rPr lang="fi-FI" sz="2400" dirty="0"/>
-              <a:t> </a:t>
-            </a:r>
-            <a:r>
-              <a:rPr lang="fi-FI" sz="2400" dirty="0" err="1"/>
-              <a:t>previously</a:t>
-            </a:r>
-            <a:r>
-              <a:rPr lang="fi-FI" sz="2400" dirty="0"/>
-              <a:t> </a:t>
-            </a:r>
-            <a:r>
-              <a:rPr lang="fi-FI" sz="2400" dirty="0" err="1"/>
-              <a:t>presented</a:t>
-            </a:r>
-            <a:r>
-              <a:rPr lang="fi-FI" sz="2400" dirty="0"/>
-              <a:t> </a:t>
-            </a:r>
-            <a:r>
-              <a:rPr lang="fi-FI" sz="2400" dirty="0" err="1"/>
-              <a:t>three</a:t>
-            </a:r>
-            <a:r>
-              <a:rPr lang="fi-FI" sz="2400" dirty="0"/>
-              <a:t> </a:t>
-            </a:r>
-            <a:r>
-              <a:rPr lang="fi-FI" sz="2400" dirty="0" err="1"/>
-              <a:t>architectural</a:t>
-            </a:r>
-            <a:r>
-              <a:rPr lang="fi-FI" sz="2400" dirty="0"/>
-              <a:t> </a:t>
-            </a:r>
-            <a:r>
-              <a:rPr lang="fi-FI" sz="2400" dirty="0" err="1"/>
-              <a:t>models</a:t>
-            </a:r>
-            <a:r>
-              <a:rPr lang="fi-FI" sz="2400" dirty="0"/>
-              <a:t> </a:t>
-            </a:r>
-            <a:r>
-              <a:rPr lang="fi-FI" sz="2400" dirty="0" err="1"/>
-              <a:t>are</a:t>
-            </a:r>
-            <a:r>
-              <a:rPr lang="fi-FI" sz="2400" dirty="0"/>
-              <a:t> </a:t>
-            </a:r>
-            <a:r>
-              <a:rPr lang="fi-FI" sz="2400" dirty="0" err="1"/>
-              <a:t>naturally</a:t>
-            </a:r>
-            <a:r>
-              <a:rPr lang="fi-FI" sz="2400" dirty="0"/>
-              <a:t> just </a:t>
-            </a:r>
-            <a:r>
-              <a:rPr lang="fi-FI" sz="2400" dirty="0" err="1"/>
-              <a:t>simplifications</a:t>
-            </a:r>
-            <a:endParaRPr lang="fi-FI" sz="2400" dirty="0"/>
-          </a:p>
-          <a:p>
-            <a:pPr>
-              <a:lnSpc>
-                <a:spcPct val="100000"/>
-              </a:lnSpc>
-              <a:buFont typeface="Arial" panose="020B0604020202020204" pitchFamily="34" charset="0"/>
-              <a:buChar char="•"/>
-            </a:pPr>
-            <a:r>
-              <a:rPr lang="fi-FI" sz="2400" dirty="0" err="1"/>
-              <a:t>The</a:t>
-            </a:r>
-            <a:r>
-              <a:rPr lang="fi-FI" sz="2400" dirty="0"/>
-              <a:t> </a:t>
-            </a:r>
-            <a:r>
-              <a:rPr lang="fi-FI" sz="2400" dirty="0" err="1"/>
-              <a:t>real</a:t>
-            </a:r>
-            <a:r>
-              <a:rPr lang="fi-FI" sz="2400" dirty="0"/>
-              <a:t> </a:t>
-            </a:r>
-            <a:r>
-              <a:rPr lang="fi-FI" sz="2400" dirty="0" err="1"/>
-              <a:t>information</a:t>
-            </a:r>
-            <a:r>
-              <a:rPr lang="fi-FI" sz="2400" dirty="0"/>
-              <a:t> </a:t>
-            </a:r>
-            <a:r>
-              <a:rPr lang="fi-FI" sz="2400" dirty="0" err="1"/>
-              <a:t>system</a:t>
-            </a:r>
-            <a:r>
-              <a:rPr lang="fi-FI" sz="2400" dirty="0"/>
-              <a:t> </a:t>
-            </a:r>
-            <a:r>
-              <a:rPr lang="fi-FI" sz="2400" dirty="0" err="1"/>
-              <a:t>architecture</a:t>
-            </a:r>
-            <a:r>
-              <a:rPr lang="fi-FI" sz="2400" dirty="0"/>
-              <a:t> </a:t>
-            </a:r>
-            <a:r>
-              <a:rPr lang="fi-FI" sz="2400" dirty="0" err="1"/>
-              <a:t>you</a:t>
-            </a:r>
-            <a:r>
-              <a:rPr lang="fi-FI" sz="2400" dirty="0"/>
-              <a:t> </a:t>
-            </a:r>
-            <a:r>
-              <a:rPr lang="fi-FI" sz="2400" dirty="0" err="1"/>
-              <a:t>will</a:t>
-            </a:r>
-            <a:r>
-              <a:rPr lang="fi-FI" sz="2400" dirty="0"/>
-              <a:t> </a:t>
-            </a:r>
-            <a:r>
-              <a:rPr lang="fi-FI" sz="2400" dirty="0" err="1"/>
-              <a:t>be</a:t>
-            </a:r>
-            <a:r>
-              <a:rPr lang="fi-FI" sz="2400" dirty="0"/>
-              <a:t> </a:t>
-            </a:r>
-            <a:r>
-              <a:rPr lang="fi-FI" sz="2400" dirty="0" err="1"/>
-              <a:t>creating</a:t>
-            </a:r>
-            <a:r>
-              <a:rPr lang="fi-FI" sz="2400" dirty="0"/>
-              <a:t> </a:t>
-            </a:r>
-            <a:r>
-              <a:rPr lang="fi-FI" sz="2400" dirty="0" err="1"/>
-              <a:t>e.g</a:t>
-            </a:r>
-            <a:r>
-              <a:rPr lang="fi-FI" sz="2400" dirty="0"/>
-              <a:t>. for </a:t>
-            </a:r>
-            <a:r>
-              <a:rPr lang="fi-FI" sz="2400" dirty="0" err="1"/>
-              <a:t>customers</a:t>
-            </a:r>
-            <a:r>
-              <a:rPr lang="fi-FI" sz="2400" dirty="0"/>
-              <a:t> in </a:t>
-            </a:r>
-            <a:r>
-              <a:rPr lang="fi-FI" sz="2400" dirty="0" err="1"/>
-              <a:t>our</a:t>
-            </a:r>
-            <a:r>
-              <a:rPr lang="fi-FI" sz="2400" dirty="0"/>
-              <a:t> </a:t>
-            </a:r>
-            <a:r>
-              <a:rPr lang="fi-FI" sz="2400" dirty="0" err="1"/>
-              <a:t>projects</a:t>
-            </a:r>
-            <a:r>
-              <a:rPr lang="fi-FI" sz="2400" dirty="0"/>
-              <a:t> </a:t>
-            </a:r>
-            <a:r>
-              <a:rPr lang="fi-FI" sz="2400" dirty="0" err="1"/>
-              <a:t>might</a:t>
-            </a:r>
-            <a:r>
-              <a:rPr lang="fi-FI" sz="2400" dirty="0"/>
-              <a:t> </a:t>
-            </a:r>
-            <a:r>
-              <a:rPr lang="fi-FI" sz="2400" dirty="0" err="1"/>
-              <a:t>well</a:t>
-            </a:r>
-            <a:r>
-              <a:rPr lang="fi-FI" sz="2400" dirty="0"/>
-              <a:t> </a:t>
-            </a:r>
-            <a:r>
-              <a:rPr lang="fi-FI" sz="2400" dirty="0" err="1"/>
-              <a:t>be</a:t>
-            </a:r>
-            <a:r>
-              <a:rPr lang="fi-FI" sz="2400" dirty="0"/>
-              <a:t> a </a:t>
-            </a:r>
-            <a:r>
-              <a:rPr lang="fi-FI" sz="2400" b="1" dirty="0"/>
-              <a:t>mix of </a:t>
-            </a:r>
-            <a:r>
-              <a:rPr lang="fi-FI" sz="2400" b="1" dirty="0" err="1"/>
-              <a:t>even</a:t>
-            </a:r>
-            <a:r>
-              <a:rPr lang="fi-FI" sz="2400" b="1" dirty="0"/>
-              <a:t> </a:t>
-            </a:r>
-            <a:r>
-              <a:rPr lang="fi-FI" sz="2400" b="1" dirty="0" err="1"/>
-              <a:t>all</a:t>
-            </a:r>
-            <a:r>
-              <a:rPr lang="fi-FI" sz="2400" b="1" dirty="0"/>
-              <a:t> of </a:t>
-            </a:r>
-            <a:r>
-              <a:rPr lang="fi-FI" sz="2400" b="1" dirty="0" err="1"/>
-              <a:t>these</a:t>
-            </a:r>
-            <a:r>
-              <a:rPr lang="fi-FI" sz="2400" dirty="0"/>
-              <a:t>. And </a:t>
-            </a:r>
-            <a:r>
-              <a:rPr lang="fi-FI" sz="2400" dirty="0" err="1"/>
-              <a:t>nowadays</a:t>
-            </a:r>
-            <a:r>
-              <a:rPr lang="fi-FI" sz="2400" dirty="0"/>
-              <a:t> </a:t>
-            </a:r>
-            <a:r>
-              <a:rPr lang="fi-FI" sz="2400" dirty="0" err="1"/>
-              <a:t>often</a:t>
-            </a:r>
-            <a:r>
-              <a:rPr lang="fi-FI" sz="2400" dirty="0"/>
-              <a:t> is.</a:t>
-            </a:r>
-          </a:p>
-          <a:p>
-            <a:pPr>
-              <a:lnSpc>
-                <a:spcPct val="100000"/>
-              </a:lnSpc>
-              <a:buFont typeface="Arial" panose="020B0604020202020204" pitchFamily="34" charset="0"/>
-              <a:buChar char="•"/>
-            </a:pPr>
-            <a:r>
-              <a:rPr lang="fi-FI" sz="2400" dirty="0" err="1"/>
-              <a:t>But</a:t>
-            </a:r>
-            <a:r>
-              <a:rPr lang="fi-FI" sz="2400" dirty="0"/>
-              <a:t> look at </a:t>
-            </a:r>
-            <a:r>
-              <a:rPr lang="fi-FI" sz="2400" dirty="0" err="1"/>
-              <a:t>these</a:t>
-            </a:r>
-            <a:r>
-              <a:rPr lang="fi-FI" sz="2400" dirty="0"/>
-              <a:t> as </a:t>
-            </a:r>
-            <a:r>
-              <a:rPr lang="fi-FI" sz="2400" dirty="0" err="1"/>
-              <a:t>tools</a:t>
-            </a:r>
-            <a:r>
-              <a:rPr lang="fi-FI" sz="2400" dirty="0"/>
-              <a:t> in </a:t>
-            </a:r>
-            <a:r>
-              <a:rPr lang="fi-FI" sz="2400" dirty="0" err="1"/>
-              <a:t>your</a:t>
-            </a:r>
-            <a:r>
-              <a:rPr lang="fi-FI" sz="2400" dirty="0"/>
-              <a:t> </a:t>
-            </a:r>
-            <a:r>
-              <a:rPr lang="fi-FI" sz="2400" dirty="0" err="1"/>
-              <a:t>toolbox</a:t>
-            </a:r>
-            <a:r>
-              <a:rPr lang="fi-FI" sz="2400" dirty="0"/>
-              <a:t>. </a:t>
-            </a:r>
-            <a:r>
-              <a:rPr lang="fi-FI" sz="2400" dirty="0" err="1"/>
-              <a:t>Then</a:t>
-            </a:r>
-            <a:r>
-              <a:rPr lang="fi-FI" sz="2400" dirty="0"/>
-              <a:t> </a:t>
-            </a:r>
-            <a:r>
-              <a:rPr lang="fi-FI" sz="2400" dirty="0" err="1"/>
-              <a:t>you</a:t>
-            </a:r>
-            <a:r>
-              <a:rPr lang="fi-FI" sz="2400" dirty="0"/>
-              <a:t> </a:t>
-            </a:r>
-            <a:r>
-              <a:rPr lang="fi-FI" sz="2400" dirty="0" err="1"/>
-              <a:t>are</a:t>
-            </a:r>
-            <a:r>
-              <a:rPr lang="fi-FI" sz="2400" dirty="0"/>
-              <a:t> </a:t>
-            </a:r>
-            <a:r>
-              <a:rPr lang="fi-FI" sz="2400" dirty="0" err="1"/>
-              <a:t>free</a:t>
-            </a:r>
-            <a:r>
-              <a:rPr lang="fi-FI" sz="2400" dirty="0"/>
-              <a:t> to </a:t>
-            </a:r>
-            <a:r>
-              <a:rPr lang="fi-FI" sz="2400" dirty="0" err="1"/>
-              <a:t>use</a:t>
-            </a:r>
-            <a:r>
-              <a:rPr lang="fi-FI" sz="2400" dirty="0"/>
-              <a:t> </a:t>
-            </a:r>
-            <a:r>
-              <a:rPr lang="fi-FI" sz="2400" dirty="0" err="1"/>
-              <a:t>the</a:t>
-            </a:r>
-            <a:r>
-              <a:rPr lang="fi-FI" sz="2400" dirty="0"/>
-              <a:t> </a:t>
-            </a:r>
-            <a:r>
-              <a:rPr lang="fi-FI" sz="2400" dirty="0" err="1"/>
-              <a:t>one</a:t>
-            </a:r>
-            <a:r>
-              <a:rPr lang="fi-FI" sz="2400" dirty="0"/>
-              <a:t> </a:t>
-            </a:r>
-            <a:r>
-              <a:rPr lang="fi-FI" sz="2400" dirty="0" err="1"/>
-              <a:t>that</a:t>
-            </a:r>
-            <a:r>
-              <a:rPr lang="fi-FI" sz="2400" dirty="0"/>
-              <a:t> </a:t>
-            </a:r>
-            <a:r>
-              <a:rPr lang="fi-FI" sz="2400" dirty="0" err="1"/>
-              <a:t>fits</a:t>
-            </a:r>
-            <a:r>
-              <a:rPr lang="fi-FI" sz="2400" dirty="0"/>
-              <a:t> </a:t>
-            </a:r>
-            <a:r>
-              <a:rPr lang="fi-FI" sz="2400" dirty="0" err="1"/>
-              <a:t>the</a:t>
-            </a:r>
-            <a:r>
-              <a:rPr lang="fi-FI" sz="2400" dirty="0"/>
-              <a:t> </a:t>
-            </a:r>
-            <a:r>
-              <a:rPr lang="fi-FI" sz="2400" dirty="0" err="1"/>
-              <a:t>best</a:t>
-            </a:r>
-            <a:r>
-              <a:rPr lang="fi-FI" sz="2400" dirty="0"/>
-              <a:t> in </a:t>
-            </a:r>
-            <a:r>
-              <a:rPr lang="fi-FI" sz="2400" dirty="0" err="1"/>
-              <a:t>each</a:t>
-            </a:r>
-            <a:r>
-              <a:rPr lang="fi-FI" sz="2400" dirty="0"/>
-              <a:t> </a:t>
-            </a:r>
-            <a:r>
-              <a:rPr lang="fi-FI" sz="2400" dirty="0" err="1"/>
-              <a:t>need</a:t>
-            </a:r>
-            <a:r>
-              <a:rPr lang="fi-FI" sz="2400" dirty="0"/>
-              <a:t>.</a:t>
-            </a:r>
-          </a:p>
-          <a:p>
-            <a:pPr>
-              <a:lnSpc>
-                <a:spcPct val="100000"/>
-              </a:lnSpc>
-              <a:buFont typeface="Arial" panose="020B0604020202020204" pitchFamily="34" charset="0"/>
-              <a:buChar char="•"/>
-            </a:pPr>
-            <a:r>
-              <a:rPr lang="fi-FI" sz="2400" dirty="0"/>
-              <a:t>It </a:t>
-            </a:r>
-            <a:r>
-              <a:rPr lang="fi-FI" sz="2400" dirty="0" err="1"/>
-              <a:t>may</a:t>
-            </a:r>
-            <a:r>
-              <a:rPr lang="fi-FI" sz="2400" dirty="0"/>
-              <a:t> </a:t>
-            </a:r>
-            <a:r>
-              <a:rPr lang="fi-FI" sz="2400" dirty="0" err="1"/>
-              <a:t>still</a:t>
-            </a:r>
-            <a:r>
-              <a:rPr lang="fi-FI" sz="2400" dirty="0"/>
-              <a:t> </a:t>
-            </a:r>
-            <a:r>
-              <a:rPr lang="fi-FI" sz="2400" dirty="0" err="1"/>
-              <a:t>be</a:t>
-            </a:r>
-            <a:r>
-              <a:rPr lang="fi-FI" sz="2400" dirty="0"/>
-              <a:t> </a:t>
-            </a:r>
-            <a:r>
-              <a:rPr lang="fi-FI" sz="2400" dirty="0" err="1"/>
-              <a:t>also</a:t>
-            </a:r>
-            <a:r>
-              <a:rPr lang="fi-FI" sz="2400" dirty="0"/>
-              <a:t> just </a:t>
-            </a:r>
-            <a:r>
-              <a:rPr lang="fi-FI" sz="2400" dirty="0" err="1"/>
-              <a:t>the</a:t>
-            </a:r>
-            <a:r>
-              <a:rPr lang="fi-FI" sz="2400" dirty="0"/>
-              <a:t> </a:t>
-            </a:r>
-            <a:r>
-              <a:rPr lang="fi-FI" sz="2400" dirty="0" err="1"/>
-              <a:t>good</a:t>
-            </a:r>
-            <a:r>
-              <a:rPr lang="fi-FI" sz="2400" dirty="0"/>
-              <a:t> </a:t>
-            </a:r>
-            <a:r>
-              <a:rPr lang="fi-FI" sz="2400" dirty="0" err="1"/>
-              <a:t>old</a:t>
-            </a:r>
-            <a:r>
-              <a:rPr lang="fi-FI" sz="2400" dirty="0"/>
-              <a:t> </a:t>
-            </a:r>
-            <a:r>
-              <a:rPr lang="fi-FI" sz="2400" dirty="0" err="1"/>
-              <a:t>full-stack</a:t>
-            </a:r>
-            <a:r>
-              <a:rPr lang="fi-FI" sz="2400" dirty="0"/>
-              <a:t>, </a:t>
-            </a:r>
-            <a:r>
-              <a:rPr lang="fi-FI" sz="2400" dirty="0" err="1"/>
-              <a:t>though</a:t>
-            </a:r>
-            <a:r>
-              <a:rPr lang="fi-FI" sz="2400" dirty="0"/>
-              <a:t> </a:t>
-            </a:r>
-            <a:r>
-              <a:rPr lang="fi-FI" sz="2400" dirty="0" err="1"/>
-              <a:t>that</a:t>
-            </a:r>
-            <a:r>
-              <a:rPr lang="fi-FI" sz="2400" dirty="0"/>
-              <a:t> </a:t>
-            </a:r>
-            <a:r>
-              <a:rPr lang="fi-FI" sz="2400" dirty="0" err="1"/>
-              <a:t>starts</a:t>
-            </a:r>
-            <a:r>
-              <a:rPr lang="fi-FI" sz="2400" dirty="0"/>
-              <a:t> to </a:t>
-            </a:r>
-            <a:r>
-              <a:rPr lang="fi-FI" sz="2400" dirty="0" err="1"/>
-              <a:t>be</a:t>
-            </a:r>
-            <a:r>
-              <a:rPr lang="fi-FI" sz="2400" dirty="0"/>
-              <a:t> </a:t>
-            </a:r>
-            <a:r>
-              <a:rPr lang="fi-FI" sz="2400" dirty="0" err="1"/>
-              <a:t>more</a:t>
-            </a:r>
-            <a:r>
-              <a:rPr lang="fi-FI" sz="2400" dirty="0"/>
-              <a:t> </a:t>
-            </a:r>
-            <a:r>
-              <a:rPr lang="fi-FI" sz="2400" dirty="0" err="1"/>
-              <a:t>rare</a:t>
-            </a:r>
-            <a:r>
-              <a:rPr lang="fi-FI" sz="2400" dirty="0"/>
-              <a:t> in </a:t>
-            </a:r>
-            <a:r>
-              <a:rPr lang="fi-FI" sz="2400" dirty="0" err="1"/>
-              <a:t>our</a:t>
-            </a:r>
-            <a:r>
-              <a:rPr lang="fi-FI" sz="2400" dirty="0"/>
-              <a:t> </a:t>
-            </a:r>
-            <a:r>
-              <a:rPr lang="fi-FI" sz="2400" dirty="0" err="1"/>
-              <a:t>customer</a:t>
-            </a:r>
-            <a:r>
-              <a:rPr lang="fi-FI" sz="2400" dirty="0"/>
-              <a:t> </a:t>
-            </a:r>
-            <a:r>
-              <a:rPr lang="fi-FI" sz="2400" dirty="0" err="1"/>
-              <a:t>cases</a:t>
-            </a:r>
-            <a:endParaRPr lang="fi-FI" sz="2400" dirty="0"/>
-          </a:p>
-        </p:txBody>
-      </p:sp>
-    </p:spTree>
-    <p:extLst>
-      <p:ext uri="{BB962C8B-B14F-4D97-AF65-F5344CB8AC3E}">
-        <p14:creationId xmlns:p14="http://schemas.microsoft.com/office/powerpoint/2010/main" val="340790655"/>
-      </p:ext>
-    </p:extLst>
-  </p:cSld>
-  <p:clrMapOvr>
-    <a:masterClrMapping/>
-  </p:clrMapOvr>
-</p:sld>
-</file>
-
 <file path=ppt/slides/slide15.xml><?xml version="1.0" encoding="utf-8"?>
 <p:sld xmlns:a="http://schemas.openxmlformats.org/drawingml/2006/main" xmlns:r="http://schemas.openxmlformats.org/officeDocument/2006/relationships" xmlns:p="http://schemas.openxmlformats.org/presentationml/2006/main">
   <p:cSld>
@@ -13411,64 +13333,171 @@
             <p:ph type="title"/>
           </p:nvPr>
         </p:nvSpPr>
+        <p:spPr>
+          <a:xfrm>
+            <a:off x="550863" y="223812"/>
+            <a:ext cx="11125200" cy="643178"/>
+          </a:xfrm>
+        </p:spPr>
+        <p:txBody>
+          <a:bodyPr>
+            <a:normAutofit fontScale="90000"/>
+          </a:bodyPr>
+          <a:lstStyle/>
+          <a:p>
+            <a:r>
+              <a:rPr lang="fi-FI" dirty="0" err="1"/>
+              <a:t>Notice</a:t>
+            </a:r>
+            <a:r>
+              <a:rPr lang="fi-FI" dirty="0"/>
+              <a:t> </a:t>
+            </a:r>
+            <a:r>
+              <a:rPr lang="fi-FI" dirty="0" err="1"/>
+              <a:t>that</a:t>
+            </a:r>
+            <a:r>
+              <a:rPr lang="fi-FI" dirty="0"/>
+              <a:t> </a:t>
+            </a:r>
+            <a:r>
+              <a:rPr lang="fi-FI" dirty="0" err="1"/>
+              <a:t>real</a:t>
+            </a:r>
+            <a:r>
+              <a:rPr lang="fi-FI" dirty="0"/>
+              <a:t> </a:t>
+            </a:r>
+            <a:r>
+              <a:rPr lang="fi-FI" dirty="0" err="1"/>
+              <a:t>systems</a:t>
+            </a:r>
+            <a:r>
+              <a:rPr lang="fi-FI" dirty="0"/>
+              <a:t> </a:t>
+            </a:r>
+            <a:r>
+              <a:rPr lang="fi-FI" dirty="0" err="1"/>
+              <a:t>usually</a:t>
+            </a:r>
+            <a:r>
+              <a:rPr lang="fi-FI" dirty="0"/>
+              <a:t> </a:t>
+            </a:r>
+            <a:r>
+              <a:rPr lang="fi-FI" dirty="0" err="1"/>
+              <a:t>have</a:t>
+            </a:r>
+            <a:r>
+              <a:rPr lang="fi-FI" dirty="0"/>
+              <a:t> </a:t>
+            </a:r>
+            <a:r>
+              <a:rPr lang="fi-FI" dirty="0" err="1"/>
+              <a:t>mixed</a:t>
+            </a:r>
+            <a:r>
+              <a:rPr lang="fi-FI" dirty="0"/>
+              <a:t> </a:t>
+            </a:r>
+            <a:r>
+              <a:rPr lang="fi-FI" dirty="0" err="1"/>
+              <a:t>architecture</a:t>
+            </a:r>
+            <a:endParaRPr lang="fi-FI" dirty="0"/>
+          </a:p>
+        </p:txBody>
+      </p:sp>
+      <p:sp>
+        <p:nvSpPr>
+          <p:cNvPr id="5" name="Date Placeholder 4">
+            <a:extLst>
+              <a:ext uri="{FF2B5EF4-FFF2-40B4-BE49-F238E27FC236}">
+                <a16:creationId xmlns:a16="http://schemas.microsoft.com/office/drawing/2014/main" id="{CDF9BDDB-4154-894E-83EF-04FB624FF30E}"/>
+              </a:ext>
+            </a:extLst>
+          </p:cNvPr>
+          <p:cNvSpPr>
+            <a:spLocks noGrp="1"/>
+          </p:cNvSpPr>
+          <p:nvPr>
+            <p:ph type="dt" sz="half" idx="10"/>
+          </p:nvPr>
+        </p:nvSpPr>
         <p:spPr/>
         <p:txBody>
           <a:bodyPr/>
           <a:lstStyle/>
           <a:p>
-            <a:r>
-              <a:rPr lang="fi-FI" dirty="0"/>
-              <a:t>Three </a:t>
-            </a:r>
-            <a:r>
-              <a:rPr lang="fi-FI" dirty="0" err="1"/>
-              <a:t>phases</a:t>
-            </a:r>
-            <a:r>
-              <a:rPr lang="fi-FI" dirty="0"/>
-              <a:t> in </a:t>
-            </a:r>
-            <a:r>
-              <a:rPr lang="fi-FI" dirty="0" err="1"/>
-              <a:t>programming</a:t>
-            </a:r>
-            <a:r>
-              <a:rPr lang="fi-FI" dirty="0"/>
-              <a:t> a case (at </a:t>
-            </a:r>
-            <a:r>
-              <a:rPr lang="fi-FI" dirty="0" err="1"/>
-              <a:t>least</a:t>
-            </a:r>
-            <a:r>
-              <a:rPr lang="fi-FI" dirty="0"/>
-              <a:t> in </a:t>
-            </a:r>
-            <a:r>
-              <a:rPr lang="fi-FI" dirty="0" err="1"/>
-              <a:t>school</a:t>
-            </a:r>
-            <a:r>
-              <a:rPr lang="fi-FI" dirty="0"/>
-              <a:t> </a:t>
-            </a:r>
-            <a:r>
-              <a:rPr lang="fi-FI" dirty="0" err="1"/>
-              <a:t>cases</a:t>
-            </a:r>
-            <a:r>
-              <a:rPr lang="fi-FI" dirty="0"/>
-              <a:t>)</a:t>
-            </a:r>
-          </a:p>
-        </p:txBody>
-      </p:sp>
-      <p:sp>
-        <p:nvSpPr>
-          <p:cNvPr id="9" name="Content Placeholder 8">
-            <a:extLst>
-              <a:ext uri="{FF2B5EF4-FFF2-40B4-BE49-F238E27FC236}">
-                <a16:creationId xmlns:a16="http://schemas.microsoft.com/office/drawing/2014/main" id="{C711FFF1-5700-384F-B322-71416B4D664F}"/>
+            <a:fld id="{551D5D1D-8623-7244-B1BC-5984C123D6C5}" type="datetime1">
+              <a:rPr lang="fi-FI" smtClean="0"/>
+              <a:t>8.2.2024</a:t>
+            </a:fld>
+            <a:endParaRPr lang="en-GB"/>
+          </a:p>
+        </p:txBody>
+      </p:sp>
+      <p:sp>
+        <p:nvSpPr>
+          <p:cNvPr id="6" name="Footer Placeholder 5">
+            <a:extLst>
+              <a:ext uri="{FF2B5EF4-FFF2-40B4-BE49-F238E27FC236}">
+                <a16:creationId xmlns:a16="http://schemas.microsoft.com/office/drawing/2014/main" id="{DEED56F3-0862-1748-A7A9-EE5914100F54}"/>
+              </a:ext>
+            </a:extLst>
+          </p:cNvPr>
+          <p:cNvSpPr>
+            <a:spLocks noGrp="1"/>
+          </p:cNvSpPr>
+          <p:nvPr>
+            <p:ph type="ftr" sz="quarter" idx="11"/>
+          </p:nvPr>
+        </p:nvSpPr>
+        <p:spPr/>
+        <p:txBody>
+          <a:bodyPr/>
+          <a:lstStyle/>
+          <a:p>
+            <a:endParaRPr lang="en-GB"/>
+          </a:p>
+        </p:txBody>
+      </p:sp>
+      <p:sp>
+        <p:nvSpPr>
+          <p:cNvPr id="7" name="Slide Number Placeholder 6">
+            <a:extLst>
+              <a:ext uri="{FF2B5EF4-FFF2-40B4-BE49-F238E27FC236}">
+                <a16:creationId xmlns:a16="http://schemas.microsoft.com/office/drawing/2014/main" id="{6CBC8079-2140-8745-901A-8EB4BF8EAF2D}"/>
+              </a:ext>
+            </a:extLst>
+          </p:cNvPr>
+          <p:cNvSpPr>
+            <a:spLocks noGrp="1"/>
+          </p:cNvSpPr>
+          <p:nvPr>
+            <p:ph type="sldNum" sz="quarter" idx="12"/>
+          </p:nvPr>
+        </p:nvSpPr>
+        <p:spPr/>
+        <p:txBody>
+          <a:bodyPr/>
+          <a:lstStyle/>
+          <a:p>
+            <a:fld id="{76BAB7ED-EDE9-4D4B-9A2D-30E18C47C16E}" type="slidenum">
+              <a:rPr lang="en-GB" smtClean="0"/>
+              <a:t>15</a:t>
+            </a:fld>
+            <a:endParaRPr lang="en-GB"/>
+          </a:p>
+        </p:txBody>
+      </p:sp>
+      <p:sp>
+        <p:nvSpPr>
+          <p:cNvPr id="44" name="Content Placeholder 8">
+            <a:extLst>
+              <a:ext uri="{FF2B5EF4-FFF2-40B4-BE49-F238E27FC236}">
+                <a16:creationId xmlns:a16="http://schemas.microsoft.com/office/drawing/2014/main" id="{AD58326A-C368-42A5-9A92-5D60011617DB}"/>
               </a:ext>
             </a:extLst>
           </p:cNvPr>
@@ -13479,874 +13508,581 @@
             <p:ph sz="half" idx="2"/>
           </p:nvPr>
         </p:nvSpPr>
-        <p:spPr/>
+        <p:spPr>
+          <a:xfrm>
+            <a:off x="550865" y="1060314"/>
+            <a:ext cx="9185945" cy="4953027"/>
+          </a:xfrm>
+        </p:spPr>
         <p:txBody>
           <a:bodyPr>
-            <a:normAutofit fontScale="92500"/>
+            <a:normAutofit/>
           </a:bodyPr>
           <a:lstStyle/>
           <a:p>
-            <a:r>
-              <a:rPr lang="fi-FI" dirty="0"/>
-              <a:t>Technical </a:t>
-            </a:r>
-            <a:r>
-              <a:rPr lang="fi-FI" dirty="0" err="1"/>
-              <a:t>studies</a:t>
-            </a:r>
-            <a:endParaRPr lang="fi-FI" dirty="0"/>
-          </a:p>
-          <a:p>
-            <a:pPr lvl="1"/>
-            <a:r>
-              <a:rPr lang="fi-FI" dirty="0" err="1"/>
-              <a:t>Fast</a:t>
-            </a:r>
-            <a:r>
-              <a:rPr lang="fi-FI" dirty="0"/>
-              <a:t> </a:t>
-            </a:r>
-            <a:r>
-              <a:rPr lang="fi-FI" dirty="0" err="1"/>
-              <a:t>experiments</a:t>
-            </a:r>
-            <a:r>
-              <a:rPr lang="fi-FI" dirty="0"/>
+            <a:pPr>
+              <a:lnSpc>
+                <a:spcPct val="100000"/>
+              </a:lnSpc>
+              <a:buFont typeface="Arial" panose="020B0604020202020204" pitchFamily="34" charset="0"/>
+              <a:buChar char="•"/>
+            </a:pPr>
+            <a:r>
+              <a:rPr lang="fi-FI" sz="2400" dirty="0" err="1"/>
+              <a:t>The</a:t>
+            </a:r>
+            <a:r>
+              <a:rPr lang="fi-FI" sz="2400" dirty="0"/>
+              <a:t> </a:t>
+            </a:r>
+            <a:r>
+              <a:rPr lang="fi-FI" sz="2400" dirty="0" err="1"/>
+              <a:t>previously</a:t>
+            </a:r>
+            <a:r>
+              <a:rPr lang="fi-FI" sz="2400" dirty="0"/>
+              <a:t> </a:t>
+            </a:r>
+            <a:r>
+              <a:rPr lang="fi-FI" sz="2400" dirty="0" err="1"/>
+              <a:t>presented</a:t>
+            </a:r>
+            <a:r>
+              <a:rPr lang="fi-FI" sz="2400" dirty="0"/>
+              <a:t> </a:t>
+            </a:r>
+            <a:r>
+              <a:rPr lang="fi-FI" sz="2400" dirty="0" err="1"/>
+              <a:t>three</a:t>
+            </a:r>
+            <a:r>
+              <a:rPr lang="fi-FI" sz="2400" dirty="0"/>
+              <a:t> </a:t>
+            </a:r>
+            <a:r>
+              <a:rPr lang="fi-FI" sz="2400" dirty="0" err="1"/>
+              <a:t>architectural</a:t>
+            </a:r>
+            <a:r>
+              <a:rPr lang="fi-FI" sz="2400" dirty="0"/>
+              <a:t> </a:t>
+            </a:r>
+            <a:r>
+              <a:rPr lang="fi-FI" sz="2400" dirty="0" err="1"/>
+              <a:t>models</a:t>
+            </a:r>
+            <a:r>
+              <a:rPr lang="fi-FI" sz="2400" dirty="0"/>
+              <a:t> </a:t>
+            </a:r>
+            <a:r>
+              <a:rPr lang="fi-FI" sz="2400" dirty="0" err="1"/>
+              <a:t>are</a:t>
+            </a:r>
+            <a:r>
+              <a:rPr lang="fi-FI" sz="2400" dirty="0"/>
+              <a:t> </a:t>
+            </a:r>
+            <a:r>
+              <a:rPr lang="fi-FI" sz="2400" dirty="0" err="1"/>
+              <a:t>naturally</a:t>
+            </a:r>
+            <a:r>
+              <a:rPr lang="fi-FI" sz="2400" dirty="0"/>
+              <a:t> just </a:t>
+            </a:r>
+            <a:r>
+              <a:rPr lang="fi-FI" sz="2400" dirty="0" err="1"/>
+              <a:t>simplifications</a:t>
+            </a:r>
+            <a:endParaRPr lang="fi-FI" sz="2400" dirty="0"/>
+          </a:p>
+          <a:p>
+            <a:pPr>
+              <a:lnSpc>
+                <a:spcPct val="100000"/>
+              </a:lnSpc>
+              <a:buFont typeface="Arial" panose="020B0604020202020204" pitchFamily="34" charset="0"/>
+              <a:buChar char="•"/>
+            </a:pPr>
+            <a:r>
+              <a:rPr lang="fi-FI" sz="2400" dirty="0" err="1"/>
+              <a:t>The</a:t>
+            </a:r>
+            <a:r>
+              <a:rPr lang="fi-FI" sz="2400" dirty="0"/>
+              <a:t> </a:t>
+            </a:r>
+            <a:r>
+              <a:rPr lang="fi-FI" sz="2400" dirty="0" err="1"/>
+              <a:t>real</a:t>
+            </a:r>
+            <a:r>
+              <a:rPr lang="fi-FI" sz="2400" dirty="0"/>
+              <a:t> </a:t>
+            </a:r>
+            <a:r>
+              <a:rPr lang="fi-FI" sz="2400" dirty="0" err="1"/>
+              <a:t>information</a:t>
+            </a:r>
+            <a:r>
+              <a:rPr lang="fi-FI" sz="2400" dirty="0"/>
+              <a:t> </a:t>
+            </a:r>
+            <a:r>
+              <a:rPr lang="fi-FI" sz="2400" dirty="0" err="1"/>
+              <a:t>system</a:t>
+            </a:r>
+            <a:r>
+              <a:rPr lang="fi-FI" sz="2400" dirty="0"/>
+              <a:t> </a:t>
+            </a:r>
+            <a:r>
+              <a:rPr lang="fi-FI" sz="2400" dirty="0" err="1"/>
+              <a:t>architecture</a:t>
+            </a:r>
+            <a:r>
+              <a:rPr lang="fi-FI" sz="2400" dirty="0"/>
+              <a:t> </a:t>
+            </a:r>
+            <a:r>
+              <a:rPr lang="fi-FI" sz="2400" dirty="0" err="1"/>
+              <a:t>you</a:t>
+            </a:r>
+            <a:r>
+              <a:rPr lang="fi-FI" sz="2400" dirty="0"/>
+              <a:t> </a:t>
+            </a:r>
+            <a:r>
+              <a:rPr lang="fi-FI" sz="2400" dirty="0" err="1"/>
+              <a:t>will</a:t>
+            </a:r>
+            <a:r>
+              <a:rPr lang="fi-FI" sz="2400" dirty="0"/>
+              <a:t> </a:t>
+            </a:r>
+            <a:r>
+              <a:rPr lang="fi-FI" sz="2400" dirty="0" err="1"/>
+              <a:t>be</a:t>
+            </a:r>
+            <a:r>
+              <a:rPr lang="fi-FI" sz="2400" dirty="0"/>
+              <a:t> </a:t>
+            </a:r>
+            <a:r>
+              <a:rPr lang="fi-FI" sz="2400" dirty="0" err="1"/>
+              <a:t>creating</a:t>
+            </a:r>
+            <a:r>
+              <a:rPr lang="fi-FI" sz="2400" dirty="0"/>
+              <a:t> </a:t>
+            </a:r>
+            <a:r>
+              <a:rPr lang="fi-FI" sz="2400" dirty="0" err="1"/>
+              <a:t>e.g</a:t>
+            </a:r>
+            <a:r>
+              <a:rPr lang="fi-FI" sz="2400" dirty="0"/>
+              <a:t>. for </a:t>
+            </a:r>
+            <a:r>
+              <a:rPr lang="fi-FI" sz="2400" dirty="0" err="1"/>
+              <a:t>customers</a:t>
+            </a:r>
+            <a:r>
+              <a:rPr lang="fi-FI" sz="2400" dirty="0"/>
+              <a:t> in </a:t>
+            </a:r>
+            <a:r>
+              <a:rPr lang="fi-FI" sz="2400" dirty="0" err="1"/>
+              <a:t>our</a:t>
+            </a:r>
+            <a:r>
+              <a:rPr lang="fi-FI" sz="2400" dirty="0"/>
+              <a:t> </a:t>
+            </a:r>
+            <a:r>
+              <a:rPr lang="fi-FI" sz="2400" dirty="0" err="1"/>
+              <a:t>projects</a:t>
+            </a:r>
+            <a:r>
+              <a:rPr lang="fi-FI" sz="2400" dirty="0"/>
+              <a:t> </a:t>
+            </a:r>
+            <a:r>
+              <a:rPr lang="fi-FI" sz="2400" dirty="0" err="1"/>
+              <a:t>might</a:t>
+            </a:r>
+            <a:r>
+              <a:rPr lang="fi-FI" sz="2400" dirty="0"/>
+              <a:t> </a:t>
+            </a:r>
+            <a:r>
+              <a:rPr lang="fi-FI" sz="2400" dirty="0" err="1"/>
+              <a:t>well</a:t>
+            </a:r>
+            <a:r>
+              <a:rPr lang="fi-FI" sz="2400" dirty="0"/>
+              <a:t> </a:t>
+            </a:r>
+            <a:r>
+              <a:rPr lang="fi-FI" sz="2400" dirty="0" err="1"/>
+              <a:t>be</a:t>
+            </a:r>
+            <a:r>
+              <a:rPr lang="fi-FI" sz="2400" dirty="0"/>
+              <a:t> a </a:t>
+            </a:r>
+            <a:r>
+              <a:rPr lang="fi-FI" sz="2400" b="1" dirty="0"/>
+              <a:t>mix of </a:t>
+            </a:r>
+            <a:r>
+              <a:rPr lang="fi-FI" sz="2400" b="1" dirty="0" err="1"/>
+              <a:t>even</a:t>
+            </a:r>
+            <a:r>
+              <a:rPr lang="fi-FI" sz="2400" b="1" dirty="0"/>
+              <a:t> </a:t>
+            </a:r>
+            <a:r>
+              <a:rPr lang="fi-FI" sz="2400" b="1" dirty="0" err="1"/>
+              <a:t>all</a:t>
+            </a:r>
+            <a:r>
+              <a:rPr lang="fi-FI" sz="2400" b="1" dirty="0"/>
               <a:t> of </a:t>
             </a:r>
             <a:r>
-              <a:rPr lang="fi-FI" dirty="0" err="1"/>
-              <a:t>any</a:t>
-            </a:r>
-            <a:r>
-              <a:rPr lang="fi-FI" dirty="0"/>
-              <a:t> </a:t>
-            </a:r>
-            <a:r>
-              <a:rPr lang="fi-FI" dirty="0" err="1"/>
-              <a:t>kind</a:t>
-            </a:r>
-            <a:r>
-              <a:rPr lang="fi-FI" dirty="0"/>
+              <a:rPr lang="fi-FI" sz="2400" b="1" dirty="0" err="1"/>
+              <a:t>these</a:t>
+            </a:r>
+            <a:r>
+              <a:rPr lang="fi-FI" sz="2400" dirty="0"/>
+              <a:t>. And </a:t>
+            </a:r>
+            <a:r>
+              <a:rPr lang="fi-FI" sz="2400" dirty="0" err="1"/>
+              <a:t>nowadays</a:t>
+            </a:r>
+            <a:r>
+              <a:rPr lang="fi-FI" sz="2400" dirty="0"/>
+              <a:t> </a:t>
+            </a:r>
+            <a:r>
+              <a:rPr lang="fi-FI" sz="2400" dirty="0" err="1"/>
+              <a:t>often</a:t>
+            </a:r>
+            <a:r>
+              <a:rPr lang="fi-FI" sz="2400" dirty="0"/>
+              <a:t> is.</a:t>
+            </a:r>
+          </a:p>
+          <a:p>
+            <a:pPr>
+              <a:lnSpc>
+                <a:spcPct val="100000"/>
+              </a:lnSpc>
+              <a:buFont typeface="Arial" panose="020B0604020202020204" pitchFamily="34" charset="0"/>
+              <a:buChar char="•"/>
+            </a:pPr>
+            <a:r>
+              <a:rPr lang="fi-FI" sz="2400" dirty="0" err="1"/>
+              <a:t>But</a:t>
+            </a:r>
+            <a:r>
+              <a:rPr lang="fi-FI" sz="2400" dirty="0"/>
+              <a:t> look at </a:t>
+            </a:r>
+            <a:r>
+              <a:rPr lang="fi-FI" sz="2400" dirty="0" err="1"/>
+              <a:t>these</a:t>
+            </a:r>
+            <a:r>
+              <a:rPr lang="fi-FI" sz="2400" dirty="0"/>
+              <a:t> as </a:t>
+            </a:r>
+            <a:r>
+              <a:rPr lang="fi-FI" sz="2400" dirty="0" err="1"/>
+              <a:t>tools</a:t>
+            </a:r>
+            <a:r>
+              <a:rPr lang="fi-FI" sz="2400" dirty="0"/>
+              <a:t> in </a:t>
+            </a:r>
+            <a:r>
+              <a:rPr lang="fi-FI" sz="2400" dirty="0" err="1"/>
+              <a:t>your</a:t>
+            </a:r>
+            <a:r>
+              <a:rPr lang="fi-FI" sz="2400" dirty="0"/>
+              <a:t> </a:t>
+            </a:r>
+            <a:r>
+              <a:rPr lang="fi-FI" sz="2400" dirty="0" err="1"/>
+              <a:t>toolbox</a:t>
+            </a:r>
+            <a:r>
+              <a:rPr lang="fi-FI" sz="2400" dirty="0"/>
               <a:t>. </a:t>
             </a:r>
             <a:r>
-              <a:rPr lang="fi-FI" dirty="0" err="1"/>
-              <a:t>Speed</a:t>
-            </a:r>
-            <a:r>
-              <a:rPr lang="fi-FI" dirty="0"/>
+              <a:rPr lang="fi-FI" sz="2400" dirty="0" err="1"/>
+              <a:t>Then</a:t>
+            </a:r>
+            <a:r>
+              <a:rPr lang="fi-FI" sz="2400" dirty="0"/>
+              <a:t> </a:t>
+            </a:r>
+            <a:r>
+              <a:rPr lang="fi-FI" sz="2400" dirty="0" err="1"/>
+              <a:t>you</a:t>
+            </a:r>
+            <a:r>
+              <a:rPr lang="fi-FI" sz="2400" dirty="0"/>
+              <a:t> </a:t>
+            </a:r>
+            <a:r>
+              <a:rPr lang="fi-FI" sz="2400" dirty="0" err="1"/>
+              <a:t>are</a:t>
+            </a:r>
+            <a:r>
+              <a:rPr lang="fi-FI" sz="2400" dirty="0"/>
+              <a:t> </a:t>
+            </a:r>
+            <a:r>
+              <a:rPr lang="fi-FI" sz="2400" dirty="0" err="1"/>
+              <a:t>free</a:t>
+            </a:r>
+            <a:r>
+              <a:rPr lang="fi-FI" sz="2400" dirty="0"/>
+              <a:t> to </a:t>
+            </a:r>
+            <a:r>
+              <a:rPr lang="fi-FI" sz="2400" dirty="0" err="1"/>
+              <a:t>use</a:t>
+            </a:r>
+            <a:r>
+              <a:rPr lang="fi-FI" sz="2400" dirty="0"/>
+              <a:t> </a:t>
+            </a:r>
+            <a:r>
+              <a:rPr lang="fi-FI" sz="2400" dirty="0" err="1"/>
+              <a:t>the</a:t>
+            </a:r>
+            <a:r>
+              <a:rPr lang="fi-FI" sz="2400" dirty="0"/>
+              <a:t> </a:t>
+            </a:r>
+            <a:r>
+              <a:rPr lang="fi-FI" sz="2400" dirty="0" err="1"/>
+              <a:t>one</a:t>
+            </a:r>
+            <a:r>
+              <a:rPr lang="fi-FI" sz="2400" dirty="0"/>
+              <a:t> </a:t>
+            </a:r>
+            <a:r>
+              <a:rPr lang="fi-FI" sz="2400" dirty="0" err="1"/>
+              <a:t>that</a:t>
+            </a:r>
+            <a:r>
+              <a:rPr lang="fi-FI" sz="2400" dirty="0"/>
+              <a:t> </a:t>
+            </a:r>
+            <a:r>
+              <a:rPr lang="fi-FI" sz="2400" dirty="0" err="1"/>
+              <a:t>fits</a:t>
+            </a:r>
+            <a:r>
+              <a:rPr lang="fi-FI" sz="2400" dirty="0"/>
+              <a:t> </a:t>
+            </a:r>
+            <a:r>
+              <a:rPr lang="fi-FI" sz="2400" dirty="0" err="1"/>
+              <a:t>the</a:t>
+            </a:r>
+            <a:r>
+              <a:rPr lang="fi-FI" sz="2400" dirty="0"/>
+              <a:t> </a:t>
+            </a:r>
+            <a:r>
+              <a:rPr lang="fi-FI" sz="2400" dirty="0" err="1"/>
+              <a:t>best</a:t>
+            </a:r>
+            <a:r>
+              <a:rPr lang="fi-FI" sz="2400" dirty="0"/>
               <a:t> in </a:t>
             </a:r>
             <a:r>
-              <a:rPr lang="fi-FI" dirty="0" err="1"/>
-              <a:t>learning</a:t>
-            </a:r>
-            <a:r>
-              <a:rPr lang="fi-FI" dirty="0"/>
-              <a:t> is </a:t>
-            </a:r>
-            <a:r>
-              <a:rPr lang="fi-FI" dirty="0" err="1"/>
-              <a:t>important</a:t>
-            </a:r>
-            <a:r>
-              <a:rPr lang="fi-FI" dirty="0"/>
-              <a:t>. </a:t>
-            </a:r>
-            <a:r>
-              <a:rPr lang="fi-FI" dirty="0" err="1"/>
-              <a:t>But</a:t>
-            </a:r>
-            <a:r>
-              <a:rPr lang="fi-FI" dirty="0"/>
-              <a:t> </a:t>
-            </a:r>
-            <a:r>
-              <a:rPr lang="fi-FI" dirty="0" err="1"/>
+              <a:rPr lang="fi-FI" sz="2400" dirty="0" err="1"/>
+              <a:t>each</a:t>
+            </a:r>
+            <a:r>
+              <a:rPr lang="fi-FI" sz="2400" dirty="0"/>
+              <a:t> </a:t>
+            </a:r>
+            <a:r>
+              <a:rPr lang="fi-FI" sz="2400" dirty="0" err="1"/>
+              <a:t>need</a:t>
+            </a:r>
+            <a:r>
+              <a:rPr lang="fi-FI" sz="2400" dirty="0"/>
+              <a:t>.</a:t>
+            </a:r>
+          </a:p>
+          <a:p>
+            <a:pPr>
+              <a:lnSpc>
+                <a:spcPct val="100000"/>
+              </a:lnSpc>
+              <a:buFont typeface="Arial" panose="020B0604020202020204" pitchFamily="34" charset="0"/>
+              <a:buChar char="•"/>
+            </a:pPr>
+            <a:r>
+              <a:rPr lang="fi-FI" sz="2400" dirty="0"/>
+              <a:t>It </a:t>
+            </a:r>
+            <a:r>
+              <a:rPr lang="fi-FI" sz="2400" dirty="0" err="1"/>
+              <a:t>may</a:t>
+            </a:r>
+            <a:r>
+              <a:rPr lang="fi-FI" sz="2400" dirty="0"/>
+              <a:t> </a:t>
+            </a:r>
+            <a:r>
+              <a:rPr lang="fi-FI" sz="2400" dirty="0" err="1"/>
+              <a:t>still</a:t>
+            </a:r>
+            <a:r>
+              <a:rPr lang="fi-FI" sz="2400" dirty="0"/>
+              <a:t> </a:t>
+            </a:r>
+            <a:r>
+              <a:rPr lang="fi-FI" sz="2400" dirty="0" err="1"/>
+              <a:t>be</a:t>
+            </a:r>
+            <a:r>
+              <a:rPr lang="fi-FI" sz="2400" dirty="0"/>
+              <a:t> </a:t>
+            </a:r>
+            <a:r>
+              <a:rPr lang="fi-FI" sz="2400" dirty="0" err="1"/>
               <a:t>also</a:t>
             </a:r>
             <a:r>
-              <a:rPr lang="fi-FI" dirty="0"/>
-              <a:t> </a:t>
-            </a:r>
-            <a:r>
-              <a:rPr lang="fi-FI" dirty="0" err="1"/>
-              <a:t>deep</a:t>
-            </a:r>
-            <a:r>
-              <a:rPr lang="fi-FI" dirty="0"/>
-              <a:t> </a:t>
-            </a:r>
-            <a:r>
-              <a:rPr lang="fi-FI" dirty="0" err="1"/>
-              <a:t>understanding</a:t>
-            </a:r>
-            <a:r>
-              <a:rPr lang="fi-FI" dirty="0"/>
-              <a:t> of at </a:t>
-            </a:r>
-            <a:r>
-              <a:rPr lang="fi-FI" dirty="0" err="1"/>
-              <a:t>least</a:t>
-            </a:r>
-            <a:r>
-              <a:rPr lang="fi-FI" dirty="0"/>
-              <a:t> </a:t>
-            </a:r>
-            <a:r>
-              <a:rPr lang="fi-FI" dirty="0" err="1"/>
+              <a:rPr lang="fi-FI" sz="2400" dirty="0"/>
+              <a:t> just </a:t>
+            </a:r>
+            <a:r>
+              <a:rPr lang="fi-FI" sz="2400" dirty="0" err="1"/>
               <a:t>the</a:t>
             </a:r>
             <a:r>
-              <a:rPr lang="fi-FI" dirty="0"/>
-              <a:t> </a:t>
-            </a:r>
-            <a:r>
-              <a:rPr lang="fi-FI" dirty="0" err="1"/>
-              <a:t>core</a:t>
-            </a:r>
-            <a:r>
-              <a:rPr lang="fi-FI" dirty="0"/>
-              <a:t> </a:t>
-            </a:r>
-            <a:r>
-              <a:rPr lang="fi-FI" dirty="0" err="1"/>
-              <a:t>concepts</a:t>
-            </a:r>
-            <a:r>
-              <a:rPr lang="fi-FI" dirty="0"/>
-              <a:t>. </a:t>
-            </a:r>
-            <a:r>
-              <a:rPr lang="fi-FI" dirty="0" err="1"/>
-              <a:t>Mickey</a:t>
-            </a:r>
-            <a:r>
-              <a:rPr lang="fi-FI" dirty="0"/>
-              <a:t> </a:t>
-            </a:r>
-            <a:r>
-              <a:rPr lang="fi-FI" dirty="0" err="1"/>
-              <a:t>mouse</a:t>
-            </a:r>
-            <a:r>
-              <a:rPr lang="fi-FI" dirty="0"/>
-              <a:t> </a:t>
-            </a:r>
-            <a:r>
-              <a:rPr lang="fi-FI" dirty="0" err="1"/>
-              <a:t>examples</a:t>
-            </a:r>
-            <a:r>
-              <a:rPr lang="fi-FI" dirty="0"/>
-              <a:t>. </a:t>
-            </a:r>
-            <a:r>
-              <a:rPr lang="fi-FI" dirty="0" err="1"/>
-              <a:t>Closer</a:t>
-            </a:r>
-            <a:r>
-              <a:rPr lang="fi-FI" dirty="0"/>
-              <a:t> to 0% </a:t>
-            </a:r>
-            <a:r>
-              <a:rPr lang="fi-FI" dirty="0" err="1"/>
+              <a:rPr lang="fi-FI" sz="2400" dirty="0"/>
+              <a:t> </a:t>
+            </a:r>
+            <a:r>
+              <a:rPr lang="fi-FI" sz="2400" dirty="0" err="1"/>
+              <a:t>good</a:t>
+            </a:r>
+            <a:r>
+              <a:rPr lang="fi-FI" sz="2400" dirty="0"/>
+              <a:t> </a:t>
+            </a:r>
+            <a:r>
+              <a:rPr lang="fi-FI" sz="2400" dirty="0" err="1"/>
+              <a:t>old</a:t>
+            </a:r>
+            <a:r>
+              <a:rPr lang="fi-FI" sz="2400" dirty="0"/>
+              <a:t> </a:t>
+            </a:r>
+            <a:r>
+              <a:rPr lang="fi-FI" sz="2400" dirty="0" err="1"/>
+              <a:t>full-stack</a:t>
+            </a:r>
+            <a:r>
+              <a:rPr lang="fi-FI" sz="2400" dirty="0"/>
+              <a:t>, </a:t>
+            </a:r>
+            <a:r>
+              <a:rPr lang="fi-FI" sz="2400" dirty="0" err="1"/>
+              <a:t>though</a:t>
+            </a:r>
+            <a:r>
+              <a:rPr lang="fi-FI" sz="2400" dirty="0"/>
+              <a:t> </a:t>
+            </a:r>
+            <a:r>
+              <a:rPr lang="fi-FI" sz="2400" dirty="0" err="1"/>
+              <a:t>that</a:t>
+            </a:r>
+            <a:r>
+              <a:rPr lang="fi-FI" sz="2400" dirty="0"/>
+              <a:t> </a:t>
+            </a:r>
+            <a:r>
+              <a:rPr lang="fi-FI" sz="2400" dirty="0" err="1"/>
+              <a:t>starts</a:t>
+            </a:r>
+            <a:r>
+              <a:rPr lang="fi-FI" sz="2400" dirty="0"/>
+              <a:t> to </a:t>
+            </a:r>
+            <a:r>
+              <a:rPr lang="fi-FI" sz="2400" dirty="0" err="1"/>
+              <a:t>be</a:t>
+            </a:r>
+            <a:r>
+              <a:rPr lang="fi-FI" sz="2400" dirty="0"/>
+              <a:t> </a:t>
+            </a:r>
+            <a:r>
+              <a:rPr lang="fi-FI" sz="2400" dirty="0" err="1"/>
+              <a:t>more</a:t>
+            </a:r>
+            <a:r>
+              <a:rPr lang="fi-FI" sz="2400" dirty="0"/>
+              <a:t> </a:t>
+            </a:r>
+            <a:r>
+              <a:rPr lang="fi-FI" sz="2400" dirty="0" err="1"/>
+              <a:t>rare</a:t>
+            </a:r>
+            <a:r>
+              <a:rPr lang="fi-FI" sz="2400" dirty="0"/>
+              <a:t> in </a:t>
+            </a:r>
+            <a:r>
+              <a:rPr lang="fi-FI" sz="2400" dirty="0" err="1"/>
+              <a:t>our</a:t>
+            </a:r>
+            <a:r>
+              <a:rPr lang="fi-FI" sz="2400" dirty="0"/>
+              <a:t> </a:t>
+            </a:r>
+            <a:r>
+              <a:rPr lang="fi-FI" sz="2400" dirty="0" err="1"/>
               <a:t>customer</a:t>
             </a:r>
             <a:r>
-              <a:rPr lang="fi-FI" dirty="0"/>
-              <a:t> </a:t>
-            </a:r>
-            <a:r>
-              <a:rPr lang="fi-FI" dirty="0" err="1"/>
-              <a:t>value</a:t>
-            </a:r>
-            <a:r>
-              <a:rPr lang="fi-FI" dirty="0"/>
-              <a:t>, </a:t>
-            </a:r>
-            <a:r>
-              <a:rPr lang="fi-FI" dirty="0" err="1"/>
-              <a:t>but</a:t>
-            </a:r>
-            <a:r>
-              <a:rPr lang="fi-FI" dirty="0"/>
-              <a:t> </a:t>
-            </a:r>
-            <a:r>
-              <a:rPr lang="fi-FI" dirty="0" err="1"/>
-              <a:t>aiming</a:t>
-            </a:r>
-            <a:r>
-              <a:rPr lang="fi-FI" dirty="0"/>
-              <a:t> at </a:t>
-            </a:r>
-            <a:r>
-              <a:rPr lang="fi-FI" dirty="0" err="1"/>
-              <a:t>closer</a:t>
-            </a:r>
-            <a:r>
-              <a:rPr lang="fi-FI" dirty="0"/>
-              <a:t> to 100% </a:t>
-            </a:r>
-            <a:r>
-              <a:rPr lang="fi-FI" dirty="0" err="1"/>
-              <a:t>technical</a:t>
-            </a:r>
-            <a:r>
-              <a:rPr lang="fi-FI" dirty="0"/>
-              <a:t> </a:t>
-            </a:r>
-            <a:r>
-              <a:rPr lang="fi-FI" dirty="0" err="1"/>
-              <a:t>ability</a:t>
-            </a:r>
-            <a:r>
-              <a:rPr lang="fi-FI" dirty="0"/>
-              <a:t> </a:t>
-            </a:r>
-            <a:r>
-              <a:rPr lang="fi-FI" dirty="0" err="1"/>
-              <a:t>development</a:t>
-            </a:r>
-            <a:endParaRPr lang="fi-FI" dirty="0"/>
-          </a:p>
-          <a:p>
-            <a:pPr lvl="1"/>
-            <a:r>
-              <a:rPr lang="fi-FI" dirty="0" err="1"/>
-              <a:t>Only</a:t>
-            </a:r>
-            <a:r>
-              <a:rPr lang="fi-FI" dirty="0"/>
-              <a:t> </a:t>
-            </a:r>
-            <a:r>
-              <a:rPr lang="fi-FI" dirty="0" err="1"/>
-              <a:t>think</a:t>
-            </a:r>
-            <a:r>
-              <a:rPr lang="fi-FI" dirty="0"/>
-              <a:t> of </a:t>
-            </a:r>
-            <a:r>
-              <a:rPr lang="fi-FI" dirty="0" err="1"/>
-              <a:t>the</a:t>
-            </a:r>
-            <a:r>
-              <a:rPr lang="fi-FI" dirty="0"/>
-              <a:t> </a:t>
-            </a:r>
-            <a:r>
-              <a:rPr lang="fi-FI" dirty="0" err="1"/>
-              <a:t>customer</a:t>
-            </a:r>
-            <a:r>
-              <a:rPr lang="fi-FI" dirty="0"/>
-              <a:t> case </a:t>
-            </a:r>
-            <a:r>
-              <a:rPr lang="fi-FI" dirty="0" err="1"/>
-              <a:t>from</a:t>
-            </a:r>
-            <a:r>
-              <a:rPr lang="fi-FI" dirty="0"/>
-              <a:t> </a:t>
-            </a:r>
-            <a:r>
-              <a:rPr lang="fi-FI" dirty="0" err="1"/>
-              <a:t>technical</a:t>
-            </a:r>
-            <a:r>
-              <a:rPr lang="fi-FI" dirty="0"/>
-              <a:t> </a:t>
-            </a:r>
-            <a:r>
-              <a:rPr lang="fi-FI" dirty="0" err="1"/>
-              <a:t>point</a:t>
-            </a:r>
-            <a:r>
-              <a:rPr lang="fi-FI" dirty="0"/>
-              <a:t> of </a:t>
-            </a:r>
-            <a:r>
-              <a:rPr lang="fi-FI" dirty="0" err="1"/>
-              <a:t>view</a:t>
-            </a:r>
-            <a:r>
-              <a:rPr lang="fi-FI" dirty="0"/>
-              <a:t>. </a:t>
-            </a:r>
-            <a:r>
-              <a:rPr lang="fi-FI" dirty="0" err="1"/>
-              <a:t>What</a:t>
-            </a:r>
-            <a:r>
-              <a:rPr lang="fi-FI" dirty="0"/>
-              <a:t> </a:t>
-            </a:r>
-            <a:r>
-              <a:rPr lang="fi-FI" dirty="0" err="1"/>
-              <a:t>are</a:t>
-            </a:r>
-            <a:r>
-              <a:rPr lang="fi-FI" dirty="0"/>
-              <a:t> </a:t>
-            </a:r>
-            <a:r>
-              <a:rPr lang="fi-FI" dirty="0" err="1"/>
-              <a:t>the</a:t>
-            </a:r>
-            <a:r>
-              <a:rPr lang="fi-FI" dirty="0"/>
-              <a:t> </a:t>
-            </a:r>
-            <a:r>
-              <a:rPr lang="fi-FI" dirty="0" err="1"/>
-              <a:t>technical</a:t>
-            </a:r>
-            <a:r>
-              <a:rPr lang="fi-FI" dirty="0"/>
-              <a:t> </a:t>
-            </a:r>
-            <a:r>
-              <a:rPr lang="fi-FI" dirty="0" err="1"/>
-              <a:t>challenges</a:t>
-            </a:r>
-            <a:r>
-              <a:rPr lang="fi-FI" dirty="0"/>
-              <a:t> </a:t>
-            </a:r>
-            <a:r>
-              <a:rPr lang="fi-FI" dirty="0" err="1"/>
-              <a:t>that</a:t>
-            </a:r>
-            <a:r>
-              <a:rPr lang="fi-FI" dirty="0"/>
-              <a:t> </a:t>
-            </a:r>
-            <a:r>
-              <a:rPr lang="fi-FI" dirty="0" err="1"/>
-              <a:t>need</a:t>
-            </a:r>
-            <a:r>
-              <a:rPr lang="fi-FI" dirty="0"/>
-              <a:t> to </a:t>
-            </a:r>
-            <a:r>
-              <a:rPr lang="fi-FI" dirty="0" err="1"/>
-              <a:t>be</a:t>
-            </a:r>
-            <a:r>
-              <a:rPr lang="fi-FI" dirty="0"/>
-              <a:t> </a:t>
-            </a:r>
-            <a:r>
-              <a:rPr lang="fi-FI" dirty="0" err="1"/>
-              <a:t>addressed</a:t>
-            </a:r>
-            <a:r>
-              <a:rPr lang="fi-FI" dirty="0"/>
-              <a:t> </a:t>
-            </a:r>
-            <a:r>
-              <a:rPr lang="fi-FI" dirty="0" err="1"/>
-              <a:t>right</a:t>
-            </a:r>
-            <a:r>
-              <a:rPr lang="fi-FI" dirty="0"/>
-              <a:t> </a:t>
-            </a:r>
-            <a:r>
-              <a:rPr lang="fi-FI" dirty="0" err="1"/>
-              <a:t>now</a:t>
-            </a:r>
-            <a:r>
-              <a:rPr lang="fi-FI" dirty="0"/>
-              <a:t>?</a:t>
-            </a:r>
-          </a:p>
-          <a:p>
-            <a:r>
-              <a:rPr lang="fi-FI" dirty="0" err="1"/>
-              <a:t>Archictecture</a:t>
-            </a:r>
-            <a:r>
-              <a:rPr lang="fi-FI" dirty="0"/>
-              <a:t> </a:t>
-            </a:r>
-            <a:r>
-              <a:rPr lang="fi-FI" dirty="0" err="1"/>
-              <a:t>building</a:t>
-            </a:r>
-            <a:endParaRPr lang="fi-FI" dirty="0"/>
-          </a:p>
-          <a:p>
-            <a:pPr lvl="1"/>
-            <a:r>
-              <a:rPr lang="fi-FI" dirty="0"/>
-              <a:t>No </a:t>
-            </a:r>
-            <a:r>
-              <a:rPr lang="fi-FI" dirty="0" err="1"/>
-              <a:t>hurry</a:t>
-            </a:r>
-            <a:r>
-              <a:rPr lang="fi-FI" dirty="0"/>
-              <a:t>. </a:t>
-            </a:r>
-            <a:r>
-              <a:rPr lang="fi-FI" dirty="0" err="1"/>
-              <a:t>Refactoring</a:t>
-            </a:r>
-            <a:r>
-              <a:rPr lang="fi-FI" dirty="0"/>
-              <a:t>, </a:t>
-            </a:r>
-            <a:r>
-              <a:rPr lang="fi-FI" dirty="0" err="1"/>
-              <a:t>refactoring</a:t>
-            </a:r>
-            <a:r>
-              <a:rPr lang="fi-FI" dirty="0"/>
-              <a:t>.</a:t>
-            </a:r>
-          </a:p>
-          <a:p>
-            <a:pPr lvl="1"/>
-            <a:r>
-              <a:rPr lang="fi-FI" dirty="0" err="1"/>
-              <a:t>Creating</a:t>
-            </a:r>
-            <a:r>
-              <a:rPr lang="fi-FI" dirty="0"/>
-              <a:t> </a:t>
-            </a:r>
-            <a:r>
-              <a:rPr lang="fi-FI" dirty="0" err="1"/>
-              <a:t>basis</a:t>
-            </a:r>
-            <a:r>
-              <a:rPr lang="fi-FI" dirty="0"/>
-              <a:t> for </a:t>
-            </a:r>
-            <a:r>
-              <a:rPr lang="fi-FI" dirty="0" err="1"/>
-              <a:t>the</a:t>
-            </a:r>
-            <a:r>
-              <a:rPr lang="fi-FI" dirty="0"/>
-              <a:t> </a:t>
-            </a:r>
-            <a:r>
-              <a:rPr lang="fi-FI" dirty="0" err="1"/>
-              <a:t>smooth</a:t>
-            </a:r>
-            <a:r>
-              <a:rPr lang="fi-FI" dirty="0"/>
-              <a:t> </a:t>
-            </a:r>
-            <a:r>
-              <a:rPr lang="fi-FI" dirty="0" err="1"/>
-              <a:t>shared</a:t>
-            </a:r>
-            <a:r>
-              <a:rPr lang="fi-FI" dirty="0"/>
-              <a:t> </a:t>
-            </a:r>
-            <a:r>
-              <a:rPr lang="fi-FI" dirty="0" err="1"/>
-              <a:t>development</a:t>
-            </a:r>
-            <a:r>
-              <a:rPr lang="fi-FI" dirty="0"/>
-              <a:t> </a:t>
-            </a:r>
-            <a:r>
-              <a:rPr lang="fi-FI" dirty="0" err="1"/>
-              <a:t>by</a:t>
-            </a:r>
-            <a:r>
-              <a:rPr lang="fi-FI" dirty="0"/>
-              <a:t> </a:t>
-            </a:r>
-            <a:r>
-              <a:rPr lang="fi-FI" dirty="0" err="1"/>
-              <a:t>multiple</a:t>
-            </a:r>
-            <a:r>
-              <a:rPr lang="fi-FI" dirty="0"/>
-              <a:t> </a:t>
-            </a:r>
-            <a:r>
-              <a:rPr lang="fi-FI" dirty="0" err="1"/>
-              <a:t>developers</a:t>
-            </a:r>
-            <a:r>
-              <a:rPr lang="fi-FI" dirty="0"/>
-              <a:t>.</a:t>
-            </a:r>
-          </a:p>
-          <a:p>
-            <a:pPr lvl="1"/>
-            <a:r>
-              <a:rPr lang="fi-FI" dirty="0" err="1"/>
-              <a:t>Not</a:t>
-            </a:r>
-            <a:r>
-              <a:rPr lang="fi-FI" dirty="0"/>
-              <a:t> just </a:t>
-            </a:r>
-            <a:r>
-              <a:rPr lang="fi-FI" dirty="0" err="1"/>
-              <a:t>modules</a:t>
-            </a:r>
-            <a:r>
-              <a:rPr lang="fi-FI" dirty="0"/>
-              <a:t> and </a:t>
-            </a:r>
-            <a:r>
-              <a:rPr lang="fi-FI" dirty="0" err="1"/>
-              <a:t>files</a:t>
-            </a:r>
-            <a:r>
-              <a:rPr lang="fi-FI" dirty="0"/>
-              <a:t>, </a:t>
-            </a:r>
-            <a:r>
-              <a:rPr lang="fi-FI" dirty="0" err="1"/>
-              <a:t>but</a:t>
-            </a:r>
-            <a:r>
-              <a:rPr lang="fi-FI" dirty="0"/>
-              <a:t> </a:t>
-            </a:r>
-            <a:r>
-              <a:rPr lang="fi-FI" dirty="0" err="1"/>
-              <a:t>also</a:t>
-            </a:r>
-            <a:r>
-              <a:rPr lang="fi-FI" dirty="0"/>
-              <a:t> </a:t>
-            </a:r>
-            <a:r>
-              <a:rPr lang="fi-FI" dirty="0" err="1"/>
-              <a:t>ways</a:t>
-            </a:r>
-            <a:r>
-              <a:rPr lang="fi-FI" dirty="0"/>
-              <a:t> to </a:t>
-            </a:r>
-            <a:r>
-              <a:rPr lang="fi-FI" dirty="0" err="1"/>
-              <a:t>do</a:t>
-            </a:r>
-            <a:r>
-              <a:rPr lang="fi-FI" dirty="0"/>
-              <a:t> and </a:t>
-            </a:r>
-            <a:r>
-              <a:rPr lang="fi-FI" dirty="0" err="1"/>
-              <a:t>principles</a:t>
-            </a:r>
-            <a:r>
-              <a:rPr lang="fi-FI" dirty="0"/>
-              <a:t> to </a:t>
-            </a:r>
-            <a:r>
-              <a:rPr lang="fi-FI" dirty="0" err="1"/>
-              <a:t>follow</a:t>
-            </a:r>
-            <a:endParaRPr lang="fi-FI" dirty="0"/>
-          </a:p>
-          <a:p>
-            <a:r>
-              <a:rPr lang="fi-FI" dirty="0"/>
-              <a:t>Feature </a:t>
-            </a:r>
-            <a:r>
-              <a:rPr lang="fi-FI" dirty="0" err="1"/>
-              <a:t>development</a:t>
-            </a:r>
-            <a:r>
-              <a:rPr lang="fi-FI" dirty="0"/>
-              <a:t>, </a:t>
-            </a:r>
-            <a:r>
-              <a:rPr lang="fi-FI" dirty="0" err="1"/>
-              <a:t>real</a:t>
-            </a:r>
-            <a:r>
-              <a:rPr lang="fi-FI" dirty="0"/>
-              <a:t> business case </a:t>
-            </a:r>
-            <a:r>
-              <a:rPr lang="fi-FI" dirty="0" err="1"/>
-              <a:t>user</a:t>
-            </a:r>
-            <a:r>
-              <a:rPr lang="fi-FI" dirty="0"/>
-              <a:t> </a:t>
-            </a:r>
-            <a:r>
-              <a:rPr lang="fi-FI" dirty="0" err="1"/>
-              <a:t>story</a:t>
-            </a:r>
-            <a:r>
-              <a:rPr lang="fi-FI" dirty="0"/>
-              <a:t> </a:t>
-            </a:r>
-            <a:r>
-              <a:rPr lang="fi-FI" dirty="0" err="1"/>
-              <a:t>implementation</a:t>
-            </a:r>
-            <a:endParaRPr lang="fi-FI" dirty="0"/>
-          </a:p>
-          <a:p>
-            <a:pPr lvl="1"/>
-            <a:r>
-              <a:rPr lang="fi-FI" dirty="0" err="1"/>
-              <a:t>Now</a:t>
-            </a:r>
-            <a:r>
-              <a:rPr lang="fi-FI" dirty="0"/>
-              <a:t> </a:t>
-            </a:r>
-            <a:r>
-              <a:rPr lang="fi-FI" dirty="0" err="1"/>
-              <a:t>this</a:t>
-            </a:r>
-            <a:r>
-              <a:rPr lang="fi-FI" dirty="0"/>
-              <a:t> is </a:t>
-            </a:r>
-            <a:r>
-              <a:rPr lang="fi-FI" dirty="0" err="1"/>
-              <a:t>the</a:t>
-            </a:r>
-            <a:r>
-              <a:rPr lang="fi-FI" dirty="0"/>
-              <a:t> </a:t>
-            </a:r>
-            <a:r>
-              <a:rPr lang="fi-FI" dirty="0" err="1"/>
-              <a:t>customer-centric</a:t>
-            </a:r>
-            <a:r>
-              <a:rPr lang="fi-FI" dirty="0"/>
-              <a:t> </a:t>
-            </a:r>
-            <a:r>
-              <a:rPr lang="fi-FI" dirty="0" err="1"/>
-              <a:t>part</a:t>
-            </a:r>
-            <a:endParaRPr lang="fi-FI" dirty="0"/>
-          </a:p>
-          <a:p>
-            <a:pPr lvl="1"/>
-            <a:r>
-              <a:rPr lang="fi-FI" dirty="0" err="1"/>
-              <a:t>Now</a:t>
-            </a:r>
-            <a:r>
-              <a:rPr lang="fi-FI" dirty="0"/>
-              <a:t> </a:t>
-            </a:r>
-            <a:r>
-              <a:rPr lang="fi-FI" dirty="0" err="1"/>
-              <a:t>the</a:t>
-            </a:r>
-            <a:r>
-              <a:rPr lang="fi-FI" dirty="0"/>
-              <a:t> </a:t>
-            </a:r>
-            <a:r>
-              <a:rPr lang="fi-FI" dirty="0" err="1"/>
-              <a:t>development</a:t>
-            </a:r>
-            <a:r>
-              <a:rPr lang="fi-FI" dirty="0"/>
-              <a:t> </a:t>
-            </a:r>
-            <a:r>
-              <a:rPr lang="fi-FI" dirty="0" err="1"/>
-              <a:t>should</a:t>
-            </a:r>
-            <a:r>
-              <a:rPr lang="fi-FI" dirty="0"/>
-              <a:t> </a:t>
-            </a:r>
-            <a:r>
-              <a:rPr lang="fi-FI" dirty="0" err="1"/>
-              <a:t>be</a:t>
-            </a:r>
-            <a:r>
-              <a:rPr lang="fi-FI" dirty="0"/>
-              <a:t> </a:t>
-            </a:r>
-            <a:r>
-              <a:rPr lang="fi-FI" dirty="0" err="1"/>
-              <a:t>fast</a:t>
-            </a:r>
-            <a:r>
-              <a:rPr lang="fi-FI" dirty="0"/>
-              <a:t>, as </a:t>
-            </a:r>
-            <a:r>
-              <a:rPr lang="fi-FI" dirty="0" err="1"/>
-              <a:t>tech</a:t>
-            </a:r>
-            <a:r>
-              <a:rPr lang="fi-FI" dirty="0"/>
-              <a:t> is </a:t>
-            </a:r>
-            <a:r>
-              <a:rPr lang="fi-FI" dirty="0" err="1"/>
-              <a:t>known</a:t>
-            </a:r>
-            <a:r>
-              <a:rPr lang="fi-FI" dirty="0"/>
-              <a:t> (</a:t>
-            </a:r>
-            <a:r>
-              <a:rPr lang="fi-FI" dirty="0" err="1"/>
-              <a:t>from</a:t>
-            </a:r>
-            <a:r>
-              <a:rPr lang="fi-FI" dirty="0"/>
-              <a:t> 1, OR </a:t>
-            </a:r>
-            <a:r>
-              <a:rPr lang="fi-FI" dirty="0" err="1"/>
-              <a:t>earlier</a:t>
-            </a:r>
-            <a:r>
-              <a:rPr lang="fi-FI" dirty="0"/>
-              <a:t> </a:t>
-            </a:r>
-            <a:r>
-              <a:rPr lang="fi-FI" dirty="0" err="1"/>
-              <a:t>project</a:t>
-            </a:r>
-            <a:r>
-              <a:rPr lang="fi-FI" dirty="0"/>
-              <a:t>) and </a:t>
-            </a:r>
-            <a:r>
-              <a:rPr lang="fi-FI" dirty="0" err="1"/>
-              <a:t>architecture</a:t>
-            </a:r>
-            <a:r>
-              <a:rPr lang="fi-FI" dirty="0"/>
-              <a:t> </a:t>
-            </a:r>
-            <a:r>
-              <a:rPr lang="fi-FI" dirty="0" err="1"/>
-              <a:t>built</a:t>
-            </a:r>
-            <a:r>
-              <a:rPr lang="fi-FI" dirty="0"/>
-              <a:t> (2 OR </a:t>
-            </a:r>
-            <a:r>
-              <a:rPr lang="fi-FI" dirty="0" err="1"/>
-              <a:t>earlier</a:t>
-            </a:r>
-            <a:r>
-              <a:rPr lang="fi-FI" dirty="0"/>
-              <a:t>).</a:t>
-            </a:r>
-          </a:p>
-        </p:txBody>
-      </p:sp>
-      <p:sp>
-        <p:nvSpPr>
-          <p:cNvPr id="5" name="Date Placeholder 4">
-            <a:extLst>
-              <a:ext uri="{FF2B5EF4-FFF2-40B4-BE49-F238E27FC236}">
-                <a16:creationId xmlns:a16="http://schemas.microsoft.com/office/drawing/2014/main" id="{CDF9BDDB-4154-894E-83EF-04FB624FF30E}"/>
-              </a:ext>
-            </a:extLst>
-          </p:cNvPr>
-          <p:cNvSpPr>
-            <a:spLocks noGrp="1"/>
-          </p:cNvSpPr>
-          <p:nvPr>
-            <p:ph type="dt" sz="half" idx="10"/>
-          </p:nvPr>
-        </p:nvSpPr>
-        <p:spPr/>
-        <p:txBody>
-          <a:bodyPr/>
-          <a:lstStyle/>
-          <a:p>
-            <a:fld id="{551D5D1D-8623-7244-B1BC-5984C123D6C5}" type="datetime1">
-              <a:rPr lang="fi-FI" smtClean="0"/>
-              <a:t>27.10.2022</a:t>
-            </a:fld>
-            <a:endParaRPr lang="en-GB"/>
-          </a:p>
-        </p:txBody>
-      </p:sp>
-      <p:sp>
-        <p:nvSpPr>
-          <p:cNvPr id="6" name="Footer Placeholder 5">
-            <a:extLst>
-              <a:ext uri="{FF2B5EF4-FFF2-40B4-BE49-F238E27FC236}">
-                <a16:creationId xmlns:a16="http://schemas.microsoft.com/office/drawing/2014/main" id="{DEED56F3-0862-1748-A7A9-EE5914100F54}"/>
-              </a:ext>
-            </a:extLst>
-          </p:cNvPr>
-          <p:cNvSpPr>
-            <a:spLocks noGrp="1"/>
-          </p:cNvSpPr>
-          <p:nvPr>
-            <p:ph type="ftr" sz="quarter" idx="11"/>
-          </p:nvPr>
-        </p:nvSpPr>
-        <p:spPr/>
-        <p:txBody>
-          <a:bodyPr/>
-          <a:lstStyle/>
-          <a:p>
-            <a:endParaRPr lang="en-GB"/>
-          </a:p>
-        </p:txBody>
-      </p:sp>
-      <p:sp>
-        <p:nvSpPr>
-          <p:cNvPr id="7" name="Slide Number Placeholder 6">
-            <a:extLst>
-              <a:ext uri="{FF2B5EF4-FFF2-40B4-BE49-F238E27FC236}">
-                <a16:creationId xmlns:a16="http://schemas.microsoft.com/office/drawing/2014/main" id="{6CBC8079-2140-8745-901A-8EB4BF8EAF2D}"/>
-              </a:ext>
-            </a:extLst>
-          </p:cNvPr>
-          <p:cNvSpPr>
-            <a:spLocks noGrp="1"/>
-          </p:cNvSpPr>
-          <p:nvPr>
-            <p:ph type="sldNum" sz="quarter" idx="12"/>
-          </p:nvPr>
-        </p:nvSpPr>
-        <p:spPr/>
-        <p:txBody>
-          <a:bodyPr/>
-          <a:lstStyle/>
-          <a:p>
-            <a:fld id="{76BAB7ED-EDE9-4D4B-9A2D-30E18C47C16E}" type="slidenum">
-              <a:rPr lang="en-GB" smtClean="0"/>
-              <a:t>15</a:t>
-            </a:fld>
-            <a:endParaRPr lang="en-GB"/>
+              <a:rPr lang="fi-FI" sz="2400" dirty="0"/>
+              <a:t> </a:t>
+            </a:r>
+            <a:r>
+              <a:rPr lang="fi-FI" sz="2400" dirty="0" err="1"/>
+              <a:t>cases</a:t>
+            </a:r>
+            <a:endParaRPr lang="fi-FI" sz="2400" dirty="0"/>
           </a:p>
         </p:txBody>
       </p:sp>
     </p:spTree>
     <p:extLst>
       <p:ext uri="{BB962C8B-B14F-4D97-AF65-F5344CB8AC3E}">
-        <p14:creationId xmlns:p14="http://schemas.microsoft.com/office/powerpoint/2010/main" val="4011369514"/>
+        <p14:creationId xmlns:p14="http://schemas.microsoft.com/office/powerpoint/2010/main" val="340790655"/>
       </p:ext>
     </p:extLst>
   </p:cSld>
@@ -14395,24 +14131,12 @@
           <a:lstStyle/>
           <a:p>
             <a:r>
-              <a:rPr lang="fi-FI" dirty="0" err="1"/>
-              <a:t>What</a:t>
-            </a:r>
-            <a:r>
-              <a:rPr lang="fi-FI" dirty="0"/>
-              <a:t> </a:t>
-            </a:r>
-            <a:r>
-              <a:rPr lang="fi-FI" dirty="0" err="1"/>
-              <a:t>happens</a:t>
-            </a:r>
-            <a:r>
-              <a:rPr lang="fi-FI" dirty="0"/>
-              <a:t> (</a:t>
-            </a:r>
-            <a:r>
-              <a:rPr lang="fi-FI" dirty="0" err="1"/>
-              <a:t>especially</a:t>
+              <a:rPr lang="fi-FI" dirty="0"/>
+              <a:t>Three </a:t>
+            </a:r>
+            <a:r>
+              <a:rPr lang="fi-FI" dirty="0" err="1"/>
+              <a:t>phases</a:t>
             </a:r>
             <a:r>
               <a:rPr lang="fi-FI" dirty="0"/>
@@ -14420,6 +14144,22 @@
             </a:r>
             <a:r>
               <a:rPr lang="fi-FI" dirty="0" err="1"/>
+              <a:t>programming</a:t>
+            </a:r>
+            <a:r>
+              <a:rPr lang="fi-FI" dirty="0"/>
+              <a:t> a case (at </a:t>
+            </a:r>
+            <a:r>
+              <a:rPr lang="fi-FI" dirty="0" err="1"/>
+              <a:t>least</a:t>
+            </a:r>
+            <a:r>
+              <a:rPr lang="fi-FI" dirty="0"/>
+              <a:t> in </a:t>
+            </a:r>
+            <a:r>
+              <a:rPr lang="fi-FI" dirty="0" err="1"/>
               <a:t>school</a:t>
             </a:r>
             <a:r>
@@ -14428,59 +14168,11 @@
             </a:r>
             <a:r>
               <a:rPr lang="fi-FI" dirty="0" err="1"/>
-              <a:t>projects</a:t>
-            </a:r>
-            <a:r>
-              <a:rPr lang="fi-FI" dirty="0"/>
-              <a:t>) </a:t>
-            </a:r>
-            <a:r>
-              <a:rPr lang="fi-FI" dirty="0" err="1"/>
-              <a:t>if</a:t>
-            </a:r>
-            <a:r>
-              <a:rPr lang="fi-FI" dirty="0"/>
-              <a:t> </a:t>
-            </a:r>
-            <a:r>
-              <a:rPr lang="fi-FI" dirty="0" err="1"/>
-              <a:t>students</a:t>
-            </a:r>
-            <a:r>
-              <a:rPr lang="fi-FI" dirty="0"/>
-              <a:t> </a:t>
-            </a:r>
-            <a:r>
-              <a:rPr lang="fi-FI" dirty="0" err="1"/>
-              <a:t>jump</a:t>
-            </a:r>
-            <a:r>
-              <a:rPr lang="fi-FI" dirty="0"/>
-              <a:t> </a:t>
-            </a:r>
-            <a:r>
-              <a:rPr lang="fi-FI" dirty="0" err="1"/>
-              <a:t>over</a:t>
-            </a:r>
-            <a:r>
-              <a:rPr lang="fi-FI" dirty="0"/>
-              <a:t> </a:t>
-            </a:r>
-            <a:r>
-              <a:rPr lang="fi-FI" dirty="0" err="1"/>
-              <a:t>the</a:t>
-            </a:r>
-            <a:r>
-              <a:rPr lang="fi-FI" dirty="0"/>
-              <a:t> </a:t>
-            </a:r>
-            <a:r>
-              <a:rPr lang="fi-FI" dirty="0" err="1"/>
-              <a:t>phases</a:t>
-            </a:r>
-            <a:r>
-              <a:rPr lang="fi-FI" dirty="0"/>
-              <a:t>?</a:t>
+              <a:t>cases</a:t>
+            </a:r>
+            <a:r>
+              <a:rPr lang="fi-FI" dirty="0"/>
+              <a:t>)</a:t>
             </a:r>
           </a:p>
         </p:txBody>
@@ -14504,569 +14196,780 @@
         <p:spPr/>
         <p:txBody>
           <a:bodyPr>
-            <a:normAutofit/>
+            <a:normAutofit fontScale="92500"/>
           </a:bodyPr>
           <a:lstStyle/>
           <a:p>
-            <a:pPr>
-              <a:buFont typeface="Arial" panose="020B0604020202020204" pitchFamily="34" charset="0"/>
-              <a:buChar char="•"/>
-            </a:pPr>
-            <a:r>
-              <a:rPr lang="fi-FI" sz="2400" dirty="0" err="1"/>
-              <a:t>Then</a:t>
-            </a:r>
-            <a:r>
-              <a:rPr lang="fi-FI" sz="2400" dirty="0"/>
-              <a:t> </a:t>
-            </a:r>
-            <a:r>
-              <a:rPr lang="fi-FI" sz="2400" dirty="0" err="1"/>
-              <a:t>they</a:t>
-            </a:r>
-            <a:r>
-              <a:rPr lang="fi-FI" sz="2400" dirty="0"/>
-              <a:t> </a:t>
-            </a:r>
-            <a:r>
-              <a:rPr lang="fi-FI" sz="2400" dirty="0" err="1"/>
+            <a:r>
+              <a:rPr lang="fi-FI" dirty="0"/>
+              <a:t>Technical </a:t>
+            </a:r>
+            <a:r>
+              <a:rPr lang="fi-FI" dirty="0" err="1"/>
+              <a:t>studies</a:t>
+            </a:r>
+            <a:endParaRPr lang="fi-FI" dirty="0"/>
+          </a:p>
+          <a:p>
+            <a:pPr lvl="1"/>
+            <a:r>
+              <a:rPr lang="fi-FI" dirty="0" err="1"/>
+              <a:t>Fast</a:t>
+            </a:r>
+            <a:r>
+              <a:rPr lang="fi-FI" dirty="0"/>
+              <a:t> </a:t>
+            </a:r>
+            <a:r>
+              <a:rPr lang="fi-FI" dirty="0" err="1"/>
+              <a:t>experiments</a:t>
+            </a:r>
+            <a:r>
+              <a:rPr lang="fi-FI" dirty="0"/>
+              <a:t> of </a:t>
+            </a:r>
+            <a:r>
+              <a:rPr lang="fi-FI" dirty="0" err="1"/>
+              <a:t>any</a:t>
+            </a:r>
+            <a:r>
+              <a:rPr lang="fi-FI" dirty="0"/>
+              <a:t> </a:t>
+            </a:r>
+            <a:r>
+              <a:rPr lang="fi-FI" dirty="0" err="1"/>
+              <a:t>kind</a:t>
+            </a:r>
+            <a:r>
+              <a:rPr lang="fi-FI" dirty="0"/>
+              <a:t>. </a:t>
+            </a:r>
+            <a:r>
+              <a:rPr lang="fi-FI" dirty="0" err="1"/>
+              <a:t>Speed</a:t>
+            </a:r>
+            <a:r>
+              <a:rPr lang="fi-FI" dirty="0"/>
+              <a:t> in </a:t>
+            </a:r>
+            <a:r>
+              <a:rPr lang="fi-FI" dirty="0" err="1"/>
+              <a:t>learning</a:t>
+            </a:r>
+            <a:r>
+              <a:rPr lang="fi-FI" dirty="0"/>
+              <a:t> is </a:t>
+            </a:r>
+            <a:r>
+              <a:rPr lang="fi-FI" dirty="0" err="1"/>
+              <a:t>important</a:t>
+            </a:r>
+            <a:r>
+              <a:rPr lang="fi-FI" dirty="0"/>
+              <a:t>. </a:t>
+            </a:r>
+            <a:r>
+              <a:rPr lang="fi-FI" dirty="0" err="1"/>
+              <a:t>But</a:t>
+            </a:r>
+            <a:r>
+              <a:rPr lang="fi-FI" dirty="0"/>
+              <a:t> </a:t>
+            </a:r>
+            <a:r>
+              <a:rPr lang="fi-FI" dirty="0" err="1"/>
+              <a:t>also</a:t>
+            </a:r>
+            <a:r>
+              <a:rPr lang="fi-FI" dirty="0"/>
+              <a:t> </a:t>
+            </a:r>
+            <a:r>
+              <a:rPr lang="fi-FI" dirty="0" err="1"/>
+              <a:t>deep</a:t>
+            </a:r>
+            <a:r>
+              <a:rPr lang="fi-FI" dirty="0"/>
+              <a:t> </a:t>
+            </a:r>
+            <a:r>
+              <a:rPr lang="fi-FI" dirty="0" err="1"/>
+              <a:t>understanding</a:t>
+            </a:r>
+            <a:r>
+              <a:rPr lang="fi-FI" dirty="0"/>
+              <a:t> of at </a:t>
+            </a:r>
+            <a:r>
+              <a:rPr lang="fi-FI" dirty="0" err="1"/>
+              <a:t>least</a:t>
+            </a:r>
+            <a:r>
+              <a:rPr lang="fi-FI" dirty="0"/>
+              <a:t> </a:t>
+            </a:r>
+            <a:r>
+              <a:rPr lang="fi-FI" dirty="0" err="1"/>
+              <a:t>the</a:t>
+            </a:r>
+            <a:r>
+              <a:rPr lang="fi-FI" dirty="0"/>
+              <a:t> </a:t>
+            </a:r>
+            <a:r>
+              <a:rPr lang="fi-FI" dirty="0" err="1"/>
+              <a:t>core</a:t>
+            </a:r>
+            <a:r>
+              <a:rPr lang="fi-FI" dirty="0"/>
+              <a:t> </a:t>
+            </a:r>
+            <a:r>
+              <a:rPr lang="fi-FI" dirty="0" err="1"/>
+              <a:t>concepts</a:t>
+            </a:r>
+            <a:r>
+              <a:rPr lang="fi-FI" dirty="0"/>
+              <a:t>. </a:t>
+            </a:r>
+            <a:r>
+              <a:rPr lang="fi-FI" dirty="0" err="1"/>
+              <a:t>Mickey</a:t>
+            </a:r>
+            <a:r>
+              <a:rPr lang="fi-FI" dirty="0"/>
+              <a:t> </a:t>
+            </a:r>
+            <a:r>
+              <a:rPr lang="fi-FI" dirty="0" err="1"/>
+              <a:t>mouse</a:t>
+            </a:r>
+            <a:r>
+              <a:rPr lang="fi-FI" dirty="0"/>
+              <a:t> </a:t>
+            </a:r>
+            <a:r>
+              <a:rPr lang="fi-FI" dirty="0" err="1"/>
+              <a:t>examples</a:t>
+            </a:r>
+            <a:r>
+              <a:rPr lang="fi-FI" dirty="0"/>
+              <a:t>. </a:t>
+            </a:r>
+            <a:r>
+              <a:rPr lang="fi-FI" dirty="0" err="1"/>
+              <a:t>Closer</a:t>
+            </a:r>
+            <a:r>
+              <a:rPr lang="fi-FI" dirty="0"/>
+              <a:t> to 0% </a:t>
+            </a:r>
+            <a:r>
+              <a:rPr lang="fi-FI" dirty="0" err="1"/>
+              <a:t>customer</a:t>
+            </a:r>
+            <a:r>
+              <a:rPr lang="fi-FI" dirty="0"/>
+              <a:t> </a:t>
+            </a:r>
+            <a:r>
+              <a:rPr lang="fi-FI" dirty="0" err="1"/>
+              <a:t>value</a:t>
+            </a:r>
+            <a:r>
+              <a:rPr lang="fi-FI" dirty="0"/>
+              <a:t>, </a:t>
+            </a:r>
+            <a:r>
+              <a:rPr lang="fi-FI" dirty="0" err="1"/>
+              <a:t>but</a:t>
+            </a:r>
+            <a:r>
+              <a:rPr lang="fi-FI" dirty="0"/>
+              <a:t> </a:t>
+            </a:r>
+            <a:r>
+              <a:rPr lang="fi-FI" dirty="0" err="1"/>
+              <a:t>aiming</a:t>
+            </a:r>
+            <a:r>
+              <a:rPr lang="fi-FI" dirty="0"/>
+              <a:t> at </a:t>
+            </a:r>
+            <a:r>
+              <a:rPr lang="fi-FI" dirty="0" err="1"/>
+              <a:t>closer</a:t>
+            </a:r>
+            <a:r>
+              <a:rPr lang="fi-FI" dirty="0"/>
+              <a:t> to 100% </a:t>
+            </a:r>
+            <a:r>
+              <a:rPr lang="fi-FI" dirty="0" err="1"/>
+              <a:t>technical</a:t>
+            </a:r>
+            <a:r>
+              <a:rPr lang="fi-FI" dirty="0"/>
+              <a:t> </a:t>
+            </a:r>
+            <a:r>
+              <a:rPr lang="fi-FI" dirty="0" err="1"/>
+              <a:t>ability</a:t>
+            </a:r>
+            <a:r>
+              <a:rPr lang="fi-FI" dirty="0"/>
+              <a:t> </a:t>
+            </a:r>
+            <a:r>
+              <a:rPr lang="fi-FI" dirty="0" err="1"/>
+              <a:t>development</a:t>
+            </a:r>
+            <a:endParaRPr lang="fi-FI" dirty="0"/>
+          </a:p>
+          <a:p>
+            <a:pPr lvl="1"/>
+            <a:r>
+              <a:rPr lang="fi-FI" dirty="0" err="1"/>
+              <a:t>Only</a:t>
+            </a:r>
+            <a:r>
+              <a:rPr lang="fi-FI" dirty="0"/>
+              <a:t> </a:t>
+            </a:r>
+            <a:r>
+              <a:rPr lang="fi-FI" dirty="0" err="1"/>
+              <a:t>think</a:t>
+            </a:r>
+            <a:r>
+              <a:rPr lang="fi-FI" dirty="0"/>
+              <a:t> of </a:t>
+            </a:r>
+            <a:r>
+              <a:rPr lang="fi-FI" dirty="0" err="1"/>
+              <a:t>the</a:t>
+            </a:r>
+            <a:r>
+              <a:rPr lang="fi-FI" dirty="0"/>
+              <a:t> </a:t>
+            </a:r>
+            <a:r>
+              <a:rPr lang="fi-FI" dirty="0" err="1"/>
+              <a:t>customer</a:t>
+            </a:r>
+            <a:r>
+              <a:rPr lang="fi-FI" dirty="0"/>
+              <a:t> case </a:t>
+            </a:r>
+            <a:r>
+              <a:rPr lang="fi-FI" dirty="0" err="1"/>
+              <a:t>from</a:t>
+            </a:r>
+            <a:r>
+              <a:rPr lang="fi-FI" dirty="0"/>
+              <a:t> </a:t>
+            </a:r>
+            <a:r>
+              <a:rPr lang="fi-FI" dirty="0" err="1"/>
+              <a:t>technical</a:t>
+            </a:r>
+            <a:r>
+              <a:rPr lang="fi-FI" dirty="0"/>
+              <a:t> </a:t>
+            </a:r>
+            <a:r>
+              <a:rPr lang="fi-FI" dirty="0" err="1"/>
+              <a:t>point</a:t>
+            </a:r>
+            <a:r>
+              <a:rPr lang="fi-FI" dirty="0"/>
+              <a:t> of </a:t>
+            </a:r>
+            <a:r>
+              <a:rPr lang="fi-FI" dirty="0" err="1"/>
+              <a:t>view</a:t>
+            </a:r>
+            <a:r>
+              <a:rPr lang="fi-FI" dirty="0"/>
+              <a:t>. </a:t>
+            </a:r>
+            <a:r>
+              <a:rPr lang="fi-FI" dirty="0" err="1"/>
+              <a:t>What</a:t>
+            </a:r>
+            <a:r>
+              <a:rPr lang="fi-FI" dirty="0"/>
+              <a:t> </a:t>
+            </a:r>
+            <a:r>
+              <a:rPr lang="fi-FI" dirty="0" err="1"/>
               <a:t>are</a:t>
             </a:r>
             <a:r>
-              <a:rPr lang="fi-FI" sz="2400" dirty="0"/>
-              <a:t> </a:t>
-            </a:r>
-            <a:r>
-              <a:rPr lang="fi-FI" sz="2400" dirty="0" err="1"/>
-              <a:t>trying</a:t>
-            </a:r>
-            <a:r>
-              <a:rPr lang="fi-FI" sz="2400" dirty="0"/>
+              <a:rPr lang="fi-FI" dirty="0"/>
+              <a:t> </a:t>
+            </a:r>
+            <a:r>
+              <a:rPr lang="fi-FI" dirty="0" err="1"/>
+              <a:t>the</a:t>
+            </a:r>
+            <a:r>
+              <a:rPr lang="fi-FI" dirty="0"/>
+              <a:t> </a:t>
+            </a:r>
+            <a:r>
+              <a:rPr lang="fi-FI" dirty="0" err="1"/>
+              <a:t>technical</a:t>
+            </a:r>
+            <a:r>
+              <a:rPr lang="fi-FI" dirty="0"/>
+              <a:t> </a:t>
+            </a:r>
+            <a:r>
+              <a:rPr lang="fi-FI" dirty="0" err="1"/>
+              <a:t>challenges</a:t>
+            </a:r>
+            <a:r>
+              <a:rPr lang="fi-FI" dirty="0"/>
+              <a:t> </a:t>
+            </a:r>
+            <a:r>
+              <a:rPr lang="fi-FI" dirty="0" err="1"/>
+              <a:t>that</a:t>
+            </a:r>
+            <a:r>
+              <a:rPr lang="fi-FI" dirty="0"/>
+              <a:t> </a:t>
+            </a:r>
+            <a:r>
+              <a:rPr lang="fi-FI" dirty="0" err="1"/>
+              <a:t>need</a:t>
+            </a:r>
+            <a:r>
+              <a:rPr lang="fi-FI" dirty="0"/>
               <a:t> to </a:t>
             </a:r>
             <a:r>
-              <a:rPr lang="fi-FI" sz="2400" dirty="0" err="1"/>
-              <a:t>eat</a:t>
-            </a:r>
-            <a:r>
-              <a:rPr lang="fi-FI" sz="2400" dirty="0"/>
-              <a:t> an </a:t>
-            </a:r>
-            <a:r>
-              <a:rPr lang="fi-FI" sz="2400" dirty="0" err="1"/>
-              <a:t>elephant</a:t>
-            </a:r>
-            <a:r>
-              <a:rPr lang="fi-FI" sz="2400" dirty="0"/>
-              <a:t> as a </a:t>
-            </a:r>
-            <a:r>
-              <a:rPr lang="fi-FI" sz="2400" dirty="0" err="1"/>
-              <a:t>whole</a:t>
-            </a:r>
-            <a:endParaRPr lang="fi-FI" sz="2400" dirty="0"/>
-          </a:p>
-          <a:p>
-            <a:pPr>
-              <a:buFont typeface="Arial" panose="020B0604020202020204" pitchFamily="34" charset="0"/>
-              <a:buChar char="•"/>
-            </a:pPr>
-            <a:r>
-              <a:rPr lang="fi-FI" sz="2400" dirty="0" err="1"/>
-              <a:t>Leads</a:t>
-            </a:r>
-            <a:r>
-              <a:rPr lang="fi-FI" sz="2400" dirty="0"/>
-              <a:t> </a:t>
-            </a:r>
-            <a:r>
-              <a:rPr lang="fi-FI" sz="2400" dirty="0" err="1"/>
-              <a:t>often</a:t>
-            </a:r>
-            <a:r>
-              <a:rPr lang="fi-FI" sz="2400" dirty="0"/>
+              <a:rPr lang="fi-FI" dirty="0" err="1"/>
+              <a:t>be</a:t>
+            </a:r>
+            <a:r>
+              <a:rPr lang="fi-FI" dirty="0"/>
+              <a:t> </a:t>
+            </a:r>
+            <a:r>
+              <a:rPr lang="fi-FI" dirty="0" err="1"/>
+              <a:t>addressed</a:t>
+            </a:r>
+            <a:r>
+              <a:rPr lang="fi-FI" dirty="0"/>
+              <a:t> </a:t>
+            </a:r>
+            <a:r>
+              <a:rPr lang="fi-FI" dirty="0" err="1"/>
+              <a:t>right</a:t>
+            </a:r>
+            <a:r>
+              <a:rPr lang="fi-FI" dirty="0"/>
+              <a:t> </a:t>
+            </a:r>
+            <a:r>
+              <a:rPr lang="fi-FI" dirty="0" err="1"/>
+              <a:t>now</a:t>
+            </a:r>
+            <a:r>
+              <a:rPr lang="fi-FI" dirty="0"/>
+              <a:t>?</a:t>
+            </a:r>
+          </a:p>
+          <a:p>
+            <a:r>
+              <a:rPr lang="fi-FI" dirty="0" err="1"/>
+              <a:t>Archictecture</a:t>
+            </a:r>
+            <a:r>
+              <a:rPr lang="fi-FI" dirty="0"/>
+              <a:t> </a:t>
+            </a:r>
+            <a:r>
+              <a:rPr lang="fi-FI" dirty="0" err="1"/>
+              <a:t>building</a:t>
+            </a:r>
+            <a:endParaRPr lang="fi-FI" dirty="0"/>
+          </a:p>
+          <a:p>
+            <a:pPr lvl="1"/>
+            <a:r>
+              <a:rPr lang="fi-FI" dirty="0"/>
+              <a:t>No </a:t>
+            </a:r>
+            <a:r>
+              <a:rPr lang="fi-FI" dirty="0" err="1"/>
+              <a:t>hurry</a:t>
+            </a:r>
+            <a:r>
+              <a:rPr lang="fi-FI" dirty="0"/>
+              <a:t>. </a:t>
+            </a:r>
+            <a:r>
+              <a:rPr lang="fi-FI" dirty="0" err="1"/>
+              <a:t>Refactoring</a:t>
+            </a:r>
+            <a:r>
+              <a:rPr lang="fi-FI" dirty="0"/>
+              <a:t>, </a:t>
+            </a:r>
+            <a:r>
+              <a:rPr lang="fi-FI" dirty="0" err="1"/>
+              <a:t>refactoring</a:t>
+            </a:r>
+            <a:r>
+              <a:rPr lang="fi-FI" dirty="0"/>
+              <a:t>.</a:t>
+            </a:r>
+          </a:p>
+          <a:p>
+            <a:pPr lvl="1"/>
+            <a:r>
+              <a:rPr lang="fi-FI" dirty="0" err="1"/>
+              <a:t>Creating</a:t>
+            </a:r>
+            <a:r>
+              <a:rPr lang="fi-FI" dirty="0"/>
+              <a:t> </a:t>
+            </a:r>
+            <a:r>
+              <a:rPr lang="fi-FI" dirty="0" err="1"/>
+              <a:t>basis</a:t>
+            </a:r>
+            <a:r>
+              <a:rPr lang="fi-FI" dirty="0"/>
+              <a:t> for </a:t>
+            </a:r>
+            <a:r>
+              <a:rPr lang="fi-FI" dirty="0" err="1"/>
+              <a:t>the</a:t>
+            </a:r>
+            <a:r>
+              <a:rPr lang="fi-FI" dirty="0"/>
+              <a:t> </a:t>
+            </a:r>
+            <a:r>
+              <a:rPr lang="fi-FI" dirty="0" err="1"/>
+              <a:t>smooth</a:t>
+            </a:r>
+            <a:r>
+              <a:rPr lang="fi-FI" dirty="0"/>
+              <a:t> </a:t>
+            </a:r>
+            <a:r>
+              <a:rPr lang="fi-FI" dirty="0" err="1"/>
+              <a:t>shared</a:t>
+            </a:r>
+            <a:r>
+              <a:rPr lang="fi-FI" dirty="0"/>
+              <a:t> </a:t>
+            </a:r>
+            <a:r>
+              <a:rPr lang="fi-FI" dirty="0" err="1"/>
+              <a:t>development</a:t>
+            </a:r>
+            <a:r>
+              <a:rPr lang="fi-FI" dirty="0"/>
+              <a:t> </a:t>
+            </a:r>
+            <a:r>
+              <a:rPr lang="fi-FI" dirty="0" err="1"/>
+              <a:t>by</a:t>
+            </a:r>
+            <a:r>
+              <a:rPr lang="fi-FI" dirty="0"/>
+              <a:t> </a:t>
+            </a:r>
+            <a:r>
+              <a:rPr lang="fi-FI" dirty="0" err="1"/>
+              <a:t>multiple</a:t>
+            </a:r>
+            <a:r>
+              <a:rPr lang="fi-FI" dirty="0"/>
+              <a:t> </a:t>
+            </a:r>
+            <a:r>
+              <a:rPr lang="fi-FI" dirty="0" err="1"/>
+              <a:t>developers</a:t>
+            </a:r>
+            <a:r>
+              <a:rPr lang="fi-FI" dirty="0"/>
+              <a:t>.</a:t>
+            </a:r>
+          </a:p>
+          <a:p>
+            <a:pPr lvl="1"/>
+            <a:r>
+              <a:rPr lang="fi-FI" dirty="0" err="1"/>
+              <a:t>Not</a:t>
+            </a:r>
+            <a:r>
+              <a:rPr lang="fi-FI" dirty="0"/>
+              <a:t> just </a:t>
+            </a:r>
+            <a:r>
+              <a:rPr lang="fi-FI" dirty="0" err="1"/>
+              <a:t>modules</a:t>
+            </a:r>
+            <a:r>
+              <a:rPr lang="fi-FI" dirty="0"/>
+              <a:t> and </a:t>
+            </a:r>
+            <a:r>
+              <a:rPr lang="fi-FI" dirty="0" err="1"/>
+              <a:t>files</a:t>
+            </a:r>
+            <a:r>
+              <a:rPr lang="fi-FI" dirty="0"/>
+              <a:t>, </a:t>
+            </a:r>
+            <a:r>
+              <a:rPr lang="fi-FI" dirty="0" err="1"/>
+              <a:t>but</a:t>
+            </a:r>
+            <a:r>
+              <a:rPr lang="fi-FI" dirty="0"/>
+              <a:t> </a:t>
+            </a:r>
+            <a:r>
+              <a:rPr lang="fi-FI" dirty="0" err="1"/>
+              <a:t>also</a:t>
+            </a:r>
+            <a:r>
+              <a:rPr lang="fi-FI" dirty="0"/>
+              <a:t> </a:t>
+            </a:r>
+            <a:r>
+              <a:rPr lang="fi-FI" dirty="0" err="1"/>
+              <a:t>ways</a:t>
+            </a:r>
+            <a:r>
+              <a:rPr lang="fi-FI" dirty="0"/>
               <a:t> to </a:t>
             </a:r>
             <a:r>
-              <a:rPr lang="fi-FI" sz="2400" dirty="0" err="1"/>
+              <a:rPr lang="fi-FI" dirty="0" err="1"/>
+              <a:t>do</a:t>
+            </a:r>
+            <a:r>
+              <a:rPr lang="fi-FI" dirty="0"/>
+              <a:t> and </a:t>
+            </a:r>
+            <a:r>
+              <a:rPr lang="fi-FI" dirty="0" err="1"/>
+              <a:t>principles</a:t>
+            </a:r>
+            <a:r>
+              <a:rPr lang="fi-FI" dirty="0"/>
+              <a:t> to </a:t>
+            </a:r>
+            <a:r>
+              <a:rPr lang="fi-FI" dirty="0" err="1"/>
+              <a:t>follow</a:t>
+            </a:r>
+            <a:endParaRPr lang="fi-FI" dirty="0"/>
+          </a:p>
+          <a:p>
+            <a:r>
+              <a:rPr lang="fi-FI" dirty="0"/>
+              <a:t>Feature </a:t>
+            </a:r>
+            <a:r>
+              <a:rPr lang="fi-FI" dirty="0" err="1"/>
+              <a:t>development</a:t>
+            </a:r>
+            <a:r>
+              <a:rPr lang="fi-FI" dirty="0"/>
+              <a:t>, </a:t>
+            </a:r>
+            <a:r>
+              <a:rPr lang="fi-FI" dirty="0" err="1"/>
+              <a:t>real</a:t>
+            </a:r>
+            <a:r>
+              <a:rPr lang="fi-FI" dirty="0"/>
+              <a:t> business case </a:t>
+            </a:r>
+            <a:r>
+              <a:rPr lang="fi-FI" dirty="0" err="1"/>
+              <a:t>user</a:t>
+            </a:r>
+            <a:r>
+              <a:rPr lang="fi-FI" dirty="0"/>
+              <a:t> </a:t>
+            </a:r>
+            <a:r>
+              <a:rPr lang="fi-FI" dirty="0" err="1"/>
+              <a:t>story</a:t>
+            </a:r>
+            <a:r>
+              <a:rPr lang="fi-FI" dirty="0"/>
+              <a:t> </a:t>
+            </a:r>
+            <a:r>
+              <a:rPr lang="fi-FI" dirty="0" err="1"/>
+              <a:t>implementation</a:t>
+            </a:r>
+            <a:endParaRPr lang="fi-FI" dirty="0"/>
+          </a:p>
+          <a:p>
+            <a:pPr lvl="1"/>
+            <a:r>
+              <a:rPr lang="fi-FI" dirty="0" err="1"/>
+              <a:t>Now</a:t>
+            </a:r>
+            <a:r>
+              <a:rPr lang="fi-FI" dirty="0"/>
+              <a:t> </a:t>
+            </a:r>
+            <a:r>
+              <a:rPr lang="fi-FI" dirty="0" err="1"/>
+              <a:t>this</a:t>
+            </a:r>
+            <a:r>
+              <a:rPr lang="fi-FI" dirty="0"/>
+              <a:t> is </a:t>
+            </a:r>
+            <a:r>
+              <a:rPr lang="fi-FI" dirty="0" err="1"/>
               <a:t>the</a:t>
             </a:r>
             <a:r>
-              <a:rPr lang="fi-FI" sz="2400" dirty="0"/>
-              <a:t> </a:t>
-            </a:r>
-            <a:r>
-              <a:rPr lang="fi-FI" sz="2400" dirty="0" err="1"/>
-              <a:t>analysis-paralysis</a:t>
-            </a:r>
-            <a:endParaRPr lang="fi-FI" sz="2400" dirty="0"/>
-          </a:p>
-          <a:p>
-            <a:pPr lvl="1">
-              <a:buFont typeface="Arial" panose="020B0604020202020204" pitchFamily="34" charset="0"/>
-              <a:buChar char="•"/>
-            </a:pPr>
-            <a:r>
-              <a:rPr lang="fi-FI" sz="2000" dirty="0"/>
-              <a:t>”</a:t>
-            </a:r>
-            <a:r>
-              <a:rPr lang="fi-FI" sz="2000" dirty="0" err="1"/>
-              <a:t>We</a:t>
-            </a:r>
-            <a:r>
-              <a:rPr lang="fi-FI" sz="2000" dirty="0"/>
-              <a:t> </a:t>
-            </a:r>
-            <a:r>
-              <a:rPr lang="fi-FI" sz="2000" dirty="0" err="1"/>
-              <a:t>cannot</a:t>
-            </a:r>
-            <a:r>
-              <a:rPr lang="fi-FI" sz="2000" dirty="0"/>
-              <a:t> </a:t>
-            </a:r>
-            <a:r>
-              <a:rPr lang="fi-FI" sz="2000" dirty="0" err="1"/>
-              <a:t>start</a:t>
-            </a:r>
-            <a:r>
-              <a:rPr lang="fi-FI" sz="2000" dirty="0"/>
-              <a:t> </a:t>
-            </a:r>
-            <a:r>
-              <a:rPr lang="fi-FI" sz="2000" dirty="0" err="1"/>
-              <a:t>because</a:t>
-            </a:r>
-            <a:r>
-              <a:rPr lang="fi-FI" sz="2000" dirty="0"/>
-              <a:t> </a:t>
-            </a:r>
-            <a:r>
-              <a:rPr lang="fi-FI" sz="2000" dirty="0" err="1"/>
-              <a:t>we</a:t>
-            </a:r>
-            <a:r>
-              <a:rPr lang="fi-FI" sz="2000" dirty="0"/>
-              <a:t> </a:t>
-            </a:r>
-            <a:r>
-              <a:rPr lang="fi-FI" sz="2000" dirty="0" err="1"/>
-              <a:t>don’t</a:t>
-            </a:r>
-            <a:r>
-              <a:rPr lang="fi-FI" sz="2000" dirty="0"/>
-              <a:t> </a:t>
-            </a:r>
-            <a:r>
-              <a:rPr lang="fi-FI" sz="2000" dirty="0" err="1"/>
-              <a:t>know</a:t>
-            </a:r>
-            <a:r>
-              <a:rPr lang="fi-FI" sz="2000" dirty="0"/>
-              <a:t> </a:t>
-            </a:r>
-            <a:r>
-              <a:rPr lang="fi-FI" sz="2000" dirty="0" err="1"/>
-              <a:t>exactly</a:t>
-            </a:r>
-            <a:r>
-              <a:rPr lang="fi-FI" sz="2000" dirty="0"/>
-              <a:t> </a:t>
-            </a:r>
-            <a:r>
-              <a:rPr lang="fi-FI" sz="2000" dirty="0" err="1"/>
-              <a:t>what</a:t>
-            </a:r>
-            <a:r>
-              <a:rPr lang="fi-FI" sz="2000" dirty="0"/>
-              <a:t> </a:t>
-            </a:r>
-            <a:r>
-              <a:rPr lang="fi-FI" sz="2000" dirty="0" err="1"/>
-              <a:t>customer</a:t>
-            </a:r>
-            <a:r>
-              <a:rPr lang="fi-FI" sz="2000" dirty="0"/>
-              <a:t> </a:t>
-            </a:r>
-            <a:r>
-              <a:rPr lang="fi-FI" sz="2000" dirty="0" err="1"/>
-              <a:t>needs</a:t>
-            </a:r>
-            <a:r>
-              <a:rPr lang="fi-FI" sz="2000" dirty="0"/>
-              <a:t>”</a:t>
-            </a:r>
-          </a:p>
-          <a:p>
-            <a:pPr lvl="1">
-              <a:buFont typeface="Arial" panose="020B0604020202020204" pitchFamily="34" charset="0"/>
-              <a:buChar char="•"/>
-            </a:pPr>
-            <a:r>
-              <a:rPr lang="fi-FI" sz="2000" dirty="0" err="1"/>
-              <a:t>We</a:t>
-            </a:r>
-            <a:r>
-              <a:rPr lang="fi-FI" sz="2000" dirty="0"/>
-              <a:t> </a:t>
-            </a:r>
-            <a:r>
-              <a:rPr lang="fi-FI" sz="2000" dirty="0" err="1"/>
-              <a:t>do</a:t>
-            </a:r>
-            <a:r>
-              <a:rPr lang="fi-FI" sz="2000" dirty="0"/>
-              <a:t> </a:t>
-            </a:r>
-            <a:r>
-              <a:rPr lang="fi-FI" sz="2000" dirty="0" err="1"/>
-              <a:t>not</a:t>
-            </a:r>
-            <a:r>
-              <a:rPr lang="fi-FI" sz="2000" dirty="0"/>
-              <a:t> </a:t>
-            </a:r>
-            <a:r>
-              <a:rPr lang="fi-FI" sz="2000" dirty="0" err="1"/>
-              <a:t>need</a:t>
-            </a:r>
-            <a:r>
-              <a:rPr lang="fi-FI" sz="2000" dirty="0"/>
-              <a:t> to </a:t>
-            </a:r>
-            <a:r>
-              <a:rPr lang="fi-FI" sz="2000" dirty="0" err="1"/>
-              <a:t>know</a:t>
-            </a:r>
-            <a:r>
-              <a:rPr lang="fi-FI" sz="2000" dirty="0"/>
-              <a:t> </a:t>
-            </a:r>
-            <a:r>
-              <a:rPr lang="fi-FI" sz="2000" dirty="0" err="1"/>
-              <a:t>exactly</a:t>
-            </a:r>
-            <a:r>
-              <a:rPr lang="fi-FI" sz="2000" dirty="0"/>
-              <a:t>, to </a:t>
-            </a:r>
-            <a:r>
-              <a:rPr lang="fi-FI" sz="2000" dirty="0" err="1"/>
-              <a:t>start</a:t>
-            </a:r>
-            <a:r>
-              <a:rPr lang="fi-FI" sz="2000" dirty="0"/>
-              <a:t> </a:t>
-            </a:r>
-            <a:r>
-              <a:rPr lang="fi-FI" sz="2000" dirty="0" err="1"/>
-              <a:t>with</a:t>
-            </a:r>
-            <a:r>
-              <a:rPr lang="fi-FI" sz="2000" dirty="0"/>
-              <a:t> </a:t>
-            </a:r>
-            <a:r>
-              <a:rPr lang="fi-FI" sz="2000" dirty="0" err="1"/>
+              <a:rPr lang="fi-FI" dirty="0"/>
+              <a:t> </a:t>
+            </a:r>
+            <a:r>
+              <a:rPr lang="fi-FI" dirty="0" err="1"/>
+              <a:t>customer-centric</a:t>
+            </a:r>
+            <a:r>
+              <a:rPr lang="fi-FI" dirty="0"/>
+              <a:t> </a:t>
+            </a:r>
+            <a:r>
+              <a:rPr lang="fi-FI" dirty="0" err="1"/>
+              <a:t>part</a:t>
+            </a:r>
+            <a:endParaRPr lang="fi-FI" dirty="0"/>
+          </a:p>
+          <a:p>
+            <a:pPr lvl="1"/>
+            <a:r>
+              <a:rPr lang="fi-FI" dirty="0" err="1"/>
+              <a:t>Now</a:t>
+            </a:r>
+            <a:r>
+              <a:rPr lang="fi-FI" dirty="0"/>
+              <a:t> </a:t>
+            </a:r>
+            <a:r>
+              <a:rPr lang="fi-FI" dirty="0" err="1"/>
               <a:t>the</a:t>
             </a:r>
             <a:r>
-              <a:rPr lang="fi-FI" sz="2000" dirty="0"/>
-              <a:t> </a:t>
-            </a:r>
-            <a:r>
-              <a:rPr lang="fi-FI" sz="2000" dirty="0" err="1"/>
-              <a:t>phases</a:t>
-            </a:r>
-            <a:r>
-              <a:rPr lang="fi-FI" sz="2000" dirty="0"/>
-              <a:t> 1 and 2!</a:t>
-            </a:r>
-          </a:p>
-          <a:p>
-            <a:pPr lvl="1">
-              <a:buFont typeface="Arial" panose="020B0604020202020204" pitchFamily="34" charset="0"/>
-              <a:buChar char="•"/>
-            </a:pPr>
-            <a:r>
-              <a:rPr lang="fi-FI" sz="2000" dirty="0"/>
-              <a:t>In </a:t>
-            </a:r>
-            <a:r>
-              <a:rPr lang="fi-FI" sz="2000" dirty="0" err="1"/>
-              <a:t>agile</a:t>
-            </a:r>
-            <a:r>
-              <a:rPr lang="fi-FI" sz="2000" dirty="0"/>
-              <a:t> </a:t>
-            </a:r>
-            <a:r>
-              <a:rPr lang="fi-FI" sz="2000" dirty="0" err="1"/>
+              <a:rPr lang="fi-FI" dirty="0"/>
+              <a:t> </a:t>
+            </a:r>
+            <a:r>
+              <a:rPr lang="fi-FI" dirty="0" err="1"/>
               <a:t>development</a:t>
             </a:r>
             <a:r>
-              <a:rPr lang="fi-FI" sz="2000" dirty="0"/>
-              <a:t> </a:t>
-            </a:r>
-            <a:r>
-              <a:rPr lang="fi-FI" sz="2000" dirty="0" err="1"/>
-              <a:t>we</a:t>
-            </a:r>
-            <a:r>
-              <a:rPr lang="fi-FI" sz="2000" dirty="0"/>
-              <a:t> </a:t>
-            </a:r>
-            <a:r>
-              <a:rPr lang="fi-FI" sz="2000" dirty="0" err="1"/>
-              <a:t>do</a:t>
-            </a:r>
-            <a:r>
-              <a:rPr lang="fi-FI" sz="2000" dirty="0"/>
-              <a:t> </a:t>
-            </a:r>
-            <a:r>
-              <a:rPr lang="fi-FI" sz="2000" dirty="0" err="1"/>
-              <a:t>not</a:t>
-            </a:r>
-            <a:r>
-              <a:rPr lang="fi-FI" sz="2000" dirty="0"/>
-              <a:t> </a:t>
-            </a:r>
-            <a:r>
-              <a:rPr lang="fi-FI" sz="2000" dirty="0" err="1"/>
-              <a:t>need</a:t>
-            </a:r>
-            <a:r>
-              <a:rPr lang="fi-FI" sz="2000" dirty="0"/>
-              <a:t> to </a:t>
-            </a:r>
-            <a:r>
-              <a:rPr lang="fi-FI" sz="2000" dirty="0" err="1"/>
-              <a:t>know</a:t>
-            </a:r>
-            <a:r>
-              <a:rPr lang="fi-FI" sz="2000" dirty="0"/>
-              <a:t> </a:t>
-            </a:r>
-            <a:r>
-              <a:rPr lang="fi-FI" sz="2000" dirty="0" err="1"/>
-              <a:t>exactly</a:t>
-            </a:r>
-            <a:r>
-              <a:rPr lang="fi-FI" sz="2000" dirty="0"/>
-              <a:t> in </a:t>
-            </a:r>
-            <a:r>
-              <a:rPr lang="fi-FI" sz="2000" dirty="0" err="1"/>
-              <a:t>the</a:t>
-            </a:r>
-            <a:r>
-              <a:rPr lang="fi-FI" sz="2000" dirty="0"/>
-              <a:t> </a:t>
-            </a:r>
-            <a:r>
-              <a:rPr lang="fi-FI" sz="2000" dirty="0" err="1"/>
-              <a:t>phase</a:t>
-            </a:r>
-            <a:r>
-              <a:rPr lang="fi-FI" sz="2000" dirty="0"/>
-              <a:t> 3 </a:t>
-            </a:r>
-            <a:r>
-              <a:rPr lang="fi-FI" sz="2000" dirty="0" err="1"/>
-              <a:t>either</a:t>
-            </a:r>
-            <a:r>
-              <a:rPr lang="fi-FI" sz="2000" dirty="0"/>
-              <a:t>!</a:t>
-            </a:r>
-          </a:p>
-          <a:p>
-            <a:pPr lvl="2">
-              <a:buFont typeface="Arial" panose="020B0604020202020204" pitchFamily="34" charset="0"/>
-              <a:buChar char="•"/>
-            </a:pPr>
-            <a:r>
-              <a:rPr lang="fi-FI" sz="2000" dirty="0" err="1"/>
-              <a:t>Prototyping</a:t>
-            </a:r>
-            <a:r>
-              <a:rPr lang="fi-FI" sz="2000" dirty="0"/>
-              <a:t>: </a:t>
-            </a:r>
-            <a:r>
-              <a:rPr lang="fi-FI" sz="2000" dirty="0" err="1"/>
-              <a:t>Create</a:t>
-            </a:r>
-            <a:r>
-              <a:rPr lang="fi-FI" sz="2000" dirty="0"/>
-              <a:t> </a:t>
-            </a:r>
-            <a:r>
-              <a:rPr lang="fi-FI" sz="2000" dirty="0" err="1"/>
-              <a:t>first</a:t>
-            </a:r>
-            <a:r>
-              <a:rPr lang="fi-FI" sz="2000" dirty="0"/>
-              <a:t> </a:t>
-            </a:r>
-            <a:r>
-              <a:rPr lang="fi-FI" sz="2000" dirty="0" err="1"/>
-              <a:t>lean</a:t>
-            </a:r>
-            <a:r>
-              <a:rPr lang="fi-FI" sz="2000" dirty="0"/>
-              <a:t> version of </a:t>
-            </a:r>
-            <a:r>
-              <a:rPr lang="fi-FI" sz="2000" dirty="0" err="1"/>
-              <a:t>what</a:t>
-            </a:r>
-            <a:r>
-              <a:rPr lang="fi-FI" sz="2000" dirty="0"/>
-              <a:t> </a:t>
-            </a:r>
-            <a:r>
-              <a:rPr lang="fi-FI" sz="2000" dirty="0" err="1"/>
-              <a:t>customer</a:t>
-            </a:r>
-            <a:r>
-              <a:rPr lang="fi-FI" sz="2000" dirty="0"/>
-              <a:t> </a:t>
-            </a:r>
-            <a:r>
-              <a:rPr lang="fi-FI" sz="2000" dirty="0" err="1"/>
-              <a:t>might</a:t>
-            </a:r>
-            <a:r>
-              <a:rPr lang="fi-FI" sz="2000" dirty="0"/>
-              <a:t> </a:t>
-            </a:r>
-            <a:r>
-              <a:rPr lang="fi-FI" sz="2000" dirty="0" err="1"/>
-              <a:t>want</a:t>
-            </a:r>
-            <a:r>
-              <a:rPr lang="fi-FI" sz="2000" dirty="0"/>
-              <a:t>.</a:t>
-            </a:r>
-          </a:p>
-          <a:p>
-            <a:pPr lvl="2">
-              <a:buFont typeface="Arial" panose="020B0604020202020204" pitchFamily="34" charset="0"/>
-              <a:buChar char="•"/>
-            </a:pPr>
-            <a:r>
-              <a:rPr lang="fi-FI" sz="2000" dirty="0" err="1"/>
-              <a:t>Iterate</a:t>
-            </a:r>
-            <a:r>
-              <a:rPr lang="fi-FI" sz="2000" dirty="0"/>
-              <a:t>: </a:t>
-            </a:r>
-            <a:r>
-              <a:rPr lang="fi-FI" sz="2000" dirty="0" err="1"/>
-              <a:t>Ask</a:t>
-            </a:r>
-            <a:r>
-              <a:rPr lang="fi-FI" sz="2000" dirty="0"/>
-              <a:t> feedback and </a:t>
-            </a:r>
-            <a:r>
-              <a:rPr lang="fi-FI" sz="2000" dirty="0" err="1"/>
-              <a:t>start</a:t>
-            </a:r>
-            <a:r>
-              <a:rPr lang="fi-FI" sz="2000" dirty="0"/>
-              <a:t> </a:t>
-            </a:r>
-            <a:r>
-              <a:rPr lang="fi-FI" sz="2000" dirty="0" err="1"/>
-              <a:t>working</a:t>
-            </a:r>
-            <a:r>
-              <a:rPr lang="fi-FI" sz="2000" dirty="0"/>
-              <a:t> on it</a:t>
-            </a:r>
-          </a:p>
-          <a:p>
-            <a:pPr lvl="2">
-              <a:buFont typeface="Arial" panose="020B0604020202020204" pitchFamily="34" charset="0"/>
-              <a:buChar char="•"/>
-            </a:pPr>
-            <a:r>
-              <a:rPr lang="fi-FI" sz="2000" dirty="0" err="1"/>
-              <a:t>Should</a:t>
-            </a:r>
-            <a:r>
-              <a:rPr lang="fi-FI" sz="2000" dirty="0"/>
-              <a:t> </a:t>
-            </a:r>
-            <a:r>
-              <a:rPr lang="fi-FI" sz="2000" dirty="0" err="1"/>
+              <a:rPr lang="fi-FI" dirty="0"/>
+              <a:t> </a:t>
+            </a:r>
+            <a:r>
+              <a:rPr lang="fi-FI" dirty="0" err="1"/>
+              <a:t>should</a:t>
+            </a:r>
+            <a:r>
+              <a:rPr lang="fi-FI" dirty="0"/>
+              <a:t> </a:t>
+            </a:r>
+            <a:r>
+              <a:rPr lang="fi-FI" dirty="0" err="1"/>
               <a:t>be</a:t>
             </a:r>
             <a:r>
-              <a:rPr lang="fi-FI" sz="2000" dirty="0"/>
-              <a:t> </a:t>
-            </a:r>
-            <a:r>
-              <a:rPr lang="fi-FI" sz="2000" dirty="0" err="1"/>
-              <a:t>easy</a:t>
-            </a:r>
-            <a:r>
-              <a:rPr lang="fi-FI" sz="2000" dirty="0"/>
-              <a:t>, </a:t>
-            </a:r>
-            <a:r>
-              <a:rPr lang="fi-FI" sz="2000" dirty="0" err="1"/>
-              <a:t>if</a:t>
-            </a:r>
-            <a:r>
-              <a:rPr lang="fi-FI" sz="2000" dirty="0"/>
-              <a:t> </a:t>
-            </a:r>
-            <a:r>
-              <a:rPr lang="fi-FI" sz="2000" dirty="0" err="1"/>
-              <a:t>you</a:t>
-            </a:r>
-            <a:r>
-              <a:rPr lang="fi-FI" sz="2000" dirty="0"/>
-              <a:t> </a:t>
-            </a:r>
-            <a:r>
-              <a:rPr lang="fi-FI" sz="2000" dirty="0" err="1"/>
-              <a:t>did</a:t>
-            </a:r>
-            <a:r>
-              <a:rPr lang="fi-FI" sz="2000" dirty="0"/>
-              <a:t> </a:t>
-            </a:r>
-            <a:r>
-              <a:rPr lang="fi-FI" sz="2000" dirty="0" err="1"/>
-              <a:t>not</a:t>
-            </a:r>
-            <a:r>
-              <a:rPr lang="fi-FI" sz="2000" dirty="0"/>
-              <a:t> </a:t>
-            </a:r>
-            <a:r>
-              <a:rPr lang="fi-FI" sz="2000" dirty="0" err="1"/>
-              <a:t>skip</a:t>
-            </a:r>
-            <a:r>
-              <a:rPr lang="fi-FI" sz="2000" dirty="0"/>
-              <a:t> </a:t>
-            </a:r>
-            <a:r>
-              <a:rPr lang="fi-FI" sz="2000" dirty="0" err="1"/>
-              <a:t>phases</a:t>
-            </a:r>
-            <a:r>
-              <a:rPr lang="fi-FI" sz="2000" dirty="0"/>
-              <a:t> 1 and 2</a:t>
+              <a:rPr lang="fi-FI" dirty="0"/>
+              <a:t> </a:t>
+            </a:r>
+            <a:r>
+              <a:rPr lang="fi-FI" dirty="0" err="1"/>
+              <a:t>fast</a:t>
+            </a:r>
+            <a:r>
+              <a:rPr lang="fi-FI" dirty="0"/>
+              <a:t>, as </a:t>
+            </a:r>
+            <a:r>
+              <a:rPr lang="fi-FI" dirty="0" err="1"/>
+              <a:t>tech</a:t>
+            </a:r>
+            <a:r>
+              <a:rPr lang="fi-FI" dirty="0"/>
+              <a:t> is </a:t>
+            </a:r>
+            <a:r>
+              <a:rPr lang="fi-FI" dirty="0" err="1"/>
+              <a:t>known</a:t>
+            </a:r>
+            <a:r>
+              <a:rPr lang="fi-FI" dirty="0"/>
+              <a:t> (</a:t>
+            </a:r>
+            <a:r>
+              <a:rPr lang="fi-FI" dirty="0" err="1"/>
+              <a:t>from</a:t>
+            </a:r>
+            <a:r>
+              <a:rPr lang="fi-FI" dirty="0"/>
+              <a:t> 1, OR </a:t>
+            </a:r>
+            <a:r>
+              <a:rPr lang="fi-FI" dirty="0" err="1"/>
+              <a:t>earlier</a:t>
+            </a:r>
+            <a:r>
+              <a:rPr lang="fi-FI" dirty="0"/>
+              <a:t> </a:t>
+            </a:r>
+            <a:r>
+              <a:rPr lang="fi-FI" dirty="0" err="1"/>
+              <a:t>project</a:t>
+            </a:r>
+            <a:r>
+              <a:rPr lang="fi-FI" dirty="0"/>
+              <a:t>) and </a:t>
+            </a:r>
+            <a:r>
+              <a:rPr lang="fi-FI" dirty="0" err="1"/>
+              <a:t>architecture</a:t>
+            </a:r>
+            <a:r>
+              <a:rPr lang="fi-FI" dirty="0"/>
+              <a:t> </a:t>
+            </a:r>
+            <a:r>
+              <a:rPr lang="fi-FI" dirty="0" err="1"/>
+              <a:t>built</a:t>
+            </a:r>
+            <a:r>
+              <a:rPr lang="fi-FI" dirty="0"/>
+              <a:t> (2 OR </a:t>
+            </a:r>
+            <a:r>
+              <a:rPr lang="fi-FI" dirty="0" err="1"/>
+              <a:t>earlier</a:t>
+            </a:r>
+            <a:r>
+              <a:rPr lang="fi-FI" dirty="0"/>
+              <a:t>).</a:t>
             </a:r>
           </a:p>
         </p:txBody>
@@ -15094,7 +14997,7 @@
           <a:p>
             <a:fld id="{551D5D1D-8623-7244-B1BC-5984C123D6C5}" type="datetime1">
               <a:rPr lang="fi-FI" smtClean="0"/>
-              <a:t>27.10.2022</a:t>
+              <a:t>8.2.2024</a:t>
             </a:fld>
             <a:endParaRPr lang="en-GB"/>
           </a:p>
@@ -15157,7 +15060,7 @@
     </p:spTree>
     <p:extLst>
       <p:ext uri="{BB962C8B-B14F-4D97-AF65-F5344CB8AC3E}">
-        <p14:creationId xmlns:p14="http://schemas.microsoft.com/office/powerpoint/2010/main" val="2132183270"/>
+        <p14:creationId xmlns:p14="http://schemas.microsoft.com/office/powerpoint/2010/main" val="4011369514"/>
       </p:ext>
     </p:extLst>
   </p:cSld>
@@ -15189,7 +15092,7 @@
           <p:cNvPr id="8" name="Title 7">
             <a:extLst>
               <a:ext uri="{FF2B5EF4-FFF2-40B4-BE49-F238E27FC236}">
-                <a16:creationId xmlns:a16="http://schemas.microsoft.com/office/drawing/2014/main" id="{197044C3-CD23-D844-B780-26FABA91AD0F}"/>
+                <a16:creationId xmlns:a16="http://schemas.microsoft.com/office/drawing/2014/main" id="{03801FB7-8FBC-844F-8D63-9A597A066215}"/>
               </a:ext>
             </a:extLst>
           </p:cNvPr>
@@ -15206,22 +15109,93 @@
           <a:lstStyle/>
           <a:p>
             <a:r>
-              <a:rPr lang="fi-FI" dirty="0"/>
-              <a:t>Software Architecture </a:t>
-            </a:r>
-            <a:r>
-              <a:rPr lang="fi-FI" dirty="0" err="1"/>
-              <a:t>Opinion</a:t>
-            </a:r>
-            <a:r>
-              <a:rPr lang="fi-FI" dirty="0"/>
-              <a:t> – and </a:t>
-            </a:r>
-            <a:r>
-              <a:rPr lang="fi-FI" dirty="0" err="1"/>
-              <a:t>Questions</a:t>
-            </a:r>
-            <a:endParaRPr lang="fi-FI" dirty="0"/>
+              <a:rPr lang="fi-FI" dirty="0" err="1"/>
+              <a:t>What</a:t>
+            </a:r>
+            <a:r>
+              <a:rPr lang="fi-FI" dirty="0"/>
+              <a:t> </a:t>
+            </a:r>
+            <a:r>
+              <a:rPr lang="fi-FI" dirty="0" err="1"/>
+              <a:t>happens</a:t>
+            </a:r>
+            <a:r>
+              <a:rPr lang="fi-FI" dirty="0"/>
+              <a:t> (</a:t>
+            </a:r>
+            <a:r>
+              <a:rPr lang="fi-FI" dirty="0" err="1"/>
+              <a:t>especially</a:t>
+            </a:r>
+            <a:r>
+              <a:rPr lang="fi-FI" dirty="0"/>
+              <a:t> in </a:t>
+            </a:r>
+            <a:r>
+              <a:rPr lang="fi-FI" dirty="0" err="1"/>
+              <a:t>school</a:t>
+            </a:r>
+            <a:r>
+              <a:rPr lang="fi-FI" dirty="0"/>
+              <a:t> </a:t>
+            </a:r>
+            <a:r>
+              <a:rPr lang="fi-FI" dirty="0" err="1"/>
+              <a:t>projects</a:t>
+            </a:r>
+            <a:r>
+              <a:rPr lang="fi-FI" dirty="0"/>
+              <a:t>) </a:t>
+            </a:r>
+            <a:r>
+              <a:rPr lang="fi-FI" dirty="0" err="1"/>
+              <a:t>if</a:t>
+            </a:r>
+            <a:r>
+              <a:rPr lang="fi-FI" dirty="0"/>
+              <a:t> </a:t>
+            </a:r>
+            <a:r>
+              <a:rPr lang="fi-FI" dirty="0" err="1"/>
+              <a:t>students</a:t>
+            </a:r>
+            <a:r>
+              <a:rPr lang="fi-FI" dirty="0"/>
+              <a:t> </a:t>
+            </a:r>
+            <a:r>
+              <a:rPr lang="fi-FI" dirty="0" err="1"/>
+              <a:t>jump</a:t>
+            </a:r>
+            <a:r>
+              <a:rPr lang="fi-FI" dirty="0"/>
+              <a:t> </a:t>
+            </a:r>
+            <a:r>
+              <a:rPr lang="fi-FI" dirty="0" err="1"/>
+              <a:t>over</a:t>
+            </a:r>
+            <a:r>
+              <a:rPr lang="fi-FI" dirty="0"/>
+              <a:t> </a:t>
+            </a:r>
+            <a:r>
+              <a:rPr lang="fi-FI" dirty="0" err="1"/>
+              <a:t>the</a:t>
+            </a:r>
+            <a:r>
+              <a:rPr lang="fi-FI" dirty="0"/>
+              <a:t> </a:t>
+            </a:r>
+            <a:r>
+              <a:rPr lang="fi-FI" dirty="0" err="1"/>
+              <a:t>phases</a:t>
+            </a:r>
+            <a:r>
+              <a:rPr lang="fi-FI" dirty="0"/>
+              <a:t>?</a:t>
+            </a:r>
           </a:p>
         </p:txBody>
       </p:sp>
@@ -15230,7 +15204,7 @@
           <p:cNvPr id="9" name="Content Placeholder 8">
             <a:extLst>
               <a:ext uri="{FF2B5EF4-FFF2-40B4-BE49-F238E27FC236}">
-                <a16:creationId xmlns:a16="http://schemas.microsoft.com/office/drawing/2014/main" id="{ACDE61D8-A75A-F94B-B57A-46F276C03311}"/>
+                <a16:creationId xmlns:a16="http://schemas.microsoft.com/office/drawing/2014/main" id="{C711FFF1-5700-384F-B322-71416B4D664F}"/>
               </a:ext>
             </a:extLst>
           </p:cNvPr>
@@ -15248,938 +15222,566 @@
           </a:bodyPr>
           <a:lstStyle/>
           <a:p>
-            <a:r>
-              <a:rPr lang="fi-FI" dirty="0" err="1"/>
-              <a:t>There</a:t>
-            </a:r>
-            <a:r>
-              <a:rPr lang="fi-FI" dirty="0"/>
-              <a:t> </a:t>
-            </a:r>
-            <a:r>
-              <a:rPr lang="fi-FI" dirty="0" err="1"/>
+            <a:pPr>
+              <a:buFont typeface="Arial" panose="020B0604020202020204" pitchFamily="34" charset="0"/>
+              <a:buChar char="•"/>
+            </a:pPr>
+            <a:r>
+              <a:rPr lang="fi-FI" sz="2400" dirty="0" err="1"/>
+              <a:t>Then</a:t>
+            </a:r>
+            <a:r>
+              <a:rPr lang="fi-FI" sz="2400" dirty="0"/>
+              <a:t> </a:t>
+            </a:r>
+            <a:r>
+              <a:rPr lang="fi-FI" sz="2400" dirty="0" err="1"/>
+              <a:t>they</a:t>
+            </a:r>
+            <a:r>
+              <a:rPr lang="fi-FI" sz="2400" dirty="0"/>
+              <a:t> </a:t>
+            </a:r>
+            <a:r>
+              <a:rPr lang="fi-FI" sz="2400" dirty="0" err="1"/>
               <a:t>are</a:t>
             </a:r>
             <a:r>
-              <a:rPr lang="fi-FI" dirty="0"/>
-              <a:t> no </a:t>
-            </a:r>
-            <a:r>
-              <a:rPr lang="fi-FI" dirty="0" err="1"/>
-              <a:t>correct</a:t>
-            </a:r>
-            <a:r>
-              <a:rPr lang="fi-FI" dirty="0"/>
-              <a:t> </a:t>
-            </a:r>
-            <a:r>
-              <a:rPr lang="fi-FI" dirty="0" err="1"/>
-              <a:t>answers</a:t>
-            </a:r>
-            <a:r>
-              <a:rPr lang="fi-FI" dirty="0"/>
+              <a:rPr lang="fi-FI" sz="2400" dirty="0"/>
+              <a:t> </a:t>
+            </a:r>
+            <a:r>
+              <a:rPr lang="fi-FI" sz="2400" dirty="0" err="1"/>
+              <a:t>trying</a:t>
+            </a:r>
+            <a:r>
+              <a:rPr lang="fi-FI" sz="2400" dirty="0"/>
               <a:t> to </a:t>
             </a:r>
             <a:r>
-              <a:rPr lang="fi-FI" dirty="0" err="1"/>
-              <a:t>these</a:t>
-            </a:r>
-            <a:r>
-              <a:rPr lang="fi-FI" dirty="0"/>
-              <a:t> </a:t>
-            </a:r>
-            <a:r>
-              <a:rPr lang="fi-FI" dirty="0" err="1"/>
-              <a:t>questions</a:t>
-            </a:r>
-            <a:endParaRPr lang="fi-FI" dirty="0"/>
-          </a:p>
-          <a:p>
-            <a:r>
-              <a:rPr lang="fi-FI" dirty="0"/>
-              <a:t>Robert C. Martin </a:t>
-            </a:r>
-            <a:r>
-              <a:rPr lang="fi-FI" dirty="0" err="1"/>
-              <a:t>said</a:t>
-            </a:r>
-            <a:r>
-              <a:rPr lang="fi-FI" dirty="0"/>
+              <a:rPr lang="fi-FI" sz="2400" dirty="0" err="1"/>
+              <a:t>eat</a:t>
+            </a:r>
+            <a:r>
+              <a:rPr lang="fi-FI" sz="2400" dirty="0"/>
+              <a:t> an </a:t>
+            </a:r>
+            <a:r>
+              <a:rPr lang="fi-FI" sz="2400" dirty="0" err="1"/>
+              <a:t>elephant</a:t>
+            </a:r>
+            <a:r>
+              <a:rPr lang="fi-FI" sz="2400" dirty="0"/>
+              <a:t> as a </a:t>
+            </a:r>
+            <a:r>
+              <a:rPr lang="fi-FI" sz="2400" dirty="0" err="1"/>
+              <a:t>whole</a:t>
+            </a:r>
+            <a:endParaRPr lang="fi-FI" sz="2400" dirty="0"/>
+          </a:p>
+          <a:p>
+            <a:pPr>
+              <a:buFont typeface="Arial" panose="020B0604020202020204" pitchFamily="34" charset="0"/>
+              <a:buChar char="•"/>
+            </a:pPr>
+            <a:r>
+              <a:rPr lang="fi-FI" sz="2400" dirty="0" err="1"/>
+              <a:t>Leads</a:t>
+            </a:r>
+            <a:r>
+              <a:rPr lang="fi-FI" sz="2400" dirty="0"/>
+              <a:t> </a:t>
+            </a:r>
+            <a:r>
+              <a:rPr lang="fi-FI" sz="2400" dirty="0" err="1"/>
+              <a:t>often</a:t>
+            </a:r>
+            <a:r>
+              <a:rPr lang="fi-FI" sz="2400" dirty="0"/>
+              <a:t> to </a:t>
+            </a:r>
+            <a:r>
+              <a:rPr lang="fi-FI" sz="2400" dirty="0" err="1"/>
+              <a:t>the</a:t>
+            </a:r>
+            <a:r>
+              <a:rPr lang="fi-FI" sz="2400" dirty="0"/>
+              <a:t> </a:t>
+            </a:r>
+            <a:r>
+              <a:rPr lang="fi-FI" sz="2400" dirty="0" err="1"/>
+              <a:t>analysis-paralysis</a:t>
+            </a:r>
+            <a:endParaRPr lang="fi-FI" sz="2400" dirty="0"/>
+          </a:p>
+          <a:p>
+            <a:pPr lvl="1">
+              <a:buFont typeface="Arial" panose="020B0604020202020204" pitchFamily="34" charset="0"/>
+              <a:buChar char="•"/>
+            </a:pPr>
+            <a:r>
+              <a:rPr lang="fi-FI" sz="2000" dirty="0"/>
+              <a:t>”</a:t>
+            </a:r>
+            <a:r>
+              <a:rPr lang="fi-FI" sz="2000" dirty="0" err="1"/>
+              <a:t>We</a:t>
+            </a:r>
+            <a:r>
+              <a:rPr lang="fi-FI" sz="2000" dirty="0"/>
+              <a:t> </a:t>
+            </a:r>
+            <a:r>
+              <a:rPr lang="fi-FI" sz="2000" dirty="0" err="1"/>
+              <a:t>cannot</a:t>
+            </a:r>
+            <a:r>
+              <a:rPr lang="fi-FI" sz="2000" dirty="0"/>
+              <a:t> </a:t>
+            </a:r>
+            <a:r>
+              <a:rPr lang="fi-FI" sz="2000" dirty="0" err="1"/>
+              <a:t>start</a:t>
+            </a:r>
+            <a:r>
+              <a:rPr lang="fi-FI" sz="2000" dirty="0"/>
+              <a:t> </a:t>
+            </a:r>
+            <a:r>
+              <a:rPr lang="fi-FI" sz="2000" dirty="0" err="1"/>
+              <a:t>because</a:t>
+            </a:r>
+            <a:r>
+              <a:rPr lang="fi-FI" sz="2000" dirty="0"/>
+              <a:t> </a:t>
+            </a:r>
+            <a:r>
+              <a:rPr lang="fi-FI" sz="2000" dirty="0" err="1"/>
+              <a:t>we</a:t>
+            </a:r>
+            <a:r>
+              <a:rPr lang="fi-FI" sz="2000" dirty="0"/>
+              <a:t> </a:t>
+            </a:r>
+            <a:r>
+              <a:rPr lang="fi-FI" sz="2000" dirty="0" err="1"/>
+              <a:t>don’t</a:t>
+            </a:r>
+            <a:r>
+              <a:rPr lang="fi-FI" sz="2000" dirty="0"/>
+              <a:t> </a:t>
+            </a:r>
+            <a:r>
+              <a:rPr lang="fi-FI" sz="2000" dirty="0" err="1"/>
+              <a:t>know</a:t>
+            </a:r>
+            <a:r>
+              <a:rPr lang="fi-FI" sz="2000" dirty="0"/>
+              <a:t> </a:t>
+            </a:r>
+            <a:r>
+              <a:rPr lang="fi-FI" sz="2000" dirty="0" err="1"/>
+              <a:t>exactly</a:t>
+            </a:r>
+            <a:r>
+              <a:rPr lang="fi-FI" sz="2000" dirty="0"/>
+              <a:t> </a:t>
+            </a:r>
+            <a:r>
+              <a:rPr lang="fi-FI" sz="2000" dirty="0" err="1"/>
+              <a:t>what</a:t>
+            </a:r>
+            <a:r>
+              <a:rPr lang="fi-FI" sz="2000" dirty="0"/>
+              <a:t> </a:t>
+            </a:r>
+            <a:r>
+              <a:rPr lang="fi-FI" sz="2000" dirty="0" err="1"/>
+              <a:t>customer</a:t>
+            </a:r>
+            <a:r>
+              <a:rPr lang="fi-FI" sz="2000" dirty="0"/>
+              <a:t> </a:t>
+            </a:r>
+            <a:r>
+              <a:rPr lang="fi-FI" sz="2000" dirty="0" err="1"/>
+              <a:t>needs</a:t>
+            </a:r>
+            <a:r>
+              <a:rPr lang="fi-FI" sz="2000" dirty="0"/>
+              <a:t>”</a:t>
+            </a:r>
+          </a:p>
+          <a:p>
+            <a:pPr lvl="1">
+              <a:buFont typeface="Arial" panose="020B0604020202020204" pitchFamily="34" charset="0"/>
+              <a:buChar char="•"/>
+            </a:pPr>
+            <a:r>
+              <a:rPr lang="fi-FI" sz="2000" dirty="0" err="1"/>
+              <a:t>We</a:t>
+            </a:r>
+            <a:r>
+              <a:rPr lang="fi-FI" sz="2000" dirty="0"/>
+              <a:t> </a:t>
+            </a:r>
+            <a:r>
+              <a:rPr lang="fi-FI" sz="2000" dirty="0" err="1"/>
+              <a:t>do</a:t>
+            </a:r>
+            <a:r>
+              <a:rPr lang="fi-FI" sz="2000" dirty="0"/>
+              <a:t> </a:t>
+            </a:r>
+            <a:r>
+              <a:rPr lang="fi-FI" sz="2000" dirty="0" err="1"/>
+              <a:t>not</a:t>
+            </a:r>
+            <a:r>
+              <a:rPr lang="fi-FI" sz="2000" dirty="0"/>
+              <a:t> </a:t>
+            </a:r>
+            <a:r>
+              <a:rPr lang="fi-FI" sz="2000" dirty="0" err="1"/>
+              <a:t>need</a:t>
+            </a:r>
+            <a:r>
+              <a:rPr lang="fi-FI" sz="2000" dirty="0"/>
+              <a:t> to </a:t>
+            </a:r>
+            <a:r>
+              <a:rPr lang="fi-FI" sz="2000" dirty="0" err="1"/>
+              <a:t>know</a:t>
+            </a:r>
+            <a:r>
+              <a:rPr lang="fi-FI" sz="2000" dirty="0"/>
+              <a:t> </a:t>
+            </a:r>
+            <a:r>
+              <a:rPr lang="fi-FI" sz="2000" dirty="0" err="1"/>
+              <a:t>exactly</a:t>
+            </a:r>
+            <a:r>
+              <a:rPr lang="fi-FI" sz="2000" dirty="0"/>
+              <a:t>, to </a:t>
+            </a:r>
+            <a:r>
+              <a:rPr lang="fi-FI" sz="2000" dirty="0" err="1"/>
+              <a:t>start</a:t>
+            </a:r>
+            <a:r>
+              <a:rPr lang="fi-FI" sz="2000" dirty="0"/>
+              <a:t> </a:t>
+            </a:r>
+            <a:r>
+              <a:rPr lang="fi-FI" sz="2000" dirty="0" err="1"/>
+              <a:t>with</a:t>
+            </a:r>
+            <a:r>
+              <a:rPr lang="fi-FI" sz="2000" dirty="0"/>
+              <a:t> </a:t>
+            </a:r>
+            <a:r>
+              <a:rPr lang="fi-FI" sz="2000" dirty="0" err="1"/>
+              <a:t>the</a:t>
+            </a:r>
+            <a:r>
+              <a:rPr lang="fi-FI" sz="2000" dirty="0"/>
+              <a:t> </a:t>
+            </a:r>
+            <a:r>
+              <a:rPr lang="fi-FI" sz="2000" dirty="0" err="1"/>
+              <a:t>phases</a:t>
+            </a:r>
+            <a:r>
+              <a:rPr lang="fi-FI" sz="2000" dirty="0"/>
+              <a:t> 1 and 2!</a:t>
+            </a:r>
+          </a:p>
+          <a:p>
+            <a:pPr lvl="1">
+              <a:buFont typeface="Arial" panose="020B0604020202020204" pitchFamily="34" charset="0"/>
+              <a:buChar char="•"/>
+            </a:pPr>
+            <a:r>
+              <a:rPr lang="fi-FI" sz="2000" dirty="0"/>
+              <a:t>In </a:t>
+            </a:r>
+            <a:r>
+              <a:rPr lang="fi-FI" sz="2000" dirty="0" err="1"/>
+              <a:t>agile</a:t>
+            </a:r>
+            <a:r>
+              <a:rPr lang="fi-FI" sz="2000" dirty="0"/>
+              <a:t> </a:t>
+            </a:r>
+            <a:r>
+              <a:rPr lang="fi-FI" sz="2000" dirty="0" err="1"/>
+              <a:t>development</a:t>
+            </a:r>
+            <a:r>
+              <a:rPr lang="fi-FI" sz="2000" dirty="0"/>
+              <a:t> </a:t>
+            </a:r>
+            <a:r>
+              <a:rPr lang="fi-FI" sz="2000" dirty="0" err="1"/>
+              <a:t>we</a:t>
+            </a:r>
+            <a:r>
+              <a:rPr lang="fi-FI" sz="2000" dirty="0"/>
+              <a:t> </a:t>
+            </a:r>
+            <a:r>
+              <a:rPr lang="fi-FI" sz="2000" dirty="0" err="1"/>
+              <a:t>do</a:t>
+            </a:r>
+            <a:r>
+              <a:rPr lang="fi-FI" sz="2000" dirty="0"/>
+              <a:t> </a:t>
+            </a:r>
+            <a:r>
+              <a:rPr lang="fi-FI" sz="2000" dirty="0" err="1"/>
+              <a:t>not</a:t>
+            </a:r>
+            <a:r>
+              <a:rPr lang="fi-FI" sz="2000" dirty="0"/>
+              <a:t> </a:t>
+            </a:r>
+            <a:r>
+              <a:rPr lang="fi-FI" sz="2000" dirty="0" err="1"/>
+              <a:t>need</a:t>
+            </a:r>
+            <a:r>
+              <a:rPr lang="fi-FI" sz="2000" dirty="0"/>
+              <a:t> to </a:t>
+            </a:r>
+            <a:r>
+              <a:rPr lang="fi-FI" sz="2000" dirty="0" err="1"/>
+              <a:t>know</a:t>
+            </a:r>
+            <a:r>
+              <a:rPr lang="fi-FI" sz="2000" dirty="0"/>
+              <a:t> </a:t>
+            </a:r>
+            <a:r>
+              <a:rPr lang="fi-FI" sz="2000" dirty="0" err="1"/>
+              <a:t>exactly</a:t>
+            </a:r>
+            <a:r>
+              <a:rPr lang="fi-FI" sz="2000" dirty="0"/>
+              <a:t> in </a:t>
+            </a:r>
+            <a:r>
+              <a:rPr lang="fi-FI" sz="2000" dirty="0" err="1"/>
+              <a:t>the</a:t>
+            </a:r>
+            <a:r>
+              <a:rPr lang="fi-FI" sz="2000" dirty="0"/>
+              <a:t> </a:t>
+            </a:r>
+            <a:r>
+              <a:rPr lang="fi-FI" sz="2000" dirty="0" err="1"/>
+              <a:t>phase</a:t>
+            </a:r>
+            <a:r>
+              <a:rPr lang="fi-FI" sz="2000" dirty="0"/>
+              <a:t> 3 </a:t>
+            </a:r>
+            <a:r>
+              <a:rPr lang="fi-FI" sz="2000" dirty="0" err="1"/>
+              <a:t>either</a:t>
+            </a:r>
+            <a:r>
+              <a:rPr lang="fi-FI" sz="2000" dirty="0"/>
+              <a:t>!</a:t>
+            </a:r>
+          </a:p>
+          <a:p>
+            <a:pPr lvl="2">
+              <a:buFont typeface="Arial" panose="020B0604020202020204" pitchFamily="34" charset="0"/>
+              <a:buChar char="•"/>
+            </a:pPr>
+            <a:r>
+              <a:rPr lang="fi-FI" sz="2000" dirty="0" err="1"/>
+              <a:t>Prototyping</a:t>
+            </a:r>
+            <a:r>
+              <a:rPr lang="fi-FI" sz="2000" dirty="0"/>
+              <a:t>: </a:t>
+            </a:r>
+            <a:r>
+              <a:rPr lang="fi-FI" sz="2000" dirty="0" err="1"/>
+              <a:t>Create</a:t>
+            </a:r>
+            <a:r>
+              <a:rPr lang="fi-FI" sz="2000" dirty="0"/>
+              <a:t> </a:t>
+            </a:r>
+            <a:r>
+              <a:rPr lang="fi-FI" sz="2000" dirty="0" err="1"/>
+              <a:t>first</a:t>
+            </a:r>
+            <a:r>
+              <a:rPr lang="fi-FI" sz="2000" dirty="0"/>
+              <a:t> </a:t>
+            </a:r>
+            <a:r>
+              <a:rPr lang="fi-FI" sz="2000" dirty="0" err="1"/>
+              <a:t>lean</a:t>
+            </a:r>
+            <a:r>
+              <a:rPr lang="fi-FI" sz="2000" dirty="0"/>
+              <a:t> version of </a:t>
+            </a:r>
+            <a:r>
+              <a:rPr lang="fi-FI" sz="2000" dirty="0" err="1"/>
+              <a:t>what</a:t>
+            </a:r>
+            <a:r>
+              <a:rPr lang="fi-FI" sz="2000" dirty="0"/>
+              <a:t> </a:t>
+            </a:r>
+            <a:r>
+              <a:rPr lang="fi-FI" sz="2000" dirty="0" err="1"/>
+              <a:t>customer</a:t>
+            </a:r>
+            <a:r>
+              <a:rPr lang="fi-FI" sz="2000" dirty="0"/>
+              <a:t> </a:t>
+            </a:r>
+            <a:r>
+              <a:rPr lang="fi-FI" sz="2000" dirty="0" err="1"/>
+              <a:t>might</a:t>
+            </a:r>
+            <a:r>
+              <a:rPr lang="fi-FI" sz="2000" dirty="0"/>
+              <a:t> </a:t>
+            </a:r>
+            <a:r>
+              <a:rPr lang="fi-FI" sz="2000" dirty="0" err="1"/>
+              <a:t>want</a:t>
+            </a:r>
+            <a:r>
+              <a:rPr lang="fi-FI" sz="2000" dirty="0"/>
+              <a:t>.</a:t>
+            </a:r>
+          </a:p>
+          <a:p>
+            <a:pPr lvl="2">
+              <a:buFont typeface="Arial" panose="020B0604020202020204" pitchFamily="34" charset="0"/>
+              <a:buChar char="•"/>
+            </a:pPr>
+            <a:r>
+              <a:rPr lang="fi-FI" sz="2000" dirty="0" err="1"/>
+              <a:t>Iterate</a:t>
+            </a:r>
+            <a:r>
+              <a:rPr lang="fi-FI" sz="2000" dirty="0"/>
+              <a:t>: </a:t>
+            </a:r>
+            <a:r>
+              <a:rPr lang="fi-FI" sz="2000" dirty="0" err="1"/>
+              <a:t>Ask</a:t>
+            </a:r>
+            <a:r>
+              <a:rPr lang="fi-FI" sz="2000" dirty="0"/>
+              <a:t> feedback and </a:t>
+            </a:r>
+            <a:r>
+              <a:rPr lang="fi-FI" sz="2000" dirty="0" err="1"/>
+              <a:t>start</a:t>
+            </a:r>
+            <a:r>
+              <a:rPr lang="fi-FI" sz="2000" dirty="0"/>
+              <a:t> </a:t>
+            </a:r>
+            <a:r>
+              <a:rPr lang="fi-FI" sz="2000" dirty="0" err="1"/>
+              <a:t>working</a:t>
+            </a:r>
+            <a:r>
+              <a:rPr lang="fi-FI" sz="2000" dirty="0"/>
+              <a:t> on it</a:t>
+            </a:r>
+          </a:p>
+          <a:p>
+            <a:pPr lvl="2">
+              <a:buFont typeface="Arial" panose="020B0604020202020204" pitchFamily="34" charset="0"/>
+              <a:buChar char="•"/>
+            </a:pPr>
+            <a:r>
+              <a:rPr lang="fi-FI" sz="2000" dirty="0" err="1"/>
+              <a:t>Should</a:t>
+            </a:r>
+            <a:r>
+              <a:rPr lang="fi-FI" sz="2000" dirty="0"/>
+              <a:t> </a:t>
+            </a:r>
+            <a:r>
+              <a:rPr lang="fi-FI" sz="2000" dirty="0" err="1"/>
+              <a:t>be</a:t>
+            </a:r>
+            <a:r>
+              <a:rPr lang="fi-FI" sz="2000" dirty="0"/>
+              <a:t> </a:t>
+            </a:r>
+            <a:r>
+              <a:rPr lang="fi-FI" sz="2000" dirty="0" err="1"/>
+              <a:t>easy</a:t>
+            </a:r>
+            <a:r>
+              <a:rPr lang="fi-FI" sz="2000" dirty="0"/>
               <a:t>, </a:t>
             </a:r>
             <a:r>
-              <a:rPr lang="fi-FI" dirty="0" err="1"/>
-              <a:t>based</a:t>
-            </a:r>
-            <a:r>
-              <a:rPr lang="fi-FI" dirty="0"/>
-              <a:t> on </a:t>
-            </a:r>
-            <a:r>
-              <a:rPr lang="fi-FI" dirty="0" err="1"/>
-              <a:t>Ivar</a:t>
-            </a:r>
-            <a:r>
-              <a:rPr lang="fi-FI" dirty="0"/>
-              <a:t> Jacobsen </a:t>
-            </a:r>
-            <a:r>
-              <a:rPr lang="fi-FI" dirty="0" err="1"/>
-              <a:t>book</a:t>
-            </a:r>
-            <a:r>
-              <a:rPr lang="fi-FI" dirty="0"/>
-              <a:t>, </a:t>
-            </a:r>
-            <a:r>
-              <a:rPr lang="fi-FI" dirty="0" err="1"/>
-              <a:t>something</a:t>
-            </a:r>
-            <a:r>
-              <a:rPr lang="fi-FI" dirty="0"/>
-              <a:t> </a:t>
-            </a:r>
-            <a:r>
-              <a:rPr lang="fi-FI" dirty="0" err="1"/>
-              <a:t>like</a:t>
-            </a:r>
-            <a:r>
-              <a:rPr lang="fi-FI" dirty="0"/>
-              <a:t> </a:t>
-            </a:r>
-            <a:r>
-              <a:rPr lang="fi-FI" dirty="0" err="1"/>
-              <a:t>this</a:t>
-            </a:r>
-            <a:r>
-              <a:rPr lang="fi-FI" dirty="0"/>
-              <a:t>:</a:t>
-            </a:r>
-          </a:p>
-          <a:p>
-            <a:pPr lvl="1"/>
-            <a:r>
-              <a:rPr lang="fi-FI" dirty="0"/>
-              <a:t>”</a:t>
-            </a:r>
-            <a:r>
-              <a:rPr lang="fi-FI" i="1" dirty="0"/>
-              <a:t>Architecture </a:t>
-            </a:r>
-            <a:r>
-              <a:rPr lang="fi-FI" i="1" dirty="0" err="1"/>
-              <a:t>should</a:t>
-            </a:r>
-            <a:r>
-              <a:rPr lang="fi-FI" i="1" dirty="0"/>
-              <a:t> </a:t>
-            </a:r>
-            <a:r>
-              <a:rPr lang="fi-FI" i="1" dirty="0" err="1"/>
-              <a:t>be</a:t>
-            </a:r>
-            <a:r>
-              <a:rPr lang="fi-FI" i="1" dirty="0"/>
-              <a:t> </a:t>
-            </a:r>
-            <a:r>
-              <a:rPr lang="fi-FI" i="1" dirty="0" err="1"/>
-              <a:t>based</a:t>
-            </a:r>
-            <a:r>
-              <a:rPr lang="fi-FI" i="1" dirty="0"/>
-              <a:t> on </a:t>
-            </a:r>
-            <a:r>
-              <a:rPr lang="fi-FI" i="1" dirty="0" err="1"/>
-              <a:t>the</a:t>
-            </a:r>
-            <a:r>
-              <a:rPr lang="fi-FI" i="1" dirty="0"/>
-              <a:t> business </a:t>
-            </a:r>
-            <a:r>
-              <a:rPr lang="fi-FI" i="1" dirty="0" err="1"/>
-              <a:t>use</a:t>
-            </a:r>
-            <a:r>
-              <a:rPr lang="fi-FI" i="1" dirty="0"/>
-              <a:t> </a:t>
-            </a:r>
-            <a:r>
-              <a:rPr lang="fi-FI" i="1" dirty="0" err="1"/>
-              <a:t>cases</a:t>
-            </a:r>
-            <a:r>
-              <a:rPr lang="fi-FI" i="1" dirty="0"/>
-              <a:t> of </a:t>
-            </a:r>
-            <a:r>
-              <a:rPr lang="fi-FI" i="1" dirty="0" err="1"/>
-              <a:t>the</a:t>
-            </a:r>
-            <a:r>
-              <a:rPr lang="fi-FI" i="1" dirty="0"/>
-              <a:t> </a:t>
-            </a:r>
-            <a:r>
-              <a:rPr lang="fi-FI" i="1" dirty="0" err="1"/>
-              <a:t>customer</a:t>
-            </a:r>
-            <a:r>
-              <a:rPr lang="fi-FI" dirty="0"/>
-              <a:t> – </a:t>
-            </a:r>
-            <a:r>
-              <a:rPr lang="fi-FI" dirty="0" err="1"/>
-              <a:t>customer-centered</a:t>
-            </a:r>
-            <a:r>
-              <a:rPr lang="fi-FI" dirty="0"/>
-              <a:t> design.”</a:t>
-            </a:r>
-          </a:p>
-          <a:p>
-            <a:r>
-              <a:rPr lang="fi-FI" dirty="0" err="1"/>
-              <a:t>What</a:t>
-            </a:r>
-            <a:r>
-              <a:rPr lang="fi-FI" dirty="0"/>
-              <a:t> </a:t>
-            </a:r>
-            <a:r>
-              <a:rPr lang="fi-FI" dirty="0" err="1"/>
-              <a:t>would</a:t>
-            </a:r>
-            <a:r>
-              <a:rPr lang="fi-FI" dirty="0"/>
-              <a:t> </a:t>
-            </a:r>
-            <a:r>
-              <a:rPr lang="fi-FI" dirty="0" err="1"/>
-              <a:t>be</a:t>
-            </a:r>
-            <a:r>
-              <a:rPr lang="fi-FI" dirty="0"/>
-              <a:t> </a:t>
-            </a:r>
-            <a:r>
-              <a:rPr lang="fi-FI" dirty="0" err="1"/>
-              <a:t>the</a:t>
-            </a:r>
-            <a:r>
-              <a:rPr lang="fi-FI" dirty="0"/>
-              <a:t> </a:t>
-            </a:r>
-            <a:r>
-              <a:rPr lang="fi-FI" dirty="0" err="1"/>
-              <a:t>pros</a:t>
-            </a:r>
-            <a:r>
-              <a:rPr lang="fi-FI" dirty="0"/>
-              <a:t> and </a:t>
-            </a:r>
-            <a:r>
-              <a:rPr lang="fi-FI" dirty="0" err="1"/>
-              <a:t>cons</a:t>
-            </a:r>
-            <a:r>
-              <a:rPr lang="fi-FI" dirty="0"/>
-              <a:t> of </a:t>
-            </a:r>
-            <a:r>
-              <a:rPr lang="fi-FI" dirty="0" err="1"/>
-              <a:t>that</a:t>
-            </a:r>
-            <a:r>
-              <a:rPr lang="fi-FI" dirty="0"/>
-              <a:t> </a:t>
-            </a:r>
-            <a:r>
-              <a:rPr lang="fi-FI" dirty="0" err="1"/>
-              <a:t>approach</a:t>
-            </a:r>
-            <a:r>
-              <a:rPr lang="fi-FI" dirty="0"/>
-              <a:t>?</a:t>
-            </a:r>
-          </a:p>
-          <a:p>
-            <a:r>
-              <a:rPr lang="fi-FI" dirty="0" err="1"/>
-              <a:t>Would</a:t>
-            </a:r>
-            <a:r>
-              <a:rPr lang="fi-FI" dirty="0"/>
-              <a:t> </a:t>
-            </a:r>
-            <a:r>
-              <a:rPr lang="fi-FI" dirty="0" err="1"/>
+              <a:rPr lang="fi-FI" sz="2000" dirty="0" err="1"/>
+              <a:t>if</a:t>
+            </a:r>
+            <a:r>
+              <a:rPr lang="fi-FI" sz="2000" dirty="0"/>
+              <a:t> </a:t>
+            </a:r>
+            <a:r>
+              <a:rPr lang="fi-FI" sz="2000" dirty="0" err="1"/>
               <a:t>you</a:t>
             </a:r>
             <a:r>
-              <a:rPr lang="fi-FI" dirty="0"/>
-              <a:t> </a:t>
-            </a:r>
-            <a:r>
-              <a:rPr lang="fi-FI" dirty="0" err="1"/>
-              <a:t>create</a:t>
-            </a:r>
-            <a:r>
-              <a:rPr lang="fi-FI" dirty="0"/>
-              <a:t> </a:t>
-            </a:r>
-            <a:r>
-              <a:rPr lang="fi-FI" dirty="0" err="1"/>
-              <a:t>your</a:t>
-            </a:r>
-            <a:r>
-              <a:rPr lang="fi-FI" dirty="0"/>
-              <a:t> </a:t>
-            </a:r>
-            <a:r>
-              <a:rPr lang="fi-FI" dirty="0" err="1"/>
-              <a:t>architectures</a:t>
-            </a:r>
-            <a:r>
-              <a:rPr lang="fi-FI" dirty="0"/>
-              <a:t> _</a:t>
-            </a:r>
-            <a:r>
-              <a:rPr lang="fi-FI" dirty="0" err="1"/>
-              <a:t>based</a:t>
-            </a:r>
-            <a:r>
-              <a:rPr lang="fi-FI" dirty="0"/>
-              <a:t>_ on </a:t>
-            </a:r>
-            <a:r>
-              <a:rPr lang="fi-FI" dirty="0" err="1"/>
-              <a:t>use</a:t>
-            </a:r>
-            <a:r>
-              <a:rPr lang="fi-FI" dirty="0"/>
-              <a:t> </a:t>
-            </a:r>
-            <a:r>
-              <a:rPr lang="fi-FI" dirty="0" err="1"/>
-              <a:t>cases</a:t>
-            </a:r>
-            <a:r>
-              <a:rPr lang="fi-FI" dirty="0"/>
-              <a:t> / </a:t>
-            </a:r>
-            <a:r>
-              <a:rPr lang="fi-FI" dirty="0" err="1"/>
-              <a:t>user</a:t>
-            </a:r>
-            <a:r>
-              <a:rPr lang="fi-FI" dirty="0"/>
-              <a:t> </a:t>
-            </a:r>
-            <a:r>
-              <a:rPr lang="fi-FI" dirty="0" err="1"/>
-              <a:t>stories</a:t>
-            </a:r>
-            <a:r>
-              <a:rPr lang="fi-FI" dirty="0"/>
-              <a:t>?</a:t>
-            </a:r>
-          </a:p>
-          <a:p>
-            <a:r>
-              <a:rPr lang="fi-FI" dirty="0" err="1"/>
-              <a:t>Or</a:t>
-            </a:r>
-            <a:r>
-              <a:rPr lang="fi-FI" dirty="0"/>
-              <a:t> </a:t>
-            </a:r>
-            <a:r>
-              <a:rPr lang="fi-FI" dirty="0" err="1"/>
-              <a:t>would</a:t>
-            </a:r>
-            <a:r>
-              <a:rPr lang="fi-FI" dirty="0"/>
-              <a:t> </a:t>
-            </a:r>
-            <a:r>
-              <a:rPr lang="fi-FI" dirty="0" err="1"/>
-              <a:t>you</a:t>
-            </a:r>
-            <a:r>
-              <a:rPr lang="fi-FI" dirty="0"/>
-              <a:t> </a:t>
-            </a:r>
-            <a:r>
-              <a:rPr lang="fi-FI" dirty="0" err="1"/>
-              <a:t>do</a:t>
-            </a:r>
-            <a:r>
-              <a:rPr lang="fi-FI" dirty="0"/>
-              <a:t> </a:t>
-            </a:r>
-            <a:r>
-              <a:rPr lang="fi-FI" dirty="0" err="1"/>
-              <a:t>more</a:t>
-            </a:r>
-            <a:r>
-              <a:rPr lang="fi-FI" dirty="0"/>
-              <a:t> </a:t>
-            </a:r>
-            <a:r>
-              <a:rPr lang="fi-FI" dirty="0" err="1"/>
-              <a:t>traditional</a:t>
-            </a:r>
-            <a:r>
-              <a:rPr lang="fi-FI" dirty="0"/>
-              <a:t> </a:t>
-            </a:r>
-            <a:r>
-              <a:rPr lang="fi-FI" dirty="0" err="1"/>
-              <a:t>way</a:t>
-            </a:r>
-            <a:r>
-              <a:rPr lang="fi-FI" dirty="0"/>
-              <a:t>, </a:t>
-            </a:r>
-            <a:r>
-              <a:rPr lang="fi-FI" dirty="0" err="1"/>
-              <a:t>let</a:t>
-            </a:r>
-            <a:r>
-              <a:rPr lang="fi-FI" dirty="0"/>
-              <a:t> </a:t>
-            </a:r>
-            <a:r>
-              <a:rPr lang="fi-FI" dirty="0" err="1"/>
-              <a:t>the</a:t>
-            </a:r>
-            <a:r>
-              <a:rPr lang="fi-FI" dirty="0"/>
-              <a:t> </a:t>
-            </a:r>
-            <a:r>
-              <a:rPr lang="fi-FI" dirty="0" err="1"/>
-              <a:t>use</a:t>
-            </a:r>
-            <a:r>
-              <a:rPr lang="fi-FI" dirty="0"/>
-              <a:t> </a:t>
-            </a:r>
-            <a:r>
-              <a:rPr lang="fi-FI" dirty="0" err="1"/>
-              <a:t>cases</a:t>
-            </a:r>
-            <a:r>
-              <a:rPr lang="fi-FI" dirty="0"/>
-              <a:t> </a:t>
-            </a:r>
-            <a:r>
-              <a:rPr lang="fi-FI" dirty="0" err="1"/>
-              <a:t>affect</a:t>
-            </a:r>
-            <a:r>
-              <a:rPr lang="fi-FI" dirty="0"/>
-              <a:t> </a:t>
-            </a:r>
-            <a:r>
-              <a:rPr lang="fi-FI" b="1" dirty="0" err="1"/>
-              <a:t>the</a:t>
-            </a:r>
-            <a:r>
-              <a:rPr lang="fi-FI" b="1" dirty="0"/>
-              <a:t> </a:t>
-            </a:r>
-            <a:r>
-              <a:rPr lang="fi-FI" b="1" dirty="0" err="1"/>
-              <a:t>choice</a:t>
-            </a:r>
-            <a:r>
-              <a:rPr lang="fi-FI" b="1" dirty="0"/>
-              <a:t> </a:t>
-            </a:r>
-            <a:r>
-              <a:rPr lang="fi-FI" dirty="0"/>
-              <a:t>of </a:t>
-            </a:r>
-            <a:r>
-              <a:rPr lang="fi-FI" dirty="0" err="1"/>
-              <a:t>the</a:t>
-            </a:r>
-            <a:r>
-              <a:rPr lang="fi-FI" dirty="0"/>
-              <a:t> </a:t>
-            </a:r>
-            <a:r>
-              <a:rPr lang="fi-FI" dirty="0" err="1"/>
-              <a:t>architecture</a:t>
-            </a:r>
-            <a:r>
-              <a:rPr lang="fi-FI" dirty="0"/>
-              <a:t> and </a:t>
-            </a:r>
-            <a:r>
-              <a:rPr lang="fi-FI" dirty="0" err="1"/>
-              <a:t>how</a:t>
-            </a:r>
-            <a:r>
-              <a:rPr lang="fi-FI" dirty="0"/>
-              <a:t> it is </a:t>
-            </a:r>
-            <a:r>
-              <a:rPr lang="fi-FI" dirty="0" err="1"/>
-              <a:t>audited</a:t>
-            </a:r>
-            <a:r>
-              <a:rPr lang="fi-FI" dirty="0"/>
-              <a:t>, </a:t>
-            </a:r>
-            <a:r>
-              <a:rPr lang="fi-FI" dirty="0" err="1"/>
-              <a:t>but</a:t>
-            </a:r>
-            <a:r>
-              <a:rPr lang="fi-FI" dirty="0"/>
-              <a:t> </a:t>
-            </a:r>
-            <a:r>
-              <a:rPr lang="fi-FI" dirty="0" err="1"/>
-              <a:t>still</a:t>
-            </a:r>
-            <a:r>
-              <a:rPr lang="fi-FI" dirty="0"/>
-              <a:t> </a:t>
-            </a:r>
-            <a:r>
-              <a:rPr lang="fi-FI" dirty="0" err="1"/>
-              <a:t>base</a:t>
-            </a:r>
-            <a:r>
-              <a:rPr lang="fi-FI" dirty="0"/>
-              <a:t> </a:t>
-            </a:r>
-            <a:r>
-              <a:rPr lang="fi-FI" dirty="0" err="1"/>
-              <a:t>the</a:t>
-            </a:r>
-            <a:r>
-              <a:rPr lang="fi-FI" dirty="0"/>
-              <a:t> </a:t>
-            </a:r>
-            <a:r>
-              <a:rPr lang="fi-FI" dirty="0" err="1"/>
-              <a:t>architecture</a:t>
-            </a:r>
-            <a:r>
-              <a:rPr lang="fi-FI" dirty="0"/>
-              <a:t> on </a:t>
-            </a:r>
-            <a:r>
-              <a:rPr lang="fi-FI" dirty="0" err="1"/>
-              <a:t>many</a:t>
-            </a:r>
-            <a:r>
-              <a:rPr lang="fi-FI" dirty="0"/>
-              <a:t> </a:t>
-            </a:r>
-            <a:r>
-              <a:rPr lang="fi-FI" dirty="0" err="1"/>
-              <a:t>other</a:t>
-            </a:r>
-            <a:r>
-              <a:rPr lang="fi-FI" dirty="0"/>
-              <a:t> </a:t>
-            </a:r>
-            <a:r>
-              <a:rPr lang="fi-FI" dirty="0" err="1"/>
-              <a:t>factors</a:t>
-            </a:r>
-            <a:r>
-              <a:rPr lang="fi-FI" dirty="0"/>
-              <a:t>.</a:t>
-            </a:r>
-          </a:p>
-          <a:p>
-            <a:pPr lvl="1"/>
-            <a:r>
-              <a:rPr lang="fi-FI" dirty="0"/>
-              <a:t>Software </a:t>
-            </a:r>
-            <a:r>
-              <a:rPr lang="fi-FI" dirty="0" err="1"/>
-              <a:t>company</a:t>
-            </a:r>
-            <a:r>
-              <a:rPr lang="fi-FI" dirty="0"/>
-              <a:t> </a:t>
-            </a:r>
-            <a:r>
-              <a:rPr lang="fi-FI" dirty="0" err="1"/>
-              <a:t>does</a:t>
-            </a:r>
-            <a:r>
-              <a:rPr lang="fi-FI" dirty="0"/>
-              <a:t> </a:t>
-            </a:r>
-            <a:r>
-              <a:rPr lang="fi-FI" dirty="0" err="1"/>
+              <a:rPr lang="fi-FI" sz="2000" dirty="0"/>
+              <a:t> </a:t>
+            </a:r>
+            <a:r>
+              <a:rPr lang="fi-FI" sz="2000" dirty="0" err="1"/>
+              <a:t>did</a:t>
+            </a:r>
+            <a:r>
+              <a:rPr lang="fi-FI" sz="2000" dirty="0"/>
+              <a:t> </a:t>
+            </a:r>
+            <a:r>
+              <a:rPr lang="fi-FI" sz="2000" dirty="0" err="1"/>
               <a:t>not</a:t>
             </a:r>
             <a:r>
-              <a:rPr lang="fi-FI" dirty="0"/>
-              <a:t> </a:t>
-            </a:r>
-            <a:r>
-              <a:rPr lang="fi-FI" dirty="0" err="1"/>
-              <a:t>exist</a:t>
-            </a:r>
-            <a:r>
-              <a:rPr lang="fi-FI" dirty="0"/>
-              <a:t> for </a:t>
-            </a:r>
-            <a:r>
-              <a:rPr lang="fi-FI" dirty="0" err="1"/>
-              <a:t>the</a:t>
-            </a:r>
-            <a:r>
-              <a:rPr lang="fi-FI" dirty="0"/>
-              <a:t> </a:t>
-            </a:r>
-            <a:r>
-              <a:rPr lang="fi-FI" dirty="0" err="1"/>
-              <a:t>customers</a:t>
-            </a:r>
-            <a:r>
-              <a:rPr lang="fi-FI" dirty="0"/>
-              <a:t>. It </a:t>
-            </a:r>
-            <a:r>
-              <a:rPr lang="fi-FI" dirty="0" err="1"/>
-              <a:t>exists</a:t>
-            </a:r>
-            <a:r>
-              <a:rPr lang="fi-FI" dirty="0"/>
-              <a:t> to </a:t>
-            </a:r>
-            <a:r>
-              <a:rPr lang="fi-FI" dirty="0" err="1"/>
-              <a:t>make</a:t>
-            </a:r>
-            <a:r>
-              <a:rPr lang="fi-FI" dirty="0"/>
-              <a:t> </a:t>
-            </a:r>
-            <a:r>
-              <a:rPr lang="fi-FI" dirty="0" err="1"/>
-              <a:t>income</a:t>
-            </a:r>
-            <a:r>
-              <a:rPr lang="fi-FI" dirty="0"/>
-              <a:t> to </a:t>
-            </a:r>
-            <a:r>
-              <a:rPr lang="fi-FI" dirty="0" err="1"/>
-              <a:t>the</a:t>
-            </a:r>
-            <a:r>
-              <a:rPr lang="fi-FI" dirty="0"/>
-              <a:t> </a:t>
-            </a:r>
-            <a:r>
-              <a:rPr lang="fi-FI" dirty="0" err="1"/>
-              <a:t>owners</a:t>
-            </a:r>
-            <a:r>
-              <a:rPr lang="fi-FI" dirty="0"/>
-              <a:t>.</a:t>
-            </a:r>
-          </a:p>
-          <a:p>
-            <a:pPr lvl="1"/>
-            <a:r>
-              <a:rPr lang="fi-FI" dirty="0" err="1"/>
-              <a:t>Customer</a:t>
-            </a:r>
-            <a:r>
-              <a:rPr lang="fi-FI" dirty="0"/>
-              <a:t> </a:t>
-            </a:r>
-            <a:r>
-              <a:rPr lang="fi-FI" dirty="0" err="1"/>
-              <a:t>satisfaction</a:t>
-            </a:r>
-            <a:r>
-              <a:rPr lang="fi-FI" dirty="0"/>
-              <a:t> and </a:t>
-            </a:r>
-            <a:r>
-              <a:rPr lang="fi-FI" dirty="0" err="1"/>
-              <a:t>retainment</a:t>
-            </a:r>
-            <a:r>
-              <a:rPr lang="fi-FI" dirty="0"/>
-              <a:t> is a </a:t>
-            </a:r>
-            <a:r>
-              <a:rPr lang="fi-FI" dirty="0" err="1"/>
-              <a:t>strategy</a:t>
-            </a:r>
-            <a:r>
-              <a:rPr lang="fi-FI" dirty="0"/>
-              <a:t> to </a:t>
-            </a:r>
-            <a:r>
-              <a:rPr lang="fi-FI" dirty="0" err="1"/>
-              <a:t>stay</a:t>
-            </a:r>
-            <a:r>
-              <a:rPr lang="fi-FI" dirty="0"/>
-              <a:t> </a:t>
-            </a:r>
-            <a:r>
-              <a:rPr lang="fi-FI" dirty="0" err="1"/>
-              <a:t>alive</a:t>
-            </a:r>
-            <a:r>
-              <a:rPr lang="fi-FI" dirty="0"/>
-              <a:t> and </a:t>
-            </a:r>
-            <a:r>
-              <a:rPr lang="fi-FI" dirty="0" err="1"/>
-              <a:t>grow</a:t>
-            </a:r>
-            <a:r>
-              <a:rPr lang="fi-FI" dirty="0"/>
-              <a:t> </a:t>
-            </a:r>
-            <a:r>
-              <a:rPr lang="fi-FI" dirty="0" err="1"/>
-              <a:t>the</a:t>
-            </a:r>
-            <a:r>
-              <a:rPr lang="fi-FI" dirty="0"/>
-              <a:t> </a:t>
-            </a:r>
-            <a:r>
-              <a:rPr lang="fi-FI" dirty="0" err="1"/>
-              <a:t>income</a:t>
-            </a:r>
-            <a:endParaRPr lang="fi-FI" dirty="0"/>
-          </a:p>
-          <a:p>
-            <a:pPr lvl="1"/>
-            <a:r>
-              <a:rPr lang="fi-FI" dirty="0" err="1"/>
-              <a:t>What</a:t>
-            </a:r>
-            <a:r>
-              <a:rPr lang="fi-FI" dirty="0"/>
-              <a:t> </a:t>
-            </a:r>
-            <a:r>
-              <a:rPr lang="fi-FI" dirty="0" err="1"/>
-              <a:t>happens</a:t>
-            </a:r>
-            <a:r>
-              <a:rPr lang="fi-FI" dirty="0"/>
-              <a:t> to a Software </a:t>
-            </a:r>
-            <a:r>
-              <a:rPr lang="fi-FI" dirty="0" err="1"/>
-              <a:t>company</a:t>
-            </a:r>
-            <a:r>
-              <a:rPr lang="fi-FI" dirty="0"/>
-              <a:t> </a:t>
-            </a:r>
-            <a:r>
-              <a:rPr lang="fi-FI" dirty="0" err="1"/>
-              <a:t>who</a:t>
-            </a:r>
-            <a:r>
-              <a:rPr lang="fi-FI" dirty="0"/>
-              <a:t> </a:t>
-            </a:r>
-            <a:r>
-              <a:rPr lang="fi-FI" dirty="0" err="1"/>
-              <a:t>doesn’t</a:t>
-            </a:r>
-            <a:r>
-              <a:rPr lang="fi-FI" dirty="0"/>
-              <a:t> </a:t>
-            </a:r>
-            <a:r>
-              <a:rPr lang="fi-FI" dirty="0" err="1"/>
-              <a:t>do</a:t>
-            </a:r>
-            <a:r>
-              <a:rPr lang="fi-FI" dirty="0"/>
-              <a:t> </a:t>
-            </a:r>
-            <a:r>
-              <a:rPr lang="fi-FI" dirty="0" err="1"/>
-              <a:t>things</a:t>
-            </a:r>
-            <a:r>
-              <a:rPr lang="fi-FI" dirty="0"/>
-              <a:t> </a:t>
-            </a:r>
-            <a:r>
-              <a:rPr lang="fi-FI" dirty="0" err="1"/>
-              <a:t>efficiently</a:t>
-            </a:r>
-            <a:r>
-              <a:rPr lang="fi-FI" dirty="0"/>
-              <a:t> and </a:t>
-            </a:r>
-            <a:r>
-              <a:rPr lang="fi-FI" dirty="0" err="1"/>
-              <a:t>e.g</a:t>
-            </a:r>
-            <a:r>
-              <a:rPr lang="fi-FI" dirty="0"/>
-              <a:t>. </a:t>
-            </a:r>
-            <a:r>
-              <a:rPr lang="fi-FI" dirty="0" err="1"/>
-              <a:t>use</a:t>
-            </a:r>
-            <a:r>
-              <a:rPr lang="fi-FI" dirty="0"/>
-              <a:t> </a:t>
-            </a:r>
-            <a:r>
-              <a:rPr lang="fi-FI" dirty="0" err="1"/>
-              <a:t>the</a:t>
-            </a:r>
-            <a:r>
-              <a:rPr lang="fi-FI" dirty="0"/>
-              <a:t> </a:t>
-            </a:r>
-            <a:r>
-              <a:rPr lang="fi-FI" dirty="0" err="1"/>
-              <a:t>same</a:t>
-            </a:r>
-            <a:r>
-              <a:rPr lang="fi-FI" dirty="0"/>
-              <a:t> </a:t>
-            </a:r>
-            <a:r>
-              <a:rPr lang="fi-FI" dirty="0" err="1"/>
-              <a:t>architecture</a:t>
-            </a:r>
-            <a:r>
-              <a:rPr lang="fi-FI" dirty="0"/>
-              <a:t> and </a:t>
-            </a:r>
-            <a:r>
-              <a:rPr lang="fi-FI" dirty="0" err="1"/>
-              <a:t>tech</a:t>
-            </a:r>
-            <a:r>
-              <a:rPr lang="fi-FI" dirty="0"/>
-              <a:t> </a:t>
-            </a:r>
-            <a:r>
-              <a:rPr lang="fi-FI" dirty="0" err="1"/>
-              <a:t>stack</a:t>
-            </a:r>
-            <a:r>
-              <a:rPr lang="fi-FI" dirty="0"/>
-              <a:t> in </a:t>
-            </a:r>
-            <a:r>
-              <a:rPr lang="fi-FI" dirty="0" err="1"/>
-              <a:t>many</a:t>
-            </a:r>
-            <a:r>
-              <a:rPr lang="fi-FI" dirty="0"/>
-              <a:t> </a:t>
-            </a:r>
-            <a:r>
-              <a:rPr lang="fi-FI" dirty="0" err="1"/>
-              <a:t>projects</a:t>
-            </a:r>
-            <a:r>
-              <a:rPr lang="fi-FI" dirty="0"/>
-              <a:t> for </a:t>
-            </a:r>
-            <a:r>
-              <a:rPr lang="fi-FI" dirty="0" err="1"/>
-              <a:t>multiple</a:t>
-            </a:r>
-            <a:r>
-              <a:rPr lang="fi-FI" dirty="0"/>
-              <a:t> </a:t>
-            </a:r>
-            <a:r>
-              <a:rPr lang="fi-FI" dirty="0" err="1"/>
-              <a:t>customers</a:t>
-            </a:r>
-            <a:r>
-              <a:rPr lang="fi-FI" dirty="0"/>
-              <a:t>? </a:t>
-            </a:r>
-            <a:r>
-              <a:rPr lang="fi-FI" dirty="0" err="1"/>
-              <a:t>Note</a:t>
-            </a:r>
-            <a:r>
-              <a:rPr lang="fi-FI" dirty="0"/>
-              <a:t>, </a:t>
-            </a:r>
-            <a:r>
-              <a:rPr lang="fi-FI" dirty="0" err="1"/>
-              <a:t>the</a:t>
-            </a:r>
-            <a:r>
-              <a:rPr lang="fi-FI" dirty="0"/>
-              <a:t> </a:t>
-            </a:r>
-            <a:r>
-              <a:rPr lang="fi-FI" dirty="0" err="1"/>
-              <a:t>other</a:t>
-            </a:r>
-            <a:r>
-              <a:rPr lang="fi-FI" dirty="0"/>
-              <a:t> </a:t>
-            </a:r>
-            <a:r>
-              <a:rPr lang="fi-FI" dirty="0" err="1"/>
-              <a:t>competing</a:t>
-            </a:r>
-            <a:r>
-              <a:rPr lang="fi-FI" dirty="0"/>
-              <a:t> SW </a:t>
-            </a:r>
-            <a:r>
-              <a:rPr lang="fi-FI" dirty="0" err="1"/>
-              <a:t>companies</a:t>
-            </a:r>
-            <a:r>
-              <a:rPr lang="fi-FI" dirty="0"/>
-              <a:t> </a:t>
-            </a:r>
-            <a:r>
-              <a:rPr lang="fi-FI" dirty="0" err="1"/>
-              <a:t>do</a:t>
-            </a:r>
-            <a:r>
-              <a:rPr lang="fi-FI" dirty="0"/>
-              <a:t>.</a:t>
-            </a:r>
-          </a:p>
-          <a:p>
-            <a:pPr lvl="1"/>
-            <a:endParaRPr lang="fi-FI" dirty="0"/>
-          </a:p>
-          <a:p>
-            <a:pPr marL="0" indent="0">
-              <a:buNone/>
-            </a:pPr>
-            <a:endParaRPr lang="fi-FI" dirty="0"/>
+              <a:rPr lang="fi-FI" sz="2000" dirty="0"/>
+              <a:t> </a:t>
+            </a:r>
+            <a:r>
+              <a:rPr lang="fi-FI" sz="2000" dirty="0" err="1"/>
+              <a:t>skip</a:t>
+            </a:r>
+            <a:r>
+              <a:rPr lang="fi-FI" sz="2000" dirty="0"/>
+              <a:t> </a:t>
+            </a:r>
+            <a:r>
+              <a:rPr lang="fi-FI" sz="2000" dirty="0" err="1"/>
+              <a:t>phases</a:t>
+            </a:r>
+            <a:r>
+              <a:rPr lang="fi-FI" sz="2000" dirty="0"/>
+              <a:t> 1 and 2</a:t>
+            </a:r>
           </a:p>
         </p:txBody>
       </p:sp>
@@ -16188,7 +15790,7 @@
           <p:cNvPr id="5" name="Date Placeholder 4">
             <a:extLst>
               <a:ext uri="{FF2B5EF4-FFF2-40B4-BE49-F238E27FC236}">
-                <a16:creationId xmlns:a16="http://schemas.microsoft.com/office/drawing/2014/main" id="{976244E2-AA76-2742-B2EC-FEC79276155C}"/>
+                <a16:creationId xmlns:a16="http://schemas.microsoft.com/office/drawing/2014/main" id="{CDF9BDDB-4154-894E-83EF-04FB624FF30E}"/>
               </a:ext>
             </a:extLst>
           </p:cNvPr>
@@ -16204,9 +15806,9 @@
           <a:bodyPr/>
           <a:lstStyle/>
           <a:p>
-            <a:fld id="{202E1EC2-47B8-044B-A09E-6A63B4D80C87}" type="datetime1">
+            <a:fld id="{551D5D1D-8623-7244-B1BC-5984C123D6C5}" type="datetime1">
               <a:rPr lang="fi-FI" smtClean="0"/>
-              <a:t>27.10.2022</a:t>
+              <a:t>8.2.2024</a:t>
             </a:fld>
             <a:endParaRPr lang="en-GB"/>
           </a:p>
@@ -16217,7 +15819,7 @@
           <p:cNvPr id="6" name="Footer Placeholder 5">
             <a:extLst>
               <a:ext uri="{FF2B5EF4-FFF2-40B4-BE49-F238E27FC236}">
-                <a16:creationId xmlns:a16="http://schemas.microsoft.com/office/drawing/2014/main" id="{588CE607-4137-8840-8FEA-42EAC857E3A3}"/>
+                <a16:creationId xmlns:a16="http://schemas.microsoft.com/office/drawing/2014/main" id="{DEED56F3-0862-1748-A7A9-EE5914100F54}"/>
               </a:ext>
             </a:extLst>
           </p:cNvPr>
@@ -16242,7 +15844,7 @@
           <p:cNvPr id="7" name="Slide Number Placeholder 6">
             <a:extLst>
               <a:ext uri="{FF2B5EF4-FFF2-40B4-BE49-F238E27FC236}">
-                <a16:creationId xmlns:a16="http://schemas.microsoft.com/office/drawing/2014/main" id="{2E133A96-6C73-0844-B8CB-27C2B5F4CFB1}"/>
+                <a16:creationId xmlns:a16="http://schemas.microsoft.com/office/drawing/2014/main" id="{6CBC8079-2140-8745-901A-8EB4BF8EAF2D}"/>
               </a:ext>
             </a:extLst>
           </p:cNvPr>
@@ -16269,7 +15871,7 @@
     </p:spTree>
     <p:extLst>
       <p:ext uri="{BB962C8B-B14F-4D97-AF65-F5344CB8AC3E}">
-        <p14:creationId xmlns:p14="http://schemas.microsoft.com/office/powerpoint/2010/main" val="2628821793"/>
+        <p14:creationId xmlns:p14="http://schemas.microsoft.com/office/powerpoint/2010/main" val="2132183270"/>
       </p:ext>
     </p:extLst>
   </p:cSld>
@@ -16301,7 +15903,7 @@
           <p:cNvPr id="8" name="Title 7">
             <a:extLst>
               <a:ext uri="{FF2B5EF4-FFF2-40B4-BE49-F238E27FC236}">
-                <a16:creationId xmlns:a16="http://schemas.microsoft.com/office/drawing/2014/main" id="{03801FB7-8FBC-844F-8D63-9A597A066215}"/>
+                <a16:creationId xmlns:a16="http://schemas.microsoft.com/office/drawing/2014/main" id="{197044C3-CD23-D844-B780-26FABA91AD0F}"/>
               </a:ext>
             </a:extLst>
           </p:cNvPr>
@@ -16312,36 +15914,28 @@
             <p:ph type="title"/>
           </p:nvPr>
         </p:nvSpPr>
-        <p:spPr>
-          <a:xfrm>
-            <a:off x="550863" y="549276"/>
-            <a:ext cx="11125200" cy="574352"/>
-          </a:xfrm>
-        </p:spPr>
+        <p:spPr/>
         <p:txBody>
           <a:bodyPr/>
           <a:lstStyle/>
           <a:p>
             <a:r>
               <a:rPr lang="fi-FI" dirty="0"/>
-              <a:t>Notes on Robert C. Martin, </a:t>
-            </a:r>
-            <a:r>
-              <a:rPr lang="fi-FI" dirty="0" err="1"/>
-              <a:t>aka</a:t>
-            </a:r>
-            <a:r>
-              <a:rPr lang="fi-FI" dirty="0"/>
-              <a:t> ’</a:t>
-            </a:r>
-            <a:r>
-              <a:rPr lang="fi-FI" dirty="0" err="1"/>
-              <a:t>Uncle</a:t>
-            </a:r>
-            <a:r>
-              <a:rPr lang="fi-FI" dirty="0"/>
-              <a:t> Bob’</a:t>
-            </a:r>
+              <a:t>Software Architecture </a:t>
+            </a:r>
+            <a:r>
+              <a:rPr lang="fi-FI" dirty="0" err="1"/>
+              <a:t>Opinion</a:t>
+            </a:r>
+            <a:r>
+              <a:rPr lang="fi-FI" dirty="0"/>
+              <a:t> – and </a:t>
+            </a:r>
+            <a:r>
+              <a:rPr lang="fi-FI" dirty="0" err="1"/>
+              <a:t>Questions</a:t>
+            </a:r>
+            <a:endParaRPr lang="fi-FI" dirty="0"/>
           </a:p>
         </p:txBody>
       </p:sp>
@@ -16350,7 +15944,7 @@
           <p:cNvPr id="9" name="Content Placeholder 8">
             <a:extLst>
               <a:ext uri="{FF2B5EF4-FFF2-40B4-BE49-F238E27FC236}">
-                <a16:creationId xmlns:a16="http://schemas.microsoft.com/office/drawing/2014/main" id="{C711FFF1-5700-384F-B322-71416B4D664F}"/>
+                <a16:creationId xmlns:a16="http://schemas.microsoft.com/office/drawing/2014/main" id="{ACDE61D8-A75A-F94B-B57A-46F276C03311}"/>
               </a:ext>
             </a:extLst>
           </p:cNvPr>
@@ -16361,286 +15955,946 @@
             <p:ph sz="half" idx="2"/>
           </p:nvPr>
         </p:nvSpPr>
-        <p:spPr>
-          <a:xfrm>
-            <a:off x="220851" y="1773238"/>
-            <a:ext cx="11581108" cy="4140200"/>
-          </a:xfrm>
-        </p:spPr>
+        <p:spPr/>
         <p:txBody>
           <a:bodyPr>
             <a:normAutofit/>
           </a:bodyPr>
           <a:lstStyle/>
           <a:p>
+            <a:r>
+              <a:rPr lang="fi-FI" dirty="0" err="1"/>
+              <a:t>There</a:t>
+            </a:r>
+            <a:r>
+              <a:rPr lang="fi-FI" dirty="0"/>
+              <a:t> </a:t>
+            </a:r>
+            <a:r>
+              <a:rPr lang="fi-FI" dirty="0" err="1"/>
+              <a:t>are</a:t>
+            </a:r>
+            <a:r>
+              <a:rPr lang="fi-FI" dirty="0"/>
+              <a:t> no </a:t>
+            </a:r>
+            <a:r>
+              <a:rPr lang="fi-FI" dirty="0" err="1"/>
+              <a:t>correct</a:t>
+            </a:r>
+            <a:r>
+              <a:rPr lang="fi-FI" dirty="0"/>
+              <a:t> </a:t>
+            </a:r>
+            <a:r>
+              <a:rPr lang="fi-FI" dirty="0" err="1"/>
+              <a:t>answers</a:t>
+            </a:r>
+            <a:r>
+              <a:rPr lang="fi-FI" dirty="0"/>
+              <a:t> to </a:t>
+            </a:r>
+            <a:r>
+              <a:rPr lang="fi-FI" dirty="0" err="1"/>
+              <a:t>these</a:t>
+            </a:r>
+            <a:r>
+              <a:rPr lang="fi-FI" dirty="0"/>
+              <a:t> </a:t>
+            </a:r>
+            <a:r>
+              <a:rPr lang="fi-FI" dirty="0" err="1"/>
+              <a:t>questions</a:t>
+            </a:r>
+            <a:endParaRPr lang="fi-FI" dirty="0"/>
+          </a:p>
+          <a:p>
+            <a:r>
+              <a:rPr lang="fi-FI" dirty="0"/>
+              <a:t>Robert C. Martin </a:t>
+            </a:r>
+            <a:r>
+              <a:rPr lang="fi-FI" dirty="0" err="1"/>
+              <a:t>said</a:t>
+            </a:r>
+            <a:r>
+              <a:rPr lang="fi-FI" dirty="0"/>
+              <a:t>, </a:t>
+            </a:r>
+            <a:r>
+              <a:rPr lang="fi-FI" dirty="0" err="1"/>
+              <a:t>based</a:t>
+            </a:r>
+            <a:r>
+              <a:rPr lang="fi-FI" dirty="0"/>
+              <a:t> on </a:t>
+            </a:r>
+            <a:r>
+              <a:rPr lang="fi-FI" dirty="0" err="1"/>
+              <a:t>Ivar</a:t>
+            </a:r>
+            <a:r>
+              <a:rPr lang="fi-FI" dirty="0"/>
+              <a:t> Jacobsen </a:t>
+            </a:r>
+            <a:r>
+              <a:rPr lang="fi-FI" dirty="0" err="1"/>
+              <a:t>book</a:t>
+            </a:r>
+            <a:r>
+              <a:rPr lang="fi-FI" dirty="0"/>
+              <a:t>, </a:t>
+            </a:r>
+            <a:r>
+              <a:rPr lang="fi-FI" dirty="0" err="1"/>
+              <a:t>something</a:t>
+            </a:r>
+            <a:r>
+              <a:rPr lang="fi-FI" dirty="0"/>
+              <a:t> </a:t>
+            </a:r>
+            <a:r>
+              <a:rPr lang="fi-FI" dirty="0" err="1"/>
+              <a:t>like</a:t>
+            </a:r>
+            <a:r>
+              <a:rPr lang="fi-FI" dirty="0"/>
+              <a:t> </a:t>
+            </a:r>
+            <a:r>
+              <a:rPr lang="fi-FI" dirty="0" err="1"/>
+              <a:t>this</a:t>
+            </a:r>
+            <a:r>
+              <a:rPr lang="fi-FI" dirty="0"/>
+              <a:t>:</a:t>
+            </a:r>
+          </a:p>
+          <a:p>
+            <a:pPr lvl="1"/>
+            <a:r>
+              <a:rPr lang="fi-FI" dirty="0"/>
+              <a:t>”</a:t>
+            </a:r>
+            <a:r>
+              <a:rPr lang="fi-FI" i="1" dirty="0"/>
+              <a:t>Architecture </a:t>
+            </a:r>
+            <a:r>
+              <a:rPr lang="fi-FI" i="1" dirty="0" err="1"/>
+              <a:t>should</a:t>
+            </a:r>
+            <a:r>
+              <a:rPr lang="fi-FI" i="1" dirty="0"/>
+              <a:t> </a:t>
+            </a:r>
+            <a:r>
+              <a:rPr lang="fi-FI" i="1" dirty="0" err="1"/>
+              <a:t>be</a:t>
+            </a:r>
+            <a:r>
+              <a:rPr lang="fi-FI" i="1" dirty="0"/>
+              <a:t> </a:t>
+            </a:r>
+            <a:r>
+              <a:rPr lang="fi-FI" i="1" dirty="0" err="1"/>
+              <a:t>based</a:t>
+            </a:r>
+            <a:r>
+              <a:rPr lang="fi-FI" i="1" dirty="0"/>
+              <a:t> on </a:t>
+            </a:r>
+            <a:r>
+              <a:rPr lang="fi-FI" i="1" dirty="0" err="1"/>
+              <a:t>the</a:t>
+            </a:r>
+            <a:r>
+              <a:rPr lang="fi-FI" i="1" dirty="0"/>
+              <a:t> business </a:t>
+            </a:r>
+            <a:r>
+              <a:rPr lang="fi-FI" i="1" dirty="0" err="1"/>
+              <a:t>use</a:t>
+            </a:r>
+            <a:r>
+              <a:rPr lang="fi-FI" i="1" dirty="0"/>
+              <a:t> </a:t>
+            </a:r>
+            <a:r>
+              <a:rPr lang="fi-FI" i="1" dirty="0" err="1"/>
+              <a:t>cases</a:t>
+            </a:r>
+            <a:r>
+              <a:rPr lang="fi-FI" i="1" dirty="0"/>
+              <a:t> of </a:t>
+            </a:r>
+            <a:r>
+              <a:rPr lang="fi-FI" i="1" dirty="0" err="1"/>
+              <a:t>the</a:t>
+            </a:r>
+            <a:r>
+              <a:rPr lang="fi-FI" i="1" dirty="0"/>
+              <a:t> </a:t>
+            </a:r>
+            <a:r>
+              <a:rPr lang="fi-FI" i="1" dirty="0" err="1"/>
+              <a:t>customer</a:t>
+            </a:r>
+            <a:r>
+              <a:rPr lang="fi-FI" dirty="0"/>
+              <a:t> – </a:t>
+            </a:r>
+            <a:r>
+              <a:rPr lang="fi-FI" dirty="0" err="1"/>
+              <a:t>customer-centered</a:t>
+            </a:r>
+            <a:r>
+              <a:rPr lang="fi-FI" dirty="0"/>
+              <a:t> design.”</a:t>
+            </a:r>
+          </a:p>
+          <a:p>
+            <a:r>
+              <a:rPr lang="fi-FI" dirty="0" err="1"/>
+              <a:t>What</a:t>
+            </a:r>
+            <a:r>
+              <a:rPr lang="fi-FI" dirty="0"/>
+              <a:t> </a:t>
+            </a:r>
+            <a:r>
+              <a:rPr lang="fi-FI" dirty="0" err="1"/>
+              <a:t>would</a:t>
+            </a:r>
+            <a:r>
+              <a:rPr lang="fi-FI" dirty="0"/>
+              <a:t> </a:t>
+            </a:r>
+            <a:r>
+              <a:rPr lang="fi-FI" dirty="0" err="1"/>
+              <a:t>be</a:t>
+            </a:r>
+            <a:r>
+              <a:rPr lang="fi-FI" dirty="0"/>
+              <a:t> </a:t>
+            </a:r>
+            <a:r>
+              <a:rPr lang="fi-FI" dirty="0" err="1"/>
+              <a:t>the</a:t>
+            </a:r>
+            <a:r>
+              <a:rPr lang="fi-FI" dirty="0"/>
+              <a:t> </a:t>
+            </a:r>
+            <a:r>
+              <a:rPr lang="fi-FI" dirty="0" err="1"/>
+              <a:t>pros</a:t>
+            </a:r>
+            <a:r>
+              <a:rPr lang="fi-FI" dirty="0"/>
+              <a:t> and </a:t>
+            </a:r>
+            <a:r>
+              <a:rPr lang="fi-FI" dirty="0" err="1"/>
+              <a:t>cons</a:t>
+            </a:r>
+            <a:r>
+              <a:rPr lang="fi-FI" dirty="0"/>
+              <a:t> of </a:t>
+            </a:r>
+            <a:r>
+              <a:rPr lang="fi-FI" dirty="0" err="1"/>
+              <a:t>that</a:t>
+            </a:r>
+            <a:r>
+              <a:rPr lang="fi-FI" dirty="0"/>
+              <a:t> </a:t>
+            </a:r>
+            <a:r>
+              <a:rPr lang="fi-FI" dirty="0" err="1"/>
+              <a:t>approach</a:t>
+            </a:r>
+            <a:r>
+              <a:rPr lang="fi-FI" dirty="0"/>
+              <a:t>?</a:t>
+            </a:r>
+          </a:p>
+          <a:p>
+            <a:r>
+              <a:rPr lang="fi-FI" dirty="0" err="1"/>
+              <a:t>Would</a:t>
+            </a:r>
+            <a:r>
+              <a:rPr lang="fi-FI" dirty="0"/>
+              <a:t> </a:t>
+            </a:r>
+            <a:r>
+              <a:rPr lang="fi-FI" dirty="0" err="1"/>
+              <a:t>you</a:t>
+            </a:r>
+            <a:r>
+              <a:rPr lang="fi-FI" dirty="0"/>
+              <a:t> </a:t>
+            </a:r>
+            <a:r>
+              <a:rPr lang="fi-FI" dirty="0" err="1"/>
+              <a:t>create</a:t>
+            </a:r>
+            <a:r>
+              <a:rPr lang="fi-FI" dirty="0"/>
+              <a:t> </a:t>
+            </a:r>
+            <a:r>
+              <a:rPr lang="fi-FI" dirty="0" err="1"/>
+              <a:t>your</a:t>
+            </a:r>
+            <a:r>
+              <a:rPr lang="fi-FI" dirty="0"/>
+              <a:t> </a:t>
+            </a:r>
+            <a:r>
+              <a:rPr lang="fi-FI" dirty="0" err="1"/>
+              <a:t>architectures</a:t>
+            </a:r>
+            <a:r>
+              <a:rPr lang="fi-FI" dirty="0"/>
+              <a:t> _</a:t>
+            </a:r>
+            <a:r>
+              <a:rPr lang="fi-FI" dirty="0" err="1"/>
+              <a:t>based</a:t>
+            </a:r>
+            <a:r>
+              <a:rPr lang="fi-FI" dirty="0"/>
+              <a:t>_ on </a:t>
+            </a:r>
+            <a:r>
+              <a:rPr lang="fi-FI" dirty="0" err="1"/>
+              <a:t>use</a:t>
+            </a:r>
+            <a:r>
+              <a:rPr lang="fi-FI" dirty="0"/>
+              <a:t> </a:t>
+            </a:r>
+            <a:r>
+              <a:rPr lang="fi-FI" dirty="0" err="1"/>
+              <a:t>cases</a:t>
+            </a:r>
+            <a:r>
+              <a:rPr lang="fi-FI" dirty="0"/>
+              <a:t> / </a:t>
+            </a:r>
+            <a:r>
+              <a:rPr lang="fi-FI" dirty="0" err="1"/>
+              <a:t>user</a:t>
+            </a:r>
+            <a:r>
+              <a:rPr lang="fi-FI" dirty="0"/>
+              <a:t> </a:t>
+            </a:r>
+            <a:r>
+              <a:rPr lang="fi-FI" dirty="0" err="1"/>
+              <a:t>stories</a:t>
+            </a:r>
+            <a:r>
+              <a:rPr lang="fi-FI" dirty="0"/>
+              <a:t>?</a:t>
+            </a:r>
+          </a:p>
+          <a:p>
+            <a:r>
+              <a:rPr lang="fi-FI" dirty="0" err="1"/>
+              <a:t>Or</a:t>
+            </a:r>
+            <a:r>
+              <a:rPr lang="fi-FI" dirty="0"/>
+              <a:t> </a:t>
+            </a:r>
+            <a:r>
+              <a:rPr lang="fi-FI" dirty="0" err="1"/>
+              <a:t>would</a:t>
+            </a:r>
+            <a:r>
+              <a:rPr lang="fi-FI" dirty="0"/>
+              <a:t> </a:t>
+            </a:r>
+            <a:r>
+              <a:rPr lang="fi-FI" dirty="0" err="1"/>
+              <a:t>you</a:t>
+            </a:r>
+            <a:r>
+              <a:rPr lang="fi-FI" dirty="0"/>
+              <a:t> </a:t>
+            </a:r>
+            <a:r>
+              <a:rPr lang="fi-FI" dirty="0" err="1"/>
+              <a:t>do</a:t>
+            </a:r>
+            <a:r>
+              <a:rPr lang="fi-FI" dirty="0"/>
+              <a:t> </a:t>
+            </a:r>
+            <a:r>
+              <a:rPr lang="fi-FI" dirty="0" err="1"/>
+              <a:t>more</a:t>
+            </a:r>
+            <a:r>
+              <a:rPr lang="fi-FI" dirty="0"/>
+              <a:t> </a:t>
+            </a:r>
+            <a:r>
+              <a:rPr lang="fi-FI" dirty="0" err="1"/>
+              <a:t>traditional</a:t>
+            </a:r>
+            <a:r>
+              <a:rPr lang="fi-FI" dirty="0"/>
+              <a:t> </a:t>
+            </a:r>
+            <a:r>
+              <a:rPr lang="fi-FI" dirty="0" err="1"/>
+              <a:t>way</a:t>
+            </a:r>
+            <a:r>
+              <a:rPr lang="fi-FI" dirty="0"/>
+              <a:t>, </a:t>
+            </a:r>
+            <a:r>
+              <a:rPr lang="fi-FI" dirty="0" err="1"/>
+              <a:t>let</a:t>
+            </a:r>
+            <a:r>
+              <a:rPr lang="fi-FI" dirty="0"/>
+              <a:t> </a:t>
+            </a:r>
+            <a:r>
+              <a:rPr lang="fi-FI" dirty="0" err="1"/>
+              <a:t>the</a:t>
+            </a:r>
+            <a:r>
+              <a:rPr lang="fi-FI" dirty="0"/>
+              <a:t> </a:t>
+            </a:r>
+            <a:r>
+              <a:rPr lang="fi-FI" dirty="0" err="1"/>
+              <a:t>use</a:t>
+            </a:r>
+            <a:r>
+              <a:rPr lang="fi-FI" dirty="0"/>
+              <a:t> </a:t>
+            </a:r>
+            <a:r>
+              <a:rPr lang="fi-FI" dirty="0" err="1"/>
+              <a:t>cases</a:t>
+            </a:r>
+            <a:r>
+              <a:rPr lang="fi-FI" dirty="0"/>
+              <a:t> </a:t>
+            </a:r>
+            <a:r>
+              <a:rPr lang="fi-FI" dirty="0" err="1"/>
+              <a:t>affect</a:t>
+            </a:r>
+            <a:r>
+              <a:rPr lang="fi-FI" dirty="0"/>
+              <a:t> </a:t>
+            </a:r>
+            <a:r>
+              <a:rPr lang="fi-FI" b="1" dirty="0" err="1"/>
+              <a:t>the</a:t>
+            </a:r>
+            <a:r>
+              <a:rPr lang="fi-FI" b="1" dirty="0"/>
+              <a:t> </a:t>
+            </a:r>
+            <a:r>
+              <a:rPr lang="fi-FI" b="1" dirty="0" err="1"/>
+              <a:t>choice</a:t>
+            </a:r>
+            <a:r>
+              <a:rPr lang="fi-FI" b="1" dirty="0"/>
+              <a:t> </a:t>
+            </a:r>
+            <a:r>
+              <a:rPr lang="fi-FI" dirty="0"/>
+              <a:t>of </a:t>
+            </a:r>
+            <a:r>
+              <a:rPr lang="fi-FI" dirty="0" err="1"/>
+              <a:t>the</a:t>
+            </a:r>
+            <a:r>
+              <a:rPr lang="fi-FI" dirty="0"/>
+              <a:t> </a:t>
+            </a:r>
+            <a:r>
+              <a:rPr lang="fi-FI" dirty="0" err="1"/>
+              <a:t>architecture</a:t>
+            </a:r>
+            <a:r>
+              <a:rPr lang="fi-FI" dirty="0"/>
+              <a:t> and </a:t>
+            </a:r>
+            <a:r>
+              <a:rPr lang="fi-FI" dirty="0" err="1"/>
+              <a:t>how</a:t>
+            </a:r>
+            <a:r>
+              <a:rPr lang="fi-FI" dirty="0"/>
+              <a:t> it is </a:t>
+            </a:r>
+            <a:r>
+              <a:rPr lang="fi-FI" dirty="0" err="1"/>
+              <a:t>audited</a:t>
+            </a:r>
+            <a:r>
+              <a:rPr lang="fi-FI" dirty="0"/>
+              <a:t>, </a:t>
+            </a:r>
+            <a:r>
+              <a:rPr lang="fi-FI" dirty="0" err="1"/>
+              <a:t>but</a:t>
+            </a:r>
+            <a:r>
+              <a:rPr lang="fi-FI" dirty="0"/>
+              <a:t> </a:t>
+            </a:r>
+            <a:r>
+              <a:rPr lang="fi-FI" dirty="0" err="1"/>
+              <a:t>still</a:t>
+            </a:r>
+            <a:r>
+              <a:rPr lang="fi-FI" dirty="0"/>
+              <a:t> </a:t>
+            </a:r>
+            <a:r>
+              <a:rPr lang="fi-FI" dirty="0" err="1"/>
+              <a:t>base</a:t>
+            </a:r>
+            <a:r>
+              <a:rPr lang="fi-FI" dirty="0"/>
+              <a:t> </a:t>
+            </a:r>
+            <a:r>
+              <a:rPr lang="fi-FI" dirty="0" err="1"/>
+              <a:t>the</a:t>
+            </a:r>
+            <a:r>
+              <a:rPr lang="fi-FI" dirty="0"/>
+              <a:t> </a:t>
+            </a:r>
+            <a:r>
+              <a:rPr lang="fi-FI" dirty="0" err="1"/>
+              <a:t>architecture</a:t>
+            </a:r>
+            <a:r>
+              <a:rPr lang="fi-FI" dirty="0"/>
+              <a:t> on </a:t>
+            </a:r>
+            <a:r>
+              <a:rPr lang="fi-FI" dirty="0" err="1"/>
+              <a:t>many</a:t>
+            </a:r>
+            <a:r>
+              <a:rPr lang="fi-FI" dirty="0"/>
+              <a:t> </a:t>
+            </a:r>
+            <a:r>
+              <a:rPr lang="fi-FI" dirty="0" err="1"/>
+              <a:t>other</a:t>
+            </a:r>
+            <a:r>
+              <a:rPr lang="fi-FI" dirty="0"/>
+              <a:t> </a:t>
+            </a:r>
+            <a:r>
+              <a:rPr lang="fi-FI" dirty="0" err="1"/>
+              <a:t>factors</a:t>
+            </a:r>
+            <a:r>
+              <a:rPr lang="fi-FI" dirty="0"/>
+              <a:t>.</a:t>
+            </a:r>
+          </a:p>
+          <a:p>
+            <a:pPr lvl="1"/>
+            <a:r>
+              <a:rPr lang="fi-FI" dirty="0"/>
+              <a:t>Software </a:t>
+            </a:r>
+            <a:r>
+              <a:rPr lang="fi-FI" dirty="0" err="1"/>
+              <a:t>company</a:t>
+            </a:r>
+            <a:r>
+              <a:rPr lang="fi-FI" dirty="0"/>
+              <a:t> </a:t>
+            </a:r>
+            <a:r>
+              <a:rPr lang="fi-FI" dirty="0" err="1"/>
+              <a:t>does</a:t>
+            </a:r>
+            <a:r>
+              <a:rPr lang="fi-FI" dirty="0"/>
+              <a:t> </a:t>
+            </a:r>
+            <a:r>
+              <a:rPr lang="fi-FI" dirty="0" err="1"/>
+              <a:t>not</a:t>
+            </a:r>
+            <a:r>
+              <a:rPr lang="fi-FI" dirty="0"/>
+              <a:t> </a:t>
+            </a:r>
+            <a:r>
+              <a:rPr lang="fi-FI" dirty="0" err="1"/>
+              <a:t>exist</a:t>
+            </a:r>
+            <a:r>
+              <a:rPr lang="fi-FI" dirty="0"/>
+              <a:t> for </a:t>
+            </a:r>
+            <a:r>
+              <a:rPr lang="fi-FI" dirty="0" err="1"/>
+              <a:t>the</a:t>
+            </a:r>
+            <a:r>
+              <a:rPr lang="fi-FI" dirty="0"/>
+              <a:t> </a:t>
+            </a:r>
+            <a:r>
+              <a:rPr lang="fi-FI" dirty="0" err="1"/>
+              <a:t>customers</a:t>
+            </a:r>
+            <a:r>
+              <a:rPr lang="fi-FI" dirty="0"/>
+              <a:t>. It </a:t>
+            </a:r>
+            <a:r>
+              <a:rPr lang="fi-FI" dirty="0" err="1"/>
+              <a:t>exists</a:t>
+            </a:r>
+            <a:r>
+              <a:rPr lang="fi-FI" dirty="0"/>
+              <a:t> to </a:t>
+            </a:r>
+            <a:r>
+              <a:rPr lang="fi-FI" dirty="0" err="1"/>
+              <a:t>make</a:t>
+            </a:r>
+            <a:r>
+              <a:rPr lang="fi-FI" dirty="0"/>
+              <a:t> </a:t>
+            </a:r>
+            <a:r>
+              <a:rPr lang="fi-FI" dirty="0" err="1"/>
+              <a:t>income</a:t>
+            </a:r>
+            <a:r>
+              <a:rPr lang="fi-FI" dirty="0"/>
+              <a:t> to </a:t>
+            </a:r>
+            <a:r>
+              <a:rPr lang="fi-FI" dirty="0" err="1"/>
+              <a:t>the</a:t>
+            </a:r>
+            <a:r>
+              <a:rPr lang="fi-FI" dirty="0"/>
+              <a:t> </a:t>
+            </a:r>
+            <a:r>
+              <a:rPr lang="fi-FI" dirty="0" err="1"/>
+              <a:t>owners</a:t>
+            </a:r>
+            <a:r>
+              <a:rPr lang="fi-FI" dirty="0"/>
+              <a:t>.</a:t>
+            </a:r>
+          </a:p>
+          <a:p>
+            <a:pPr lvl="1"/>
+            <a:r>
+              <a:rPr lang="fi-FI" dirty="0" err="1"/>
+              <a:t>Customer</a:t>
+            </a:r>
+            <a:r>
+              <a:rPr lang="fi-FI" dirty="0"/>
+              <a:t> </a:t>
+            </a:r>
+            <a:r>
+              <a:rPr lang="fi-FI" dirty="0" err="1"/>
+              <a:t>satisfaction</a:t>
+            </a:r>
+            <a:r>
+              <a:rPr lang="fi-FI" dirty="0"/>
+              <a:t> and </a:t>
+            </a:r>
+            <a:r>
+              <a:rPr lang="fi-FI" dirty="0" err="1"/>
+              <a:t>retainment</a:t>
+            </a:r>
+            <a:r>
+              <a:rPr lang="fi-FI" dirty="0"/>
+              <a:t> is a </a:t>
+            </a:r>
+            <a:r>
+              <a:rPr lang="fi-FI" dirty="0" err="1"/>
+              <a:t>strategy</a:t>
+            </a:r>
+            <a:r>
+              <a:rPr lang="fi-FI" dirty="0"/>
+              <a:t> to </a:t>
+            </a:r>
+            <a:r>
+              <a:rPr lang="fi-FI" dirty="0" err="1"/>
+              <a:t>stay</a:t>
+            </a:r>
+            <a:r>
+              <a:rPr lang="fi-FI" dirty="0"/>
+              <a:t> </a:t>
+            </a:r>
+            <a:r>
+              <a:rPr lang="fi-FI" dirty="0" err="1"/>
+              <a:t>alive</a:t>
+            </a:r>
+            <a:r>
+              <a:rPr lang="fi-FI" dirty="0"/>
+              <a:t> and </a:t>
+            </a:r>
+            <a:r>
+              <a:rPr lang="fi-FI" dirty="0" err="1"/>
+              <a:t>grow</a:t>
+            </a:r>
+            <a:r>
+              <a:rPr lang="fi-FI" dirty="0"/>
+              <a:t> </a:t>
+            </a:r>
+            <a:r>
+              <a:rPr lang="fi-FI" dirty="0" err="1"/>
+              <a:t>the</a:t>
+            </a:r>
+            <a:r>
+              <a:rPr lang="fi-FI" dirty="0"/>
+              <a:t> </a:t>
+            </a:r>
+            <a:r>
+              <a:rPr lang="fi-FI" dirty="0" err="1"/>
+              <a:t>income</a:t>
+            </a:r>
+            <a:endParaRPr lang="fi-FI" dirty="0"/>
+          </a:p>
+          <a:p>
+            <a:pPr lvl="1"/>
+            <a:r>
+              <a:rPr lang="fi-FI" dirty="0" err="1"/>
+              <a:t>What</a:t>
+            </a:r>
+            <a:r>
+              <a:rPr lang="fi-FI" dirty="0"/>
+              <a:t> </a:t>
+            </a:r>
+            <a:r>
+              <a:rPr lang="fi-FI" dirty="0" err="1"/>
+              <a:t>happens</a:t>
+            </a:r>
+            <a:r>
+              <a:rPr lang="fi-FI" dirty="0"/>
+              <a:t> to a Software </a:t>
+            </a:r>
+            <a:r>
+              <a:rPr lang="fi-FI" dirty="0" err="1"/>
+              <a:t>company</a:t>
+            </a:r>
+            <a:r>
+              <a:rPr lang="fi-FI" dirty="0"/>
+              <a:t> </a:t>
+            </a:r>
+            <a:r>
+              <a:rPr lang="fi-FI" dirty="0" err="1"/>
+              <a:t>who</a:t>
+            </a:r>
+            <a:r>
+              <a:rPr lang="fi-FI" dirty="0"/>
+              <a:t> </a:t>
+            </a:r>
+            <a:r>
+              <a:rPr lang="fi-FI" dirty="0" err="1"/>
+              <a:t>doesn’t</a:t>
+            </a:r>
+            <a:r>
+              <a:rPr lang="fi-FI" dirty="0"/>
+              <a:t> </a:t>
+            </a:r>
+            <a:r>
+              <a:rPr lang="fi-FI" dirty="0" err="1"/>
+              <a:t>do</a:t>
+            </a:r>
+            <a:r>
+              <a:rPr lang="fi-FI" dirty="0"/>
+              <a:t> </a:t>
+            </a:r>
+            <a:r>
+              <a:rPr lang="fi-FI" dirty="0" err="1"/>
+              <a:t>things</a:t>
+            </a:r>
+            <a:r>
+              <a:rPr lang="fi-FI" dirty="0"/>
+              <a:t> </a:t>
+            </a:r>
+            <a:r>
+              <a:rPr lang="fi-FI" dirty="0" err="1"/>
+              <a:t>efficiently</a:t>
+            </a:r>
+            <a:r>
+              <a:rPr lang="fi-FI" dirty="0"/>
+              <a:t> and </a:t>
+            </a:r>
+            <a:r>
+              <a:rPr lang="fi-FI" dirty="0" err="1"/>
+              <a:t>e.g</a:t>
+            </a:r>
+            <a:r>
+              <a:rPr lang="fi-FI" dirty="0"/>
+              <a:t>. </a:t>
+            </a:r>
+            <a:r>
+              <a:rPr lang="fi-FI" dirty="0" err="1"/>
+              <a:t>use</a:t>
+            </a:r>
+            <a:r>
+              <a:rPr lang="fi-FI" dirty="0"/>
+              <a:t> </a:t>
+            </a:r>
+            <a:r>
+              <a:rPr lang="fi-FI" dirty="0" err="1"/>
+              <a:t>the</a:t>
+            </a:r>
+            <a:r>
+              <a:rPr lang="fi-FI" dirty="0"/>
+              <a:t> </a:t>
+            </a:r>
+            <a:r>
+              <a:rPr lang="fi-FI" dirty="0" err="1"/>
+              <a:t>same</a:t>
+            </a:r>
+            <a:r>
+              <a:rPr lang="fi-FI" dirty="0"/>
+              <a:t> </a:t>
+            </a:r>
+            <a:r>
+              <a:rPr lang="fi-FI" dirty="0" err="1"/>
+              <a:t>architecture</a:t>
+            </a:r>
+            <a:r>
+              <a:rPr lang="fi-FI" dirty="0"/>
+              <a:t> and </a:t>
+            </a:r>
+            <a:r>
+              <a:rPr lang="fi-FI" dirty="0" err="1"/>
+              <a:t>tech</a:t>
+            </a:r>
+            <a:r>
+              <a:rPr lang="fi-FI" dirty="0"/>
+              <a:t> </a:t>
+            </a:r>
+            <a:r>
+              <a:rPr lang="fi-FI" dirty="0" err="1"/>
+              <a:t>stack</a:t>
+            </a:r>
+            <a:r>
+              <a:rPr lang="fi-FI" dirty="0"/>
+              <a:t> in </a:t>
+            </a:r>
+            <a:r>
+              <a:rPr lang="fi-FI" dirty="0" err="1"/>
+              <a:t>many</a:t>
+            </a:r>
+            <a:r>
+              <a:rPr lang="fi-FI" dirty="0"/>
+              <a:t> </a:t>
+            </a:r>
+            <a:r>
+              <a:rPr lang="fi-FI" dirty="0" err="1"/>
+              <a:t>projects</a:t>
+            </a:r>
+            <a:r>
+              <a:rPr lang="fi-FI" dirty="0"/>
+              <a:t> for </a:t>
+            </a:r>
+            <a:r>
+              <a:rPr lang="fi-FI" dirty="0" err="1"/>
+              <a:t>multiple</a:t>
+            </a:r>
+            <a:r>
+              <a:rPr lang="fi-FI" dirty="0"/>
+              <a:t> </a:t>
+            </a:r>
+            <a:r>
+              <a:rPr lang="fi-FI" dirty="0" err="1"/>
+              <a:t>customers</a:t>
+            </a:r>
+            <a:r>
+              <a:rPr lang="fi-FI" dirty="0"/>
+              <a:t>? </a:t>
+            </a:r>
+            <a:r>
+              <a:rPr lang="fi-FI" dirty="0" err="1"/>
+              <a:t>Note</a:t>
+            </a:r>
+            <a:r>
+              <a:rPr lang="fi-FI" dirty="0"/>
+              <a:t>, </a:t>
+            </a:r>
+            <a:r>
+              <a:rPr lang="fi-FI" dirty="0" err="1"/>
+              <a:t>the</a:t>
+            </a:r>
+            <a:r>
+              <a:rPr lang="fi-FI" dirty="0"/>
+              <a:t> </a:t>
+            </a:r>
+            <a:r>
+              <a:rPr lang="fi-FI" dirty="0" err="1"/>
+              <a:t>other</a:t>
+            </a:r>
+            <a:r>
+              <a:rPr lang="fi-FI" dirty="0"/>
+              <a:t> </a:t>
+            </a:r>
+            <a:r>
+              <a:rPr lang="fi-FI" dirty="0" err="1"/>
+              <a:t>competing</a:t>
+            </a:r>
+            <a:r>
+              <a:rPr lang="fi-FI" dirty="0"/>
+              <a:t> SW </a:t>
+            </a:r>
+            <a:r>
+              <a:rPr lang="fi-FI" dirty="0" err="1"/>
+              <a:t>companies</a:t>
+            </a:r>
+            <a:r>
+              <a:rPr lang="fi-FI" dirty="0"/>
+              <a:t> </a:t>
+            </a:r>
+            <a:r>
+              <a:rPr lang="fi-FI" dirty="0" err="1"/>
+              <a:t>do</a:t>
+            </a:r>
+            <a:r>
+              <a:rPr lang="fi-FI" dirty="0"/>
+              <a:t>.</a:t>
+            </a:r>
+          </a:p>
+          <a:p>
+            <a:pPr lvl="1"/>
+            <a:endParaRPr lang="fi-FI" dirty="0"/>
+          </a:p>
+          <a:p>
             <a:pPr marL="0" indent="0">
               <a:buNone/>
             </a:pPr>
-            <a:r>
-              <a:rPr lang="fi-FI" dirty="0"/>
-              <a:t>(</a:t>
-            </a:r>
-            <a:r>
-              <a:rPr lang="fi-FI" dirty="0" err="1"/>
-              <a:t>These</a:t>
-            </a:r>
-            <a:r>
-              <a:rPr lang="fi-FI" dirty="0"/>
-              <a:t> </a:t>
-            </a:r>
-            <a:r>
-              <a:rPr lang="fi-FI" dirty="0" err="1"/>
-              <a:t>are</a:t>
-            </a:r>
-            <a:r>
-              <a:rPr lang="fi-FI" dirty="0"/>
-              <a:t> just my </a:t>
-            </a:r>
-            <a:r>
-              <a:rPr lang="fi-FI" dirty="0" err="1"/>
-              <a:t>own</a:t>
-            </a:r>
-            <a:r>
-              <a:rPr lang="fi-FI" dirty="0"/>
-              <a:t> </a:t>
-            </a:r>
-            <a:r>
-              <a:rPr lang="fi-FI" dirty="0" err="1"/>
-              <a:t>opinions</a:t>
-            </a:r>
-            <a:r>
-              <a:rPr lang="fi-FI" dirty="0"/>
-              <a:t> </a:t>
-            </a:r>
-            <a:r>
-              <a:rPr lang="fi-FI" dirty="0" err="1"/>
-              <a:t>with</a:t>
-            </a:r>
-            <a:r>
-              <a:rPr lang="fi-FI" dirty="0"/>
-              <a:t> </a:t>
-            </a:r>
-            <a:r>
-              <a:rPr lang="fi-FI" dirty="0" err="1"/>
-              <a:t>little</a:t>
-            </a:r>
-            <a:r>
-              <a:rPr lang="fi-FI" dirty="0"/>
-              <a:t> </a:t>
-            </a:r>
-            <a:r>
-              <a:rPr lang="fi-FI" dirty="0" err="1"/>
-              <a:t>more</a:t>
-            </a:r>
-            <a:r>
-              <a:rPr lang="fi-FI" dirty="0"/>
-              <a:t> </a:t>
-            </a:r>
-            <a:r>
-              <a:rPr lang="fi-FI" dirty="0" err="1"/>
-              <a:t>knowledge</a:t>
-            </a:r>
-            <a:r>
-              <a:rPr lang="fi-FI" dirty="0"/>
-              <a:t> </a:t>
-            </a:r>
-            <a:r>
-              <a:rPr lang="fi-FI" dirty="0" err="1"/>
-              <a:t>than</a:t>
-            </a:r>
-            <a:r>
-              <a:rPr lang="fi-FI" dirty="0"/>
-              <a:t> </a:t>
-            </a:r>
-            <a:r>
-              <a:rPr lang="fi-FI" dirty="0" err="1"/>
-              <a:t>listening</a:t>
-            </a:r>
-            <a:r>
-              <a:rPr lang="fi-FI" dirty="0"/>
-              <a:t> to </a:t>
-            </a:r>
-            <a:r>
-              <a:rPr lang="fi-FI" dirty="0" err="1"/>
-              <a:t>many</a:t>
-            </a:r>
-            <a:r>
-              <a:rPr lang="fi-FI" dirty="0"/>
-              <a:t> of </a:t>
-            </a:r>
-            <a:r>
-              <a:rPr lang="fi-FI" dirty="0" err="1"/>
-              <a:t>his</a:t>
-            </a:r>
-            <a:r>
-              <a:rPr lang="fi-FI" dirty="0"/>
-              <a:t> </a:t>
-            </a:r>
-            <a:r>
-              <a:rPr lang="fi-FI" dirty="0" err="1"/>
-              <a:t>videos</a:t>
-            </a:r>
-            <a:r>
-              <a:rPr lang="fi-FI" dirty="0"/>
-              <a:t>. </a:t>
-            </a:r>
-            <a:r>
-              <a:rPr lang="fi-FI" dirty="0" err="1"/>
-              <a:t>So</a:t>
-            </a:r>
-            <a:r>
-              <a:rPr lang="fi-FI" dirty="0"/>
-              <a:t> </a:t>
-            </a:r>
-            <a:r>
-              <a:rPr lang="fi-FI" dirty="0" err="1"/>
-              <a:t>take</a:t>
-            </a:r>
-            <a:r>
-              <a:rPr lang="fi-FI" dirty="0"/>
-              <a:t> </a:t>
-            </a:r>
-            <a:r>
-              <a:rPr lang="fi-FI" dirty="0" err="1"/>
-              <a:t>these</a:t>
-            </a:r>
-            <a:r>
-              <a:rPr lang="fi-FI" dirty="0"/>
-              <a:t> </a:t>
-            </a:r>
-            <a:r>
-              <a:rPr lang="fi-FI" dirty="0" err="1"/>
-              <a:t>with</a:t>
-            </a:r>
-            <a:r>
-              <a:rPr lang="fi-FI" dirty="0"/>
-              <a:t> 2kg of </a:t>
-            </a:r>
-            <a:r>
-              <a:rPr lang="fi-FI" dirty="0" err="1"/>
-              <a:t>salt</a:t>
-            </a:r>
-            <a:r>
-              <a:rPr lang="fi-FI" dirty="0"/>
-              <a:t> </a:t>
-            </a:r>
-            <a:r>
-              <a:rPr lang="fi-FI" dirty="0">
-                <a:sym typeface="Wingdings" panose="05000000000000000000" pitchFamily="2" charset="2"/>
-              </a:rPr>
-              <a:t> </a:t>
-            </a:r>
-            <a:r>
-              <a:rPr lang="fi-FI" dirty="0"/>
-              <a:t>)</a:t>
-            </a:r>
-            <a:br>
-              <a:rPr lang="fi-FI" dirty="0"/>
-            </a:br>
-            <a:br>
-              <a:rPr lang="fi-FI" dirty="0"/>
-            </a:br>
-            <a:r>
-              <a:rPr lang="fi-FI" dirty="0"/>
-              <a:t>Author of </a:t>
-            </a:r>
-            <a:r>
-              <a:rPr lang="fi-FI" dirty="0" err="1"/>
-              <a:t>e.g</a:t>
-            </a:r>
-            <a:r>
-              <a:rPr lang="fi-FI" dirty="0"/>
-              <a:t>. </a:t>
-            </a:r>
-            <a:r>
-              <a:rPr lang="fi-FI" dirty="0" err="1"/>
-              <a:t>the</a:t>
-            </a:r>
-            <a:r>
-              <a:rPr lang="fi-FI" dirty="0"/>
-              <a:t> ”</a:t>
-            </a:r>
-            <a:r>
-              <a:rPr lang="fi-FI" dirty="0" err="1"/>
-              <a:t>Clean</a:t>
-            </a:r>
-            <a:r>
-              <a:rPr lang="fi-FI" dirty="0"/>
-              <a:t> </a:t>
-            </a:r>
-            <a:r>
-              <a:rPr lang="fi-FI" dirty="0" err="1"/>
-              <a:t>code</a:t>
-            </a:r>
-            <a:r>
-              <a:rPr lang="fi-FI" dirty="0"/>
-              <a:t>” </a:t>
-            </a:r>
-            <a:r>
-              <a:rPr lang="fi-FI" dirty="0" err="1"/>
-              <a:t>book</a:t>
-            </a:r>
             <a:endParaRPr lang="fi-FI" dirty="0"/>
           </a:p>
-          <a:p>
-            <a:pPr marL="285750" indent="-285750">
-              <a:buFont typeface="Arial" panose="020B0604020202020204" pitchFamily="34" charset="0"/>
-              <a:buChar char="•"/>
-            </a:pPr>
-            <a:r>
-              <a:rPr lang="en-US" dirty="0"/>
-              <a:t>80-90% of what he says is brilliant and should be learned from. 10-20% should be taken with a kilogram of salt. It's </a:t>
-            </a:r>
-            <a:r>
-              <a:rPr lang="en-US" dirty="0" err="1"/>
-              <a:t>opionated</a:t>
-            </a:r>
-            <a:r>
-              <a:rPr lang="en-US" dirty="0"/>
-              <a:t> and highly debatable.</a:t>
-            </a:r>
-          </a:p>
-          <a:p>
-            <a:pPr marL="285750" indent="-285750">
-              <a:buFont typeface="Arial" panose="020B0604020202020204" pitchFamily="34" charset="0"/>
-              <a:buChar char="•"/>
-            </a:pPr>
-            <a:r>
-              <a:rPr lang="en-US" dirty="0"/>
-              <a:t>Thus, use his opinions and speeches as stimulant but not as source of the truth. And he is great in inspiring. The videos are to big part entertainment. And very good entertainment with lot of good advice to developers.</a:t>
-            </a:r>
-          </a:p>
-          <a:p>
-            <a:pPr marL="285750" indent="-285750">
-              <a:buFont typeface="Arial" panose="020B0604020202020204" pitchFamily="34" charset="0"/>
-              <a:buChar char="•"/>
-            </a:pPr>
-            <a:r>
-              <a:rPr lang="en-US" dirty="0"/>
-              <a:t>But I do not know how much he e.g. has worked on modern DevOps, frameworks and cloud-native apps? Or what is his database development understanding level?</a:t>
-            </a:r>
-          </a:p>
-          <a:p>
-            <a:pPr marL="285750" indent="-285750">
-              <a:buFont typeface="Arial" panose="020B0604020202020204" pitchFamily="34" charset="0"/>
-              <a:buChar char="•"/>
-            </a:pPr>
-            <a:r>
-              <a:rPr lang="en-US" dirty="0"/>
-              <a:t>Separate note, not related to him:</a:t>
-            </a:r>
-          </a:p>
-          <a:p>
-            <a:pPr marL="789750" lvl="1" indent="-285750">
-              <a:buFont typeface="Arial" panose="020B0604020202020204" pitchFamily="34" charset="0"/>
-              <a:buChar char="•"/>
-            </a:pPr>
-            <a:r>
-              <a:rPr lang="en-US" dirty="0"/>
-              <a:t>I have seen very famous and respected gurus reveal in their demonstrations that they do not understand basic things about something outside of their immediate expertise area. E.g. databases. True.</a:t>
-            </a:r>
-            <a:endParaRPr lang="fi-FI" dirty="0"/>
-          </a:p>
         </p:txBody>
       </p:sp>
       <p:sp>
@@ -16648,7 +16902,7 @@
           <p:cNvPr id="5" name="Date Placeholder 4">
             <a:extLst>
               <a:ext uri="{FF2B5EF4-FFF2-40B4-BE49-F238E27FC236}">
-                <a16:creationId xmlns:a16="http://schemas.microsoft.com/office/drawing/2014/main" id="{CDF9BDDB-4154-894E-83EF-04FB624FF30E}"/>
+                <a16:creationId xmlns:a16="http://schemas.microsoft.com/office/drawing/2014/main" id="{976244E2-AA76-2742-B2EC-FEC79276155C}"/>
               </a:ext>
             </a:extLst>
           </p:cNvPr>
@@ -16664,9 +16918,9 @@
           <a:bodyPr/>
           <a:lstStyle/>
           <a:p>
-            <a:fld id="{551D5D1D-8623-7244-B1BC-5984C123D6C5}" type="datetime1">
+            <a:fld id="{202E1EC2-47B8-044B-A09E-6A63B4D80C87}" type="datetime1">
               <a:rPr lang="fi-FI" smtClean="0"/>
-              <a:t>27.10.2022</a:t>
+              <a:t>8.2.2024</a:t>
             </a:fld>
             <a:endParaRPr lang="en-GB"/>
           </a:p>
@@ -16677,7 +16931,7 @@
           <p:cNvPr id="6" name="Footer Placeholder 5">
             <a:extLst>
               <a:ext uri="{FF2B5EF4-FFF2-40B4-BE49-F238E27FC236}">
-                <a16:creationId xmlns:a16="http://schemas.microsoft.com/office/drawing/2014/main" id="{DEED56F3-0862-1748-A7A9-EE5914100F54}"/>
+                <a16:creationId xmlns:a16="http://schemas.microsoft.com/office/drawing/2014/main" id="{588CE607-4137-8840-8FEA-42EAC857E3A3}"/>
               </a:ext>
             </a:extLst>
           </p:cNvPr>
@@ -16702,7 +16956,7 @@
           <p:cNvPr id="7" name="Slide Number Placeholder 6">
             <a:extLst>
               <a:ext uri="{FF2B5EF4-FFF2-40B4-BE49-F238E27FC236}">
-                <a16:creationId xmlns:a16="http://schemas.microsoft.com/office/drawing/2014/main" id="{6CBC8079-2140-8745-901A-8EB4BF8EAF2D}"/>
+                <a16:creationId xmlns:a16="http://schemas.microsoft.com/office/drawing/2014/main" id="{2E133A96-6C73-0844-B8CB-27C2B5F4CFB1}"/>
               </a:ext>
             </a:extLst>
           </p:cNvPr>
@@ -16729,7 +16983,7 @@
     </p:spTree>
     <p:extLst>
       <p:ext uri="{BB962C8B-B14F-4D97-AF65-F5344CB8AC3E}">
-        <p14:creationId xmlns:p14="http://schemas.microsoft.com/office/powerpoint/2010/main" val="2140971857"/>
+        <p14:creationId xmlns:p14="http://schemas.microsoft.com/office/powerpoint/2010/main" val="2628821793"/>
       </p:ext>
     </p:extLst>
   </p:cSld>
@@ -16761,7 +17015,7 @@
           <p:cNvPr id="8" name="Title 7">
             <a:extLst>
               <a:ext uri="{FF2B5EF4-FFF2-40B4-BE49-F238E27FC236}">
-                <a16:creationId xmlns:a16="http://schemas.microsoft.com/office/drawing/2014/main" id="{197044C3-CD23-D844-B780-26FABA91AD0F}"/>
+                <a16:creationId xmlns:a16="http://schemas.microsoft.com/office/drawing/2014/main" id="{03801FB7-8FBC-844F-8D63-9A597A066215}"/>
               </a:ext>
             </a:extLst>
           </p:cNvPr>
@@ -16772,34 +17026,35 @@
             <p:ph type="title"/>
           </p:nvPr>
         </p:nvSpPr>
-        <p:spPr/>
+        <p:spPr>
+          <a:xfrm>
+            <a:off x="550863" y="549276"/>
+            <a:ext cx="11125200" cy="574352"/>
+          </a:xfrm>
+        </p:spPr>
         <p:txBody>
           <a:bodyPr/>
           <a:lstStyle/>
           <a:p>
             <a:r>
-              <a:rPr lang="fi-FI" dirty="0" err="1"/>
-              <a:t>Why</a:t>
-            </a:r>
-            <a:r>
-              <a:rPr lang="fi-FI" dirty="0"/>
-              <a:t> to </a:t>
-            </a:r>
-            <a:r>
-              <a:rPr lang="fi-FI" dirty="0" err="1"/>
-              <a:t>have</a:t>
-            </a:r>
-            <a:r>
-              <a:rPr lang="fi-FI" dirty="0"/>
-              <a:t> </a:t>
-            </a:r>
-            <a:r>
-              <a:rPr lang="fi-FI" dirty="0" err="1"/>
-              <a:t>good</a:t>
-            </a:r>
-            <a:r>
-              <a:rPr lang="fi-FI" dirty="0"/>
-              <a:t> Software Architecture?</a:t>
+              <a:rPr lang="fi-FI" dirty="0"/>
+              <a:t>Notes on Robert C. Martin, </a:t>
+            </a:r>
+            <a:r>
+              <a:rPr lang="fi-FI" dirty="0" err="1"/>
+              <a:t>aka</a:t>
+            </a:r>
+            <a:r>
+              <a:rPr lang="fi-FI" dirty="0"/>
+              <a:t> ’</a:t>
+            </a:r>
+            <a:r>
+              <a:rPr lang="fi-FI" dirty="0" err="1"/>
+              <a:t>Uncle</a:t>
+            </a:r>
+            <a:r>
+              <a:rPr lang="fi-FI" dirty="0"/>
+              <a:t> Bob’</a:t>
             </a:r>
           </a:p>
         </p:txBody>
@@ -16809,7 +17064,7 @@
           <p:cNvPr id="9" name="Content Placeholder 8">
             <a:extLst>
               <a:ext uri="{FF2B5EF4-FFF2-40B4-BE49-F238E27FC236}">
-                <a16:creationId xmlns:a16="http://schemas.microsoft.com/office/drawing/2014/main" id="{ACDE61D8-A75A-F94B-B57A-46F276C03311}"/>
+                <a16:creationId xmlns:a16="http://schemas.microsoft.com/office/drawing/2014/main" id="{C711FFF1-5700-384F-B322-71416B4D664F}"/>
               </a:ext>
             </a:extLst>
           </p:cNvPr>
@@ -16820,405 +17075,286 @@
             <p:ph sz="half" idx="2"/>
           </p:nvPr>
         </p:nvSpPr>
-        <p:spPr/>
+        <p:spPr>
+          <a:xfrm>
+            <a:off x="220851" y="1773238"/>
+            <a:ext cx="11581108" cy="4140200"/>
+          </a:xfrm>
+        </p:spPr>
         <p:txBody>
           <a:bodyPr>
             <a:normAutofit/>
           </a:bodyPr>
           <a:lstStyle/>
           <a:p>
-            <a:r>
-              <a:rPr lang="fi-FI" dirty="0" err="1"/>
-              <a:t>We</a:t>
-            </a:r>
-            <a:r>
-              <a:rPr lang="fi-FI" dirty="0"/>
-              <a:t> </a:t>
-            </a:r>
-            <a:r>
-              <a:rPr lang="fi-FI" dirty="0" err="1"/>
-              <a:t>spend</a:t>
-            </a:r>
-            <a:r>
-              <a:rPr lang="fi-FI" dirty="0"/>
-              <a:t> some </a:t>
-            </a:r>
-            <a:r>
-              <a:rPr lang="fi-FI" dirty="0" err="1"/>
-              <a:t>effort</a:t>
-            </a:r>
-            <a:r>
-              <a:rPr lang="fi-FI" dirty="0"/>
-              <a:t> in </a:t>
-            </a:r>
-            <a:r>
-              <a:rPr lang="fi-FI" dirty="0" err="1"/>
-              <a:t>the</a:t>
-            </a:r>
-            <a:r>
-              <a:rPr lang="fi-FI" dirty="0"/>
-              <a:t> </a:t>
-            </a:r>
-            <a:r>
-              <a:rPr lang="fi-FI" dirty="0" err="1"/>
-              <a:t>beginning</a:t>
-            </a:r>
-            <a:r>
-              <a:rPr lang="fi-FI" dirty="0"/>
-              <a:t>, to </a:t>
-            </a:r>
-            <a:r>
-              <a:rPr lang="fi-FI" dirty="0" err="1"/>
-              <a:t>make</a:t>
-            </a:r>
-            <a:r>
-              <a:rPr lang="fi-FI" dirty="0"/>
-              <a:t> </a:t>
-            </a:r>
-            <a:r>
-              <a:rPr lang="fi-FI" dirty="0" err="1"/>
-              <a:t>the</a:t>
-            </a:r>
-            <a:r>
-              <a:rPr lang="fi-FI" dirty="0"/>
-              <a:t> </a:t>
-            </a:r>
-            <a:r>
-              <a:rPr lang="fi-FI" dirty="0" err="1"/>
-              <a:t>development</a:t>
-            </a:r>
-            <a:r>
-              <a:rPr lang="fi-FI" dirty="0"/>
-              <a:t> </a:t>
-            </a:r>
-            <a:r>
-              <a:rPr lang="fi-FI" i="1" dirty="0" err="1"/>
-              <a:t>easier</a:t>
-            </a:r>
-            <a:r>
-              <a:rPr lang="fi-FI" i="1" dirty="0"/>
-              <a:t>, </a:t>
-            </a:r>
-            <a:r>
-              <a:rPr lang="fi-FI" i="1" dirty="0" err="1"/>
-              <a:t>safer</a:t>
-            </a:r>
-            <a:r>
-              <a:rPr lang="fi-FI" i="1" dirty="0"/>
-              <a:t>, </a:t>
-            </a:r>
-            <a:r>
-              <a:rPr lang="fi-FI" i="1" dirty="0" err="1"/>
-              <a:t>faster</a:t>
-            </a:r>
-            <a:r>
-              <a:rPr lang="fi-FI" i="1" dirty="0"/>
-              <a:t>, </a:t>
-            </a:r>
-            <a:r>
-              <a:rPr lang="fi-FI" i="1" dirty="0" err="1"/>
-              <a:t>less</a:t>
-            </a:r>
-            <a:r>
-              <a:rPr lang="fi-FI" i="1" dirty="0"/>
-              <a:t> </a:t>
-            </a:r>
-            <a:r>
-              <a:rPr lang="fi-FI" i="1" dirty="0" err="1"/>
-              <a:t>tiring</a:t>
-            </a:r>
-            <a:r>
-              <a:rPr lang="fi-FI" i="1" dirty="0"/>
-              <a:t> </a:t>
-            </a:r>
-            <a:r>
-              <a:rPr lang="fi-FI" dirty="0" err="1"/>
-              <a:t>later</a:t>
-            </a:r>
-            <a:r>
-              <a:rPr lang="fi-FI" dirty="0"/>
-              <a:t> in </a:t>
-            </a:r>
-            <a:r>
-              <a:rPr lang="fi-FI" dirty="0" err="1"/>
-              <a:t>the</a:t>
-            </a:r>
-            <a:r>
-              <a:rPr lang="fi-FI" dirty="0"/>
-              <a:t> </a:t>
-            </a:r>
-            <a:r>
-              <a:rPr lang="fi-FI" dirty="0" err="1"/>
-              <a:t>project</a:t>
-            </a:r>
-            <a:r>
-              <a:rPr lang="fi-FI" dirty="0"/>
-              <a:t>. </a:t>
-            </a:r>
-          </a:p>
-          <a:p>
-            <a:r>
-              <a:rPr lang="fi-FI" dirty="0" err="1"/>
-              <a:t>Finally</a:t>
-            </a:r>
-            <a:r>
-              <a:rPr lang="fi-FI" dirty="0"/>
-              <a:t> </a:t>
-            </a:r>
-            <a:r>
-              <a:rPr lang="fi-FI" dirty="0" err="1"/>
-              <a:t>this</a:t>
-            </a:r>
-            <a:r>
-              <a:rPr lang="fi-FI" dirty="0"/>
-              <a:t> </a:t>
-            </a:r>
-            <a:r>
-              <a:rPr lang="fi-FI" dirty="0" err="1"/>
-              <a:t>can</a:t>
-            </a:r>
-            <a:r>
-              <a:rPr lang="fi-FI" dirty="0"/>
-              <a:t> </a:t>
-            </a:r>
-            <a:r>
-              <a:rPr lang="fi-FI" dirty="0" err="1"/>
-              <a:t>be</a:t>
-            </a:r>
-            <a:r>
-              <a:rPr lang="fi-FI" dirty="0"/>
-              <a:t> </a:t>
-            </a:r>
-            <a:r>
-              <a:rPr lang="fi-FI" dirty="0" err="1"/>
-              <a:t>measured</a:t>
-            </a:r>
-            <a:r>
-              <a:rPr lang="fi-FI" dirty="0"/>
-              <a:t> </a:t>
-            </a:r>
-            <a:r>
-              <a:rPr lang="fi-FI" dirty="0" err="1"/>
-              <a:t>also</a:t>
-            </a:r>
-            <a:r>
-              <a:rPr lang="fi-FI" dirty="0"/>
-              <a:t> in €uros. </a:t>
-            </a:r>
-            <a:r>
-              <a:rPr lang="fi-FI" dirty="0" err="1"/>
-              <a:t>The</a:t>
-            </a:r>
-            <a:r>
-              <a:rPr lang="fi-FI" dirty="0"/>
-              <a:t> software </a:t>
-            </a:r>
-            <a:r>
-              <a:rPr lang="fi-FI" dirty="0" err="1"/>
-              <a:t>company</a:t>
-            </a:r>
-            <a:r>
-              <a:rPr lang="fi-FI" dirty="0"/>
-              <a:t> </a:t>
-            </a:r>
-            <a:r>
-              <a:rPr lang="fi-FI" dirty="0" err="1"/>
-              <a:t>will</a:t>
-            </a:r>
-            <a:r>
-              <a:rPr lang="fi-FI" dirty="0"/>
-              <a:t> </a:t>
-            </a:r>
-            <a:r>
-              <a:rPr lang="fi-FI" dirty="0" err="1"/>
-              <a:t>have</a:t>
-            </a:r>
-            <a:r>
-              <a:rPr lang="fi-FI" dirty="0"/>
-              <a:t> a </a:t>
-            </a:r>
-            <a:r>
-              <a:rPr lang="fi-FI" dirty="0" err="1"/>
-              <a:t>better</a:t>
-            </a:r>
-            <a:r>
-              <a:rPr lang="fi-FI" dirty="0"/>
-              <a:t> </a:t>
-            </a:r>
-            <a:r>
-              <a:rPr lang="fi-FI" dirty="0" err="1"/>
-              <a:t>foundation</a:t>
-            </a:r>
-            <a:r>
-              <a:rPr lang="fi-FI" dirty="0"/>
-              <a:t> to </a:t>
-            </a:r>
-            <a:r>
-              <a:rPr lang="fi-FI" dirty="0" err="1"/>
-              <a:t>serve</a:t>
-            </a:r>
-            <a:r>
-              <a:rPr lang="fi-FI" dirty="0"/>
-              <a:t> </a:t>
-            </a:r>
-            <a:r>
-              <a:rPr lang="fi-FI" dirty="0" err="1"/>
-              <a:t>also</a:t>
-            </a:r>
-            <a:r>
-              <a:rPr lang="fi-FI" dirty="0"/>
-              <a:t> </a:t>
-            </a:r>
-            <a:r>
-              <a:rPr lang="fi-FI" dirty="0" err="1"/>
-              <a:t>future</a:t>
-            </a:r>
-            <a:r>
-              <a:rPr lang="fi-FI" dirty="0"/>
-              <a:t> </a:t>
-            </a:r>
-            <a:r>
-              <a:rPr lang="fi-FI" dirty="0" err="1"/>
-              <a:t>customers</a:t>
-            </a:r>
-            <a:r>
-              <a:rPr lang="fi-FI" dirty="0"/>
-              <a:t>. </a:t>
-            </a:r>
-          </a:p>
-          <a:p>
-            <a:r>
-              <a:rPr lang="fi-FI" dirty="0" err="1"/>
-              <a:t>Investment</a:t>
-            </a:r>
-            <a:r>
-              <a:rPr lang="fi-FI" dirty="0"/>
-              <a:t> + ROI (Return on </a:t>
-            </a:r>
-            <a:r>
-              <a:rPr lang="fi-FI" dirty="0" err="1"/>
-              <a:t>investment</a:t>
-            </a:r>
-            <a:r>
-              <a:rPr lang="fi-FI"/>
-              <a:t>). </a:t>
-            </a:r>
-            <a:r>
-              <a:rPr lang="fi-FI" dirty="0"/>
-              <a:t>And </a:t>
-            </a:r>
-            <a:r>
-              <a:rPr lang="fi-FI" dirty="0" err="1"/>
-              <a:t>are</a:t>
-            </a:r>
-            <a:r>
-              <a:rPr lang="fi-FI" dirty="0"/>
-              <a:t> </a:t>
-            </a:r>
-            <a:r>
-              <a:rPr lang="fi-FI" dirty="0" err="1"/>
-              <a:t>we</a:t>
-            </a:r>
-            <a:r>
-              <a:rPr lang="fi-FI" dirty="0"/>
-              <a:t> </a:t>
-            </a:r>
-            <a:r>
-              <a:rPr lang="fi-FI" dirty="0" err="1"/>
-              <a:t>talking</a:t>
-            </a:r>
-            <a:r>
-              <a:rPr lang="fi-FI" dirty="0"/>
-              <a:t> </a:t>
-            </a:r>
-            <a:r>
-              <a:rPr lang="fi-FI" dirty="0" err="1"/>
-              <a:t>about</a:t>
-            </a:r>
-            <a:r>
-              <a:rPr lang="fi-FI" dirty="0"/>
-              <a:t> </a:t>
-            </a:r>
-            <a:r>
-              <a:rPr lang="fi-FI" dirty="0" err="1"/>
-              <a:t>one</a:t>
-            </a:r>
-            <a:r>
-              <a:rPr lang="fi-FI" dirty="0"/>
-              <a:t> </a:t>
-            </a:r>
-            <a:r>
-              <a:rPr lang="fi-FI" dirty="0" err="1"/>
-              <a:t>week</a:t>
-            </a:r>
-            <a:r>
-              <a:rPr lang="fi-FI" dirty="0"/>
-              <a:t>, </a:t>
-            </a:r>
-            <a:r>
-              <a:rPr lang="fi-FI" dirty="0" err="1"/>
-              <a:t>one</a:t>
-            </a:r>
-            <a:r>
-              <a:rPr lang="fi-FI" dirty="0"/>
-              <a:t> </a:t>
-            </a:r>
-            <a:r>
-              <a:rPr lang="fi-FI" dirty="0" err="1"/>
-              <a:t>month</a:t>
-            </a:r>
-            <a:r>
-              <a:rPr lang="fi-FI" dirty="0"/>
-              <a:t>, </a:t>
-            </a:r>
-            <a:r>
-              <a:rPr lang="fi-FI" dirty="0" err="1"/>
-              <a:t>one</a:t>
-            </a:r>
-            <a:r>
-              <a:rPr lang="fi-FI" dirty="0"/>
-              <a:t> </a:t>
-            </a:r>
-            <a:r>
-              <a:rPr lang="fi-FI" dirty="0" err="1"/>
-              <a:t>year</a:t>
-            </a:r>
-            <a:r>
-              <a:rPr lang="fi-FI" dirty="0"/>
-              <a:t> </a:t>
-            </a:r>
-            <a:r>
-              <a:rPr lang="fi-FI" dirty="0" err="1"/>
-              <a:t>or</a:t>
-            </a:r>
-            <a:r>
-              <a:rPr lang="fi-FI" dirty="0"/>
-              <a:t> </a:t>
-            </a:r>
-            <a:r>
-              <a:rPr lang="fi-FI" dirty="0" err="1"/>
-              <a:t>multiple-year</a:t>
-            </a:r>
-            <a:r>
-              <a:rPr lang="fi-FI" dirty="0"/>
-              <a:t> ROI?</a:t>
-            </a:r>
-          </a:p>
-          <a:p>
             <a:pPr marL="0" indent="0">
               <a:buNone/>
             </a:pPr>
+            <a:r>
+              <a:rPr lang="fi-FI" dirty="0"/>
+              <a:t>(</a:t>
+            </a:r>
+            <a:r>
+              <a:rPr lang="fi-FI" dirty="0" err="1"/>
+              <a:t>These</a:t>
+            </a:r>
+            <a:r>
+              <a:rPr lang="fi-FI" dirty="0"/>
+              <a:t> </a:t>
+            </a:r>
+            <a:r>
+              <a:rPr lang="fi-FI" dirty="0" err="1"/>
+              <a:t>are</a:t>
+            </a:r>
+            <a:r>
+              <a:rPr lang="fi-FI" dirty="0"/>
+              <a:t> just my </a:t>
+            </a:r>
+            <a:r>
+              <a:rPr lang="fi-FI" dirty="0" err="1"/>
+              <a:t>own</a:t>
+            </a:r>
+            <a:r>
+              <a:rPr lang="fi-FI" dirty="0"/>
+              <a:t> </a:t>
+            </a:r>
+            <a:r>
+              <a:rPr lang="fi-FI" dirty="0" err="1"/>
+              <a:t>opinions</a:t>
+            </a:r>
+            <a:r>
+              <a:rPr lang="fi-FI" dirty="0"/>
+              <a:t> </a:t>
+            </a:r>
+            <a:r>
+              <a:rPr lang="fi-FI" dirty="0" err="1"/>
+              <a:t>with</a:t>
+            </a:r>
+            <a:r>
+              <a:rPr lang="fi-FI" dirty="0"/>
+              <a:t> </a:t>
+            </a:r>
+            <a:r>
+              <a:rPr lang="fi-FI" dirty="0" err="1"/>
+              <a:t>little</a:t>
+            </a:r>
+            <a:r>
+              <a:rPr lang="fi-FI" dirty="0"/>
+              <a:t> </a:t>
+            </a:r>
+            <a:r>
+              <a:rPr lang="fi-FI" dirty="0" err="1"/>
+              <a:t>more</a:t>
+            </a:r>
+            <a:r>
+              <a:rPr lang="fi-FI" dirty="0"/>
+              <a:t> </a:t>
+            </a:r>
+            <a:r>
+              <a:rPr lang="fi-FI" dirty="0" err="1"/>
+              <a:t>knowledge</a:t>
+            </a:r>
+            <a:r>
+              <a:rPr lang="fi-FI" dirty="0"/>
+              <a:t> </a:t>
+            </a:r>
+            <a:r>
+              <a:rPr lang="fi-FI" dirty="0" err="1"/>
+              <a:t>than</a:t>
+            </a:r>
+            <a:r>
+              <a:rPr lang="fi-FI" dirty="0"/>
+              <a:t> </a:t>
+            </a:r>
+            <a:r>
+              <a:rPr lang="fi-FI" dirty="0" err="1"/>
+              <a:t>listening</a:t>
+            </a:r>
+            <a:r>
+              <a:rPr lang="fi-FI" dirty="0"/>
+              <a:t> to </a:t>
+            </a:r>
+            <a:r>
+              <a:rPr lang="fi-FI" dirty="0" err="1"/>
+              <a:t>many</a:t>
+            </a:r>
+            <a:r>
+              <a:rPr lang="fi-FI" dirty="0"/>
+              <a:t> of </a:t>
+            </a:r>
+            <a:r>
+              <a:rPr lang="fi-FI" dirty="0" err="1"/>
+              <a:t>his</a:t>
+            </a:r>
+            <a:r>
+              <a:rPr lang="fi-FI" dirty="0"/>
+              <a:t> </a:t>
+            </a:r>
+            <a:r>
+              <a:rPr lang="fi-FI" dirty="0" err="1"/>
+              <a:t>videos</a:t>
+            </a:r>
+            <a:r>
+              <a:rPr lang="fi-FI" dirty="0"/>
+              <a:t>. </a:t>
+            </a:r>
+            <a:r>
+              <a:rPr lang="fi-FI" dirty="0" err="1"/>
+              <a:t>So</a:t>
+            </a:r>
+            <a:r>
+              <a:rPr lang="fi-FI" dirty="0"/>
+              <a:t> </a:t>
+            </a:r>
+            <a:r>
+              <a:rPr lang="fi-FI" dirty="0" err="1"/>
+              <a:t>take</a:t>
+            </a:r>
+            <a:r>
+              <a:rPr lang="fi-FI" dirty="0"/>
+              <a:t> </a:t>
+            </a:r>
+            <a:r>
+              <a:rPr lang="fi-FI" dirty="0" err="1"/>
+              <a:t>these</a:t>
+            </a:r>
+            <a:r>
+              <a:rPr lang="fi-FI" dirty="0"/>
+              <a:t> </a:t>
+            </a:r>
+            <a:r>
+              <a:rPr lang="fi-FI" dirty="0" err="1"/>
+              <a:t>with</a:t>
+            </a:r>
+            <a:r>
+              <a:rPr lang="fi-FI" dirty="0"/>
+              <a:t> 2kg of </a:t>
+            </a:r>
+            <a:r>
+              <a:rPr lang="fi-FI" dirty="0" err="1"/>
+              <a:t>salt</a:t>
+            </a:r>
+            <a:r>
+              <a:rPr lang="fi-FI" dirty="0"/>
+              <a:t> </a:t>
+            </a:r>
+            <a:r>
+              <a:rPr lang="fi-FI" dirty="0">
+                <a:sym typeface="Wingdings" panose="05000000000000000000" pitchFamily="2" charset="2"/>
+              </a:rPr>
+              <a:t> </a:t>
+            </a:r>
+            <a:r>
+              <a:rPr lang="fi-FI" dirty="0"/>
+              <a:t>)</a:t>
+            </a:r>
+            <a:br>
+              <a:rPr lang="fi-FI" dirty="0"/>
+            </a:br>
+            <a:br>
+              <a:rPr lang="fi-FI" dirty="0"/>
+            </a:br>
+            <a:r>
+              <a:rPr lang="fi-FI" dirty="0"/>
+              <a:t>Author of </a:t>
+            </a:r>
+            <a:r>
+              <a:rPr lang="fi-FI" dirty="0" err="1"/>
+              <a:t>e.g</a:t>
+            </a:r>
+            <a:r>
+              <a:rPr lang="fi-FI" dirty="0"/>
+              <a:t>. </a:t>
+            </a:r>
+            <a:r>
+              <a:rPr lang="fi-FI" dirty="0" err="1"/>
+              <a:t>the</a:t>
+            </a:r>
+            <a:r>
+              <a:rPr lang="fi-FI" dirty="0"/>
+              <a:t> ”</a:t>
+            </a:r>
+            <a:r>
+              <a:rPr lang="fi-FI" dirty="0" err="1"/>
+              <a:t>Clean</a:t>
+            </a:r>
+            <a:r>
+              <a:rPr lang="fi-FI" dirty="0"/>
+              <a:t> </a:t>
+            </a:r>
+            <a:r>
+              <a:rPr lang="fi-FI" dirty="0" err="1"/>
+              <a:t>code</a:t>
+            </a:r>
+            <a:r>
+              <a:rPr lang="fi-FI" dirty="0"/>
+              <a:t>” </a:t>
+            </a:r>
+            <a:r>
+              <a:rPr lang="fi-FI" dirty="0" err="1"/>
+              <a:t>book</a:t>
+            </a:r>
             <a:endParaRPr lang="fi-FI" dirty="0"/>
           </a:p>
           <a:p>
+            <a:pPr marL="285750" indent="-285750">
+              <a:buFont typeface="Arial" panose="020B0604020202020204" pitchFamily="34" charset="0"/>
+              <a:buChar char="•"/>
+            </a:pPr>
+            <a:r>
+              <a:rPr lang="en-US" dirty="0"/>
+              <a:t>80-90% of what he says is brilliant and should be learned from. 10-20% should be taken with a kilogram of salt. It's </a:t>
+            </a:r>
+            <a:r>
+              <a:rPr lang="en-US" dirty="0" err="1"/>
+              <a:t>opionated</a:t>
+            </a:r>
+            <a:r>
+              <a:rPr lang="en-US" dirty="0"/>
+              <a:t> and highly debatable.</a:t>
+            </a:r>
+          </a:p>
+          <a:p>
+            <a:pPr marL="285750" indent="-285750">
+              <a:buFont typeface="Arial" panose="020B0604020202020204" pitchFamily="34" charset="0"/>
+              <a:buChar char="•"/>
+            </a:pPr>
+            <a:r>
+              <a:rPr lang="en-US" dirty="0"/>
+              <a:t>Thus, use his opinions and speeches as stimulant but not as source of the truth. And he is great in inspiring. The videos are to big part entertainment. And very good entertainment with lot of good advice to developers.</a:t>
+            </a:r>
+          </a:p>
+          <a:p>
+            <a:pPr marL="285750" indent="-285750">
+              <a:buFont typeface="Arial" panose="020B0604020202020204" pitchFamily="34" charset="0"/>
+              <a:buChar char="•"/>
+            </a:pPr>
+            <a:r>
+              <a:rPr lang="en-US" dirty="0"/>
+              <a:t>But I do not know how much he e.g. has worked on modern DevOps, frameworks and cloud-native apps? Or what is his database development understanding level?</a:t>
+            </a:r>
+          </a:p>
+          <a:p>
+            <a:pPr marL="285750" indent="-285750">
+              <a:buFont typeface="Arial" panose="020B0604020202020204" pitchFamily="34" charset="0"/>
+              <a:buChar char="•"/>
+            </a:pPr>
+            <a:r>
+              <a:rPr lang="en-US" dirty="0"/>
+              <a:t>Separate note, not related to him:</a:t>
+            </a:r>
+          </a:p>
+          <a:p>
+            <a:pPr marL="789750" lvl="1" indent="-285750">
+              <a:buFont typeface="Arial" panose="020B0604020202020204" pitchFamily="34" charset="0"/>
+              <a:buChar char="•"/>
+            </a:pPr>
+            <a:r>
+              <a:rPr lang="en-US" dirty="0"/>
+              <a:t>I have seen very famous and respected gurus reveal in their demonstrations that they do not understand basic things about something outside of their immediate expertise area. E.g. databases. True.</a:t>
+            </a:r>
             <a:endParaRPr lang="fi-FI" dirty="0"/>
           </a:p>
-          <a:p>
-            <a:pPr marL="0" indent="0">
-              <a:buNone/>
-            </a:pPr>
-            <a:endParaRPr lang="fi-FI" dirty="0"/>
-          </a:p>
         </p:txBody>
       </p:sp>
       <p:sp>
@@ -17226,7 +17362,7 @@
           <p:cNvPr id="5" name="Date Placeholder 4">
             <a:extLst>
               <a:ext uri="{FF2B5EF4-FFF2-40B4-BE49-F238E27FC236}">
-                <a16:creationId xmlns:a16="http://schemas.microsoft.com/office/drawing/2014/main" id="{976244E2-AA76-2742-B2EC-FEC79276155C}"/>
+                <a16:creationId xmlns:a16="http://schemas.microsoft.com/office/drawing/2014/main" id="{CDF9BDDB-4154-894E-83EF-04FB624FF30E}"/>
               </a:ext>
             </a:extLst>
           </p:cNvPr>
@@ -17242,9 +17378,9 @@
           <a:bodyPr/>
           <a:lstStyle/>
           <a:p>
-            <a:fld id="{202E1EC2-47B8-044B-A09E-6A63B4D80C87}" type="datetime1">
+            <a:fld id="{551D5D1D-8623-7244-B1BC-5984C123D6C5}" type="datetime1">
               <a:rPr lang="fi-FI" smtClean="0"/>
-              <a:t>27.10.2022</a:t>
+              <a:t>8.2.2024</a:t>
             </a:fld>
             <a:endParaRPr lang="en-GB"/>
           </a:p>
@@ -17255,7 +17391,7 @@
           <p:cNvPr id="6" name="Footer Placeholder 5">
             <a:extLst>
               <a:ext uri="{FF2B5EF4-FFF2-40B4-BE49-F238E27FC236}">
-                <a16:creationId xmlns:a16="http://schemas.microsoft.com/office/drawing/2014/main" id="{588CE607-4137-8840-8FEA-42EAC857E3A3}"/>
+                <a16:creationId xmlns:a16="http://schemas.microsoft.com/office/drawing/2014/main" id="{DEED56F3-0862-1748-A7A9-EE5914100F54}"/>
               </a:ext>
             </a:extLst>
           </p:cNvPr>
@@ -17280,7 +17416,7 @@
           <p:cNvPr id="7" name="Slide Number Placeholder 6">
             <a:extLst>
               <a:ext uri="{FF2B5EF4-FFF2-40B4-BE49-F238E27FC236}">
-                <a16:creationId xmlns:a16="http://schemas.microsoft.com/office/drawing/2014/main" id="{2E133A96-6C73-0844-B8CB-27C2B5F4CFB1}"/>
+                <a16:creationId xmlns:a16="http://schemas.microsoft.com/office/drawing/2014/main" id="{6CBC8079-2140-8745-901A-8EB4BF8EAF2D}"/>
               </a:ext>
             </a:extLst>
           </p:cNvPr>
@@ -17307,7 +17443,7 @@
     </p:spTree>
     <p:extLst>
       <p:ext uri="{BB962C8B-B14F-4D97-AF65-F5344CB8AC3E}">
-        <p14:creationId xmlns:p14="http://schemas.microsoft.com/office/powerpoint/2010/main" val="1036125114"/>
+        <p14:creationId xmlns:p14="http://schemas.microsoft.com/office/powerpoint/2010/main" val="2140971857"/>
       </p:ext>
     </p:extLst>
   </p:cSld>
@@ -17357,7 +17493,15 @@
           <a:p>
             <a:r>
               <a:rPr lang="fi-FI" dirty="0"/>
-              <a:t>Software Architecture - Definition</a:t>
+              <a:t>Software Architecture – </a:t>
+            </a:r>
+            <a:r>
+              <a:rPr lang="fi-FI" dirty="0" err="1"/>
+              <a:t>one</a:t>
+            </a:r>
+            <a:r>
+              <a:rPr lang="fi-FI" dirty="0"/>
+              <a:t> Definition</a:t>
             </a:r>
           </a:p>
         </p:txBody>
@@ -17500,7 +17644,7 @@
           <a:p>
             <a:fld id="{202E1EC2-47B8-044B-A09E-6A63B4D80C87}" type="datetime1">
               <a:rPr lang="fi-FI" smtClean="0"/>
-              <a:t>27.10.2022</a:t>
+              <a:t>8.2.2024</a:t>
             </a:fld>
             <a:endParaRPr lang="en-GB"/>
           </a:p>
@@ -17564,6 +17708,584 @@
     <p:extLst>
       <p:ext uri="{BB962C8B-B14F-4D97-AF65-F5344CB8AC3E}">
         <p14:creationId xmlns:p14="http://schemas.microsoft.com/office/powerpoint/2010/main" val="1587126786"/>
+      </p:ext>
+    </p:extLst>
+  </p:cSld>
+  <p:clrMapOvr>
+    <a:masterClrMapping/>
+  </p:clrMapOvr>
+</p:sld>
+</file>
+
+<file path=ppt/slides/slide20.xml><?xml version="1.0" encoding="utf-8"?>
+<p:sld xmlns:a="http://schemas.openxmlformats.org/drawingml/2006/main" xmlns:r="http://schemas.openxmlformats.org/officeDocument/2006/relationships" xmlns:p="http://schemas.openxmlformats.org/presentationml/2006/main">
+  <p:cSld>
+    <p:spTree>
+      <p:nvGrpSpPr>
+        <p:cNvPr id="1" name=""/>
+        <p:cNvGrpSpPr/>
+        <p:nvPr/>
+      </p:nvGrpSpPr>
+      <p:grpSpPr>
+        <a:xfrm>
+          <a:off x="0" y="0"/>
+          <a:ext cx="0" cy="0"/>
+          <a:chOff x="0" y="0"/>
+          <a:chExt cx="0" cy="0"/>
+        </a:xfrm>
+      </p:grpSpPr>
+      <p:sp>
+        <p:nvSpPr>
+          <p:cNvPr id="8" name="Title 7">
+            <a:extLst>
+              <a:ext uri="{FF2B5EF4-FFF2-40B4-BE49-F238E27FC236}">
+                <a16:creationId xmlns:a16="http://schemas.microsoft.com/office/drawing/2014/main" id="{197044C3-CD23-D844-B780-26FABA91AD0F}"/>
+              </a:ext>
+            </a:extLst>
+          </p:cNvPr>
+          <p:cNvSpPr>
+            <a:spLocks noGrp="1"/>
+          </p:cNvSpPr>
+          <p:nvPr>
+            <p:ph type="title"/>
+          </p:nvPr>
+        </p:nvSpPr>
+        <p:spPr/>
+        <p:txBody>
+          <a:bodyPr/>
+          <a:lstStyle/>
+          <a:p>
+            <a:r>
+              <a:rPr lang="fi-FI" dirty="0" err="1"/>
+              <a:t>Why</a:t>
+            </a:r>
+            <a:r>
+              <a:rPr lang="fi-FI" dirty="0"/>
+              <a:t> to </a:t>
+            </a:r>
+            <a:r>
+              <a:rPr lang="fi-FI" dirty="0" err="1"/>
+              <a:t>have</a:t>
+            </a:r>
+            <a:r>
+              <a:rPr lang="fi-FI" dirty="0"/>
+              <a:t> </a:t>
+            </a:r>
+            <a:r>
+              <a:rPr lang="fi-FI" dirty="0" err="1"/>
+              <a:t>good</a:t>
+            </a:r>
+            <a:r>
+              <a:rPr lang="fi-FI" dirty="0"/>
+              <a:t> Software Architecture?</a:t>
+            </a:r>
+          </a:p>
+        </p:txBody>
+      </p:sp>
+      <p:sp>
+        <p:nvSpPr>
+          <p:cNvPr id="9" name="Content Placeholder 8">
+            <a:extLst>
+              <a:ext uri="{FF2B5EF4-FFF2-40B4-BE49-F238E27FC236}">
+                <a16:creationId xmlns:a16="http://schemas.microsoft.com/office/drawing/2014/main" id="{ACDE61D8-A75A-F94B-B57A-46F276C03311}"/>
+              </a:ext>
+            </a:extLst>
+          </p:cNvPr>
+          <p:cNvSpPr>
+            <a:spLocks noGrp="1"/>
+          </p:cNvSpPr>
+          <p:nvPr>
+            <p:ph sz="half" idx="2"/>
+          </p:nvPr>
+        </p:nvSpPr>
+        <p:spPr/>
+        <p:txBody>
+          <a:bodyPr>
+            <a:normAutofit/>
+          </a:bodyPr>
+          <a:lstStyle/>
+          <a:p>
+            <a:r>
+              <a:rPr lang="fi-FI" dirty="0" err="1"/>
+              <a:t>We</a:t>
+            </a:r>
+            <a:r>
+              <a:rPr lang="fi-FI" dirty="0"/>
+              <a:t> </a:t>
+            </a:r>
+            <a:r>
+              <a:rPr lang="fi-FI" dirty="0" err="1"/>
+              <a:t>spend</a:t>
+            </a:r>
+            <a:r>
+              <a:rPr lang="fi-FI" dirty="0"/>
+              <a:t> some </a:t>
+            </a:r>
+            <a:r>
+              <a:rPr lang="fi-FI" dirty="0" err="1"/>
+              <a:t>effort</a:t>
+            </a:r>
+            <a:r>
+              <a:rPr lang="fi-FI" dirty="0"/>
+              <a:t> in </a:t>
+            </a:r>
+            <a:r>
+              <a:rPr lang="fi-FI" dirty="0" err="1"/>
+              <a:t>the</a:t>
+            </a:r>
+            <a:r>
+              <a:rPr lang="fi-FI" dirty="0"/>
+              <a:t> </a:t>
+            </a:r>
+            <a:r>
+              <a:rPr lang="fi-FI" dirty="0" err="1"/>
+              <a:t>beginning</a:t>
+            </a:r>
+            <a:r>
+              <a:rPr lang="fi-FI" dirty="0"/>
+              <a:t>, to </a:t>
+            </a:r>
+            <a:r>
+              <a:rPr lang="fi-FI" dirty="0" err="1"/>
+              <a:t>make</a:t>
+            </a:r>
+            <a:r>
+              <a:rPr lang="fi-FI" dirty="0"/>
+              <a:t> </a:t>
+            </a:r>
+            <a:r>
+              <a:rPr lang="fi-FI" dirty="0" err="1"/>
+              <a:t>the</a:t>
+            </a:r>
+            <a:r>
+              <a:rPr lang="fi-FI" dirty="0"/>
+              <a:t> </a:t>
+            </a:r>
+            <a:r>
+              <a:rPr lang="fi-FI" dirty="0" err="1"/>
+              <a:t>development</a:t>
+            </a:r>
+            <a:r>
+              <a:rPr lang="fi-FI" dirty="0"/>
+              <a:t> </a:t>
+            </a:r>
+            <a:r>
+              <a:rPr lang="fi-FI" i="1" dirty="0" err="1"/>
+              <a:t>easier</a:t>
+            </a:r>
+            <a:r>
+              <a:rPr lang="fi-FI" i="1" dirty="0"/>
+              <a:t>, </a:t>
+            </a:r>
+            <a:r>
+              <a:rPr lang="fi-FI" i="1" dirty="0" err="1"/>
+              <a:t>safer</a:t>
+            </a:r>
+            <a:r>
+              <a:rPr lang="fi-FI" i="1" dirty="0"/>
+              <a:t>, </a:t>
+            </a:r>
+            <a:r>
+              <a:rPr lang="fi-FI" i="1" dirty="0" err="1"/>
+              <a:t>faster</a:t>
+            </a:r>
+            <a:r>
+              <a:rPr lang="fi-FI" i="1" dirty="0"/>
+              <a:t>, </a:t>
+            </a:r>
+            <a:r>
+              <a:rPr lang="fi-FI" i="1" dirty="0" err="1"/>
+              <a:t>less</a:t>
+            </a:r>
+            <a:r>
+              <a:rPr lang="fi-FI" i="1" dirty="0"/>
+              <a:t> </a:t>
+            </a:r>
+            <a:r>
+              <a:rPr lang="fi-FI" i="1" dirty="0" err="1"/>
+              <a:t>tiring</a:t>
+            </a:r>
+            <a:r>
+              <a:rPr lang="fi-FI" i="1" dirty="0"/>
+              <a:t> </a:t>
+            </a:r>
+            <a:r>
+              <a:rPr lang="fi-FI" dirty="0" err="1"/>
+              <a:t>later</a:t>
+            </a:r>
+            <a:r>
+              <a:rPr lang="fi-FI" dirty="0"/>
+              <a:t> in </a:t>
+            </a:r>
+            <a:r>
+              <a:rPr lang="fi-FI" dirty="0" err="1"/>
+              <a:t>the</a:t>
+            </a:r>
+            <a:r>
+              <a:rPr lang="fi-FI" dirty="0"/>
+              <a:t> </a:t>
+            </a:r>
+            <a:r>
+              <a:rPr lang="fi-FI" dirty="0" err="1"/>
+              <a:t>project</a:t>
+            </a:r>
+            <a:r>
+              <a:rPr lang="fi-FI" dirty="0"/>
+              <a:t>. </a:t>
+            </a:r>
+          </a:p>
+          <a:p>
+            <a:r>
+              <a:rPr lang="fi-FI" dirty="0" err="1"/>
+              <a:t>Finally</a:t>
+            </a:r>
+            <a:r>
+              <a:rPr lang="fi-FI" dirty="0"/>
+              <a:t> </a:t>
+            </a:r>
+            <a:r>
+              <a:rPr lang="fi-FI" dirty="0" err="1"/>
+              <a:t>this</a:t>
+            </a:r>
+            <a:r>
+              <a:rPr lang="fi-FI" dirty="0"/>
+              <a:t> </a:t>
+            </a:r>
+            <a:r>
+              <a:rPr lang="fi-FI" dirty="0" err="1"/>
+              <a:t>can</a:t>
+            </a:r>
+            <a:r>
+              <a:rPr lang="fi-FI" dirty="0"/>
+              <a:t> </a:t>
+            </a:r>
+            <a:r>
+              <a:rPr lang="fi-FI" dirty="0" err="1"/>
+              <a:t>be</a:t>
+            </a:r>
+            <a:r>
+              <a:rPr lang="fi-FI" dirty="0"/>
+              <a:t> </a:t>
+            </a:r>
+            <a:r>
+              <a:rPr lang="fi-FI" dirty="0" err="1"/>
+              <a:t>measured</a:t>
+            </a:r>
+            <a:r>
+              <a:rPr lang="fi-FI" dirty="0"/>
+              <a:t> </a:t>
+            </a:r>
+            <a:r>
+              <a:rPr lang="fi-FI" dirty="0" err="1"/>
+              <a:t>also</a:t>
+            </a:r>
+            <a:r>
+              <a:rPr lang="fi-FI" dirty="0"/>
+              <a:t> in €uros. </a:t>
+            </a:r>
+            <a:r>
+              <a:rPr lang="fi-FI" dirty="0" err="1"/>
+              <a:t>The</a:t>
+            </a:r>
+            <a:r>
+              <a:rPr lang="fi-FI" dirty="0"/>
+              <a:t> software </a:t>
+            </a:r>
+            <a:r>
+              <a:rPr lang="fi-FI" dirty="0" err="1"/>
+              <a:t>company</a:t>
+            </a:r>
+            <a:r>
+              <a:rPr lang="fi-FI" dirty="0"/>
+              <a:t> </a:t>
+            </a:r>
+            <a:r>
+              <a:rPr lang="fi-FI" dirty="0" err="1"/>
+              <a:t>will</a:t>
+            </a:r>
+            <a:r>
+              <a:rPr lang="fi-FI" dirty="0"/>
+              <a:t> </a:t>
+            </a:r>
+            <a:r>
+              <a:rPr lang="fi-FI" dirty="0" err="1"/>
+              <a:t>have</a:t>
+            </a:r>
+            <a:r>
+              <a:rPr lang="fi-FI" dirty="0"/>
+              <a:t> a </a:t>
+            </a:r>
+            <a:r>
+              <a:rPr lang="fi-FI" dirty="0" err="1"/>
+              <a:t>better</a:t>
+            </a:r>
+            <a:r>
+              <a:rPr lang="fi-FI" dirty="0"/>
+              <a:t> </a:t>
+            </a:r>
+            <a:r>
+              <a:rPr lang="fi-FI" dirty="0" err="1"/>
+              <a:t>foundation</a:t>
+            </a:r>
+            <a:r>
+              <a:rPr lang="fi-FI" dirty="0"/>
+              <a:t> to </a:t>
+            </a:r>
+            <a:r>
+              <a:rPr lang="fi-FI" dirty="0" err="1"/>
+              <a:t>serve</a:t>
+            </a:r>
+            <a:r>
+              <a:rPr lang="fi-FI" dirty="0"/>
+              <a:t> </a:t>
+            </a:r>
+            <a:r>
+              <a:rPr lang="fi-FI" dirty="0" err="1"/>
+              <a:t>also</a:t>
+            </a:r>
+            <a:r>
+              <a:rPr lang="fi-FI" dirty="0"/>
+              <a:t> </a:t>
+            </a:r>
+            <a:r>
+              <a:rPr lang="fi-FI" dirty="0" err="1"/>
+              <a:t>future</a:t>
+            </a:r>
+            <a:r>
+              <a:rPr lang="fi-FI" dirty="0"/>
+              <a:t> </a:t>
+            </a:r>
+            <a:r>
+              <a:rPr lang="fi-FI" dirty="0" err="1"/>
+              <a:t>customers</a:t>
+            </a:r>
+            <a:r>
+              <a:rPr lang="fi-FI" dirty="0"/>
+              <a:t>. </a:t>
+            </a:r>
+          </a:p>
+          <a:p>
+            <a:r>
+              <a:rPr lang="fi-FI" dirty="0" err="1"/>
+              <a:t>Investment</a:t>
+            </a:r>
+            <a:r>
+              <a:rPr lang="fi-FI" dirty="0"/>
+              <a:t> + ROI (Return on </a:t>
+            </a:r>
+            <a:r>
+              <a:rPr lang="fi-FI" dirty="0" err="1"/>
+              <a:t>investment</a:t>
+            </a:r>
+            <a:r>
+              <a:rPr lang="fi-FI"/>
+              <a:t>). </a:t>
+            </a:r>
+            <a:r>
+              <a:rPr lang="fi-FI" dirty="0"/>
+              <a:t>And </a:t>
+            </a:r>
+            <a:r>
+              <a:rPr lang="fi-FI" dirty="0" err="1"/>
+              <a:t>are</a:t>
+            </a:r>
+            <a:r>
+              <a:rPr lang="fi-FI" dirty="0"/>
+              <a:t> </a:t>
+            </a:r>
+            <a:r>
+              <a:rPr lang="fi-FI" dirty="0" err="1"/>
+              <a:t>we</a:t>
+            </a:r>
+            <a:r>
+              <a:rPr lang="fi-FI" dirty="0"/>
+              <a:t> </a:t>
+            </a:r>
+            <a:r>
+              <a:rPr lang="fi-FI" dirty="0" err="1"/>
+              <a:t>talking</a:t>
+            </a:r>
+            <a:r>
+              <a:rPr lang="fi-FI" dirty="0"/>
+              <a:t> </a:t>
+            </a:r>
+            <a:r>
+              <a:rPr lang="fi-FI" dirty="0" err="1"/>
+              <a:t>about</a:t>
+            </a:r>
+            <a:r>
+              <a:rPr lang="fi-FI" dirty="0"/>
+              <a:t> </a:t>
+            </a:r>
+            <a:r>
+              <a:rPr lang="fi-FI" dirty="0" err="1"/>
+              <a:t>one</a:t>
+            </a:r>
+            <a:r>
+              <a:rPr lang="fi-FI" dirty="0"/>
+              <a:t> </a:t>
+            </a:r>
+            <a:r>
+              <a:rPr lang="fi-FI" dirty="0" err="1"/>
+              <a:t>week</a:t>
+            </a:r>
+            <a:r>
+              <a:rPr lang="fi-FI" dirty="0"/>
+              <a:t>, </a:t>
+            </a:r>
+            <a:r>
+              <a:rPr lang="fi-FI" dirty="0" err="1"/>
+              <a:t>one</a:t>
+            </a:r>
+            <a:r>
+              <a:rPr lang="fi-FI" dirty="0"/>
+              <a:t> </a:t>
+            </a:r>
+            <a:r>
+              <a:rPr lang="fi-FI" dirty="0" err="1"/>
+              <a:t>month</a:t>
+            </a:r>
+            <a:r>
+              <a:rPr lang="fi-FI" dirty="0"/>
+              <a:t>, </a:t>
+            </a:r>
+            <a:r>
+              <a:rPr lang="fi-FI" dirty="0" err="1"/>
+              <a:t>one</a:t>
+            </a:r>
+            <a:r>
+              <a:rPr lang="fi-FI" dirty="0"/>
+              <a:t> </a:t>
+            </a:r>
+            <a:r>
+              <a:rPr lang="fi-FI" dirty="0" err="1"/>
+              <a:t>year</a:t>
+            </a:r>
+            <a:r>
+              <a:rPr lang="fi-FI" dirty="0"/>
+              <a:t> </a:t>
+            </a:r>
+            <a:r>
+              <a:rPr lang="fi-FI" dirty="0" err="1"/>
+              <a:t>or</a:t>
+            </a:r>
+            <a:r>
+              <a:rPr lang="fi-FI" dirty="0"/>
+              <a:t> </a:t>
+            </a:r>
+            <a:r>
+              <a:rPr lang="fi-FI" dirty="0" err="1"/>
+              <a:t>multiple-year</a:t>
+            </a:r>
+            <a:r>
+              <a:rPr lang="fi-FI" dirty="0"/>
+              <a:t> ROI?</a:t>
+            </a:r>
+          </a:p>
+          <a:p>
+            <a:pPr marL="0" indent="0">
+              <a:buNone/>
+            </a:pPr>
+            <a:endParaRPr lang="fi-FI" dirty="0"/>
+          </a:p>
+          <a:p>
+            <a:endParaRPr lang="fi-FI" dirty="0"/>
+          </a:p>
+          <a:p>
+            <a:pPr marL="0" indent="0">
+              <a:buNone/>
+            </a:pPr>
+            <a:endParaRPr lang="fi-FI" dirty="0"/>
+          </a:p>
+        </p:txBody>
+      </p:sp>
+      <p:sp>
+        <p:nvSpPr>
+          <p:cNvPr id="5" name="Date Placeholder 4">
+            <a:extLst>
+              <a:ext uri="{FF2B5EF4-FFF2-40B4-BE49-F238E27FC236}">
+                <a16:creationId xmlns:a16="http://schemas.microsoft.com/office/drawing/2014/main" id="{976244E2-AA76-2742-B2EC-FEC79276155C}"/>
+              </a:ext>
+            </a:extLst>
+          </p:cNvPr>
+          <p:cNvSpPr>
+            <a:spLocks noGrp="1"/>
+          </p:cNvSpPr>
+          <p:nvPr>
+            <p:ph type="dt" sz="half" idx="10"/>
+          </p:nvPr>
+        </p:nvSpPr>
+        <p:spPr/>
+        <p:txBody>
+          <a:bodyPr/>
+          <a:lstStyle/>
+          <a:p>
+            <a:fld id="{202E1EC2-47B8-044B-A09E-6A63B4D80C87}" type="datetime1">
+              <a:rPr lang="fi-FI" smtClean="0"/>
+              <a:t>8.2.2024</a:t>
+            </a:fld>
+            <a:endParaRPr lang="en-GB"/>
+          </a:p>
+        </p:txBody>
+      </p:sp>
+      <p:sp>
+        <p:nvSpPr>
+          <p:cNvPr id="6" name="Footer Placeholder 5">
+            <a:extLst>
+              <a:ext uri="{FF2B5EF4-FFF2-40B4-BE49-F238E27FC236}">
+                <a16:creationId xmlns:a16="http://schemas.microsoft.com/office/drawing/2014/main" id="{588CE607-4137-8840-8FEA-42EAC857E3A3}"/>
+              </a:ext>
+            </a:extLst>
+          </p:cNvPr>
+          <p:cNvSpPr>
+            <a:spLocks noGrp="1"/>
+          </p:cNvSpPr>
+          <p:nvPr>
+            <p:ph type="ftr" sz="quarter" idx="11"/>
+          </p:nvPr>
+        </p:nvSpPr>
+        <p:spPr/>
+        <p:txBody>
+          <a:bodyPr/>
+          <a:lstStyle/>
+          <a:p>
+            <a:endParaRPr lang="en-GB"/>
+          </a:p>
+        </p:txBody>
+      </p:sp>
+      <p:sp>
+        <p:nvSpPr>
+          <p:cNvPr id="7" name="Slide Number Placeholder 6">
+            <a:extLst>
+              <a:ext uri="{FF2B5EF4-FFF2-40B4-BE49-F238E27FC236}">
+                <a16:creationId xmlns:a16="http://schemas.microsoft.com/office/drawing/2014/main" id="{2E133A96-6C73-0844-B8CB-27C2B5F4CFB1}"/>
+              </a:ext>
+            </a:extLst>
+          </p:cNvPr>
+          <p:cNvSpPr>
+            <a:spLocks noGrp="1"/>
+          </p:cNvSpPr>
+          <p:nvPr>
+            <p:ph type="sldNum" sz="quarter" idx="12"/>
+          </p:nvPr>
+        </p:nvSpPr>
+        <p:spPr/>
+        <p:txBody>
+          <a:bodyPr/>
+          <a:lstStyle/>
+          <a:p>
+            <a:fld id="{76BAB7ED-EDE9-4D4B-9A2D-30E18C47C16E}" type="slidenum">
+              <a:rPr lang="en-GB" smtClean="0"/>
+              <a:t>20</a:t>
+            </a:fld>
+            <a:endParaRPr lang="en-GB"/>
+          </a:p>
+        </p:txBody>
+      </p:sp>
+    </p:spTree>
+    <p:extLst>
+      <p:ext uri="{BB962C8B-B14F-4D97-AF65-F5344CB8AC3E}">
+        <p14:creationId xmlns:p14="http://schemas.microsoft.com/office/powerpoint/2010/main" val="1036125114"/>
       </p:ext>
     </p:extLst>
   </p:cSld>
@@ -17613,7 +18335,15 @@
           <a:p>
             <a:r>
               <a:rPr lang="fi-FI" dirty="0"/>
-              <a:t>Software Architecture - Definition</a:t>
+              <a:t>Software Architecture – </a:t>
+            </a:r>
+            <a:r>
+              <a:rPr lang="fi-FI" dirty="0" err="1"/>
+              <a:t>another</a:t>
+            </a:r>
+            <a:r>
+              <a:rPr lang="fi-FI" dirty="0"/>
+              <a:t> Definition</a:t>
             </a:r>
           </a:p>
         </p:txBody>
@@ -17724,7 +18454,7 @@
           <a:p>
             <a:fld id="{202E1EC2-47B8-044B-A09E-6A63B4D80C87}" type="datetime1">
               <a:rPr lang="fi-FI" smtClean="0"/>
-              <a:t>27.10.2022</a:t>
+              <a:t>8.2.2024</a:t>
             </a:fld>
             <a:endParaRPr lang="en-GB"/>
           </a:p>
@@ -17837,7 +18567,15 @@
           <a:p>
             <a:r>
               <a:rPr lang="fi-FI" dirty="0"/>
-              <a:t>Software Architecture - Definition</a:t>
+              <a:t>Software Architecture – </a:t>
+            </a:r>
+            <a:r>
+              <a:rPr lang="fi-FI" dirty="0" err="1"/>
+              <a:t>third</a:t>
+            </a:r>
+            <a:r>
+              <a:rPr lang="fi-FI" dirty="0"/>
+              <a:t> Definition</a:t>
             </a:r>
           </a:p>
         </p:txBody>
@@ -17924,7 +18662,7 @@
           <a:p>
             <a:fld id="{202E1EC2-47B8-044B-A09E-6A63B4D80C87}" type="datetime1">
               <a:rPr lang="fi-FI" smtClean="0"/>
-              <a:t>27.10.2022</a:t>
+              <a:t>8.2.2024</a:t>
             </a:fld>
             <a:endParaRPr lang="en-GB"/>
           </a:p>
@@ -18037,7 +18775,15 @@
           <a:p>
             <a:r>
               <a:rPr lang="fi-FI" dirty="0"/>
-              <a:t>Software Architecture - Definition</a:t>
+              <a:t>Software Architecture – </a:t>
+            </a:r>
+            <a:r>
+              <a:rPr lang="fi-FI" dirty="0" err="1"/>
+              <a:t>fourth</a:t>
+            </a:r>
+            <a:r>
+              <a:rPr lang="fi-FI" dirty="0"/>
+              <a:t> Definition</a:t>
             </a:r>
           </a:p>
         </p:txBody>
@@ -18127,7 +18873,7 @@
           <a:p>
             <a:fld id="{202E1EC2-47B8-044B-A09E-6A63B4D80C87}" type="datetime1">
               <a:rPr lang="fi-FI" smtClean="0"/>
-              <a:t>27.10.2022</a:t>
+              <a:t>8.2.2024</a:t>
             </a:fld>
             <a:endParaRPr lang="en-GB"/>
           </a:p>
@@ -18235,7 +18981,9 @@
         </p:nvSpPr>
         <p:spPr/>
         <p:txBody>
-          <a:bodyPr/>
+          <a:bodyPr>
+            <a:normAutofit fontScale="90000"/>
+          </a:bodyPr>
           <a:lstStyle/>
           <a:p>
             <a:r>
@@ -18297,6 +19045,22 @@
             <a:r>
               <a:rPr lang="fi-FI" dirty="0" err="1"/>
               <a:t>system</a:t>
+            </a:r>
+            <a:r>
+              <a:rPr lang="fi-FI" dirty="0"/>
+              <a:t> </a:t>
+            </a:r>
+            <a:r>
+              <a:rPr lang="fi-FI" u="sng" dirty="0"/>
+              <a:t>and</a:t>
+            </a:r>
+            <a:r>
+              <a:rPr lang="fi-FI" dirty="0"/>
+              <a:t> SW </a:t>
+            </a:r>
+            <a:r>
+              <a:rPr lang="fi-FI" dirty="0" err="1"/>
+              <a:t>development</a:t>
             </a:r>
             <a:r>
               <a:rPr lang="fi-FI" dirty="0"/>
@@ -18402,7 +19166,7 @@
           <a:p>
             <a:fld id="{202E1EC2-47B8-044B-A09E-6A63B4D80C87}" type="datetime1">
               <a:rPr lang="fi-FI" smtClean="0"/>
-              <a:t>27.10.2022</a:t>
+              <a:t>8.2.2024</a:t>
             </a:fld>
             <a:endParaRPr lang="en-GB"/>
           </a:p>
@@ -19278,7 +20042,7 @@
           <a:p>
             <a:fld id="{202E1EC2-47B8-044B-A09E-6A63B4D80C87}" type="datetime1">
               <a:rPr lang="fi-FI" smtClean="0"/>
-              <a:t>27.10.2022</a:t>
+              <a:t>8.2.2024</a:t>
             </a:fld>
             <a:endParaRPr lang="en-GB"/>
           </a:p>
@@ -19794,7 +20558,7 @@
           <a:p>
             <a:fld id="{202E1EC2-47B8-044B-A09E-6A63B4D80C87}" type="datetime1">
               <a:rPr lang="fi-FI" smtClean="0"/>
-              <a:t>27.10.2022</a:t>
+              <a:t>8.2.2024</a:t>
             </a:fld>
             <a:endParaRPr lang="en-GB"/>
           </a:p>
@@ -20477,7 +21241,7 @@
           <a:p>
             <a:fld id="{202E1EC2-47B8-044B-A09E-6A63B4D80C87}" type="datetime1">
               <a:rPr lang="fi-FI" smtClean="0"/>
-              <a:t>27.10.2022</a:t>
+              <a:t>8.2.2024</a:t>
             </a:fld>
             <a:endParaRPr lang="en-GB"/>
           </a:p>
